--- a/TR_ESCRIT/PPT_Teo.pptx
+++ b/TR_ESCRIT/PPT_Teo.pptx
@@ -5,11 +5,26 @@
     <p:sldMasterId id="2147483648" r:id="rId1"/>
   </p:sldMasterIdLst>
   <p:notesMasterIdLst>
-    <p:notesMasterId r:id="rId4"/>
+    <p:notesMasterId r:id="rId19"/>
   </p:notesMasterIdLst>
   <p:sldIdLst>
     <p:sldId id="256" r:id="rId2"/>
     <p:sldId id="257" r:id="rId3"/>
+    <p:sldId id="258" r:id="rId4"/>
+    <p:sldId id="259" r:id="rId5"/>
+    <p:sldId id="260" r:id="rId6"/>
+    <p:sldId id="261" r:id="rId7"/>
+    <p:sldId id="262" r:id="rId8"/>
+    <p:sldId id="263" r:id="rId9"/>
+    <p:sldId id="264" r:id="rId10"/>
+    <p:sldId id="265" r:id="rId11"/>
+    <p:sldId id="266" r:id="rId12"/>
+    <p:sldId id="267" r:id="rId13"/>
+    <p:sldId id="268" r:id="rId14"/>
+    <p:sldId id="269" r:id="rId15"/>
+    <p:sldId id="270" r:id="rId16"/>
+    <p:sldId id="271" r:id="rId17"/>
+    <p:sldId id="272" r:id="rId18"/>
   </p:sldIdLst>
   <p:sldSz cx="12192000" cy="6858000"/>
   <p:notesSz cx="6858000" cy="9144000"/>
@@ -108,6 +123,11 @@
       </a:defRPr>
     </a:lvl9pPr>
   </p:defaultTextStyle>
+  <p:extLst>
+    <p:ext uri="{EFAFB233-063F-42B5-8137-9DF3F51BA10A}">
+      <p15:sldGuideLst xmlns:p15="http://schemas.microsoft.com/office/powerpoint/2012/main"/>
+    </p:ext>
+  </p:extLst>
 </p:presentation>
 </file>
 
@@ -193,7 +213,7 @@
           <a:p>
             <a:fld id="{5B51F4EA-B45B-4788-8135-769EA69C61CB}" type="datetimeFigureOut">
               <a:rPr lang="ca-ES" smtClean="0"/>
-              <a:t>5/12/2024</a:t>
+              <a:t>9/12/2024</a:t>
             </a:fld>
             <a:endParaRPr lang="ca-ES"/>
           </a:p>
@@ -506,9 +526,146 @@
           <a:lstStyle/>
           <a:p>
             <a:r>
-              <a:rPr lang="ca-ES" dirty="0"/>
-              <a:t>A l'inici d'aquest treball de recerca una de les hipòtesis plantejades era la forma que prendrien els gràfics que relacionen la puntuació dels agents d'intel·ligència artificial amb el pas les generacions al llarg d'un entrenament. La nostra hipòtesi era que la forma seria logarítmica</a:t>
-            </a:r>
+              <a:rPr lang="es-ES" b="1" dirty="0" err="1"/>
+              <a:t>Com</a:t>
+            </a:r>
+            <a:r>
+              <a:rPr lang="es-ES" b="1" dirty="0"/>
+              <a:t> </a:t>
+            </a:r>
+            <a:r>
+              <a:rPr lang="es-ES" b="1" dirty="0" err="1"/>
+              <a:t>aprèn</a:t>
+            </a:r>
+            <a:r>
+              <a:rPr lang="es-ES" b="1" dirty="0"/>
+              <a:t>?. </a:t>
+            </a:r>
+            <a:r>
+              <a:rPr lang="es-ES" dirty="0"/>
+              <a:t>Una de les </a:t>
+            </a:r>
+            <a:r>
+              <a:rPr lang="es-ES" dirty="0" err="1"/>
+              <a:t>hipòtesis</a:t>
+            </a:r>
+            <a:r>
+              <a:rPr lang="es-ES" dirty="0"/>
+              <a:t> </a:t>
+            </a:r>
+            <a:r>
+              <a:rPr lang="es-ES" dirty="0" err="1"/>
+              <a:t>plantejades</a:t>
+            </a:r>
+            <a:r>
+              <a:rPr lang="es-ES" dirty="0"/>
+              <a:t> era la forma que </a:t>
+            </a:r>
+            <a:r>
+              <a:rPr lang="es-ES" dirty="0" err="1"/>
+              <a:t>prendrien</a:t>
+            </a:r>
+            <a:r>
+              <a:rPr lang="es-ES" dirty="0"/>
+              <a:t> </a:t>
+            </a:r>
+            <a:r>
+              <a:rPr lang="es-ES" dirty="0" err="1"/>
+              <a:t>els</a:t>
+            </a:r>
+            <a:r>
+              <a:rPr lang="es-ES" dirty="0"/>
+              <a:t> </a:t>
+            </a:r>
+            <a:r>
+              <a:rPr lang="es-ES" dirty="0" err="1"/>
+              <a:t>gràfics</a:t>
+            </a:r>
+            <a:r>
+              <a:rPr lang="es-ES" dirty="0"/>
+              <a:t> que relacionen la </a:t>
+            </a:r>
+            <a:r>
+              <a:rPr lang="es-ES" dirty="0" err="1"/>
+              <a:t>puntuació</a:t>
+            </a:r>
+            <a:r>
+              <a:rPr lang="es-ES" dirty="0"/>
+              <a:t> </a:t>
+            </a:r>
+            <a:r>
+              <a:rPr lang="es-ES" dirty="0" err="1"/>
+              <a:t>dels</a:t>
+            </a:r>
+            <a:r>
+              <a:rPr lang="es-ES" dirty="0"/>
+              <a:t> </a:t>
+            </a:r>
+            <a:r>
+              <a:rPr lang="es-ES" dirty="0" err="1"/>
+              <a:t>agents</a:t>
+            </a:r>
+            <a:r>
+              <a:rPr lang="es-ES" dirty="0"/>
+              <a:t> </a:t>
+            </a:r>
+            <a:r>
+              <a:rPr lang="es-ES" dirty="0" err="1"/>
+              <a:t>d'intel·ligència</a:t>
+            </a:r>
+            <a:r>
+              <a:rPr lang="es-ES" dirty="0"/>
+              <a:t> artificial </a:t>
+            </a:r>
+            <a:r>
+              <a:rPr lang="es-ES" dirty="0" err="1"/>
+              <a:t>amb</a:t>
+            </a:r>
+            <a:r>
+              <a:rPr lang="es-ES" dirty="0"/>
+              <a:t> el </a:t>
+            </a:r>
+            <a:r>
+              <a:rPr lang="es-ES" dirty="0" err="1"/>
+              <a:t>pas</a:t>
+            </a:r>
+            <a:r>
+              <a:rPr lang="es-ES" dirty="0"/>
+              <a:t> les </a:t>
+            </a:r>
+            <a:r>
+              <a:rPr lang="es-ES" dirty="0" err="1"/>
+              <a:t>generacions</a:t>
+            </a:r>
+            <a:r>
+              <a:rPr lang="es-ES" dirty="0"/>
+              <a:t> al </a:t>
+            </a:r>
+            <a:r>
+              <a:rPr lang="es-ES" dirty="0" err="1"/>
+              <a:t>llarg</a:t>
+            </a:r>
+            <a:r>
+              <a:rPr lang="es-ES" dirty="0"/>
+              <a:t> </a:t>
+            </a:r>
+            <a:r>
+              <a:rPr lang="es-ES" dirty="0" err="1"/>
+              <a:t>d'un</a:t>
+            </a:r>
+            <a:r>
+              <a:rPr lang="es-ES" dirty="0"/>
+              <a:t> </a:t>
+            </a:r>
+            <a:r>
+              <a:rPr lang="es-ES" dirty="0" err="1"/>
+              <a:t>entrenament</a:t>
+            </a:r>
+            <a:r>
+              <a:rPr lang="es-ES" dirty="0"/>
+              <a:t>. </a:t>
+            </a:r>
+            <a:endParaRPr lang="ca-ES" dirty="0"/>
           </a:p>
         </p:txBody>
       </p:sp>
@@ -529,6 +686,1452 @@
           <a:p>
             <a:fld id="{AA93F080-ECF3-415A-84A6-DF6D3BEC8CB2}" type="slidenum">
               <a:rPr lang="ca-ES" smtClean="0"/>
+              <a:t>1</a:t>
+            </a:fld>
+            <a:endParaRPr lang="ca-ES"/>
+          </a:p>
+        </p:txBody>
+      </p:sp>
+    </p:spTree>
+    <p:extLst>
+      <p:ext uri="{BB962C8B-B14F-4D97-AF65-F5344CB8AC3E}">
+        <p14:creationId xmlns:p14="http://schemas.microsoft.com/office/powerpoint/2010/main" val="4150575310"/>
+      </p:ext>
+    </p:extLst>
+  </p:cSld>
+  <p:clrMapOvr>
+    <a:masterClrMapping/>
+  </p:clrMapOvr>
+</p:notes>
+</file>
+
+<file path=ppt/notesSlides/notesSlide10.xml><?xml version="1.0" encoding="utf-8"?>
+<p:notes xmlns:a="http://schemas.openxmlformats.org/drawingml/2006/main" xmlns:r="http://schemas.openxmlformats.org/officeDocument/2006/relationships" xmlns:p="http://schemas.openxmlformats.org/presentationml/2006/main">
+  <p:cSld>
+    <p:spTree>
+      <p:nvGrpSpPr>
+        <p:cNvPr id="1" name="">
+          <a:extLst>
+            <a:ext uri="{FF2B5EF4-FFF2-40B4-BE49-F238E27FC236}">
+              <a16:creationId xmlns:a16="http://schemas.microsoft.com/office/drawing/2014/main" id="{DE7CD8B7-0BCB-8C39-1D86-8DF6F939338A}"/>
+            </a:ext>
+          </a:extLst>
+        </p:cNvPr>
+        <p:cNvGrpSpPr/>
+        <p:nvPr/>
+      </p:nvGrpSpPr>
+      <p:grpSpPr>
+        <a:xfrm>
+          <a:off x="0" y="0"/>
+          <a:ext cx="0" cy="0"/>
+          <a:chOff x="0" y="0"/>
+          <a:chExt cx="0" cy="0"/>
+        </a:xfrm>
+      </p:grpSpPr>
+      <p:sp>
+        <p:nvSpPr>
+          <p:cNvPr id="2" name="Marcador de imagen de diapositiva 1">
+            <a:extLst>
+              <a:ext uri="{FF2B5EF4-FFF2-40B4-BE49-F238E27FC236}">
+                <a16:creationId xmlns:a16="http://schemas.microsoft.com/office/drawing/2014/main" id="{B7ED0985-1E8E-FFF0-CB9A-2A2F288E9AD6}"/>
+              </a:ext>
+            </a:extLst>
+          </p:cNvPr>
+          <p:cNvSpPr>
+            <a:spLocks noGrp="1" noRot="1" noChangeAspect="1"/>
+          </p:cNvSpPr>
+          <p:nvPr>
+            <p:ph type="sldImg"/>
+          </p:nvPr>
+        </p:nvSpPr>
+        <p:spPr/>
+      </p:sp>
+      <p:sp>
+        <p:nvSpPr>
+          <p:cNvPr id="3" name="Marcador de notas 2">
+            <a:extLst>
+              <a:ext uri="{FF2B5EF4-FFF2-40B4-BE49-F238E27FC236}">
+                <a16:creationId xmlns:a16="http://schemas.microsoft.com/office/drawing/2014/main" id="{259AFD00-030F-B836-522F-D9249284B21C}"/>
+              </a:ext>
+            </a:extLst>
+          </p:cNvPr>
+          <p:cNvSpPr>
+            <a:spLocks noGrp="1"/>
+          </p:cNvSpPr>
+          <p:nvPr>
+            <p:ph type="body" idx="1"/>
+          </p:nvPr>
+        </p:nvSpPr>
+        <p:spPr/>
+        <p:txBody>
+          <a:bodyPr/>
+          <a:lstStyle/>
+          <a:p>
+            <a:r>
+              <a:rPr lang="es-ES" dirty="0"/>
+              <a:t>Se refiere a la capacidad de los sistemas informáticos para mejorar su rendimiento y tomar decisiones basándose en datos y experiencias, sin necesidad de programación explícita. </a:t>
+            </a:r>
+          </a:p>
+          <a:p>
+            <a:endParaRPr lang="es-ES" dirty="0"/>
+          </a:p>
+          <a:p>
+            <a:r>
+              <a:rPr lang="es-ES" dirty="0"/>
+              <a:t>Este proceso implica:</a:t>
+            </a:r>
+          </a:p>
+          <a:p>
+            <a:pPr marL="171450" indent="-171450">
+              <a:buFont typeface="Arial" panose="020B0604020202020204" pitchFamily="34" charset="0"/>
+              <a:buChar char="•"/>
+            </a:pPr>
+            <a:r>
+              <a:rPr lang="es-ES" b="1" dirty="0"/>
+              <a:t>Adquisición de conocimiento</a:t>
+            </a:r>
+            <a:r>
+              <a:rPr lang="es-ES" dirty="0"/>
+              <a:t>: La IA acumula nueva información y la relaciona con el conocimiento existente. (XARXES NEURONALS)</a:t>
+            </a:r>
+          </a:p>
+          <a:p>
+            <a:pPr marL="171450" indent="-171450">
+              <a:buFont typeface="Arial" panose="020B0604020202020204" pitchFamily="34" charset="0"/>
+              <a:buChar char="•"/>
+            </a:pPr>
+            <a:r>
+              <a:rPr lang="es-ES" b="1" dirty="0"/>
+              <a:t>Adaptación</a:t>
+            </a:r>
+            <a:r>
+              <a:rPr lang="es-ES" dirty="0"/>
+              <a:t>: Los sistemas de IA evolucionan y se adaptan a nuevas situaciones. Mediante procesamiento de datos.</a:t>
+            </a:r>
+          </a:p>
+          <a:p>
+            <a:pPr marL="171450" indent="-171450">
+              <a:buFont typeface="Arial" panose="020B0604020202020204" pitchFamily="34" charset="0"/>
+              <a:buChar char="•"/>
+            </a:pPr>
+            <a:r>
+              <a:rPr lang="es-ES" b="1" dirty="0"/>
+              <a:t>Reconocimiento de patrones</a:t>
+            </a:r>
+            <a:r>
+              <a:rPr lang="es-ES" dirty="0"/>
+              <a:t>: La IA identifica patrones en grandes cantidades de datos para generalizar comportamientos. (APRENENTATGE)</a:t>
+            </a:r>
+          </a:p>
+          <a:p>
+            <a:pPr marL="171450" marR="0" lvl="0" indent="-171450" algn="l" defTabSz="914400" rtl="0" eaLnBrk="1" fontAlgn="auto" latinLnBrk="0" hangingPunct="1">
+              <a:lnSpc>
+                <a:spcPct val="100000"/>
+              </a:lnSpc>
+              <a:spcBef>
+                <a:spcPts val="0"/>
+              </a:spcBef>
+              <a:spcAft>
+                <a:spcPts val="0"/>
+              </a:spcAft>
+              <a:buClrTx/>
+              <a:buSzTx/>
+              <a:buFont typeface="Arial" panose="020B0604020202020204" pitchFamily="34" charset="0"/>
+              <a:buChar char="•"/>
+              <a:tabLst/>
+              <a:defRPr/>
+            </a:pPr>
+            <a:r>
+              <a:rPr lang="es-ES" b="1" dirty="0"/>
+              <a:t>Mejora continua</a:t>
+            </a:r>
+            <a:r>
+              <a:rPr lang="es-ES" dirty="0"/>
+              <a:t>: A través de la interacción con su entorno, la IA progresa de manera autónoma. (APRENENTATGE)</a:t>
+            </a:r>
+            <a:endParaRPr lang="ca-ES" dirty="0"/>
+          </a:p>
+        </p:txBody>
+      </p:sp>
+      <p:sp>
+        <p:nvSpPr>
+          <p:cNvPr id="4" name="Marcador de número de diapositiva 3">
+            <a:extLst>
+              <a:ext uri="{FF2B5EF4-FFF2-40B4-BE49-F238E27FC236}">
+                <a16:creationId xmlns:a16="http://schemas.microsoft.com/office/drawing/2014/main" id="{CABEAB16-5B41-BEE7-3FAA-9CA8AF213945}"/>
+              </a:ext>
+            </a:extLst>
+          </p:cNvPr>
+          <p:cNvSpPr>
+            <a:spLocks noGrp="1"/>
+          </p:cNvSpPr>
+          <p:nvPr>
+            <p:ph type="sldNum" sz="quarter" idx="5"/>
+          </p:nvPr>
+        </p:nvSpPr>
+        <p:spPr/>
+        <p:txBody>
+          <a:bodyPr/>
+          <a:lstStyle/>
+          <a:p>
+            <a:fld id="{AA93F080-ECF3-415A-84A6-DF6D3BEC8CB2}" type="slidenum">
+              <a:rPr lang="ca-ES" smtClean="0"/>
+              <a:t>10</a:t>
+            </a:fld>
+            <a:endParaRPr lang="ca-ES"/>
+          </a:p>
+        </p:txBody>
+      </p:sp>
+    </p:spTree>
+    <p:extLst>
+      <p:ext uri="{BB962C8B-B14F-4D97-AF65-F5344CB8AC3E}">
+        <p14:creationId xmlns:p14="http://schemas.microsoft.com/office/powerpoint/2010/main" val="4202366090"/>
+      </p:ext>
+    </p:extLst>
+  </p:cSld>
+  <p:clrMapOvr>
+    <a:masterClrMapping/>
+  </p:clrMapOvr>
+</p:notes>
+</file>
+
+<file path=ppt/notesSlides/notesSlide11.xml><?xml version="1.0" encoding="utf-8"?>
+<p:notes xmlns:a="http://schemas.openxmlformats.org/drawingml/2006/main" xmlns:r="http://schemas.openxmlformats.org/officeDocument/2006/relationships" xmlns:p="http://schemas.openxmlformats.org/presentationml/2006/main">
+  <p:cSld>
+    <p:spTree>
+      <p:nvGrpSpPr>
+        <p:cNvPr id="1" name="">
+          <a:extLst>
+            <a:ext uri="{FF2B5EF4-FFF2-40B4-BE49-F238E27FC236}">
+              <a16:creationId xmlns:a16="http://schemas.microsoft.com/office/drawing/2014/main" id="{290CB846-9001-2781-8D55-CEAE1535F445}"/>
+            </a:ext>
+          </a:extLst>
+        </p:cNvPr>
+        <p:cNvGrpSpPr/>
+        <p:nvPr/>
+      </p:nvGrpSpPr>
+      <p:grpSpPr>
+        <a:xfrm>
+          <a:off x="0" y="0"/>
+          <a:ext cx="0" cy="0"/>
+          <a:chOff x="0" y="0"/>
+          <a:chExt cx="0" cy="0"/>
+        </a:xfrm>
+      </p:grpSpPr>
+      <p:sp>
+        <p:nvSpPr>
+          <p:cNvPr id="2" name="Marcador de imagen de diapositiva 1">
+            <a:extLst>
+              <a:ext uri="{FF2B5EF4-FFF2-40B4-BE49-F238E27FC236}">
+                <a16:creationId xmlns:a16="http://schemas.microsoft.com/office/drawing/2014/main" id="{853EA6EE-589F-88F2-5199-15D64F891740}"/>
+              </a:ext>
+            </a:extLst>
+          </p:cNvPr>
+          <p:cNvSpPr>
+            <a:spLocks noGrp="1" noRot="1" noChangeAspect="1"/>
+          </p:cNvSpPr>
+          <p:nvPr>
+            <p:ph type="sldImg"/>
+          </p:nvPr>
+        </p:nvSpPr>
+        <p:spPr/>
+      </p:sp>
+      <p:sp>
+        <p:nvSpPr>
+          <p:cNvPr id="3" name="Marcador de notas 2">
+            <a:extLst>
+              <a:ext uri="{FF2B5EF4-FFF2-40B4-BE49-F238E27FC236}">
+                <a16:creationId xmlns:a16="http://schemas.microsoft.com/office/drawing/2014/main" id="{E18E7E7F-6A35-E7FD-AFA9-2BFBAB6B7C2F}"/>
+              </a:ext>
+            </a:extLst>
+          </p:cNvPr>
+          <p:cNvSpPr>
+            <a:spLocks noGrp="1"/>
+          </p:cNvSpPr>
+          <p:nvPr>
+            <p:ph type="body" idx="1"/>
+          </p:nvPr>
+        </p:nvSpPr>
+        <p:spPr/>
+        <p:txBody>
+          <a:bodyPr/>
+          <a:lstStyle/>
+          <a:p>
+            <a:r>
+              <a:rPr lang="es-ES" dirty="0"/>
+              <a:t>Se refiere a la capacidad de los sistemas informáticos para mejorar su rendimiento y tomar decisiones basándose en datos y experiencias, sin necesidad de programación explícita. </a:t>
+            </a:r>
+          </a:p>
+          <a:p>
+            <a:endParaRPr lang="es-ES" dirty="0"/>
+          </a:p>
+          <a:p>
+            <a:r>
+              <a:rPr lang="es-ES" dirty="0"/>
+              <a:t>Este proceso implica:</a:t>
+            </a:r>
+          </a:p>
+          <a:p>
+            <a:pPr marL="171450" indent="-171450">
+              <a:buFont typeface="Arial" panose="020B0604020202020204" pitchFamily="34" charset="0"/>
+              <a:buChar char="•"/>
+            </a:pPr>
+            <a:r>
+              <a:rPr lang="es-ES" b="1" dirty="0"/>
+              <a:t>Adquisición de conocimiento</a:t>
+            </a:r>
+            <a:r>
+              <a:rPr lang="es-ES" dirty="0"/>
+              <a:t>: La IA acumula nueva información y la relaciona con el conocimiento existente. (XARXES NEURONALS)</a:t>
+            </a:r>
+          </a:p>
+          <a:p>
+            <a:pPr marL="171450" indent="-171450">
+              <a:buFont typeface="Arial" panose="020B0604020202020204" pitchFamily="34" charset="0"/>
+              <a:buChar char="•"/>
+            </a:pPr>
+            <a:r>
+              <a:rPr lang="es-ES" b="1" dirty="0"/>
+              <a:t>Adaptación</a:t>
+            </a:r>
+            <a:r>
+              <a:rPr lang="es-ES" dirty="0"/>
+              <a:t>: Los sistemas de IA evolucionan y se adaptan a nuevas situaciones. Mediante procesamiento de datos.</a:t>
+            </a:r>
+          </a:p>
+          <a:p>
+            <a:pPr marL="171450" indent="-171450">
+              <a:buFont typeface="Arial" panose="020B0604020202020204" pitchFamily="34" charset="0"/>
+              <a:buChar char="•"/>
+            </a:pPr>
+            <a:r>
+              <a:rPr lang="es-ES" b="1" dirty="0"/>
+              <a:t>Reconocimiento de patrones</a:t>
+            </a:r>
+            <a:r>
+              <a:rPr lang="es-ES" dirty="0"/>
+              <a:t>: La IA identifica patrones en grandes cantidades de datos para generalizar comportamientos. (APRENENTATGE)</a:t>
+            </a:r>
+          </a:p>
+          <a:p>
+            <a:pPr marL="171450" marR="0" lvl="0" indent="-171450" algn="l" defTabSz="914400" rtl="0" eaLnBrk="1" fontAlgn="auto" latinLnBrk="0" hangingPunct="1">
+              <a:lnSpc>
+                <a:spcPct val="100000"/>
+              </a:lnSpc>
+              <a:spcBef>
+                <a:spcPts val="0"/>
+              </a:spcBef>
+              <a:spcAft>
+                <a:spcPts val="0"/>
+              </a:spcAft>
+              <a:buClrTx/>
+              <a:buSzTx/>
+              <a:buFont typeface="Arial" panose="020B0604020202020204" pitchFamily="34" charset="0"/>
+              <a:buChar char="•"/>
+              <a:tabLst/>
+              <a:defRPr/>
+            </a:pPr>
+            <a:r>
+              <a:rPr lang="es-ES" b="1" dirty="0"/>
+              <a:t>Mejora continua</a:t>
+            </a:r>
+            <a:r>
+              <a:rPr lang="es-ES" dirty="0"/>
+              <a:t>: A través de la interacción con su entorno, la IA progresa de manera autónoma. (APRENENTATGE)</a:t>
+            </a:r>
+            <a:endParaRPr lang="ca-ES" dirty="0"/>
+          </a:p>
+        </p:txBody>
+      </p:sp>
+      <p:sp>
+        <p:nvSpPr>
+          <p:cNvPr id="4" name="Marcador de número de diapositiva 3">
+            <a:extLst>
+              <a:ext uri="{FF2B5EF4-FFF2-40B4-BE49-F238E27FC236}">
+                <a16:creationId xmlns:a16="http://schemas.microsoft.com/office/drawing/2014/main" id="{2C34E7E0-6854-5BC4-3FDA-1522191C20A4}"/>
+              </a:ext>
+            </a:extLst>
+          </p:cNvPr>
+          <p:cNvSpPr>
+            <a:spLocks noGrp="1"/>
+          </p:cNvSpPr>
+          <p:nvPr>
+            <p:ph type="sldNum" sz="quarter" idx="5"/>
+          </p:nvPr>
+        </p:nvSpPr>
+        <p:spPr/>
+        <p:txBody>
+          <a:bodyPr/>
+          <a:lstStyle/>
+          <a:p>
+            <a:fld id="{AA93F080-ECF3-415A-84A6-DF6D3BEC8CB2}" type="slidenum">
+              <a:rPr lang="ca-ES" smtClean="0"/>
+              <a:t>11</a:t>
+            </a:fld>
+            <a:endParaRPr lang="ca-ES"/>
+          </a:p>
+        </p:txBody>
+      </p:sp>
+    </p:spTree>
+    <p:extLst>
+      <p:ext uri="{BB962C8B-B14F-4D97-AF65-F5344CB8AC3E}">
+        <p14:creationId xmlns:p14="http://schemas.microsoft.com/office/powerpoint/2010/main" val="1615988846"/>
+      </p:ext>
+    </p:extLst>
+  </p:cSld>
+  <p:clrMapOvr>
+    <a:masterClrMapping/>
+  </p:clrMapOvr>
+</p:notes>
+</file>
+
+<file path=ppt/notesSlides/notesSlide12.xml><?xml version="1.0" encoding="utf-8"?>
+<p:notes xmlns:a="http://schemas.openxmlformats.org/drawingml/2006/main" xmlns:r="http://schemas.openxmlformats.org/officeDocument/2006/relationships" xmlns:p="http://schemas.openxmlformats.org/presentationml/2006/main">
+  <p:cSld>
+    <p:spTree>
+      <p:nvGrpSpPr>
+        <p:cNvPr id="1" name="">
+          <a:extLst>
+            <a:ext uri="{FF2B5EF4-FFF2-40B4-BE49-F238E27FC236}">
+              <a16:creationId xmlns:a16="http://schemas.microsoft.com/office/drawing/2014/main" id="{3B05E63E-3F17-A8E8-4886-5B94067AEEEC}"/>
+            </a:ext>
+          </a:extLst>
+        </p:cNvPr>
+        <p:cNvGrpSpPr/>
+        <p:nvPr/>
+      </p:nvGrpSpPr>
+      <p:grpSpPr>
+        <a:xfrm>
+          <a:off x="0" y="0"/>
+          <a:ext cx="0" cy="0"/>
+          <a:chOff x="0" y="0"/>
+          <a:chExt cx="0" cy="0"/>
+        </a:xfrm>
+      </p:grpSpPr>
+      <p:sp>
+        <p:nvSpPr>
+          <p:cNvPr id="2" name="Marcador de imagen de diapositiva 1">
+            <a:extLst>
+              <a:ext uri="{FF2B5EF4-FFF2-40B4-BE49-F238E27FC236}">
+                <a16:creationId xmlns:a16="http://schemas.microsoft.com/office/drawing/2014/main" id="{EB34035E-B737-C872-B6D5-6CF1704BA629}"/>
+              </a:ext>
+            </a:extLst>
+          </p:cNvPr>
+          <p:cNvSpPr>
+            <a:spLocks noGrp="1" noRot="1" noChangeAspect="1"/>
+          </p:cNvSpPr>
+          <p:nvPr>
+            <p:ph type="sldImg"/>
+          </p:nvPr>
+        </p:nvSpPr>
+        <p:spPr/>
+      </p:sp>
+      <p:sp>
+        <p:nvSpPr>
+          <p:cNvPr id="3" name="Marcador de notas 2">
+            <a:extLst>
+              <a:ext uri="{FF2B5EF4-FFF2-40B4-BE49-F238E27FC236}">
+                <a16:creationId xmlns:a16="http://schemas.microsoft.com/office/drawing/2014/main" id="{86D4849D-25B8-22FA-3442-91AE2864A9E1}"/>
+              </a:ext>
+            </a:extLst>
+          </p:cNvPr>
+          <p:cNvSpPr>
+            <a:spLocks noGrp="1"/>
+          </p:cNvSpPr>
+          <p:nvPr>
+            <p:ph type="body" idx="1"/>
+          </p:nvPr>
+        </p:nvSpPr>
+        <p:spPr/>
+        <p:txBody>
+          <a:bodyPr/>
+          <a:lstStyle/>
+          <a:p>
+            <a:r>
+              <a:rPr lang="es-ES" dirty="0"/>
+              <a:t>Se refiere a la capacidad de los sistemas informáticos para mejorar su rendimiento y tomar decisiones basándose en datos y experiencias, sin necesidad de programación explícita. </a:t>
+            </a:r>
+          </a:p>
+          <a:p>
+            <a:endParaRPr lang="es-ES" dirty="0"/>
+          </a:p>
+          <a:p>
+            <a:r>
+              <a:rPr lang="es-ES" dirty="0"/>
+              <a:t>Este proceso implica:</a:t>
+            </a:r>
+          </a:p>
+          <a:p>
+            <a:pPr marL="171450" indent="-171450">
+              <a:buFont typeface="Arial" panose="020B0604020202020204" pitchFamily="34" charset="0"/>
+              <a:buChar char="•"/>
+            </a:pPr>
+            <a:r>
+              <a:rPr lang="es-ES" b="1" dirty="0"/>
+              <a:t>Adquisición de conocimiento</a:t>
+            </a:r>
+            <a:r>
+              <a:rPr lang="es-ES" dirty="0"/>
+              <a:t>: La IA acumula nueva información y la relaciona con el conocimiento existente. (XARXES NEURONALS)</a:t>
+            </a:r>
+          </a:p>
+          <a:p>
+            <a:pPr marL="171450" indent="-171450">
+              <a:buFont typeface="Arial" panose="020B0604020202020204" pitchFamily="34" charset="0"/>
+              <a:buChar char="•"/>
+            </a:pPr>
+            <a:r>
+              <a:rPr lang="es-ES" b="1" dirty="0"/>
+              <a:t>Adaptación</a:t>
+            </a:r>
+            <a:r>
+              <a:rPr lang="es-ES" dirty="0"/>
+              <a:t>: Los sistemas de IA evolucionan y se adaptan a nuevas situaciones. Mediante procesamiento de datos.</a:t>
+            </a:r>
+          </a:p>
+          <a:p>
+            <a:pPr marL="171450" indent="-171450">
+              <a:buFont typeface="Arial" panose="020B0604020202020204" pitchFamily="34" charset="0"/>
+              <a:buChar char="•"/>
+            </a:pPr>
+            <a:r>
+              <a:rPr lang="es-ES" b="1" dirty="0"/>
+              <a:t>Reconocimiento de patrones</a:t>
+            </a:r>
+            <a:r>
+              <a:rPr lang="es-ES" dirty="0"/>
+              <a:t>: La IA identifica patrones en grandes cantidades de datos para generalizar comportamientos. (APRENENTATGE)</a:t>
+            </a:r>
+          </a:p>
+          <a:p>
+            <a:pPr marL="171450" marR="0" lvl="0" indent="-171450" algn="l" defTabSz="914400" rtl="0" eaLnBrk="1" fontAlgn="auto" latinLnBrk="0" hangingPunct="1">
+              <a:lnSpc>
+                <a:spcPct val="100000"/>
+              </a:lnSpc>
+              <a:spcBef>
+                <a:spcPts val="0"/>
+              </a:spcBef>
+              <a:spcAft>
+                <a:spcPts val="0"/>
+              </a:spcAft>
+              <a:buClrTx/>
+              <a:buSzTx/>
+              <a:buFont typeface="Arial" panose="020B0604020202020204" pitchFamily="34" charset="0"/>
+              <a:buChar char="•"/>
+              <a:tabLst/>
+              <a:defRPr/>
+            </a:pPr>
+            <a:r>
+              <a:rPr lang="es-ES" b="1" dirty="0"/>
+              <a:t>Mejora continua</a:t>
+            </a:r>
+            <a:r>
+              <a:rPr lang="es-ES" dirty="0"/>
+              <a:t>: A través de la interacción con su entorno, la IA progresa de manera autónoma. (APRENENTATGE)</a:t>
+            </a:r>
+            <a:endParaRPr lang="ca-ES" dirty="0"/>
+          </a:p>
+        </p:txBody>
+      </p:sp>
+      <p:sp>
+        <p:nvSpPr>
+          <p:cNvPr id="4" name="Marcador de número de diapositiva 3">
+            <a:extLst>
+              <a:ext uri="{FF2B5EF4-FFF2-40B4-BE49-F238E27FC236}">
+                <a16:creationId xmlns:a16="http://schemas.microsoft.com/office/drawing/2014/main" id="{565617DD-2A42-A352-E579-BEA472154D04}"/>
+              </a:ext>
+            </a:extLst>
+          </p:cNvPr>
+          <p:cNvSpPr>
+            <a:spLocks noGrp="1"/>
+          </p:cNvSpPr>
+          <p:nvPr>
+            <p:ph type="sldNum" sz="quarter" idx="5"/>
+          </p:nvPr>
+        </p:nvSpPr>
+        <p:spPr/>
+        <p:txBody>
+          <a:bodyPr/>
+          <a:lstStyle/>
+          <a:p>
+            <a:fld id="{AA93F080-ECF3-415A-84A6-DF6D3BEC8CB2}" type="slidenum">
+              <a:rPr lang="ca-ES" smtClean="0"/>
+              <a:t>12</a:t>
+            </a:fld>
+            <a:endParaRPr lang="ca-ES"/>
+          </a:p>
+        </p:txBody>
+      </p:sp>
+    </p:spTree>
+    <p:extLst>
+      <p:ext uri="{BB962C8B-B14F-4D97-AF65-F5344CB8AC3E}">
+        <p14:creationId xmlns:p14="http://schemas.microsoft.com/office/powerpoint/2010/main" val="224568205"/>
+      </p:ext>
+    </p:extLst>
+  </p:cSld>
+  <p:clrMapOvr>
+    <a:masterClrMapping/>
+  </p:clrMapOvr>
+</p:notes>
+</file>
+
+<file path=ppt/notesSlides/notesSlide13.xml><?xml version="1.0" encoding="utf-8"?>
+<p:notes xmlns:a="http://schemas.openxmlformats.org/drawingml/2006/main" xmlns:r="http://schemas.openxmlformats.org/officeDocument/2006/relationships" xmlns:p="http://schemas.openxmlformats.org/presentationml/2006/main">
+  <p:cSld>
+    <p:spTree>
+      <p:nvGrpSpPr>
+        <p:cNvPr id="1" name="">
+          <a:extLst>
+            <a:ext uri="{FF2B5EF4-FFF2-40B4-BE49-F238E27FC236}">
+              <a16:creationId xmlns:a16="http://schemas.microsoft.com/office/drawing/2014/main" id="{4F276C83-0296-6233-A230-843CE8E98E77}"/>
+            </a:ext>
+          </a:extLst>
+        </p:cNvPr>
+        <p:cNvGrpSpPr/>
+        <p:nvPr/>
+      </p:nvGrpSpPr>
+      <p:grpSpPr>
+        <a:xfrm>
+          <a:off x="0" y="0"/>
+          <a:ext cx="0" cy="0"/>
+          <a:chOff x="0" y="0"/>
+          <a:chExt cx="0" cy="0"/>
+        </a:xfrm>
+      </p:grpSpPr>
+      <p:sp>
+        <p:nvSpPr>
+          <p:cNvPr id="2" name="Marcador de imagen de diapositiva 1">
+            <a:extLst>
+              <a:ext uri="{FF2B5EF4-FFF2-40B4-BE49-F238E27FC236}">
+                <a16:creationId xmlns:a16="http://schemas.microsoft.com/office/drawing/2014/main" id="{5A014C99-D481-8266-0AB2-406D2425EA5E}"/>
+              </a:ext>
+            </a:extLst>
+          </p:cNvPr>
+          <p:cNvSpPr>
+            <a:spLocks noGrp="1" noRot="1" noChangeAspect="1"/>
+          </p:cNvSpPr>
+          <p:nvPr>
+            <p:ph type="sldImg"/>
+          </p:nvPr>
+        </p:nvSpPr>
+        <p:spPr/>
+      </p:sp>
+      <p:sp>
+        <p:nvSpPr>
+          <p:cNvPr id="3" name="Marcador de notas 2">
+            <a:extLst>
+              <a:ext uri="{FF2B5EF4-FFF2-40B4-BE49-F238E27FC236}">
+                <a16:creationId xmlns:a16="http://schemas.microsoft.com/office/drawing/2014/main" id="{325A0673-45AB-E123-6D8B-18937955862E}"/>
+              </a:ext>
+            </a:extLst>
+          </p:cNvPr>
+          <p:cNvSpPr>
+            <a:spLocks noGrp="1"/>
+          </p:cNvSpPr>
+          <p:nvPr>
+            <p:ph type="body" idx="1"/>
+          </p:nvPr>
+        </p:nvSpPr>
+        <p:spPr/>
+        <p:txBody>
+          <a:bodyPr/>
+          <a:lstStyle/>
+          <a:p>
+            <a:r>
+              <a:rPr lang="es-ES" dirty="0"/>
+              <a:t>Se refiere a la capacidad de los sistemas informáticos para mejorar su rendimiento y tomar decisiones basándose en datos y experiencias, sin necesidad de programación explícita. </a:t>
+            </a:r>
+          </a:p>
+          <a:p>
+            <a:endParaRPr lang="es-ES" dirty="0"/>
+          </a:p>
+          <a:p>
+            <a:r>
+              <a:rPr lang="es-ES" dirty="0"/>
+              <a:t>Este proceso implica:</a:t>
+            </a:r>
+          </a:p>
+          <a:p>
+            <a:pPr marL="171450" indent="-171450">
+              <a:buFont typeface="Arial" panose="020B0604020202020204" pitchFamily="34" charset="0"/>
+              <a:buChar char="•"/>
+            </a:pPr>
+            <a:r>
+              <a:rPr lang="es-ES" b="1" dirty="0"/>
+              <a:t>Adquisición de conocimiento</a:t>
+            </a:r>
+            <a:r>
+              <a:rPr lang="es-ES" dirty="0"/>
+              <a:t>: La IA acumula nueva información y la relaciona con el conocimiento existente. (XARXES NEURONALS)</a:t>
+            </a:r>
+          </a:p>
+          <a:p>
+            <a:pPr marL="171450" indent="-171450">
+              <a:buFont typeface="Arial" panose="020B0604020202020204" pitchFamily="34" charset="0"/>
+              <a:buChar char="•"/>
+            </a:pPr>
+            <a:r>
+              <a:rPr lang="es-ES" b="1" dirty="0"/>
+              <a:t>Adaptación</a:t>
+            </a:r>
+            <a:r>
+              <a:rPr lang="es-ES" dirty="0"/>
+              <a:t>: Los sistemas de IA evolucionan y se adaptan a nuevas situaciones. Mediante procesamiento de datos.</a:t>
+            </a:r>
+          </a:p>
+          <a:p>
+            <a:pPr marL="171450" indent="-171450">
+              <a:buFont typeface="Arial" panose="020B0604020202020204" pitchFamily="34" charset="0"/>
+              <a:buChar char="•"/>
+            </a:pPr>
+            <a:r>
+              <a:rPr lang="es-ES" b="1" dirty="0"/>
+              <a:t>Reconocimiento de patrones</a:t>
+            </a:r>
+            <a:r>
+              <a:rPr lang="es-ES" dirty="0"/>
+              <a:t>: La IA identifica patrones en grandes cantidades de datos para generalizar comportamientos. (APRENENTATGE)</a:t>
+            </a:r>
+          </a:p>
+          <a:p>
+            <a:pPr marL="171450" marR="0" lvl="0" indent="-171450" algn="l" defTabSz="914400" rtl="0" eaLnBrk="1" fontAlgn="auto" latinLnBrk="0" hangingPunct="1">
+              <a:lnSpc>
+                <a:spcPct val="100000"/>
+              </a:lnSpc>
+              <a:spcBef>
+                <a:spcPts val="0"/>
+              </a:spcBef>
+              <a:spcAft>
+                <a:spcPts val="0"/>
+              </a:spcAft>
+              <a:buClrTx/>
+              <a:buSzTx/>
+              <a:buFont typeface="Arial" panose="020B0604020202020204" pitchFamily="34" charset="0"/>
+              <a:buChar char="•"/>
+              <a:tabLst/>
+              <a:defRPr/>
+            </a:pPr>
+            <a:r>
+              <a:rPr lang="es-ES" b="1" dirty="0"/>
+              <a:t>Mejora continua</a:t>
+            </a:r>
+            <a:r>
+              <a:rPr lang="es-ES" dirty="0"/>
+              <a:t>: A través de la interacción con su entorno, la IA progresa de manera autónoma. (APRENENTATGE)</a:t>
+            </a:r>
+            <a:endParaRPr lang="ca-ES" dirty="0"/>
+          </a:p>
+        </p:txBody>
+      </p:sp>
+      <p:sp>
+        <p:nvSpPr>
+          <p:cNvPr id="4" name="Marcador de número de diapositiva 3">
+            <a:extLst>
+              <a:ext uri="{FF2B5EF4-FFF2-40B4-BE49-F238E27FC236}">
+                <a16:creationId xmlns:a16="http://schemas.microsoft.com/office/drawing/2014/main" id="{4A0ADC32-41D8-2CA2-8427-D72246F09B19}"/>
+              </a:ext>
+            </a:extLst>
+          </p:cNvPr>
+          <p:cNvSpPr>
+            <a:spLocks noGrp="1"/>
+          </p:cNvSpPr>
+          <p:nvPr>
+            <p:ph type="sldNum" sz="quarter" idx="5"/>
+          </p:nvPr>
+        </p:nvSpPr>
+        <p:spPr/>
+        <p:txBody>
+          <a:bodyPr/>
+          <a:lstStyle/>
+          <a:p>
+            <a:fld id="{AA93F080-ECF3-415A-84A6-DF6D3BEC8CB2}" type="slidenum">
+              <a:rPr lang="ca-ES" smtClean="0"/>
+              <a:t>13</a:t>
+            </a:fld>
+            <a:endParaRPr lang="ca-ES"/>
+          </a:p>
+        </p:txBody>
+      </p:sp>
+    </p:spTree>
+    <p:extLst>
+      <p:ext uri="{BB962C8B-B14F-4D97-AF65-F5344CB8AC3E}">
+        <p14:creationId xmlns:p14="http://schemas.microsoft.com/office/powerpoint/2010/main" val="3867463904"/>
+      </p:ext>
+    </p:extLst>
+  </p:cSld>
+  <p:clrMapOvr>
+    <a:masterClrMapping/>
+  </p:clrMapOvr>
+</p:notes>
+</file>
+
+<file path=ppt/notesSlides/notesSlide14.xml><?xml version="1.0" encoding="utf-8"?>
+<p:notes xmlns:a="http://schemas.openxmlformats.org/drawingml/2006/main" xmlns:r="http://schemas.openxmlformats.org/officeDocument/2006/relationships" xmlns:p="http://schemas.openxmlformats.org/presentationml/2006/main">
+  <p:cSld>
+    <p:spTree>
+      <p:nvGrpSpPr>
+        <p:cNvPr id="1" name="">
+          <a:extLst>
+            <a:ext uri="{FF2B5EF4-FFF2-40B4-BE49-F238E27FC236}">
+              <a16:creationId xmlns:a16="http://schemas.microsoft.com/office/drawing/2014/main" id="{F36E92A6-F41F-CED5-6A38-1C21D93C8FE1}"/>
+            </a:ext>
+          </a:extLst>
+        </p:cNvPr>
+        <p:cNvGrpSpPr/>
+        <p:nvPr/>
+      </p:nvGrpSpPr>
+      <p:grpSpPr>
+        <a:xfrm>
+          <a:off x="0" y="0"/>
+          <a:ext cx="0" cy="0"/>
+          <a:chOff x="0" y="0"/>
+          <a:chExt cx="0" cy="0"/>
+        </a:xfrm>
+      </p:grpSpPr>
+      <p:sp>
+        <p:nvSpPr>
+          <p:cNvPr id="2" name="Marcador de imagen de diapositiva 1">
+            <a:extLst>
+              <a:ext uri="{FF2B5EF4-FFF2-40B4-BE49-F238E27FC236}">
+                <a16:creationId xmlns:a16="http://schemas.microsoft.com/office/drawing/2014/main" id="{16DACC92-E762-CE72-8089-50AB36D5DF8A}"/>
+              </a:ext>
+            </a:extLst>
+          </p:cNvPr>
+          <p:cNvSpPr>
+            <a:spLocks noGrp="1" noRot="1" noChangeAspect="1"/>
+          </p:cNvSpPr>
+          <p:nvPr>
+            <p:ph type="sldImg"/>
+          </p:nvPr>
+        </p:nvSpPr>
+        <p:spPr/>
+      </p:sp>
+      <p:sp>
+        <p:nvSpPr>
+          <p:cNvPr id="3" name="Marcador de notas 2">
+            <a:extLst>
+              <a:ext uri="{FF2B5EF4-FFF2-40B4-BE49-F238E27FC236}">
+                <a16:creationId xmlns:a16="http://schemas.microsoft.com/office/drawing/2014/main" id="{AD25704F-10C8-A011-F39B-DDEA8AF270EE}"/>
+              </a:ext>
+            </a:extLst>
+          </p:cNvPr>
+          <p:cNvSpPr>
+            <a:spLocks noGrp="1"/>
+          </p:cNvSpPr>
+          <p:nvPr>
+            <p:ph type="body" idx="1"/>
+          </p:nvPr>
+        </p:nvSpPr>
+        <p:spPr/>
+        <p:txBody>
+          <a:bodyPr/>
+          <a:lstStyle/>
+          <a:p>
+            <a:endParaRPr lang="ca-ES" dirty="0"/>
+          </a:p>
+        </p:txBody>
+      </p:sp>
+      <p:sp>
+        <p:nvSpPr>
+          <p:cNvPr id="4" name="Marcador de número de diapositiva 3">
+            <a:extLst>
+              <a:ext uri="{FF2B5EF4-FFF2-40B4-BE49-F238E27FC236}">
+                <a16:creationId xmlns:a16="http://schemas.microsoft.com/office/drawing/2014/main" id="{317DE013-80CE-B0B5-40EB-E522D013298A}"/>
+              </a:ext>
+            </a:extLst>
+          </p:cNvPr>
+          <p:cNvSpPr>
+            <a:spLocks noGrp="1"/>
+          </p:cNvSpPr>
+          <p:nvPr>
+            <p:ph type="sldNum" sz="quarter" idx="5"/>
+          </p:nvPr>
+        </p:nvSpPr>
+        <p:spPr/>
+        <p:txBody>
+          <a:bodyPr/>
+          <a:lstStyle/>
+          <a:p>
+            <a:fld id="{AA93F080-ECF3-415A-84A6-DF6D3BEC8CB2}" type="slidenum">
+              <a:rPr lang="ca-ES" smtClean="0"/>
+              <a:t>14</a:t>
+            </a:fld>
+            <a:endParaRPr lang="ca-ES"/>
+          </a:p>
+        </p:txBody>
+      </p:sp>
+    </p:spTree>
+    <p:extLst>
+      <p:ext uri="{BB962C8B-B14F-4D97-AF65-F5344CB8AC3E}">
+        <p14:creationId xmlns:p14="http://schemas.microsoft.com/office/powerpoint/2010/main" val="1838063917"/>
+      </p:ext>
+    </p:extLst>
+  </p:cSld>
+  <p:clrMapOvr>
+    <a:masterClrMapping/>
+  </p:clrMapOvr>
+</p:notes>
+</file>
+
+<file path=ppt/notesSlides/notesSlide15.xml><?xml version="1.0" encoding="utf-8"?>
+<p:notes xmlns:a="http://schemas.openxmlformats.org/drawingml/2006/main" xmlns:r="http://schemas.openxmlformats.org/officeDocument/2006/relationships" xmlns:p="http://schemas.openxmlformats.org/presentationml/2006/main">
+  <p:cSld>
+    <p:spTree>
+      <p:nvGrpSpPr>
+        <p:cNvPr id="1" name="">
+          <a:extLst>
+            <a:ext uri="{FF2B5EF4-FFF2-40B4-BE49-F238E27FC236}">
+              <a16:creationId xmlns:a16="http://schemas.microsoft.com/office/drawing/2014/main" id="{0E4F3B2A-706D-B433-AF9D-51CBEC20CF9C}"/>
+            </a:ext>
+          </a:extLst>
+        </p:cNvPr>
+        <p:cNvGrpSpPr/>
+        <p:nvPr/>
+      </p:nvGrpSpPr>
+      <p:grpSpPr>
+        <a:xfrm>
+          <a:off x="0" y="0"/>
+          <a:ext cx="0" cy="0"/>
+          <a:chOff x="0" y="0"/>
+          <a:chExt cx="0" cy="0"/>
+        </a:xfrm>
+      </p:grpSpPr>
+      <p:sp>
+        <p:nvSpPr>
+          <p:cNvPr id="2" name="Marcador de imagen de diapositiva 1">
+            <a:extLst>
+              <a:ext uri="{FF2B5EF4-FFF2-40B4-BE49-F238E27FC236}">
+                <a16:creationId xmlns:a16="http://schemas.microsoft.com/office/drawing/2014/main" id="{0FE26924-4494-DAE5-4EEE-A8A2A0A68175}"/>
+              </a:ext>
+            </a:extLst>
+          </p:cNvPr>
+          <p:cNvSpPr>
+            <a:spLocks noGrp="1" noRot="1" noChangeAspect="1"/>
+          </p:cNvSpPr>
+          <p:nvPr>
+            <p:ph type="sldImg"/>
+          </p:nvPr>
+        </p:nvSpPr>
+        <p:spPr/>
+      </p:sp>
+      <p:sp>
+        <p:nvSpPr>
+          <p:cNvPr id="3" name="Marcador de notas 2">
+            <a:extLst>
+              <a:ext uri="{FF2B5EF4-FFF2-40B4-BE49-F238E27FC236}">
+                <a16:creationId xmlns:a16="http://schemas.microsoft.com/office/drawing/2014/main" id="{AA33D0D1-44B1-3259-495B-DE45F4BAB4C2}"/>
+              </a:ext>
+            </a:extLst>
+          </p:cNvPr>
+          <p:cNvSpPr>
+            <a:spLocks noGrp="1"/>
+          </p:cNvSpPr>
+          <p:nvPr>
+            <p:ph type="body" idx="1"/>
+          </p:nvPr>
+        </p:nvSpPr>
+        <p:spPr/>
+        <p:txBody>
+          <a:bodyPr/>
+          <a:lstStyle/>
+          <a:p>
+            <a:r>
+              <a:rPr lang="es-ES" dirty="0"/>
+              <a:t>Se refiere a la capacidad de los sistemas informáticos para mejorar su rendimiento y tomar decisiones basándose en datos y experiencias, sin necesidad de programación explícita. </a:t>
+            </a:r>
+          </a:p>
+          <a:p>
+            <a:endParaRPr lang="es-ES" dirty="0"/>
+          </a:p>
+          <a:p>
+            <a:r>
+              <a:rPr lang="es-ES" dirty="0"/>
+              <a:t>Este proceso implica:</a:t>
+            </a:r>
+          </a:p>
+          <a:p>
+            <a:pPr marL="171450" indent="-171450">
+              <a:buFont typeface="Arial" panose="020B0604020202020204" pitchFamily="34" charset="0"/>
+              <a:buChar char="•"/>
+            </a:pPr>
+            <a:r>
+              <a:rPr lang="es-ES" b="1" dirty="0"/>
+              <a:t>Adquisición de conocimiento</a:t>
+            </a:r>
+            <a:r>
+              <a:rPr lang="es-ES" dirty="0"/>
+              <a:t>: La IA acumula nueva información y la relaciona con el conocimiento existente. (XARXES NEURONALS)</a:t>
+            </a:r>
+          </a:p>
+          <a:p>
+            <a:pPr marL="171450" indent="-171450">
+              <a:buFont typeface="Arial" panose="020B0604020202020204" pitchFamily="34" charset="0"/>
+              <a:buChar char="•"/>
+            </a:pPr>
+            <a:r>
+              <a:rPr lang="es-ES" b="1" dirty="0"/>
+              <a:t>Adaptación</a:t>
+            </a:r>
+            <a:r>
+              <a:rPr lang="es-ES" dirty="0"/>
+              <a:t>: Los sistemas de IA evolucionan y se adaptan a nuevas situaciones. Mediante procesamiento de datos.</a:t>
+            </a:r>
+          </a:p>
+          <a:p>
+            <a:pPr marL="171450" indent="-171450">
+              <a:buFont typeface="Arial" panose="020B0604020202020204" pitchFamily="34" charset="0"/>
+              <a:buChar char="•"/>
+            </a:pPr>
+            <a:r>
+              <a:rPr lang="es-ES" b="1" dirty="0"/>
+              <a:t>Reconocimiento de patrones</a:t>
+            </a:r>
+            <a:r>
+              <a:rPr lang="es-ES" dirty="0"/>
+              <a:t>: La IA identifica patrones en grandes cantidades de datos para generalizar comportamientos. (APRENENTATGE)</a:t>
+            </a:r>
+          </a:p>
+          <a:p>
+            <a:pPr marL="171450" marR="0" lvl="0" indent="-171450" algn="l" defTabSz="914400" rtl="0" eaLnBrk="1" fontAlgn="auto" latinLnBrk="0" hangingPunct="1">
+              <a:lnSpc>
+                <a:spcPct val="100000"/>
+              </a:lnSpc>
+              <a:spcBef>
+                <a:spcPts val="0"/>
+              </a:spcBef>
+              <a:spcAft>
+                <a:spcPts val="0"/>
+              </a:spcAft>
+              <a:buClrTx/>
+              <a:buSzTx/>
+              <a:buFont typeface="Arial" panose="020B0604020202020204" pitchFamily="34" charset="0"/>
+              <a:buChar char="•"/>
+              <a:tabLst/>
+              <a:defRPr/>
+            </a:pPr>
+            <a:r>
+              <a:rPr lang="es-ES" b="1" dirty="0"/>
+              <a:t>Mejora continua</a:t>
+            </a:r>
+            <a:r>
+              <a:rPr lang="es-ES" dirty="0"/>
+              <a:t>: A través de la interacción con su entorno, la IA progresa de manera autónoma. (APRENENTATGE)</a:t>
+            </a:r>
+            <a:endParaRPr lang="ca-ES" dirty="0"/>
+          </a:p>
+        </p:txBody>
+      </p:sp>
+      <p:sp>
+        <p:nvSpPr>
+          <p:cNvPr id="4" name="Marcador de número de diapositiva 3">
+            <a:extLst>
+              <a:ext uri="{FF2B5EF4-FFF2-40B4-BE49-F238E27FC236}">
+                <a16:creationId xmlns:a16="http://schemas.microsoft.com/office/drawing/2014/main" id="{602C8E1C-A3E5-E2D1-E9B8-772F17B32369}"/>
+              </a:ext>
+            </a:extLst>
+          </p:cNvPr>
+          <p:cNvSpPr>
+            <a:spLocks noGrp="1"/>
+          </p:cNvSpPr>
+          <p:nvPr>
+            <p:ph type="sldNum" sz="quarter" idx="5"/>
+          </p:nvPr>
+        </p:nvSpPr>
+        <p:spPr/>
+        <p:txBody>
+          <a:bodyPr/>
+          <a:lstStyle/>
+          <a:p>
+            <a:fld id="{AA93F080-ECF3-415A-84A6-DF6D3BEC8CB2}" type="slidenum">
+              <a:rPr lang="ca-ES" smtClean="0"/>
+              <a:t>15</a:t>
+            </a:fld>
+            <a:endParaRPr lang="ca-ES"/>
+          </a:p>
+        </p:txBody>
+      </p:sp>
+    </p:spTree>
+    <p:extLst>
+      <p:ext uri="{BB962C8B-B14F-4D97-AF65-F5344CB8AC3E}">
+        <p14:creationId xmlns:p14="http://schemas.microsoft.com/office/powerpoint/2010/main" val="1124868858"/>
+      </p:ext>
+    </p:extLst>
+  </p:cSld>
+  <p:clrMapOvr>
+    <a:masterClrMapping/>
+  </p:clrMapOvr>
+</p:notes>
+</file>
+
+<file path=ppt/notesSlides/notesSlide16.xml><?xml version="1.0" encoding="utf-8"?>
+<p:notes xmlns:a="http://schemas.openxmlformats.org/drawingml/2006/main" xmlns:r="http://schemas.openxmlformats.org/officeDocument/2006/relationships" xmlns:p="http://schemas.openxmlformats.org/presentationml/2006/main">
+  <p:cSld>
+    <p:spTree>
+      <p:nvGrpSpPr>
+        <p:cNvPr id="1" name="">
+          <a:extLst>
+            <a:ext uri="{FF2B5EF4-FFF2-40B4-BE49-F238E27FC236}">
+              <a16:creationId xmlns:a16="http://schemas.microsoft.com/office/drawing/2014/main" id="{57FA2715-B524-6C7E-66A4-204C7CFFA2E6}"/>
+            </a:ext>
+          </a:extLst>
+        </p:cNvPr>
+        <p:cNvGrpSpPr/>
+        <p:nvPr/>
+      </p:nvGrpSpPr>
+      <p:grpSpPr>
+        <a:xfrm>
+          <a:off x="0" y="0"/>
+          <a:ext cx="0" cy="0"/>
+          <a:chOff x="0" y="0"/>
+          <a:chExt cx="0" cy="0"/>
+        </a:xfrm>
+      </p:grpSpPr>
+      <p:sp>
+        <p:nvSpPr>
+          <p:cNvPr id="2" name="Marcador de imagen de diapositiva 1">
+            <a:extLst>
+              <a:ext uri="{FF2B5EF4-FFF2-40B4-BE49-F238E27FC236}">
+                <a16:creationId xmlns:a16="http://schemas.microsoft.com/office/drawing/2014/main" id="{9A211ABE-2715-885A-32D1-C7E03993B82A}"/>
+              </a:ext>
+            </a:extLst>
+          </p:cNvPr>
+          <p:cNvSpPr>
+            <a:spLocks noGrp="1" noRot="1" noChangeAspect="1"/>
+          </p:cNvSpPr>
+          <p:nvPr>
+            <p:ph type="sldImg"/>
+          </p:nvPr>
+        </p:nvSpPr>
+        <p:spPr/>
+      </p:sp>
+      <p:sp>
+        <p:nvSpPr>
+          <p:cNvPr id="3" name="Marcador de notas 2">
+            <a:extLst>
+              <a:ext uri="{FF2B5EF4-FFF2-40B4-BE49-F238E27FC236}">
+                <a16:creationId xmlns:a16="http://schemas.microsoft.com/office/drawing/2014/main" id="{D006A2D9-7926-CEA6-E116-832725AD14FA}"/>
+              </a:ext>
+            </a:extLst>
+          </p:cNvPr>
+          <p:cNvSpPr>
+            <a:spLocks noGrp="1"/>
+          </p:cNvSpPr>
+          <p:nvPr>
+            <p:ph type="body" idx="1"/>
+          </p:nvPr>
+        </p:nvSpPr>
+        <p:spPr/>
+        <p:txBody>
+          <a:bodyPr/>
+          <a:lstStyle/>
+          <a:p>
+            <a:r>
+              <a:rPr lang="ca-ES" dirty="0"/>
+              <a:t>després de 3.798 partides i més de 450.000 generacions amb diferents paràmetres (població, mutacions i inputs)</a:t>
+            </a:r>
+          </a:p>
+        </p:txBody>
+      </p:sp>
+      <p:sp>
+        <p:nvSpPr>
+          <p:cNvPr id="4" name="Marcador de número de diapositiva 3">
+            <a:extLst>
+              <a:ext uri="{FF2B5EF4-FFF2-40B4-BE49-F238E27FC236}">
+                <a16:creationId xmlns:a16="http://schemas.microsoft.com/office/drawing/2014/main" id="{2BE9BFF8-9B60-71A7-9A9F-F06038F9105F}"/>
+              </a:ext>
+            </a:extLst>
+          </p:cNvPr>
+          <p:cNvSpPr>
+            <a:spLocks noGrp="1"/>
+          </p:cNvSpPr>
+          <p:nvPr>
+            <p:ph type="sldNum" sz="quarter" idx="5"/>
+          </p:nvPr>
+        </p:nvSpPr>
+        <p:spPr/>
+        <p:txBody>
+          <a:bodyPr/>
+          <a:lstStyle/>
+          <a:p>
+            <a:fld id="{AA93F080-ECF3-415A-84A6-DF6D3BEC8CB2}" type="slidenum">
+              <a:rPr lang="ca-ES" smtClean="0"/>
+              <a:t>16</a:t>
+            </a:fld>
+            <a:endParaRPr lang="ca-ES"/>
+          </a:p>
+        </p:txBody>
+      </p:sp>
+    </p:spTree>
+    <p:extLst>
+      <p:ext uri="{BB962C8B-B14F-4D97-AF65-F5344CB8AC3E}">
+        <p14:creationId xmlns:p14="http://schemas.microsoft.com/office/powerpoint/2010/main" val="132079608"/>
+      </p:ext>
+    </p:extLst>
+  </p:cSld>
+  <p:clrMapOvr>
+    <a:masterClrMapping/>
+  </p:clrMapOvr>
+</p:notes>
+</file>
+
+<file path=ppt/notesSlides/notesSlide17.xml><?xml version="1.0" encoding="utf-8"?>
+<p:notes xmlns:a="http://schemas.openxmlformats.org/drawingml/2006/main" xmlns:r="http://schemas.openxmlformats.org/officeDocument/2006/relationships" xmlns:p="http://schemas.openxmlformats.org/presentationml/2006/main">
+  <p:cSld>
+    <p:spTree>
+      <p:nvGrpSpPr>
+        <p:cNvPr id="1" name="">
+          <a:extLst>
+            <a:ext uri="{FF2B5EF4-FFF2-40B4-BE49-F238E27FC236}">
+              <a16:creationId xmlns:a16="http://schemas.microsoft.com/office/drawing/2014/main" id="{707500CE-89B5-C72C-3C0F-402BAA6AB107}"/>
+            </a:ext>
+          </a:extLst>
+        </p:cNvPr>
+        <p:cNvGrpSpPr/>
+        <p:nvPr/>
+      </p:nvGrpSpPr>
+      <p:grpSpPr>
+        <a:xfrm>
+          <a:off x="0" y="0"/>
+          <a:ext cx="0" cy="0"/>
+          <a:chOff x="0" y="0"/>
+          <a:chExt cx="0" cy="0"/>
+        </a:xfrm>
+      </p:grpSpPr>
+      <p:sp>
+        <p:nvSpPr>
+          <p:cNvPr id="2" name="Marcador de imagen de diapositiva 1">
+            <a:extLst>
+              <a:ext uri="{FF2B5EF4-FFF2-40B4-BE49-F238E27FC236}">
+                <a16:creationId xmlns:a16="http://schemas.microsoft.com/office/drawing/2014/main" id="{E6D875D8-3565-D753-4CC1-9AF08F45E8C0}"/>
+              </a:ext>
+            </a:extLst>
+          </p:cNvPr>
+          <p:cNvSpPr>
+            <a:spLocks noGrp="1" noRot="1" noChangeAspect="1"/>
+          </p:cNvSpPr>
+          <p:nvPr>
+            <p:ph type="sldImg"/>
+          </p:nvPr>
+        </p:nvSpPr>
+        <p:spPr/>
+      </p:sp>
+      <p:sp>
+        <p:nvSpPr>
+          <p:cNvPr id="3" name="Marcador de notas 2">
+            <a:extLst>
+              <a:ext uri="{FF2B5EF4-FFF2-40B4-BE49-F238E27FC236}">
+                <a16:creationId xmlns:a16="http://schemas.microsoft.com/office/drawing/2014/main" id="{E7F0104E-FD00-B01F-5121-239D026D6361}"/>
+              </a:ext>
+            </a:extLst>
+          </p:cNvPr>
+          <p:cNvSpPr>
+            <a:spLocks noGrp="1"/>
+          </p:cNvSpPr>
+          <p:nvPr>
+            <p:ph type="body" idx="1"/>
+          </p:nvPr>
+        </p:nvSpPr>
+        <p:spPr/>
+        <p:txBody>
+          <a:bodyPr/>
+          <a:lstStyle/>
+          <a:p>
+            <a:r>
+              <a:rPr lang="ca-ES" dirty="0"/>
+              <a:t>després de 3.798 partides i més de 450.000 generacions amb diferents paràmetres (població, mutacions i inputs)</a:t>
+            </a:r>
+          </a:p>
+        </p:txBody>
+      </p:sp>
+      <p:sp>
+        <p:nvSpPr>
+          <p:cNvPr id="4" name="Marcador de número de diapositiva 3">
+            <a:extLst>
+              <a:ext uri="{FF2B5EF4-FFF2-40B4-BE49-F238E27FC236}">
+                <a16:creationId xmlns:a16="http://schemas.microsoft.com/office/drawing/2014/main" id="{A442B0BF-7B21-9BA9-A6F1-84317EFAD33C}"/>
+              </a:ext>
+            </a:extLst>
+          </p:cNvPr>
+          <p:cNvSpPr>
+            <a:spLocks noGrp="1"/>
+          </p:cNvSpPr>
+          <p:nvPr>
+            <p:ph type="sldNum" sz="quarter" idx="5"/>
+          </p:nvPr>
+        </p:nvSpPr>
+        <p:spPr/>
+        <p:txBody>
+          <a:bodyPr/>
+          <a:lstStyle/>
+          <a:p>
+            <a:fld id="{AA93F080-ECF3-415A-84A6-DF6D3BEC8CB2}" type="slidenum">
+              <a:rPr lang="ca-ES" smtClean="0"/>
+              <a:t>17</a:t>
+            </a:fld>
+            <a:endParaRPr lang="ca-ES"/>
+          </a:p>
+        </p:txBody>
+      </p:sp>
+    </p:spTree>
+    <p:extLst>
+      <p:ext uri="{BB962C8B-B14F-4D97-AF65-F5344CB8AC3E}">
+        <p14:creationId xmlns:p14="http://schemas.microsoft.com/office/powerpoint/2010/main" val="2269970963"/>
+      </p:ext>
+    </p:extLst>
+  </p:cSld>
+  <p:clrMapOvr>
+    <a:masterClrMapping/>
+  </p:clrMapOvr>
+</p:notes>
+</file>
+
+<file path=ppt/notesSlides/notesSlide2.xml><?xml version="1.0" encoding="utf-8"?>
+<p:notes xmlns:a="http://schemas.openxmlformats.org/drawingml/2006/main" xmlns:r="http://schemas.openxmlformats.org/officeDocument/2006/relationships" xmlns:p="http://schemas.openxmlformats.org/presentationml/2006/main">
+  <p:cSld>
+    <p:spTree>
+      <p:nvGrpSpPr>
+        <p:cNvPr id="1" name=""/>
+        <p:cNvGrpSpPr/>
+        <p:nvPr/>
+      </p:nvGrpSpPr>
+      <p:grpSpPr>
+        <a:xfrm>
+          <a:off x="0" y="0"/>
+          <a:ext cx="0" cy="0"/>
+          <a:chOff x="0" y="0"/>
+          <a:chExt cx="0" cy="0"/>
+        </a:xfrm>
+      </p:grpSpPr>
+      <p:sp>
+        <p:nvSpPr>
+          <p:cNvPr id="2" name="Marcador de imagen de diapositiva 1"/>
+          <p:cNvSpPr>
+            <a:spLocks noGrp="1" noRot="1" noChangeAspect="1"/>
+          </p:cNvSpPr>
+          <p:nvPr>
+            <p:ph type="sldImg"/>
+          </p:nvPr>
+        </p:nvSpPr>
+        <p:spPr/>
+      </p:sp>
+      <p:sp>
+        <p:nvSpPr>
+          <p:cNvPr id="3" name="Marcador de notas 2"/>
+          <p:cNvSpPr>
+            <a:spLocks noGrp="1"/>
+          </p:cNvSpPr>
+          <p:nvPr>
+            <p:ph type="body" idx="1"/>
+          </p:nvPr>
+        </p:nvSpPr>
+        <p:spPr/>
+        <p:txBody>
+          <a:bodyPr/>
+          <a:lstStyle/>
+          <a:p>
+            <a:r>
+              <a:rPr lang="es-ES" dirty="0"/>
+              <a:t>Se refiere a la capacidad de los sistemas informáticos para mejorar su rendimiento y tomar decisiones basándose en datos y experiencias, sin necesidad de programación explícita. </a:t>
+            </a:r>
+          </a:p>
+          <a:p>
+            <a:endParaRPr lang="es-ES" dirty="0"/>
+          </a:p>
+          <a:p>
+            <a:r>
+              <a:rPr lang="es-ES" dirty="0"/>
+              <a:t>Este proceso implica:</a:t>
+            </a:r>
+          </a:p>
+          <a:p>
+            <a:pPr marL="171450" indent="-171450">
+              <a:buFont typeface="Arial" panose="020B0604020202020204" pitchFamily="34" charset="0"/>
+              <a:buChar char="•"/>
+            </a:pPr>
+            <a:r>
+              <a:rPr lang="es-ES" b="1" dirty="0"/>
+              <a:t>Adquisición de conocimiento</a:t>
+            </a:r>
+            <a:r>
+              <a:rPr lang="es-ES" dirty="0"/>
+              <a:t>: La IA acumula nueva información y la relaciona con el conocimiento existente. (XARXES NEURONALS)</a:t>
+            </a:r>
+          </a:p>
+          <a:p>
+            <a:pPr marL="171450" indent="-171450">
+              <a:buFont typeface="Arial" panose="020B0604020202020204" pitchFamily="34" charset="0"/>
+              <a:buChar char="•"/>
+            </a:pPr>
+            <a:r>
+              <a:rPr lang="es-ES" b="1" dirty="0"/>
+              <a:t>Adaptación</a:t>
+            </a:r>
+            <a:r>
+              <a:rPr lang="es-ES" dirty="0"/>
+              <a:t>: Los sistemas de IA evolucionan y se adaptan a nuevas situaciones. Mediante procesamiento de datos.</a:t>
+            </a:r>
+          </a:p>
+          <a:p>
+            <a:pPr marL="171450" indent="-171450">
+              <a:buFont typeface="Arial" panose="020B0604020202020204" pitchFamily="34" charset="0"/>
+              <a:buChar char="•"/>
+            </a:pPr>
+            <a:r>
+              <a:rPr lang="es-ES" b="1" dirty="0"/>
+              <a:t>Reconocimiento de patrones</a:t>
+            </a:r>
+            <a:r>
+              <a:rPr lang="es-ES" dirty="0"/>
+              <a:t>: La IA identifica patrones en grandes cantidades de datos para generalizar comportamientos. (APRENENTATGE)</a:t>
+            </a:r>
+          </a:p>
+          <a:p>
+            <a:pPr marL="171450" marR="0" lvl="0" indent="-171450" algn="l" defTabSz="914400" rtl="0" eaLnBrk="1" fontAlgn="auto" latinLnBrk="0" hangingPunct="1">
+              <a:lnSpc>
+                <a:spcPct val="100000"/>
+              </a:lnSpc>
+              <a:spcBef>
+                <a:spcPts val="0"/>
+              </a:spcBef>
+              <a:spcAft>
+                <a:spcPts val="0"/>
+              </a:spcAft>
+              <a:buClrTx/>
+              <a:buSzTx/>
+              <a:buFont typeface="Arial" panose="020B0604020202020204" pitchFamily="34" charset="0"/>
+              <a:buChar char="•"/>
+              <a:tabLst/>
+              <a:defRPr/>
+            </a:pPr>
+            <a:r>
+              <a:rPr lang="es-ES" b="1" dirty="0"/>
+              <a:t>Mejora continua</a:t>
+            </a:r>
+            <a:r>
+              <a:rPr lang="es-ES" dirty="0"/>
+              <a:t>: A través de la interacción con su entorno, la IA progresa de manera autónoma. (APRENENTATGE)</a:t>
+            </a:r>
+            <a:endParaRPr lang="ca-ES" dirty="0"/>
+          </a:p>
+        </p:txBody>
+      </p:sp>
+      <p:sp>
+        <p:nvSpPr>
+          <p:cNvPr id="4" name="Marcador de número de diapositiva 3"/>
+          <p:cNvSpPr>
+            <a:spLocks noGrp="1"/>
+          </p:cNvSpPr>
+          <p:nvPr>
+            <p:ph type="sldNum" sz="quarter" idx="5"/>
+          </p:nvPr>
+        </p:nvSpPr>
+        <p:spPr/>
+        <p:txBody>
+          <a:bodyPr/>
+          <a:lstStyle/>
+          <a:p>
+            <a:fld id="{AA93F080-ECF3-415A-84A6-DF6D3BEC8CB2}" type="slidenum">
+              <a:rPr lang="ca-ES" smtClean="0"/>
               <a:t>2</a:t>
             </a:fld>
             <a:endParaRPr lang="ca-ES"/>
@@ -538,7 +2141,1337 @@
     </p:spTree>
     <p:extLst>
       <p:ext uri="{BB962C8B-B14F-4D97-AF65-F5344CB8AC3E}">
-        <p14:creationId xmlns:p14="http://schemas.microsoft.com/office/powerpoint/2010/main" val="1693696490"/>
+        <p14:creationId xmlns:p14="http://schemas.microsoft.com/office/powerpoint/2010/main" val="1457388068"/>
+      </p:ext>
+    </p:extLst>
+  </p:cSld>
+  <p:clrMapOvr>
+    <a:masterClrMapping/>
+  </p:clrMapOvr>
+</p:notes>
+</file>
+
+<file path=ppt/notesSlides/notesSlide3.xml><?xml version="1.0" encoding="utf-8"?>
+<p:notes xmlns:a="http://schemas.openxmlformats.org/drawingml/2006/main" xmlns:r="http://schemas.openxmlformats.org/officeDocument/2006/relationships" xmlns:p="http://schemas.openxmlformats.org/presentationml/2006/main">
+  <p:cSld>
+    <p:spTree>
+      <p:nvGrpSpPr>
+        <p:cNvPr id="1" name="">
+          <a:extLst>
+            <a:ext uri="{FF2B5EF4-FFF2-40B4-BE49-F238E27FC236}">
+              <a16:creationId xmlns:a16="http://schemas.microsoft.com/office/drawing/2014/main" id="{91E370BC-D32A-B07A-987F-041BDD358A0A}"/>
+            </a:ext>
+          </a:extLst>
+        </p:cNvPr>
+        <p:cNvGrpSpPr/>
+        <p:nvPr/>
+      </p:nvGrpSpPr>
+      <p:grpSpPr>
+        <a:xfrm>
+          <a:off x="0" y="0"/>
+          <a:ext cx="0" cy="0"/>
+          <a:chOff x="0" y="0"/>
+          <a:chExt cx="0" cy="0"/>
+        </a:xfrm>
+      </p:grpSpPr>
+      <p:sp>
+        <p:nvSpPr>
+          <p:cNvPr id="2" name="Marcador de imagen de diapositiva 1">
+            <a:extLst>
+              <a:ext uri="{FF2B5EF4-FFF2-40B4-BE49-F238E27FC236}">
+                <a16:creationId xmlns:a16="http://schemas.microsoft.com/office/drawing/2014/main" id="{057B61D5-49FD-6554-37F9-274ECE28DA07}"/>
+              </a:ext>
+            </a:extLst>
+          </p:cNvPr>
+          <p:cNvSpPr>
+            <a:spLocks noGrp="1" noRot="1" noChangeAspect="1"/>
+          </p:cNvSpPr>
+          <p:nvPr>
+            <p:ph type="sldImg"/>
+          </p:nvPr>
+        </p:nvSpPr>
+        <p:spPr/>
+      </p:sp>
+      <p:sp>
+        <p:nvSpPr>
+          <p:cNvPr id="3" name="Marcador de notas 2">
+            <a:extLst>
+              <a:ext uri="{FF2B5EF4-FFF2-40B4-BE49-F238E27FC236}">
+                <a16:creationId xmlns:a16="http://schemas.microsoft.com/office/drawing/2014/main" id="{9427EC25-0616-71EC-7D23-A467F0E89AD5}"/>
+              </a:ext>
+            </a:extLst>
+          </p:cNvPr>
+          <p:cNvSpPr>
+            <a:spLocks noGrp="1"/>
+          </p:cNvSpPr>
+          <p:nvPr>
+            <p:ph type="body" idx="1"/>
+          </p:nvPr>
+        </p:nvSpPr>
+        <p:spPr/>
+        <p:txBody>
+          <a:bodyPr/>
+          <a:lstStyle/>
+          <a:p>
+            <a:r>
+              <a:rPr lang="es-ES" dirty="0"/>
+              <a:t>Se refiere a la capacidad de los sistemas informáticos para mejorar su rendimiento y tomar decisiones basándose en datos y experiencias, sin necesidad de programación explícita. </a:t>
+            </a:r>
+          </a:p>
+          <a:p>
+            <a:endParaRPr lang="es-ES" dirty="0"/>
+          </a:p>
+          <a:p>
+            <a:r>
+              <a:rPr lang="es-ES" dirty="0"/>
+              <a:t>Este proceso implica:</a:t>
+            </a:r>
+          </a:p>
+          <a:p>
+            <a:pPr marL="171450" indent="-171450">
+              <a:buFont typeface="Arial" panose="020B0604020202020204" pitchFamily="34" charset="0"/>
+              <a:buChar char="•"/>
+            </a:pPr>
+            <a:r>
+              <a:rPr lang="es-ES" b="1" dirty="0"/>
+              <a:t>Adquisición de conocimiento</a:t>
+            </a:r>
+            <a:r>
+              <a:rPr lang="es-ES" dirty="0"/>
+              <a:t>: La IA acumula nueva información y la relaciona con el conocimiento existente. (XARXES NEURONALS)</a:t>
+            </a:r>
+          </a:p>
+          <a:p>
+            <a:pPr marL="171450" indent="-171450">
+              <a:buFont typeface="Arial" panose="020B0604020202020204" pitchFamily="34" charset="0"/>
+              <a:buChar char="•"/>
+            </a:pPr>
+            <a:r>
+              <a:rPr lang="es-ES" b="1" dirty="0"/>
+              <a:t>Adaptación</a:t>
+            </a:r>
+            <a:r>
+              <a:rPr lang="es-ES" dirty="0"/>
+              <a:t>: Los sistemas de IA evolucionan y se adaptan a nuevas situaciones. Mediante procesamiento de datos.</a:t>
+            </a:r>
+          </a:p>
+          <a:p>
+            <a:pPr marL="171450" indent="-171450">
+              <a:buFont typeface="Arial" panose="020B0604020202020204" pitchFamily="34" charset="0"/>
+              <a:buChar char="•"/>
+            </a:pPr>
+            <a:r>
+              <a:rPr lang="es-ES" b="1" dirty="0"/>
+              <a:t>Reconocimiento de patrones</a:t>
+            </a:r>
+            <a:r>
+              <a:rPr lang="es-ES" dirty="0"/>
+              <a:t>: La IA identifica patrones en grandes cantidades de datos para generalizar comportamientos. (APRENENTATGE)</a:t>
+            </a:r>
+          </a:p>
+          <a:p>
+            <a:pPr marL="171450" marR="0" lvl="0" indent="-171450" algn="l" defTabSz="914400" rtl="0" eaLnBrk="1" fontAlgn="auto" latinLnBrk="0" hangingPunct="1">
+              <a:lnSpc>
+                <a:spcPct val="100000"/>
+              </a:lnSpc>
+              <a:spcBef>
+                <a:spcPts val="0"/>
+              </a:spcBef>
+              <a:spcAft>
+                <a:spcPts val="0"/>
+              </a:spcAft>
+              <a:buClrTx/>
+              <a:buSzTx/>
+              <a:buFont typeface="Arial" panose="020B0604020202020204" pitchFamily="34" charset="0"/>
+              <a:buChar char="•"/>
+              <a:tabLst/>
+              <a:defRPr/>
+            </a:pPr>
+            <a:r>
+              <a:rPr lang="es-ES" b="1" dirty="0"/>
+              <a:t>Mejora continua</a:t>
+            </a:r>
+            <a:r>
+              <a:rPr lang="es-ES" dirty="0"/>
+              <a:t>: A través de la interacción con su entorno, la IA progresa de manera autónoma. (APRENENTATGE)</a:t>
+            </a:r>
+            <a:endParaRPr lang="ca-ES" dirty="0"/>
+          </a:p>
+        </p:txBody>
+      </p:sp>
+      <p:sp>
+        <p:nvSpPr>
+          <p:cNvPr id="4" name="Marcador de número de diapositiva 3">
+            <a:extLst>
+              <a:ext uri="{FF2B5EF4-FFF2-40B4-BE49-F238E27FC236}">
+                <a16:creationId xmlns:a16="http://schemas.microsoft.com/office/drawing/2014/main" id="{7D32731D-F8C9-820C-C0B0-8CF273F23C72}"/>
+              </a:ext>
+            </a:extLst>
+          </p:cNvPr>
+          <p:cNvSpPr>
+            <a:spLocks noGrp="1"/>
+          </p:cNvSpPr>
+          <p:nvPr>
+            <p:ph type="sldNum" sz="quarter" idx="5"/>
+          </p:nvPr>
+        </p:nvSpPr>
+        <p:spPr/>
+        <p:txBody>
+          <a:bodyPr/>
+          <a:lstStyle/>
+          <a:p>
+            <a:fld id="{AA93F080-ECF3-415A-84A6-DF6D3BEC8CB2}" type="slidenum">
+              <a:rPr lang="ca-ES" smtClean="0"/>
+              <a:t>3</a:t>
+            </a:fld>
+            <a:endParaRPr lang="ca-ES"/>
+          </a:p>
+        </p:txBody>
+      </p:sp>
+    </p:spTree>
+    <p:extLst>
+      <p:ext uri="{BB962C8B-B14F-4D97-AF65-F5344CB8AC3E}">
+        <p14:creationId xmlns:p14="http://schemas.microsoft.com/office/powerpoint/2010/main" val="3305086037"/>
+      </p:ext>
+    </p:extLst>
+  </p:cSld>
+  <p:clrMapOvr>
+    <a:masterClrMapping/>
+  </p:clrMapOvr>
+</p:notes>
+</file>
+
+<file path=ppt/notesSlides/notesSlide4.xml><?xml version="1.0" encoding="utf-8"?>
+<p:notes xmlns:a="http://schemas.openxmlformats.org/drawingml/2006/main" xmlns:r="http://schemas.openxmlformats.org/officeDocument/2006/relationships" xmlns:p="http://schemas.openxmlformats.org/presentationml/2006/main">
+  <p:cSld>
+    <p:spTree>
+      <p:nvGrpSpPr>
+        <p:cNvPr id="1" name="">
+          <a:extLst>
+            <a:ext uri="{FF2B5EF4-FFF2-40B4-BE49-F238E27FC236}">
+              <a16:creationId xmlns:a16="http://schemas.microsoft.com/office/drawing/2014/main" id="{BB25A1A4-652B-3574-DFBB-819384DCE785}"/>
+            </a:ext>
+          </a:extLst>
+        </p:cNvPr>
+        <p:cNvGrpSpPr/>
+        <p:nvPr/>
+      </p:nvGrpSpPr>
+      <p:grpSpPr>
+        <a:xfrm>
+          <a:off x="0" y="0"/>
+          <a:ext cx="0" cy="0"/>
+          <a:chOff x="0" y="0"/>
+          <a:chExt cx="0" cy="0"/>
+        </a:xfrm>
+      </p:grpSpPr>
+      <p:sp>
+        <p:nvSpPr>
+          <p:cNvPr id="2" name="Marcador de imagen de diapositiva 1">
+            <a:extLst>
+              <a:ext uri="{FF2B5EF4-FFF2-40B4-BE49-F238E27FC236}">
+                <a16:creationId xmlns:a16="http://schemas.microsoft.com/office/drawing/2014/main" id="{69ACD99E-5C0B-B596-3ED6-54A6F0600E08}"/>
+              </a:ext>
+            </a:extLst>
+          </p:cNvPr>
+          <p:cNvSpPr>
+            <a:spLocks noGrp="1" noRot="1" noChangeAspect="1"/>
+          </p:cNvSpPr>
+          <p:nvPr>
+            <p:ph type="sldImg"/>
+          </p:nvPr>
+        </p:nvSpPr>
+        <p:spPr/>
+      </p:sp>
+      <p:sp>
+        <p:nvSpPr>
+          <p:cNvPr id="3" name="Marcador de notas 2">
+            <a:extLst>
+              <a:ext uri="{FF2B5EF4-FFF2-40B4-BE49-F238E27FC236}">
+                <a16:creationId xmlns:a16="http://schemas.microsoft.com/office/drawing/2014/main" id="{C44F260D-2B29-3258-8291-B5D01E78D739}"/>
+              </a:ext>
+            </a:extLst>
+          </p:cNvPr>
+          <p:cNvSpPr>
+            <a:spLocks noGrp="1"/>
+          </p:cNvSpPr>
+          <p:nvPr>
+            <p:ph type="body" idx="1"/>
+          </p:nvPr>
+        </p:nvSpPr>
+        <p:spPr/>
+        <p:txBody>
+          <a:bodyPr/>
+          <a:lstStyle/>
+          <a:p>
+            <a:r>
+              <a:rPr lang="es-ES" dirty="0"/>
+              <a:t>Se refiere a la capacidad de los sistemas informáticos para mejorar su rendimiento y tomar decisiones basándose en datos y experiencias, sin necesidad de programación explícita. </a:t>
+            </a:r>
+          </a:p>
+          <a:p>
+            <a:endParaRPr lang="es-ES" dirty="0"/>
+          </a:p>
+          <a:p>
+            <a:r>
+              <a:rPr lang="es-ES" dirty="0"/>
+              <a:t>Este proceso implica:</a:t>
+            </a:r>
+          </a:p>
+          <a:p>
+            <a:pPr marL="171450" indent="-171450">
+              <a:buFont typeface="Arial" panose="020B0604020202020204" pitchFamily="34" charset="0"/>
+              <a:buChar char="•"/>
+            </a:pPr>
+            <a:r>
+              <a:rPr lang="es-ES" b="1" dirty="0"/>
+              <a:t>Adquisición de conocimiento</a:t>
+            </a:r>
+            <a:r>
+              <a:rPr lang="es-ES" dirty="0"/>
+              <a:t>: La IA acumula nueva información y la relaciona con el conocimiento existente. (XARXES NEURONALS)</a:t>
+            </a:r>
+          </a:p>
+          <a:p>
+            <a:pPr marL="171450" indent="-171450">
+              <a:buFont typeface="Arial" panose="020B0604020202020204" pitchFamily="34" charset="0"/>
+              <a:buChar char="•"/>
+            </a:pPr>
+            <a:r>
+              <a:rPr lang="es-ES" b="1" dirty="0"/>
+              <a:t>Adaptación</a:t>
+            </a:r>
+            <a:r>
+              <a:rPr lang="es-ES" dirty="0"/>
+              <a:t>: Los sistemas de IA evolucionan y se adaptan a nuevas situaciones. Mediante procesamiento de datos.</a:t>
+            </a:r>
+          </a:p>
+          <a:p>
+            <a:pPr marL="171450" indent="-171450">
+              <a:buFont typeface="Arial" panose="020B0604020202020204" pitchFamily="34" charset="0"/>
+              <a:buChar char="•"/>
+            </a:pPr>
+            <a:r>
+              <a:rPr lang="es-ES" b="1" dirty="0"/>
+              <a:t>Reconocimiento de patrones</a:t>
+            </a:r>
+            <a:r>
+              <a:rPr lang="es-ES" dirty="0"/>
+              <a:t>: La IA identifica patrones en grandes cantidades de datos para generalizar comportamientos. (APRENENTATGE)</a:t>
+            </a:r>
+          </a:p>
+          <a:p>
+            <a:pPr marL="171450" marR="0" lvl="0" indent="-171450" algn="l" defTabSz="914400" rtl="0" eaLnBrk="1" fontAlgn="auto" latinLnBrk="0" hangingPunct="1">
+              <a:lnSpc>
+                <a:spcPct val="100000"/>
+              </a:lnSpc>
+              <a:spcBef>
+                <a:spcPts val="0"/>
+              </a:spcBef>
+              <a:spcAft>
+                <a:spcPts val="0"/>
+              </a:spcAft>
+              <a:buClrTx/>
+              <a:buSzTx/>
+              <a:buFont typeface="Arial" panose="020B0604020202020204" pitchFamily="34" charset="0"/>
+              <a:buChar char="•"/>
+              <a:tabLst/>
+              <a:defRPr/>
+            </a:pPr>
+            <a:r>
+              <a:rPr lang="es-ES" b="1" dirty="0"/>
+              <a:t>Mejora continua</a:t>
+            </a:r>
+            <a:r>
+              <a:rPr lang="es-ES" dirty="0"/>
+              <a:t>: A través de la interacción con su entorno, la IA progresa de manera autónoma. (APRENENTATGE)</a:t>
+            </a:r>
+            <a:endParaRPr lang="ca-ES" dirty="0"/>
+          </a:p>
+        </p:txBody>
+      </p:sp>
+      <p:sp>
+        <p:nvSpPr>
+          <p:cNvPr id="4" name="Marcador de número de diapositiva 3">
+            <a:extLst>
+              <a:ext uri="{FF2B5EF4-FFF2-40B4-BE49-F238E27FC236}">
+                <a16:creationId xmlns:a16="http://schemas.microsoft.com/office/drawing/2014/main" id="{CD3764E5-8CB3-C33F-A0FA-37023B425158}"/>
+              </a:ext>
+            </a:extLst>
+          </p:cNvPr>
+          <p:cNvSpPr>
+            <a:spLocks noGrp="1"/>
+          </p:cNvSpPr>
+          <p:nvPr>
+            <p:ph type="sldNum" sz="quarter" idx="5"/>
+          </p:nvPr>
+        </p:nvSpPr>
+        <p:spPr/>
+        <p:txBody>
+          <a:bodyPr/>
+          <a:lstStyle/>
+          <a:p>
+            <a:fld id="{AA93F080-ECF3-415A-84A6-DF6D3BEC8CB2}" type="slidenum">
+              <a:rPr lang="ca-ES" smtClean="0"/>
+              <a:t>4</a:t>
+            </a:fld>
+            <a:endParaRPr lang="ca-ES"/>
+          </a:p>
+        </p:txBody>
+      </p:sp>
+    </p:spTree>
+    <p:extLst>
+      <p:ext uri="{BB962C8B-B14F-4D97-AF65-F5344CB8AC3E}">
+        <p14:creationId xmlns:p14="http://schemas.microsoft.com/office/powerpoint/2010/main" val="1788562748"/>
+      </p:ext>
+    </p:extLst>
+  </p:cSld>
+  <p:clrMapOvr>
+    <a:masterClrMapping/>
+  </p:clrMapOvr>
+</p:notes>
+</file>
+
+<file path=ppt/notesSlides/notesSlide5.xml><?xml version="1.0" encoding="utf-8"?>
+<p:notes xmlns:a="http://schemas.openxmlformats.org/drawingml/2006/main" xmlns:r="http://schemas.openxmlformats.org/officeDocument/2006/relationships" xmlns:p="http://schemas.openxmlformats.org/presentationml/2006/main">
+  <p:cSld>
+    <p:spTree>
+      <p:nvGrpSpPr>
+        <p:cNvPr id="1" name="">
+          <a:extLst>
+            <a:ext uri="{FF2B5EF4-FFF2-40B4-BE49-F238E27FC236}">
+              <a16:creationId xmlns:a16="http://schemas.microsoft.com/office/drawing/2014/main" id="{093F7365-59ED-522C-C8CB-2069B5B6D11F}"/>
+            </a:ext>
+          </a:extLst>
+        </p:cNvPr>
+        <p:cNvGrpSpPr/>
+        <p:nvPr/>
+      </p:nvGrpSpPr>
+      <p:grpSpPr>
+        <a:xfrm>
+          <a:off x="0" y="0"/>
+          <a:ext cx="0" cy="0"/>
+          <a:chOff x="0" y="0"/>
+          <a:chExt cx="0" cy="0"/>
+        </a:xfrm>
+      </p:grpSpPr>
+      <p:sp>
+        <p:nvSpPr>
+          <p:cNvPr id="2" name="Marcador de imagen de diapositiva 1">
+            <a:extLst>
+              <a:ext uri="{FF2B5EF4-FFF2-40B4-BE49-F238E27FC236}">
+                <a16:creationId xmlns:a16="http://schemas.microsoft.com/office/drawing/2014/main" id="{28F7372F-A2B5-0680-CECA-A013394FE184}"/>
+              </a:ext>
+            </a:extLst>
+          </p:cNvPr>
+          <p:cNvSpPr>
+            <a:spLocks noGrp="1" noRot="1" noChangeAspect="1"/>
+          </p:cNvSpPr>
+          <p:nvPr>
+            <p:ph type="sldImg"/>
+          </p:nvPr>
+        </p:nvSpPr>
+        <p:spPr/>
+      </p:sp>
+      <p:sp>
+        <p:nvSpPr>
+          <p:cNvPr id="3" name="Marcador de notas 2">
+            <a:extLst>
+              <a:ext uri="{FF2B5EF4-FFF2-40B4-BE49-F238E27FC236}">
+                <a16:creationId xmlns:a16="http://schemas.microsoft.com/office/drawing/2014/main" id="{4BE33374-AE4A-C29B-6966-2404560868E8}"/>
+              </a:ext>
+            </a:extLst>
+          </p:cNvPr>
+          <p:cNvSpPr>
+            <a:spLocks noGrp="1"/>
+          </p:cNvSpPr>
+          <p:nvPr>
+            <p:ph type="body" idx="1"/>
+          </p:nvPr>
+        </p:nvSpPr>
+        <p:spPr/>
+        <p:txBody>
+          <a:bodyPr/>
+          <a:lstStyle/>
+          <a:p>
+            <a:r>
+              <a:rPr lang="es-ES" dirty="0"/>
+              <a:t>Se refiere a la capacidad de los sistemas informáticos para mejorar su rendimiento y tomar decisiones basándose en datos y experiencias, sin necesidad de programación explícita. </a:t>
+            </a:r>
+          </a:p>
+          <a:p>
+            <a:endParaRPr lang="es-ES" dirty="0"/>
+          </a:p>
+          <a:p>
+            <a:r>
+              <a:rPr lang="es-ES" dirty="0"/>
+              <a:t>Este proceso implica:</a:t>
+            </a:r>
+          </a:p>
+          <a:p>
+            <a:pPr marL="171450" indent="-171450">
+              <a:buFont typeface="Arial" panose="020B0604020202020204" pitchFamily="34" charset="0"/>
+              <a:buChar char="•"/>
+            </a:pPr>
+            <a:r>
+              <a:rPr lang="es-ES" b="1" dirty="0"/>
+              <a:t>Adquisición de conocimiento</a:t>
+            </a:r>
+            <a:r>
+              <a:rPr lang="es-ES" dirty="0"/>
+              <a:t>: La IA acumula nueva información y la relaciona con el conocimiento existente. (XARXES NEURONALS)</a:t>
+            </a:r>
+          </a:p>
+          <a:p>
+            <a:pPr marL="171450" indent="-171450">
+              <a:buFont typeface="Arial" panose="020B0604020202020204" pitchFamily="34" charset="0"/>
+              <a:buChar char="•"/>
+            </a:pPr>
+            <a:r>
+              <a:rPr lang="es-ES" b="1" dirty="0"/>
+              <a:t>Adaptación</a:t>
+            </a:r>
+            <a:r>
+              <a:rPr lang="es-ES" dirty="0"/>
+              <a:t>: Los sistemas de IA evolucionan y se adaptan a nuevas situaciones. Mediante procesamiento de datos.</a:t>
+            </a:r>
+          </a:p>
+          <a:p>
+            <a:pPr marL="171450" indent="-171450">
+              <a:buFont typeface="Arial" panose="020B0604020202020204" pitchFamily="34" charset="0"/>
+              <a:buChar char="•"/>
+            </a:pPr>
+            <a:r>
+              <a:rPr lang="es-ES" b="1" dirty="0"/>
+              <a:t>Reconocimiento de patrones</a:t>
+            </a:r>
+            <a:r>
+              <a:rPr lang="es-ES" dirty="0"/>
+              <a:t>: La IA identifica patrones en grandes cantidades de datos para generalizar comportamientos. (APRENENTATGE)</a:t>
+            </a:r>
+          </a:p>
+          <a:p>
+            <a:pPr marL="171450" marR="0" lvl="0" indent="-171450" algn="l" defTabSz="914400" rtl="0" eaLnBrk="1" fontAlgn="auto" latinLnBrk="0" hangingPunct="1">
+              <a:lnSpc>
+                <a:spcPct val="100000"/>
+              </a:lnSpc>
+              <a:spcBef>
+                <a:spcPts val="0"/>
+              </a:spcBef>
+              <a:spcAft>
+                <a:spcPts val="0"/>
+              </a:spcAft>
+              <a:buClrTx/>
+              <a:buSzTx/>
+              <a:buFont typeface="Arial" panose="020B0604020202020204" pitchFamily="34" charset="0"/>
+              <a:buChar char="•"/>
+              <a:tabLst/>
+              <a:defRPr/>
+            </a:pPr>
+            <a:r>
+              <a:rPr lang="es-ES" b="1" dirty="0"/>
+              <a:t>Mejora continua</a:t>
+            </a:r>
+            <a:r>
+              <a:rPr lang="es-ES" dirty="0"/>
+              <a:t>: A través de la interacción con su entorno, la IA progresa de manera autónoma. (APRENENTATGE)</a:t>
+            </a:r>
+            <a:endParaRPr lang="ca-ES" dirty="0"/>
+          </a:p>
+        </p:txBody>
+      </p:sp>
+      <p:sp>
+        <p:nvSpPr>
+          <p:cNvPr id="4" name="Marcador de número de diapositiva 3">
+            <a:extLst>
+              <a:ext uri="{FF2B5EF4-FFF2-40B4-BE49-F238E27FC236}">
+                <a16:creationId xmlns:a16="http://schemas.microsoft.com/office/drawing/2014/main" id="{CA329A0F-C8BB-3075-7FC4-AD32390E0EDB}"/>
+              </a:ext>
+            </a:extLst>
+          </p:cNvPr>
+          <p:cNvSpPr>
+            <a:spLocks noGrp="1"/>
+          </p:cNvSpPr>
+          <p:nvPr>
+            <p:ph type="sldNum" sz="quarter" idx="5"/>
+          </p:nvPr>
+        </p:nvSpPr>
+        <p:spPr/>
+        <p:txBody>
+          <a:bodyPr/>
+          <a:lstStyle/>
+          <a:p>
+            <a:fld id="{AA93F080-ECF3-415A-84A6-DF6D3BEC8CB2}" type="slidenum">
+              <a:rPr lang="ca-ES" smtClean="0"/>
+              <a:t>5</a:t>
+            </a:fld>
+            <a:endParaRPr lang="ca-ES"/>
+          </a:p>
+        </p:txBody>
+      </p:sp>
+    </p:spTree>
+    <p:extLst>
+      <p:ext uri="{BB962C8B-B14F-4D97-AF65-F5344CB8AC3E}">
+        <p14:creationId xmlns:p14="http://schemas.microsoft.com/office/powerpoint/2010/main" val="2073665284"/>
+      </p:ext>
+    </p:extLst>
+  </p:cSld>
+  <p:clrMapOvr>
+    <a:masterClrMapping/>
+  </p:clrMapOvr>
+</p:notes>
+</file>
+
+<file path=ppt/notesSlides/notesSlide6.xml><?xml version="1.0" encoding="utf-8"?>
+<p:notes xmlns:a="http://schemas.openxmlformats.org/drawingml/2006/main" xmlns:r="http://schemas.openxmlformats.org/officeDocument/2006/relationships" xmlns:p="http://schemas.openxmlformats.org/presentationml/2006/main">
+  <p:cSld>
+    <p:spTree>
+      <p:nvGrpSpPr>
+        <p:cNvPr id="1" name="">
+          <a:extLst>
+            <a:ext uri="{FF2B5EF4-FFF2-40B4-BE49-F238E27FC236}">
+              <a16:creationId xmlns:a16="http://schemas.microsoft.com/office/drawing/2014/main" id="{89A482AF-199A-EA2F-E53F-520D94825361}"/>
+            </a:ext>
+          </a:extLst>
+        </p:cNvPr>
+        <p:cNvGrpSpPr/>
+        <p:nvPr/>
+      </p:nvGrpSpPr>
+      <p:grpSpPr>
+        <a:xfrm>
+          <a:off x="0" y="0"/>
+          <a:ext cx="0" cy="0"/>
+          <a:chOff x="0" y="0"/>
+          <a:chExt cx="0" cy="0"/>
+        </a:xfrm>
+      </p:grpSpPr>
+      <p:sp>
+        <p:nvSpPr>
+          <p:cNvPr id="2" name="Marcador de imagen de diapositiva 1">
+            <a:extLst>
+              <a:ext uri="{FF2B5EF4-FFF2-40B4-BE49-F238E27FC236}">
+                <a16:creationId xmlns:a16="http://schemas.microsoft.com/office/drawing/2014/main" id="{E31EBA74-B468-5646-A556-014CD7FDC9CA}"/>
+              </a:ext>
+            </a:extLst>
+          </p:cNvPr>
+          <p:cNvSpPr>
+            <a:spLocks noGrp="1" noRot="1" noChangeAspect="1"/>
+          </p:cNvSpPr>
+          <p:nvPr>
+            <p:ph type="sldImg"/>
+          </p:nvPr>
+        </p:nvSpPr>
+        <p:spPr/>
+      </p:sp>
+      <p:sp>
+        <p:nvSpPr>
+          <p:cNvPr id="3" name="Marcador de notas 2">
+            <a:extLst>
+              <a:ext uri="{FF2B5EF4-FFF2-40B4-BE49-F238E27FC236}">
+                <a16:creationId xmlns:a16="http://schemas.microsoft.com/office/drawing/2014/main" id="{46D0116F-9318-945E-854D-980B63EFA2DA}"/>
+              </a:ext>
+            </a:extLst>
+          </p:cNvPr>
+          <p:cNvSpPr>
+            <a:spLocks noGrp="1"/>
+          </p:cNvSpPr>
+          <p:nvPr>
+            <p:ph type="body" idx="1"/>
+          </p:nvPr>
+        </p:nvSpPr>
+        <p:spPr/>
+        <p:txBody>
+          <a:bodyPr/>
+          <a:lstStyle/>
+          <a:p>
+            <a:r>
+              <a:rPr lang="es-ES" dirty="0"/>
+              <a:t>Se refiere a la capacidad de los sistemas informáticos para mejorar su rendimiento y tomar decisiones basándose en datos y experiencias, sin necesidad de programación explícita. </a:t>
+            </a:r>
+          </a:p>
+          <a:p>
+            <a:endParaRPr lang="es-ES" dirty="0"/>
+          </a:p>
+          <a:p>
+            <a:r>
+              <a:rPr lang="es-ES" dirty="0"/>
+              <a:t>Este proceso implica:</a:t>
+            </a:r>
+          </a:p>
+          <a:p>
+            <a:pPr marL="171450" indent="-171450">
+              <a:buFont typeface="Arial" panose="020B0604020202020204" pitchFamily="34" charset="0"/>
+              <a:buChar char="•"/>
+            </a:pPr>
+            <a:r>
+              <a:rPr lang="es-ES" b="1" dirty="0"/>
+              <a:t>Adquisición de conocimiento</a:t>
+            </a:r>
+            <a:r>
+              <a:rPr lang="es-ES" dirty="0"/>
+              <a:t>: La IA acumula nueva información y la relaciona con el conocimiento existente. (XARXES NEURONALS)</a:t>
+            </a:r>
+          </a:p>
+          <a:p>
+            <a:pPr marL="171450" indent="-171450">
+              <a:buFont typeface="Arial" panose="020B0604020202020204" pitchFamily="34" charset="0"/>
+              <a:buChar char="•"/>
+            </a:pPr>
+            <a:r>
+              <a:rPr lang="es-ES" b="1" dirty="0"/>
+              <a:t>Adaptación</a:t>
+            </a:r>
+            <a:r>
+              <a:rPr lang="es-ES" dirty="0"/>
+              <a:t>: Los sistemas de IA evolucionan y se adaptan a nuevas situaciones. Mediante procesamiento de datos.</a:t>
+            </a:r>
+          </a:p>
+          <a:p>
+            <a:pPr marL="171450" indent="-171450">
+              <a:buFont typeface="Arial" panose="020B0604020202020204" pitchFamily="34" charset="0"/>
+              <a:buChar char="•"/>
+            </a:pPr>
+            <a:r>
+              <a:rPr lang="es-ES" b="1" dirty="0"/>
+              <a:t>Reconocimiento de patrones</a:t>
+            </a:r>
+            <a:r>
+              <a:rPr lang="es-ES" dirty="0"/>
+              <a:t>: La IA identifica patrones en grandes cantidades de datos para generalizar comportamientos. (APRENENTATGE)</a:t>
+            </a:r>
+          </a:p>
+          <a:p>
+            <a:pPr marL="171450" marR="0" lvl="0" indent="-171450" algn="l" defTabSz="914400" rtl="0" eaLnBrk="1" fontAlgn="auto" latinLnBrk="0" hangingPunct="1">
+              <a:lnSpc>
+                <a:spcPct val="100000"/>
+              </a:lnSpc>
+              <a:spcBef>
+                <a:spcPts val="0"/>
+              </a:spcBef>
+              <a:spcAft>
+                <a:spcPts val="0"/>
+              </a:spcAft>
+              <a:buClrTx/>
+              <a:buSzTx/>
+              <a:buFont typeface="Arial" panose="020B0604020202020204" pitchFamily="34" charset="0"/>
+              <a:buChar char="•"/>
+              <a:tabLst/>
+              <a:defRPr/>
+            </a:pPr>
+            <a:r>
+              <a:rPr lang="es-ES" b="1" dirty="0"/>
+              <a:t>Mejora continua</a:t>
+            </a:r>
+            <a:r>
+              <a:rPr lang="es-ES" dirty="0"/>
+              <a:t>: A través de la interacción con su entorno, la IA progresa de manera autónoma. (APRENENTATGE)</a:t>
+            </a:r>
+            <a:endParaRPr lang="ca-ES" dirty="0"/>
+          </a:p>
+        </p:txBody>
+      </p:sp>
+      <p:sp>
+        <p:nvSpPr>
+          <p:cNvPr id="4" name="Marcador de número de diapositiva 3">
+            <a:extLst>
+              <a:ext uri="{FF2B5EF4-FFF2-40B4-BE49-F238E27FC236}">
+                <a16:creationId xmlns:a16="http://schemas.microsoft.com/office/drawing/2014/main" id="{A2391943-7DF4-F8C1-F3F4-257C40E12384}"/>
+              </a:ext>
+            </a:extLst>
+          </p:cNvPr>
+          <p:cNvSpPr>
+            <a:spLocks noGrp="1"/>
+          </p:cNvSpPr>
+          <p:nvPr>
+            <p:ph type="sldNum" sz="quarter" idx="5"/>
+          </p:nvPr>
+        </p:nvSpPr>
+        <p:spPr/>
+        <p:txBody>
+          <a:bodyPr/>
+          <a:lstStyle/>
+          <a:p>
+            <a:fld id="{AA93F080-ECF3-415A-84A6-DF6D3BEC8CB2}" type="slidenum">
+              <a:rPr lang="ca-ES" smtClean="0"/>
+              <a:t>6</a:t>
+            </a:fld>
+            <a:endParaRPr lang="ca-ES"/>
+          </a:p>
+        </p:txBody>
+      </p:sp>
+    </p:spTree>
+    <p:extLst>
+      <p:ext uri="{BB962C8B-B14F-4D97-AF65-F5344CB8AC3E}">
+        <p14:creationId xmlns:p14="http://schemas.microsoft.com/office/powerpoint/2010/main" val="1247690538"/>
+      </p:ext>
+    </p:extLst>
+  </p:cSld>
+  <p:clrMapOvr>
+    <a:masterClrMapping/>
+  </p:clrMapOvr>
+</p:notes>
+</file>
+
+<file path=ppt/notesSlides/notesSlide7.xml><?xml version="1.0" encoding="utf-8"?>
+<p:notes xmlns:a="http://schemas.openxmlformats.org/drawingml/2006/main" xmlns:r="http://schemas.openxmlformats.org/officeDocument/2006/relationships" xmlns:p="http://schemas.openxmlformats.org/presentationml/2006/main">
+  <p:cSld>
+    <p:spTree>
+      <p:nvGrpSpPr>
+        <p:cNvPr id="1" name="">
+          <a:extLst>
+            <a:ext uri="{FF2B5EF4-FFF2-40B4-BE49-F238E27FC236}">
+              <a16:creationId xmlns:a16="http://schemas.microsoft.com/office/drawing/2014/main" id="{B66FDF5B-3C0C-2915-0101-85D7F2ACE95B}"/>
+            </a:ext>
+          </a:extLst>
+        </p:cNvPr>
+        <p:cNvGrpSpPr/>
+        <p:nvPr/>
+      </p:nvGrpSpPr>
+      <p:grpSpPr>
+        <a:xfrm>
+          <a:off x="0" y="0"/>
+          <a:ext cx="0" cy="0"/>
+          <a:chOff x="0" y="0"/>
+          <a:chExt cx="0" cy="0"/>
+        </a:xfrm>
+      </p:grpSpPr>
+      <p:sp>
+        <p:nvSpPr>
+          <p:cNvPr id="2" name="Marcador de imagen de diapositiva 1">
+            <a:extLst>
+              <a:ext uri="{FF2B5EF4-FFF2-40B4-BE49-F238E27FC236}">
+                <a16:creationId xmlns:a16="http://schemas.microsoft.com/office/drawing/2014/main" id="{8DA0EA81-3810-BEDF-3694-12B1D736D69C}"/>
+              </a:ext>
+            </a:extLst>
+          </p:cNvPr>
+          <p:cNvSpPr>
+            <a:spLocks noGrp="1" noRot="1" noChangeAspect="1"/>
+          </p:cNvSpPr>
+          <p:nvPr>
+            <p:ph type="sldImg"/>
+          </p:nvPr>
+        </p:nvSpPr>
+        <p:spPr/>
+      </p:sp>
+      <p:sp>
+        <p:nvSpPr>
+          <p:cNvPr id="3" name="Marcador de notas 2">
+            <a:extLst>
+              <a:ext uri="{FF2B5EF4-FFF2-40B4-BE49-F238E27FC236}">
+                <a16:creationId xmlns:a16="http://schemas.microsoft.com/office/drawing/2014/main" id="{CFAD8AF4-ADC5-0412-D0AA-11C80FE23F1B}"/>
+              </a:ext>
+            </a:extLst>
+          </p:cNvPr>
+          <p:cNvSpPr>
+            <a:spLocks noGrp="1"/>
+          </p:cNvSpPr>
+          <p:nvPr>
+            <p:ph type="body" idx="1"/>
+          </p:nvPr>
+        </p:nvSpPr>
+        <p:spPr/>
+        <p:txBody>
+          <a:bodyPr/>
+          <a:lstStyle/>
+          <a:p>
+            <a:r>
+              <a:rPr lang="es-ES" dirty="0"/>
+              <a:t>Se refiere a la capacidad de los sistemas informáticos para mejorar su rendimiento y tomar decisiones basándose en datos y experiencias, sin necesidad de programación explícita. </a:t>
+            </a:r>
+          </a:p>
+          <a:p>
+            <a:endParaRPr lang="es-ES" dirty="0"/>
+          </a:p>
+          <a:p>
+            <a:r>
+              <a:rPr lang="es-ES" dirty="0"/>
+              <a:t>Este proceso implica:</a:t>
+            </a:r>
+          </a:p>
+          <a:p>
+            <a:pPr marL="171450" indent="-171450">
+              <a:buFont typeface="Arial" panose="020B0604020202020204" pitchFamily="34" charset="0"/>
+              <a:buChar char="•"/>
+            </a:pPr>
+            <a:r>
+              <a:rPr lang="es-ES" b="1" dirty="0"/>
+              <a:t>Adquisición de conocimiento</a:t>
+            </a:r>
+            <a:r>
+              <a:rPr lang="es-ES" dirty="0"/>
+              <a:t>: La IA acumula nueva información y la relaciona con el conocimiento existente. (XARXES NEURONALS)</a:t>
+            </a:r>
+          </a:p>
+          <a:p>
+            <a:pPr marL="171450" indent="-171450">
+              <a:buFont typeface="Arial" panose="020B0604020202020204" pitchFamily="34" charset="0"/>
+              <a:buChar char="•"/>
+            </a:pPr>
+            <a:r>
+              <a:rPr lang="es-ES" b="1" dirty="0"/>
+              <a:t>Adaptación</a:t>
+            </a:r>
+            <a:r>
+              <a:rPr lang="es-ES" dirty="0"/>
+              <a:t>: Los sistemas de IA evolucionan y se adaptan a nuevas situaciones. Mediante procesamiento de datos.</a:t>
+            </a:r>
+          </a:p>
+          <a:p>
+            <a:pPr marL="171450" indent="-171450">
+              <a:buFont typeface="Arial" panose="020B0604020202020204" pitchFamily="34" charset="0"/>
+              <a:buChar char="•"/>
+            </a:pPr>
+            <a:r>
+              <a:rPr lang="es-ES" b="1" dirty="0"/>
+              <a:t>Reconocimiento de patrones</a:t>
+            </a:r>
+            <a:r>
+              <a:rPr lang="es-ES" dirty="0"/>
+              <a:t>: La IA identifica patrones en grandes cantidades de datos para generalizar comportamientos. (APRENENTATGE)</a:t>
+            </a:r>
+          </a:p>
+          <a:p>
+            <a:pPr marL="171450" marR="0" lvl="0" indent="-171450" algn="l" defTabSz="914400" rtl="0" eaLnBrk="1" fontAlgn="auto" latinLnBrk="0" hangingPunct="1">
+              <a:lnSpc>
+                <a:spcPct val="100000"/>
+              </a:lnSpc>
+              <a:spcBef>
+                <a:spcPts val="0"/>
+              </a:spcBef>
+              <a:spcAft>
+                <a:spcPts val="0"/>
+              </a:spcAft>
+              <a:buClrTx/>
+              <a:buSzTx/>
+              <a:buFont typeface="Arial" panose="020B0604020202020204" pitchFamily="34" charset="0"/>
+              <a:buChar char="•"/>
+              <a:tabLst/>
+              <a:defRPr/>
+            </a:pPr>
+            <a:r>
+              <a:rPr lang="es-ES" b="1" dirty="0"/>
+              <a:t>Mejora continua</a:t>
+            </a:r>
+            <a:r>
+              <a:rPr lang="es-ES" dirty="0"/>
+              <a:t>: A través de la interacción con su entorno, la IA progresa de manera autónoma. (APRENENTATGE)</a:t>
+            </a:r>
+            <a:endParaRPr lang="ca-ES" dirty="0"/>
+          </a:p>
+        </p:txBody>
+      </p:sp>
+      <p:sp>
+        <p:nvSpPr>
+          <p:cNvPr id="4" name="Marcador de número de diapositiva 3">
+            <a:extLst>
+              <a:ext uri="{FF2B5EF4-FFF2-40B4-BE49-F238E27FC236}">
+                <a16:creationId xmlns:a16="http://schemas.microsoft.com/office/drawing/2014/main" id="{D5406DA2-8C29-CAC7-282C-810A66E616A0}"/>
+              </a:ext>
+            </a:extLst>
+          </p:cNvPr>
+          <p:cNvSpPr>
+            <a:spLocks noGrp="1"/>
+          </p:cNvSpPr>
+          <p:nvPr>
+            <p:ph type="sldNum" sz="quarter" idx="5"/>
+          </p:nvPr>
+        </p:nvSpPr>
+        <p:spPr/>
+        <p:txBody>
+          <a:bodyPr/>
+          <a:lstStyle/>
+          <a:p>
+            <a:fld id="{AA93F080-ECF3-415A-84A6-DF6D3BEC8CB2}" type="slidenum">
+              <a:rPr lang="ca-ES" smtClean="0"/>
+              <a:t>7</a:t>
+            </a:fld>
+            <a:endParaRPr lang="ca-ES"/>
+          </a:p>
+        </p:txBody>
+      </p:sp>
+    </p:spTree>
+    <p:extLst>
+      <p:ext uri="{BB962C8B-B14F-4D97-AF65-F5344CB8AC3E}">
+        <p14:creationId xmlns:p14="http://schemas.microsoft.com/office/powerpoint/2010/main" val="1109153610"/>
+      </p:ext>
+    </p:extLst>
+  </p:cSld>
+  <p:clrMapOvr>
+    <a:masterClrMapping/>
+  </p:clrMapOvr>
+</p:notes>
+</file>
+
+<file path=ppt/notesSlides/notesSlide8.xml><?xml version="1.0" encoding="utf-8"?>
+<p:notes xmlns:a="http://schemas.openxmlformats.org/drawingml/2006/main" xmlns:r="http://schemas.openxmlformats.org/officeDocument/2006/relationships" xmlns:p="http://schemas.openxmlformats.org/presentationml/2006/main">
+  <p:cSld>
+    <p:spTree>
+      <p:nvGrpSpPr>
+        <p:cNvPr id="1" name="">
+          <a:extLst>
+            <a:ext uri="{FF2B5EF4-FFF2-40B4-BE49-F238E27FC236}">
+              <a16:creationId xmlns:a16="http://schemas.microsoft.com/office/drawing/2014/main" id="{9E000220-FF5C-6EA0-C659-C91EC82BD942}"/>
+            </a:ext>
+          </a:extLst>
+        </p:cNvPr>
+        <p:cNvGrpSpPr/>
+        <p:nvPr/>
+      </p:nvGrpSpPr>
+      <p:grpSpPr>
+        <a:xfrm>
+          <a:off x="0" y="0"/>
+          <a:ext cx="0" cy="0"/>
+          <a:chOff x="0" y="0"/>
+          <a:chExt cx="0" cy="0"/>
+        </a:xfrm>
+      </p:grpSpPr>
+      <p:sp>
+        <p:nvSpPr>
+          <p:cNvPr id="2" name="Marcador de imagen de diapositiva 1">
+            <a:extLst>
+              <a:ext uri="{FF2B5EF4-FFF2-40B4-BE49-F238E27FC236}">
+                <a16:creationId xmlns:a16="http://schemas.microsoft.com/office/drawing/2014/main" id="{7B5AB2D4-BCA8-4E8E-2BCE-F2ADDAAEC793}"/>
+              </a:ext>
+            </a:extLst>
+          </p:cNvPr>
+          <p:cNvSpPr>
+            <a:spLocks noGrp="1" noRot="1" noChangeAspect="1"/>
+          </p:cNvSpPr>
+          <p:nvPr>
+            <p:ph type="sldImg"/>
+          </p:nvPr>
+        </p:nvSpPr>
+        <p:spPr/>
+      </p:sp>
+      <p:sp>
+        <p:nvSpPr>
+          <p:cNvPr id="3" name="Marcador de notas 2">
+            <a:extLst>
+              <a:ext uri="{FF2B5EF4-FFF2-40B4-BE49-F238E27FC236}">
+                <a16:creationId xmlns:a16="http://schemas.microsoft.com/office/drawing/2014/main" id="{087D7DD0-B426-CA5C-EE0A-087D927C4209}"/>
+              </a:ext>
+            </a:extLst>
+          </p:cNvPr>
+          <p:cNvSpPr>
+            <a:spLocks noGrp="1"/>
+          </p:cNvSpPr>
+          <p:nvPr>
+            <p:ph type="body" idx="1"/>
+          </p:nvPr>
+        </p:nvSpPr>
+        <p:spPr/>
+        <p:txBody>
+          <a:bodyPr/>
+          <a:lstStyle/>
+          <a:p>
+            <a:r>
+              <a:rPr lang="es-ES" dirty="0"/>
+              <a:t>Se refiere a la capacidad de los sistemas informáticos para mejorar su rendimiento y tomar decisiones basándose en datos y experiencias, sin necesidad de programación explícita. </a:t>
+            </a:r>
+          </a:p>
+          <a:p>
+            <a:endParaRPr lang="es-ES" dirty="0"/>
+          </a:p>
+          <a:p>
+            <a:r>
+              <a:rPr lang="es-ES" dirty="0"/>
+              <a:t>Este proceso implica:</a:t>
+            </a:r>
+          </a:p>
+          <a:p>
+            <a:pPr marL="171450" indent="-171450">
+              <a:buFont typeface="Arial" panose="020B0604020202020204" pitchFamily="34" charset="0"/>
+              <a:buChar char="•"/>
+            </a:pPr>
+            <a:r>
+              <a:rPr lang="es-ES" b="1" dirty="0"/>
+              <a:t>Adquisición de conocimiento</a:t>
+            </a:r>
+            <a:r>
+              <a:rPr lang="es-ES" dirty="0"/>
+              <a:t>: La IA acumula nueva información y la relaciona con el conocimiento existente. (XARXES NEURONALS)</a:t>
+            </a:r>
+          </a:p>
+          <a:p>
+            <a:pPr marL="171450" indent="-171450">
+              <a:buFont typeface="Arial" panose="020B0604020202020204" pitchFamily="34" charset="0"/>
+              <a:buChar char="•"/>
+            </a:pPr>
+            <a:r>
+              <a:rPr lang="es-ES" b="1" dirty="0"/>
+              <a:t>Adaptación</a:t>
+            </a:r>
+            <a:r>
+              <a:rPr lang="es-ES" dirty="0"/>
+              <a:t>: Los sistemas de IA evolucionan y se adaptan a nuevas situaciones. Mediante procesamiento de datos.</a:t>
+            </a:r>
+          </a:p>
+          <a:p>
+            <a:pPr marL="171450" indent="-171450">
+              <a:buFont typeface="Arial" panose="020B0604020202020204" pitchFamily="34" charset="0"/>
+              <a:buChar char="•"/>
+            </a:pPr>
+            <a:r>
+              <a:rPr lang="es-ES" b="1" dirty="0"/>
+              <a:t>Reconocimiento de patrones</a:t>
+            </a:r>
+            <a:r>
+              <a:rPr lang="es-ES" dirty="0"/>
+              <a:t>: La IA identifica patrones en grandes cantidades de datos para generalizar comportamientos. (APRENENTATGE)</a:t>
+            </a:r>
+          </a:p>
+          <a:p>
+            <a:pPr marL="171450" marR="0" lvl="0" indent="-171450" algn="l" defTabSz="914400" rtl="0" eaLnBrk="1" fontAlgn="auto" latinLnBrk="0" hangingPunct="1">
+              <a:lnSpc>
+                <a:spcPct val="100000"/>
+              </a:lnSpc>
+              <a:spcBef>
+                <a:spcPts val="0"/>
+              </a:spcBef>
+              <a:spcAft>
+                <a:spcPts val="0"/>
+              </a:spcAft>
+              <a:buClrTx/>
+              <a:buSzTx/>
+              <a:buFont typeface="Arial" panose="020B0604020202020204" pitchFamily="34" charset="0"/>
+              <a:buChar char="•"/>
+              <a:tabLst/>
+              <a:defRPr/>
+            </a:pPr>
+            <a:r>
+              <a:rPr lang="es-ES" b="1" dirty="0"/>
+              <a:t>Mejora continua</a:t>
+            </a:r>
+            <a:r>
+              <a:rPr lang="es-ES" dirty="0"/>
+              <a:t>: A través de la interacción con su entorno, la IA progresa de manera autónoma. (APRENENTATGE)</a:t>
+            </a:r>
+            <a:endParaRPr lang="ca-ES" dirty="0"/>
+          </a:p>
+        </p:txBody>
+      </p:sp>
+      <p:sp>
+        <p:nvSpPr>
+          <p:cNvPr id="4" name="Marcador de número de diapositiva 3">
+            <a:extLst>
+              <a:ext uri="{FF2B5EF4-FFF2-40B4-BE49-F238E27FC236}">
+                <a16:creationId xmlns:a16="http://schemas.microsoft.com/office/drawing/2014/main" id="{0BA684CF-AD7A-5B5C-37EE-490BA019717A}"/>
+              </a:ext>
+            </a:extLst>
+          </p:cNvPr>
+          <p:cNvSpPr>
+            <a:spLocks noGrp="1"/>
+          </p:cNvSpPr>
+          <p:nvPr>
+            <p:ph type="sldNum" sz="quarter" idx="5"/>
+          </p:nvPr>
+        </p:nvSpPr>
+        <p:spPr/>
+        <p:txBody>
+          <a:bodyPr/>
+          <a:lstStyle/>
+          <a:p>
+            <a:fld id="{AA93F080-ECF3-415A-84A6-DF6D3BEC8CB2}" type="slidenum">
+              <a:rPr lang="ca-ES" smtClean="0"/>
+              <a:t>8</a:t>
+            </a:fld>
+            <a:endParaRPr lang="ca-ES"/>
+          </a:p>
+        </p:txBody>
+      </p:sp>
+    </p:spTree>
+    <p:extLst>
+      <p:ext uri="{BB962C8B-B14F-4D97-AF65-F5344CB8AC3E}">
+        <p14:creationId xmlns:p14="http://schemas.microsoft.com/office/powerpoint/2010/main" val="2302591247"/>
+      </p:ext>
+    </p:extLst>
+  </p:cSld>
+  <p:clrMapOvr>
+    <a:masterClrMapping/>
+  </p:clrMapOvr>
+</p:notes>
+</file>
+
+<file path=ppt/notesSlides/notesSlide9.xml><?xml version="1.0" encoding="utf-8"?>
+<p:notes xmlns:a="http://schemas.openxmlformats.org/drawingml/2006/main" xmlns:r="http://schemas.openxmlformats.org/officeDocument/2006/relationships" xmlns:p="http://schemas.openxmlformats.org/presentationml/2006/main">
+  <p:cSld>
+    <p:spTree>
+      <p:nvGrpSpPr>
+        <p:cNvPr id="1" name="">
+          <a:extLst>
+            <a:ext uri="{FF2B5EF4-FFF2-40B4-BE49-F238E27FC236}">
+              <a16:creationId xmlns:a16="http://schemas.microsoft.com/office/drawing/2014/main" id="{CACD5AFF-B92C-785C-57EC-644F45EBB476}"/>
+            </a:ext>
+          </a:extLst>
+        </p:cNvPr>
+        <p:cNvGrpSpPr/>
+        <p:nvPr/>
+      </p:nvGrpSpPr>
+      <p:grpSpPr>
+        <a:xfrm>
+          <a:off x="0" y="0"/>
+          <a:ext cx="0" cy="0"/>
+          <a:chOff x="0" y="0"/>
+          <a:chExt cx="0" cy="0"/>
+        </a:xfrm>
+      </p:grpSpPr>
+      <p:sp>
+        <p:nvSpPr>
+          <p:cNvPr id="2" name="Marcador de imagen de diapositiva 1">
+            <a:extLst>
+              <a:ext uri="{FF2B5EF4-FFF2-40B4-BE49-F238E27FC236}">
+                <a16:creationId xmlns:a16="http://schemas.microsoft.com/office/drawing/2014/main" id="{6B5DA56A-699E-C2F8-2FF8-C52A8881F203}"/>
+              </a:ext>
+            </a:extLst>
+          </p:cNvPr>
+          <p:cNvSpPr>
+            <a:spLocks noGrp="1" noRot="1" noChangeAspect="1"/>
+          </p:cNvSpPr>
+          <p:nvPr>
+            <p:ph type="sldImg"/>
+          </p:nvPr>
+        </p:nvSpPr>
+        <p:spPr/>
+      </p:sp>
+      <p:sp>
+        <p:nvSpPr>
+          <p:cNvPr id="3" name="Marcador de notas 2">
+            <a:extLst>
+              <a:ext uri="{FF2B5EF4-FFF2-40B4-BE49-F238E27FC236}">
+                <a16:creationId xmlns:a16="http://schemas.microsoft.com/office/drawing/2014/main" id="{B2D28BDF-A996-EFEE-EEFD-0F5514DE08EF}"/>
+              </a:ext>
+            </a:extLst>
+          </p:cNvPr>
+          <p:cNvSpPr>
+            <a:spLocks noGrp="1"/>
+          </p:cNvSpPr>
+          <p:nvPr>
+            <p:ph type="body" idx="1"/>
+          </p:nvPr>
+        </p:nvSpPr>
+        <p:spPr/>
+        <p:txBody>
+          <a:bodyPr/>
+          <a:lstStyle/>
+          <a:p>
+            <a:r>
+              <a:rPr lang="es-ES" dirty="0"/>
+              <a:t>Se refiere a la capacidad de los sistemas informáticos para mejorar su rendimiento y tomar decisiones basándose en datos y experiencias, sin necesidad de programación explícita. </a:t>
+            </a:r>
+          </a:p>
+          <a:p>
+            <a:endParaRPr lang="es-ES" dirty="0"/>
+          </a:p>
+          <a:p>
+            <a:r>
+              <a:rPr lang="es-ES" dirty="0"/>
+              <a:t>Este proceso implica:</a:t>
+            </a:r>
+          </a:p>
+          <a:p>
+            <a:pPr marL="171450" indent="-171450">
+              <a:buFont typeface="Arial" panose="020B0604020202020204" pitchFamily="34" charset="0"/>
+              <a:buChar char="•"/>
+            </a:pPr>
+            <a:r>
+              <a:rPr lang="es-ES" b="1" dirty="0"/>
+              <a:t>Adquisición de conocimiento</a:t>
+            </a:r>
+            <a:r>
+              <a:rPr lang="es-ES" dirty="0"/>
+              <a:t>: La IA acumula nueva información y la relaciona con el conocimiento existente. (XARXES NEURONALS)</a:t>
+            </a:r>
+          </a:p>
+          <a:p>
+            <a:pPr marL="171450" indent="-171450">
+              <a:buFont typeface="Arial" panose="020B0604020202020204" pitchFamily="34" charset="0"/>
+              <a:buChar char="•"/>
+            </a:pPr>
+            <a:r>
+              <a:rPr lang="es-ES" b="1" dirty="0"/>
+              <a:t>Adaptación</a:t>
+            </a:r>
+            <a:r>
+              <a:rPr lang="es-ES" dirty="0"/>
+              <a:t>: Los sistemas de IA evolucionan y se adaptan a nuevas situaciones. Mediante procesamiento de datos.</a:t>
+            </a:r>
+          </a:p>
+          <a:p>
+            <a:pPr marL="171450" indent="-171450">
+              <a:buFont typeface="Arial" panose="020B0604020202020204" pitchFamily="34" charset="0"/>
+              <a:buChar char="•"/>
+            </a:pPr>
+            <a:r>
+              <a:rPr lang="es-ES" b="1" dirty="0"/>
+              <a:t>Reconocimiento de patrones</a:t>
+            </a:r>
+            <a:r>
+              <a:rPr lang="es-ES" dirty="0"/>
+              <a:t>: La IA identifica patrones en grandes cantidades de datos para generalizar comportamientos. (APRENENTATGE)</a:t>
+            </a:r>
+          </a:p>
+          <a:p>
+            <a:pPr marL="171450" marR="0" lvl="0" indent="-171450" algn="l" defTabSz="914400" rtl="0" eaLnBrk="1" fontAlgn="auto" latinLnBrk="0" hangingPunct="1">
+              <a:lnSpc>
+                <a:spcPct val="100000"/>
+              </a:lnSpc>
+              <a:spcBef>
+                <a:spcPts val="0"/>
+              </a:spcBef>
+              <a:spcAft>
+                <a:spcPts val="0"/>
+              </a:spcAft>
+              <a:buClrTx/>
+              <a:buSzTx/>
+              <a:buFont typeface="Arial" panose="020B0604020202020204" pitchFamily="34" charset="0"/>
+              <a:buChar char="•"/>
+              <a:tabLst/>
+              <a:defRPr/>
+            </a:pPr>
+            <a:r>
+              <a:rPr lang="es-ES" b="1" dirty="0"/>
+              <a:t>Mejora continua</a:t>
+            </a:r>
+            <a:r>
+              <a:rPr lang="es-ES" dirty="0"/>
+              <a:t>: A través de la interacción con su entorno, la IA progresa de manera autónoma. (APRENENTATGE)</a:t>
+            </a:r>
+            <a:endParaRPr lang="ca-ES" dirty="0"/>
+          </a:p>
+        </p:txBody>
+      </p:sp>
+      <p:sp>
+        <p:nvSpPr>
+          <p:cNvPr id="4" name="Marcador de número de diapositiva 3">
+            <a:extLst>
+              <a:ext uri="{FF2B5EF4-FFF2-40B4-BE49-F238E27FC236}">
+                <a16:creationId xmlns:a16="http://schemas.microsoft.com/office/drawing/2014/main" id="{8018FD2D-BAEB-163B-A363-A279A30D83B2}"/>
+              </a:ext>
+            </a:extLst>
+          </p:cNvPr>
+          <p:cNvSpPr>
+            <a:spLocks noGrp="1"/>
+          </p:cNvSpPr>
+          <p:nvPr>
+            <p:ph type="sldNum" sz="quarter" idx="5"/>
+          </p:nvPr>
+        </p:nvSpPr>
+        <p:spPr/>
+        <p:txBody>
+          <a:bodyPr/>
+          <a:lstStyle/>
+          <a:p>
+            <a:fld id="{AA93F080-ECF3-415A-84A6-DF6D3BEC8CB2}" type="slidenum">
+              <a:rPr lang="ca-ES" smtClean="0"/>
+              <a:t>9</a:t>
+            </a:fld>
+            <a:endParaRPr lang="ca-ES"/>
+          </a:p>
+        </p:txBody>
+      </p:sp>
+    </p:spTree>
+    <p:extLst>
+      <p:ext uri="{BB962C8B-B14F-4D97-AF65-F5344CB8AC3E}">
+        <p14:creationId xmlns:p14="http://schemas.microsoft.com/office/powerpoint/2010/main" val="420669238"/>
       </p:ext>
     </p:extLst>
   </p:cSld>
@@ -697,7 +3630,7 @@
           <a:p>
             <a:fld id="{AEAEB304-798F-470E-84C5-C36EE5D3724C}" type="datetimeFigureOut">
               <a:rPr lang="ca-ES" smtClean="0"/>
-              <a:t>4/12/2024</a:t>
+              <a:t>9/12/2024</a:t>
             </a:fld>
             <a:endParaRPr lang="ca-ES"/>
           </a:p>
@@ -897,7 +3830,7 @@
           <a:p>
             <a:fld id="{AEAEB304-798F-470E-84C5-C36EE5D3724C}" type="datetimeFigureOut">
               <a:rPr lang="ca-ES" smtClean="0"/>
-              <a:t>4/12/2024</a:t>
+              <a:t>9/12/2024</a:t>
             </a:fld>
             <a:endParaRPr lang="ca-ES"/>
           </a:p>
@@ -1107,7 +4040,7 @@
           <a:p>
             <a:fld id="{AEAEB304-798F-470E-84C5-C36EE5D3724C}" type="datetimeFigureOut">
               <a:rPr lang="ca-ES" smtClean="0"/>
-              <a:t>4/12/2024</a:t>
+              <a:t>9/12/2024</a:t>
             </a:fld>
             <a:endParaRPr lang="ca-ES"/>
           </a:p>
@@ -1307,7 +4240,7 @@
           <a:p>
             <a:fld id="{AEAEB304-798F-470E-84C5-C36EE5D3724C}" type="datetimeFigureOut">
               <a:rPr lang="ca-ES" smtClean="0"/>
-              <a:t>4/12/2024</a:t>
+              <a:t>9/12/2024</a:t>
             </a:fld>
             <a:endParaRPr lang="ca-ES"/>
           </a:p>
@@ -1583,7 +4516,7 @@
           <a:p>
             <a:fld id="{AEAEB304-798F-470E-84C5-C36EE5D3724C}" type="datetimeFigureOut">
               <a:rPr lang="ca-ES" smtClean="0"/>
-              <a:t>4/12/2024</a:t>
+              <a:t>9/12/2024</a:t>
             </a:fld>
             <a:endParaRPr lang="ca-ES"/>
           </a:p>
@@ -1851,7 +4784,7 @@
           <a:p>
             <a:fld id="{AEAEB304-798F-470E-84C5-C36EE5D3724C}" type="datetimeFigureOut">
               <a:rPr lang="ca-ES" smtClean="0"/>
-              <a:t>4/12/2024</a:t>
+              <a:t>9/12/2024</a:t>
             </a:fld>
             <a:endParaRPr lang="ca-ES"/>
           </a:p>
@@ -2266,7 +5199,7 @@
           <a:p>
             <a:fld id="{AEAEB304-798F-470E-84C5-C36EE5D3724C}" type="datetimeFigureOut">
               <a:rPr lang="ca-ES" smtClean="0"/>
-              <a:t>4/12/2024</a:t>
+              <a:t>9/12/2024</a:t>
             </a:fld>
             <a:endParaRPr lang="ca-ES"/>
           </a:p>
@@ -2408,7 +5341,7 @@
           <a:p>
             <a:fld id="{AEAEB304-798F-470E-84C5-C36EE5D3724C}" type="datetimeFigureOut">
               <a:rPr lang="ca-ES" smtClean="0"/>
-              <a:t>4/12/2024</a:t>
+              <a:t>9/12/2024</a:t>
             </a:fld>
             <a:endParaRPr lang="ca-ES"/>
           </a:p>
@@ -2521,7 +5454,7 @@
           <a:p>
             <a:fld id="{AEAEB304-798F-470E-84C5-C36EE5D3724C}" type="datetimeFigureOut">
               <a:rPr lang="ca-ES" smtClean="0"/>
-              <a:t>4/12/2024</a:t>
+              <a:t>9/12/2024</a:t>
             </a:fld>
             <a:endParaRPr lang="ca-ES"/>
           </a:p>
@@ -2834,7 +5767,7 @@
           <a:p>
             <a:fld id="{AEAEB304-798F-470E-84C5-C36EE5D3724C}" type="datetimeFigureOut">
               <a:rPr lang="ca-ES" smtClean="0"/>
-              <a:t>4/12/2024</a:t>
+              <a:t>9/12/2024</a:t>
             </a:fld>
             <a:endParaRPr lang="ca-ES"/>
           </a:p>
@@ -3123,7 +6056,7 @@
           <a:p>
             <a:fld id="{AEAEB304-798F-470E-84C5-C36EE5D3724C}" type="datetimeFigureOut">
               <a:rPr lang="ca-ES" smtClean="0"/>
-              <a:t>4/12/2024</a:t>
+              <a:t>9/12/2024</a:t>
             </a:fld>
             <a:endParaRPr lang="ca-ES"/>
           </a:p>
@@ -3366,7 +6299,7 @@
           <a:p>
             <a:fld id="{AEAEB304-798F-470E-84C5-C36EE5D3724C}" type="datetimeFigureOut">
               <a:rPr lang="ca-ES" smtClean="0"/>
-              <a:t>4/12/2024</a:t>
+              <a:t>9/12/2024</a:t>
             </a:fld>
             <a:endParaRPr lang="ca-ES"/>
           </a:p>
@@ -3769,6 +6702,14 @@
 <file path=ppt/slides/slide1.xml><?xml version="1.0" encoding="utf-8"?>
 <p:sld xmlns:a="http://schemas.openxmlformats.org/drawingml/2006/main" xmlns:r="http://schemas.openxmlformats.org/officeDocument/2006/relationships" xmlns:p="http://schemas.openxmlformats.org/presentationml/2006/main">
   <p:cSld>
+    <p:bg>
+      <p:bgPr>
+        <a:solidFill>
+          <a:srgbClr val="4EC0CA"/>
+        </a:solidFill>
+        <a:effectLst/>
+      </p:bgPr>
+    </p:bg>
     <p:spTree>
       <p:nvGrpSpPr>
         <p:cNvPr id="1" name=""/>
@@ -3801,19 +6742,27 @@
         </p:nvSpPr>
         <p:spPr>
           <a:xfrm>
-            <a:off x="1524000" y="2235200"/>
-            <a:ext cx="9144000" cy="2387600"/>
+            <a:off x="1524000" y="1975449"/>
+            <a:ext cx="9144000" cy="3190815"/>
           </a:xfrm>
         </p:spPr>
         <p:txBody>
-          <a:bodyPr/>
-          <a:lstStyle/>
-          <a:p>
-            <a:r>
-              <a:rPr lang="es-ES" dirty="0"/>
+          <a:bodyPr>
+            <a:noAutofit/>
+          </a:bodyPr>
+          <a:lstStyle/>
+          <a:p>
+            <a:r>
+              <a:rPr lang="es-ES" sz="7200" dirty="0">
+                <a:latin typeface="Aharoni" panose="02010803020104030203" pitchFamily="2" charset="-79"/>
+                <a:cs typeface="Aharoni" panose="02010803020104030203" pitchFamily="2" charset="-79"/>
+              </a:rPr>
               <a:t>L’APRENENTATGE A L’INTELIGENCIA ARTIFICIAL</a:t>
             </a:r>
-            <a:endParaRPr lang="ca-ES" dirty="0"/>
+            <a:endParaRPr lang="ca-ES" sz="7200" dirty="0">
+              <a:latin typeface="Aharoni" panose="02010803020104030203" pitchFamily="2" charset="-79"/>
+              <a:cs typeface="Aharoni" panose="02010803020104030203" pitchFamily="2" charset="-79"/>
+            </a:endParaRPr>
           </a:p>
         </p:txBody>
       </p:sp>
@@ -3830,12 +6779,18 @@
 </p:sld>
 </file>
 
-<file path=ppt/slides/slide2.xml><?xml version="1.0" encoding="utf-8"?>
+<file path=ppt/slides/slide10.xml><?xml version="1.0" encoding="utf-8"?>
 <p:sld xmlns:a="http://schemas.openxmlformats.org/drawingml/2006/main" xmlns:r="http://schemas.openxmlformats.org/officeDocument/2006/relationships" xmlns:p="http://schemas.openxmlformats.org/presentationml/2006/main">
   <p:cSld>
     <p:spTree>
       <p:nvGrpSpPr>
-        <p:cNvPr id="1" name=""/>
+        <p:cNvPr id="1" name="">
+          <a:extLst>
+            <a:ext uri="{FF2B5EF4-FFF2-40B4-BE49-F238E27FC236}">
+              <a16:creationId xmlns:a16="http://schemas.microsoft.com/office/drawing/2014/main" id="{D38B0F9E-81A4-7F09-F7CD-F9B2A930BC2B}"/>
+            </a:ext>
+          </a:extLst>
+        </p:cNvPr>
         <p:cNvGrpSpPr/>
         <p:nvPr/>
       </p:nvGrpSpPr>
@@ -3852,7 +6807,7 @@
           <p:cNvPr id="2" name="Título 1">
             <a:extLst>
               <a:ext uri="{FF2B5EF4-FFF2-40B4-BE49-F238E27FC236}">
-                <a16:creationId xmlns:a16="http://schemas.microsoft.com/office/drawing/2014/main" id="{1827BBA4-A1F8-B6DE-4C5E-823C0A0B2290}"/>
+                <a16:creationId xmlns:a16="http://schemas.microsoft.com/office/drawing/2014/main" id="{12C2275C-08C5-A9E8-F065-E97FAF2FE958}"/>
               </a:ext>
             </a:extLst>
           </p:cNvPr>
@@ -3860,40 +6815,418 @@
             <a:spLocks noGrp="1"/>
           </p:cNvSpPr>
           <p:nvPr>
-            <p:ph type="title"/>
+            <p:ph type="ctrTitle"/>
           </p:nvPr>
         </p:nvSpPr>
-        <p:spPr/>
-        <p:txBody>
-          <a:bodyPr/>
-          <a:lstStyle/>
-          <a:p>
-            <a:r>
-              <a:rPr lang="es-ES" dirty="0" err="1"/>
-              <a:t>Com</a:t>
-            </a:r>
-            <a:r>
-              <a:rPr lang="es-ES" dirty="0"/>
+        <p:spPr>
+          <a:xfrm>
+            <a:off x="4683269" y="201543"/>
+            <a:ext cx="2825461" cy="781458"/>
+          </a:xfrm>
+        </p:spPr>
+        <p:txBody>
+          <a:bodyPr>
+            <a:noAutofit/>
+          </a:bodyPr>
+          <a:lstStyle/>
+          <a:p>
+            <a:r>
+              <a:rPr lang="es-ES" sz="4800" dirty="0">
+                <a:latin typeface="Aharoni" panose="02010803020104030203" pitchFamily="2" charset="-79"/>
+                <a:cs typeface="Aharoni" panose="02010803020104030203" pitchFamily="2" charset="-79"/>
+              </a:rPr>
+              <a:t>LINEAL</a:t>
+            </a:r>
+            <a:endParaRPr lang="ca-ES" sz="4800" dirty="0">
+              <a:latin typeface="Aharoni" panose="02010803020104030203" pitchFamily="2" charset="-79"/>
+              <a:cs typeface="Aharoni" panose="02010803020104030203" pitchFamily="2" charset="-79"/>
+            </a:endParaRPr>
+          </a:p>
+        </p:txBody>
+      </p:sp>
+      <p:sp>
+        <p:nvSpPr>
+          <p:cNvPr id="10" name="Rectángulo: esquinas redondeadas 9">
+            <a:extLst>
+              <a:ext uri="{FF2B5EF4-FFF2-40B4-BE49-F238E27FC236}">
+                <a16:creationId xmlns:a16="http://schemas.microsoft.com/office/drawing/2014/main" id="{17771F9F-5EDF-E1ED-43D8-05097899121E}"/>
+              </a:ext>
+            </a:extLst>
+          </p:cNvPr>
+          <p:cNvSpPr/>
+          <p:nvPr/>
+        </p:nvSpPr>
+        <p:spPr>
+          <a:xfrm>
+            <a:off x="573233" y="3329650"/>
+            <a:ext cx="2173429" cy="781476"/>
+          </a:xfrm>
+          <a:prstGeom prst="roundRect">
+            <a:avLst/>
+          </a:prstGeom>
+          <a:effectLst>
+            <a:innerShdw blurRad="63500" dist="50800" dir="18900000">
+              <a:prstClr val="black">
+                <a:alpha val="50000"/>
+              </a:prstClr>
+            </a:innerShdw>
+          </a:effectLst>
+        </p:spPr>
+        <p:style>
+          <a:lnRef idx="2">
+            <a:schemeClr val="accent4">
+              <a:shade val="15000"/>
+            </a:schemeClr>
+          </a:lnRef>
+          <a:fillRef idx="1">
+            <a:schemeClr val="accent4"/>
+          </a:fillRef>
+          <a:effectRef idx="0">
+            <a:schemeClr val="accent4"/>
+          </a:effectRef>
+          <a:fontRef idx="minor">
+            <a:schemeClr val="lt1"/>
+          </a:fontRef>
+        </p:style>
+        <p:txBody>
+          <a:bodyPr rtlCol="0" anchor="ctr"/>
+          <a:lstStyle/>
+          <a:p>
+            <a:pPr algn="ctr"/>
+            <a:r>
+              <a:rPr lang="es-ES" sz="3600" dirty="0">
+                <a:latin typeface="ADLaM Display" panose="020F0502020204030204" pitchFamily="2" charset="0"/>
+                <a:ea typeface="ADLaM Display" panose="020F0502020204030204" pitchFamily="2" charset="0"/>
+                <a:cs typeface="ADLaM Display" panose="020F0502020204030204" pitchFamily="2" charset="0"/>
+              </a:rPr>
+              <a:t>FITNESS</a:t>
+            </a:r>
+            <a:r>
+              <a:rPr lang="es-ES" sz="3600" dirty="0"/>
               <a:t> </a:t>
             </a:r>
-            <a:r>
-              <a:rPr lang="es-ES"/>
-              <a:t>aprèn</a:t>
-            </a:r>
-            <a:r>
-              <a:rPr lang="es-ES" dirty="0"/>
-              <a:t>?</a:t>
-            </a:r>
-            <a:endParaRPr lang="ca-ES" dirty="0"/>
-          </a:p>
-        </p:txBody>
-      </p:sp>
-      <p:sp>
-        <p:nvSpPr>
-          <p:cNvPr id="3" name="Marcador de contenido 2">
-            <a:extLst>
-              <a:ext uri="{FF2B5EF4-FFF2-40B4-BE49-F238E27FC236}">
-                <a16:creationId xmlns:a16="http://schemas.microsoft.com/office/drawing/2014/main" id="{AEC52A42-54B9-1279-9FDA-1AC1CE765A00}"/>
+            <a:endParaRPr lang="ca-ES" sz="3600" dirty="0"/>
+          </a:p>
+        </p:txBody>
+      </p:sp>
+      <p:sp>
+        <p:nvSpPr>
+          <p:cNvPr id="19" name="Rectángulo: esquinas redondeadas 18">
+            <a:extLst>
+              <a:ext uri="{FF2B5EF4-FFF2-40B4-BE49-F238E27FC236}">
+                <a16:creationId xmlns:a16="http://schemas.microsoft.com/office/drawing/2014/main" id="{972EA776-CDA5-1636-9874-FAECFF9F8493}"/>
+              </a:ext>
+            </a:extLst>
+          </p:cNvPr>
+          <p:cNvSpPr/>
+          <p:nvPr/>
+        </p:nvSpPr>
+        <p:spPr>
+          <a:xfrm>
+            <a:off x="5324475" y="5699220"/>
+            <a:ext cx="3624696" cy="781476"/>
+          </a:xfrm>
+          <a:prstGeom prst="roundRect">
+            <a:avLst/>
+          </a:prstGeom>
+          <a:effectLst>
+            <a:innerShdw blurRad="63500" dist="50800" dir="18900000">
+              <a:prstClr val="black">
+                <a:alpha val="50000"/>
+              </a:prstClr>
+            </a:innerShdw>
+          </a:effectLst>
+        </p:spPr>
+        <p:style>
+          <a:lnRef idx="2">
+            <a:schemeClr val="accent4">
+              <a:shade val="15000"/>
+            </a:schemeClr>
+          </a:lnRef>
+          <a:fillRef idx="1">
+            <a:schemeClr val="accent4"/>
+          </a:fillRef>
+          <a:effectRef idx="0">
+            <a:schemeClr val="accent4"/>
+          </a:effectRef>
+          <a:fontRef idx="minor">
+            <a:schemeClr val="lt1"/>
+          </a:fontRef>
+        </p:style>
+        <p:txBody>
+          <a:bodyPr rtlCol="0" anchor="ctr"/>
+          <a:lstStyle/>
+          <a:p>
+            <a:pPr algn="ctr"/>
+            <a:r>
+              <a:rPr lang="es-ES" sz="3600" dirty="0">
+                <a:latin typeface="ADLaM Display" panose="020F0502020204030204" pitchFamily="2" charset="0"/>
+                <a:ea typeface="ADLaM Display" panose="020F0502020204030204" pitchFamily="2" charset="0"/>
+                <a:cs typeface="ADLaM Display" panose="020F0502020204030204" pitchFamily="2" charset="0"/>
+              </a:rPr>
+              <a:t>GENERACIONS</a:t>
+            </a:r>
+            <a:r>
+              <a:rPr lang="es-ES" sz="3600" dirty="0"/>
+              <a:t> </a:t>
+            </a:r>
+            <a:endParaRPr lang="ca-ES" sz="3600" dirty="0"/>
+          </a:p>
+        </p:txBody>
+      </p:sp>
+      <p:cxnSp>
+        <p:nvCxnSpPr>
+          <p:cNvPr id="9" name="Conector recto de flecha 8">
+            <a:extLst>
+              <a:ext uri="{FF2B5EF4-FFF2-40B4-BE49-F238E27FC236}">
+                <a16:creationId xmlns:a16="http://schemas.microsoft.com/office/drawing/2014/main" id="{DA7A2E16-72DC-9171-80DC-0AEBE5C39BE0}"/>
+              </a:ext>
+            </a:extLst>
+          </p:cNvPr>
+          <p:cNvCxnSpPr>
+            <a:cxnSpLocks/>
+          </p:cNvCxnSpPr>
+          <p:nvPr/>
+        </p:nvCxnSpPr>
+        <p:spPr>
+          <a:xfrm flipH="1" flipV="1">
+            <a:off x="3013363" y="2286000"/>
+            <a:ext cx="20781" cy="2937605"/>
+          </a:xfrm>
+          <a:prstGeom prst="straightConnector1">
+            <a:avLst/>
+          </a:prstGeom>
+          <a:ln w="76200">
+            <a:tailEnd type="triangle"/>
+          </a:ln>
+        </p:spPr>
+        <p:style>
+          <a:lnRef idx="2">
+            <a:schemeClr val="accent1"/>
+          </a:lnRef>
+          <a:fillRef idx="0">
+            <a:schemeClr val="accent1"/>
+          </a:fillRef>
+          <a:effectRef idx="1">
+            <a:schemeClr val="accent1"/>
+          </a:effectRef>
+          <a:fontRef idx="minor">
+            <a:schemeClr val="tx1"/>
+          </a:fontRef>
+        </p:style>
+      </p:cxnSp>
+      <p:cxnSp>
+        <p:nvCxnSpPr>
+          <p:cNvPr id="13" name="Conector recto de flecha 12">
+            <a:extLst>
+              <a:ext uri="{FF2B5EF4-FFF2-40B4-BE49-F238E27FC236}">
+                <a16:creationId xmlns:a16="http://schemas.microsoft.com/office/drawing/2014/main" id="{E05047F9-3D00-0285-1CA8-A14FDBFE19AA}"/>
+              </a:ext>
+            </a:extLst>
+          </p:cNvPr>
+          <p:cNvCxnSpPr>
+            <a:cxnSpLocks/>
+          </p:cNvCxnSpPr>
+          <p:nvPr/>
+        </p:nvCxnSpPr>
+        <p:spPr>
+          <a:xfrm>
+            <a:off x="3013363" y="5223605"/>
+            <a:ext cx="7481455" cy="0"/>
+          </a:xfrm>
+          <a:prstGeom prst="straightConnector1">
+            <a:avLst/>
+          </a:prstGeom>
+          <a:ln w="76200">
+            <a:tailEnd type="triangle"/>
+          </a:ln>
+        </p:spPr>
+        <p:style>
+          <a:lnRef idx="2">
+            <a:schemeClr val="accent1"/>
+          </a:lnRef>
+          <a:fillRef idx="0">
+            <a:schemeClr val="accent1"/>
+          </a:fillRef>
+          <a:effectRef idx="1">
+            <a:schemeClr val="accent1"/>
+          </a:effectRef>
+          <a:fontRef idx="minor">
+            <a:schemeClr val="tx1"/>
+          </a:fontRef>
+        </p:style>
+      </p:cxnSp>
+      <p:sp>
+        <p:nvSpPr>
+          <p:cNvPr id="18" name="CuadroTexto 17">
+            <a:extLst>
+              <a:ext uri="{FF2B5EF4-FFF2-40B4-BE49-F238E27FC236}">
+                <a16:creationId xmlns:a16="http://schemas.microsoft.com/office/drawing/2014/main" id="{DC38D9C0-6703-128E-F059-8B69C4241C09}"/>
+              </a:ext>
+            </a:extLst>
+          </p:cNvPr>
+          <p:cNvSpPr txBox="1"/>
+          <p:nvPr/>
+        </p:nvSpPr>
+        <p:spPr>
+          <a:xfrm>
+            <a:off x="10494818" y="4869662"/>
+            <a:ext cx="548548" cy="707886"/>
+          </a:xfrm>
+          <a:prstGeom prst="rect">
+            <a:avLst/>
+          </a:prstGeom>
+          <a:noFill/>
+        </p:spPr>
+        <p:txBody>
+          <a:bodyPr wrap="none" rtlCol="0">
+            <a:spAutoFit/>
+          </a:bodyPr>
+          <a:lstStyle/>
+          <a:p>
+            <a:r>
+              <a:rPr lang="es-ES" sz="4000" b="1" dirty="0">
+                <a:latin typeface="Aharoni" panose="02010803020104030203" pitchFamily="2" charset="-79"/>
+                <a:cs typeface="Aharoni" panose="02010803020104030203" pitchFamily="2" charset="-79"/>
+              </a:rPr>
+              <a:t>X</a:t>
+            </a:r>
+            <a:endParaRPr lang="ca-ES" sz="4000" b="1" dirty="0">
+              <a:latin typeface="Aharoni" panose="02010803020104030203" pitchFamily="2" charset="-79"/>
+              <a:cs typeface="Aharoni" panose="02010803020104030203" pitchFamily="2" charset="-79"/>
+            </a:endParaRPr>
+          </a:p>
+        </p:txBody>
+      </p:sp>
+      <p:sp>
+        <p:nvSpPr>
+          <p:cNvPr id="20" name="CuadroTexto 19">
+            <a:extLst>
+              <a:ext uri="{FF2B5EF4-FFF2-40B4-BE49-F238E27FC236}">
+                <a16:creationId xmlns:a16="http://schemas.microsoft.com/office/drawing/2014/main" id="{FBE7B980-3C85-FD9C-7AE1-9BF0A768DC09}"/>
+              </a:ext>
+            </a:extLst>
+          </p:cNvPr>
+          <p:cNvSpPr txBox="1"/>
+          <p:nvPr/>
+        </p:nvSpPr>
+        <p:spPr>
+          <a:xfrm>
+            <a:off x="2759870" y="1634394"/>
+            <a:ext cx="513282" cy="707886"/>
+          </a:xfrm>
+          <a:prstGeom prst="rect">
+            <a:avLst/>
+          </a:prstGeom>
+          <a:noFill/>
+        </p:spPr>
+        <p:txBody>
+          <a:bodyPr wrap="none" rtlCol="0">
+            <a:spAutoFit/>
+          </a:bodyPr>
+          <a:lstStyle/>
+          <a:p>
+            <a:r>
+              <a:rPr lang="es-ES" sz="4000" b="1" dirty="0">
+                <a:latin typeface="Aharoni" panose="02010803020104030203" pitchFamily="2" charset="-79"/>
+                <a:cs typeface="Aharoni" panose="02010803020104030203" pitchFamily="2" charset="-79"/>
+              </a:rPr>
+              <a:t>Y</a:t>
+            </a:r>
+            <a:endParaRPr lang="ca-ES" sz="4000" b="1" dirty="0">
+              <a:latin typeface="Aharoni" panose="02010803020104030203" pitchFamily="2" charset="-79"/>
+              <a:cs typeface="Aharoni" panose="02010803020104030203" pitchFamily="2" charset="-79"/>
+            </a:endParaRPr>
+          </a:p>
+        </p:txBody>
+      </p:sp>
+      <p:cxnSp>
+        <p:nvCxnSpPr>
+          <p:cNvPr id="4" name="Conector recto 3">
+            <a:extLst>
+              <a:ext uri="{FF2B5EF4-FFF2-40B4-BE49-F238E27FC236}">
+                <a16:creationId xmlns:a16="http://schemas.microsoft.com/office/drawing/2014/main" id="{37D10A60-0B2F-0F26-054D-7EC5076474EB}"/>
+              </a:ext>
+            </a:extLst>
+          </p:cNvPr>
+          <p:cNvCxnSpPr/>
+          <p:nvPr/>
+        </p:nvCxnSpPr>
+        <p:spPr>
+          <a:xfrm flipV="1">
+            <a:off x="3034144" y="1988337"/>
+            <a:ext cx="7252856" cy="3235268"/>
+          </a:xfrm>
+          <a:prstGeom prst="line">
+            <a:avLst/>
+          </a:prstGeom>
+          <a:ln w="76200">
+            <a:solidFill>
+              <a:schemeClr val="accent5">
+                <a:lumMod val="60000"/>
+                <a:lumOff val="40000"/>
+              </a:schemeClr>
+            </a:solidFill>
+            <a:prstDash val="sysDash"/>
+          </a:ln>
+        </p:spPr>
+        <p:style>
+          <a:lnRef idx="2">
+            <a:schemeClr val="accent1"/>
+          </a:lnRef>
+          <a:fillRef idx="0">
+            <a:schemeClr val="accent1"/>
+          </a:fillRef>
+          <a:effectRef idx="1">
+            <a:schemeClr val="accent1"/>
+          </a:effectRef>
+          <a:fontRef idx="minor">
+            <a:schemeClr val="tx1"/>
+          </a:fontRef>
+        </p:style>
+      </p:cxnSp>
+    </p:spTree>
+    <p:extLst>
+      <p:ext uri="{BB962C8B-B14F-4D97-AF65-F5344CB8AC3E}">
+        <p14:creationId xmlns:p14="http://schemas.microsoft.com/office/powerpoint/2010/main" val="3905414022"/>
+      </p:ext>
+    </p:extLst>
+  </p:cSld>
+  <p:clrMapOvr>
+    <a:masterClrMapping/>
+  </p:clrMapOvr>
+</p:sld>
+</file>
+
+<file path=ppt/slides/slide11.xml><?xml version="1.0" encoding="utf-8"?>
+<p:sld xmlns:a="http://schemas.openxmlformats.org/drawingml/2006/main" xmlns:r="http://schemas.openxmlformats.org/officeDocument/2006/relationships" xmlns:p="http://schemas.openxmlformats.org/presentationml/2006/main">
+  <p:cSld>
+    <p:spTree>
+      <p:nvGrpSpPr>
+        <p:cNvPr id="1" name="">
+          <a:extLst>
+            <a:ext uri="{FF2B5EF4-FFF2-40B4-BE49-F238E27FC236}">
+              <a16:creationId xmlns:a16="http://schemas.microsoft.com/office/drawing/2014/main" id="{E51E0567-A56E-B416-CD7F-23F97096F48B}"/>
+            </a:ext>
+          </a:extLst>
+        </p:cNvPr>
+        <p:cNvGrpSpPr/>
+        <p:nvPr/>
+      </p:nvGrpSpPr>
+      <p:grpSpPr>
+        <a:xfrm>
+          <a:off x="0" y="0"/>
+          <a:ext cx="0" cy="0"/>
+          <a:chOff x="0" y="0"/>
+          <a:chExt cx="0" cy="0"/>
+        </a:xfrm>
+      </p:grpSpPr>
+      <p:sp>
+        <p:nvSpPr>
+          <p:cNvPr id="2" name="Título 1">
+            <a:extLst>
+              <a:ext uri="{FF2B5EF4-FFF2-40B4-BE49-F238E27FC236}">
+                <a16:creationId xmlns:a16="http://schemas.microsoft.com/office/drawing/2014/main" id="{F144D5A7-5B97-CF0E-F31D-DDA19A60B47F}"/>
               </a:ext>
             </a:extLst>
           </p:cNvPr>
@@ -3901,22 +7234,5872 @@
             <a:spLocks noGrp="1"/>
           </p:cNvSpPr>
           <p:nvPr>
-            <p:ph idx="1"/>
+            <p:ph type="ctrTitle"/>
           </p:nvPr>
         </p:nvSpPr>
-        <p:spPr/>
-        <p:txBody>
-          <a:bodyPr/>
-          <a:lstStyle/>
-          <a:p>
-            <a:endParaRPr lang="ca-ES"/>
-          </a:p>
-        </p:txBody>
-      </p:sp>
+        <p:spPr>
+          <a:xfrm>
+            <a:off x="2587552" y="224400"/>
+            <a:ext cx="7016895" cy="781458"/>
+          </a:xfrm>
+        </p:spPr>
+        <p:txBody>
+          <a:bodyPr>
+            <a:noAutofit/>
+          </a:bodyPr>
+          <a:lstStyle/>
+          <a:p>
+            <a:r>
+              <a:rPr lang="es-ES" sz="4800" dirty="0">
+                <a:latin typeface="Aharoni" panose="02010803020104030203" pitchFamily="2" charset="-79"/>
+                <a:cs typeface="Aharoni" panose="02010803020104030203" pitchFamily="2" charset="-79"/>
+              </a:rPr>
+              <a:t>PARCIALMENT LINEAL</a:t>
+            </a:r>
+            <a:endParaRPr lang="ca-ES" sz="4800" dirty="0">
+              <a:latin typeface="Aharoni" panose="02010803020104030203" pitchFamily="2" charset="-79"/>
+              <a:cs typeface="Aharoni" panose="02010803020104030203" pitchFamily="2" charset="-79"/>
+            </a:endParaRPr>
+          </a:p>
+        </p:txBody>
+      </p:sp>
+      <p:sp>
+        <p:nvSpPr>
+          <p:cNvPr id="10" name="Rectángulo: esquinas redondeadas 9">
+            <a:extLst>
+              <a:ext uri="{FF2B5EF4-FFF2-40B4-BE49-F238E27FC236}">
+                <a16:creationId xmlns:a16="http://schemas.microsoft.com/office/drawing/2014/main" id="{D6F9E709-48A9-BED8-A4AE-EAF35EE443BE}"/>
+              </a:ext>
+            </a:extLst>
+          </p:cNvPr>
+          <p:cNvSpPr/>
+          <p:nvPr/>
+        </p:nvSpPr>
+        <p:spPr>
+          <a:xfrm>
+            <a:off x="573233" y="3329650"/>
+            <a:ext cx="2173429" cy="781476"/>
+          </a:xfrm>
+          <a:prstGeom prst="roundRect">
+            <a:avLst/>
+          </a:prstGeom>
+          <a:effectLst>
+            <a:innerShdw blurRad="63500" dist="50800" dir="18900000">
+              <a:prstClr val="black">
+                <a:alpha val="50000"/>
+              </a:prstClr>
+            </a:innerShdw>
+          </a:effectLst>
+        </p:spPr>
+        <p:style>
+          <a:lnRef idx="2">
+            <a:schemeClr val="accent4">
+              <a:shade val="15000"/>
+            </a:schemeClr>
+          </a:lnRef>
+          <a:fillRef idx="1">
+            <a:schemeClr val="accent4"/>
+          </a:fillRef>
+          <a:effectRef idx="0">
+            <a:schemeClr val="accent4"/>
+          </a:effectRef>
+          <a:fontRef idx="minor">
+            <a:schemeClr val="lt1"/>
+          </a:fontRef>
+        </p:style>
+        <p:txBody>
+          <a:bodyPr rtlCol="0" anchor="ctr"/>
+          <a:lstStyle/>
+          <a:p>
+            <a:pPr algn="ctr"/>
+            <a:r>
+              <a:rPr lang="es-ES" sz="3600" dirty="0">
+                <a:latin typeface="ADLaM Display" panose="020F0502020204030204" pitchFamily="2" charset="0"/>
+                <a:ea typeface="ADLaM Display" panose="020F0502020204030204" pitchFamily="2" charset="0"/>
+                <a:cs typeface="ADLaM Display" panose="020F0502020204030204" pitchFamily="2" charset="0"/>
+              </a:rPr>
+              <a:t>FITNESS</a:t>
+            </a:r>
+            <a:r>
+              <a:rPr lang="es-ES" sz="3600" dirty="0"/>
+              <a:t> </a:t>
+            </a:r>
+            <a:endParaRPr lang="ca-ES" sz="3600" dirty="0"/>
+          </a:p>
+        </p:txBody>
+      </p:sp>
+      <p:sp>
+        <p:nvSpPr>
+          <p:cNvPr id="19" name="Rectángulo: esquinas redondeadas 18">
+            <a:extLst>
+              <a:ext uri="{FF2B5EF4-FFF2-40B4-BE49-F238E27FC236}">
+                <a16:creationId xmlns:a16="http://schemas.microsoft.com/office/drawing/2014/main" id="{D008A1C1-1DF8-7044-B081-24EB01E10F20}"/>
+              </a:ext>
+            </a:extLst>
+          </p:cNvPr>
+          <p:cNvSpPr/>
+          <p:nvPr/>
+        </p:nvSpPr>
+        <p:spPr>
+          <a:xfrm>
+            <a:off x="5324475" y="5699220"/>
+            <a:ext cx="3624696" cy="781476"/>
+          </a:xfrm>
+          <a:prstGeom prst="roundRect">
+            <a:avLst/>
+          </a:prstGeom>
+          <a:effectLst>
+            <a:innerShdw blurRad="63500" dist="50800" dir="18900000">
+              <a:prstClr val="black">
+                <a:alpha val="50000"/>
+              </a:prstClr>
+            </a:innerShdw>
+          </a:effectLst>
+        </p:spPr>
+        <p:style>
+          <a:lnRef idx="2">
+            <a:schemeClr val="accent4">
+              <a:shade val="15000"/>
+            </a:schemeClr>
+          </a:lnRef>
+          <a:fillRef idx="1">
+            <a:schemeClr val="accent4"/>
+          </a:fillRef>
+          <a:effectRef idx="0">
+            <a:schemeClr val="accent4"/>
+          </a:effectRef>
+          <a:fontRef idx="minor">
+            <a:schemeClr val="lt1"/>
+          </a:fontRef>
+        </p:style>
+        <p:txBody>
+          <a:bodyPr rtlCol="0" anchor="ctr"/>
+          <a:lstStyle/>
+          <a:p>
+            <a:pPr algn="ctr"/>
+            <a:r>
+              <a:rPr lang="es-ES" sz="3600" dirty="0">
+                <a:latin typeface="ADLaM Display" panose="020F0502020204030204" pitchFamily="2" charset="0"/>
+                <a:ea typeface="ADLaM Display" panose="020F0502020204030204" pitchFamily="2" charset="0"/>
+                <a:cs typeface="ADLaM Display" panose="020F0502020204030204" pitchFamily="2" charset="0"/>
+              </a:rPr>
+              <a:t>GENERACIONS</a:t>
+            </a:r>
+            <a:r>
+              <a:rPr lang="es-ES" sz="3600" dirty="0"/>
+              <a:t> </a:t>
+            </a:r>
+            <a:endParaRPr lang="ca-ES" sz="3600" dirty="0"/>
+          </a:p>
+        </p:txBody>
+      </p:sp>
+      <p:cxnSp>
+        <p:nvCxnSpPr>
+          <p:cNvPr id="9" name="Conector recto de flecha 8">
+            <a:extLst>
+              <a:ext uri="{FF2B5EF4-FFF2-40B4-BE49-F238E27FC236}">
+                <a16:creationId xmlns:a16="http://schemas.microsoft.com/office/drawing/2014/main" id="{A1FFE25C-9F1A-367E-0E70-AF50BCB830C1}"/>
+              </a:ext>
+            </a:extLst>
+          </p:cNvPr>
+          <p:cNvCxnSpPr>
+            <a:cxnSpLocks/>
+          </p:cNvCxnSpPr>
+          <p:nvPr/>
+        </p:nvCxnSpPr>
+        <p:spPr>
+          <a:xfrm flipH="1" flipV="1">
+            <a:off x="3013363" y="2286000"/>
+            <a:ext cx="20781" cy="2937605"/>
+          </a:xfrm>
+          <a:prstGeom prst="straightConnector1">
+            <a:avLst/>
+          </a:prstGeom>
+          <a:ln w="76200">
+            <a:tailEnd type="triangle"/>
+          </a:ln>
+        </p:spPr>
+        <p:style>
+          <a:lnRef idx="2">
+            <a:schemeClr val="accent1"/>
+          </a:lnRef>
+          <a:fillRef idx="0">
+            <a:schemeClr val="accent1"/>
+          </a:fillRef>
+          <a:effectRef idx="1">
+            <a:schemeClr val="accent1"/>
+          </a:effectRef>
+          <a:fontRef idx="minor">
+            <a:schemeClr val="tx1"/>
+          </a:fontRef>
+        </p:style>
+      </p:cxnSp>
+      <p:cxnSp>
+        <p:nvCxnSpPr>
+          <p:cNvPr id="13" name="Conector recto de flecha 12">
+            <a:extLst>
+              <a:ext uri="{FF2B5EF4-FFF2-40B4-BE49-F238E27FC236}">
+                <a16:creationId xmlns:a16="http://schemas.microsoft.com/office/drawing/2014/main" id="{F76E774C-52D9-45E6-B585-A0327D0DA315}"/>
+              </a:ext>
+            </a:extLst>
+          </p:cNvPr>
+          <p:cNvCxnSpPr>
+            <a:cxnSpLocks/>
+          </p:cNvCxnSpPr>
+          <p:nvPr/>
+        </p:nvCxnSpPr>
+        <p:spPr>
+          <a:xfrm>
+            <a:off x="3013363" y="5223605"/>
+            <a:ext cx="7481455" cy="0"/>
+          </a:xfrm>
+          <a:prstGeom prst="straightConnector1">
+            <a:avLst/>
+          </a:prstGeom>
+          <a:ln w="76200">
+            <a:tailEnd type="triangle"/>
+          </a:ln>
+        </p:spPr>
+        <p:style>
+          <a:lnRef idx="2">
+            <a:schemeClr val="accent1"/>
+          </a:lnRef>
+          <a:fillRef idx="0">
+            <a:schemeClr val="accent1"/>
+          </a:fillRef>
+          <a:effectRef idx="1">
+            <a:schemeClr val="accent1"/>
+          </a:effectRef>
+          <a:fontRef idx="minor">
+            <a:schemeClr val="tx1"/>
+          </a:fontRef>
+        </p:style>
+      </p:cxnSp>
+      <p:sp>
+        <p:nvSpPr>
+          <p:cNvPr id="18" name="CuadroTexto 17">
+            <a:extLst>
+              <a:ext uri="{FF2B5EF4-FFF2-40B4-BE49-F238E27FC236}">
+                <a16:creationId xmlns:a16="http://schemas.microsoft.com/office/drawing/2014/main" id="{A6FE12D1-6A21-4785-1CDC-5D3879636C25}"/>
+              </a:ext>
+            </a:extLst>
+          </p:cNvPr>
+          <p:cNvSpPr txBox="1"/>
+          <p:nvPr/>
+        </p:nvSpPr>
+        <p:spPr>
+          <a:xfrm>
+            <a:off x="10494818" y="4869662"/>
+            <a:ext cx="548548" cy="707886"/>
+          </a:xfrm>
+          <a:prstGeom prst="rect">
+            <a:avLst/>
+          </a:prstGeom>
+          <a:noFill/>
+        </p:spPr>
+        <p:txBody>
+          <a:bodyPr wrap="none" rtlCol="0">
+            <a:spAutoFit/>
+          </a:bodyPr>
+          <a:lstStyle/>
+          <a:p>
+            <a:r>
+              <a:rPr lang="es-ES" sz="4000" b="1" dirty="0">
+                <a:latin typeface="Aharoni" panose="02010803020104030203" pitchFamily="2" charset="-79"/>
+                <a:cs typeface="Aharoni" panose="02010803020104030203" pitchFamily="2" charset="-79"/>
+              </a:rPr>
+              <a:t>X</a:t>
+            </a:r>
+            <a:endParaRPr lang="ca-ES" sz="4000" b="1" dirty="0">
+              <a:latin typeface="Aharoni" panose="02010803020104030203" pitchFamily="2" charset="-79"/>
+              <a:cs typeface="Aharoni" panose="02010803020104030203" pitchFamily="2" charset="-79"/>
+            </a:endParaRPr>
+          </a:p>
+        </p:txBody>
+      </p:sp>
+      <p:sp>
+        <p:nvSpPr>
+          <p:cNvPr id="20" name="CuadroTexto 19">
+            <a:extLst>
+              <a:ext uri="{FF2B5EF4-FFF2-40B4-BE49-F238E27FC236}">
+                <a16:creationId xmlns:a16="http://schemas.microsoft.com/office/drawing/2014/main" id="{4E2061E9-8B6D-6678-C724-285E7DA03142}"/>
+              </a:ext>
+            </a:extLst>
+          </p:cNvPr>
+          <p:cNvSpPr txBox="1"/>
+          <p:nvPr/>
+        </p:nvSpPr>
+        <p:spPr>
+          <a:xfrm>
+            <a:off x="2759870" y="1634394"/>
+            <a:ext cx="513282" cy="707886"/>
+          </a:xfrm>
+          <a:prstGeom prst="rect">
+            <a:avLst/>
+          </a:prstGeom>
+          <a:noFill/>
+        </p:spPr>
+        <p:txBody>
+          <a:bodyPr wrap="none" rtlCol="0">
+            <a:spAutoFit/>
+          </a:bodyPr>
+          <a:lstStyle/>
+          <a:p>
+            <a:r>
+              <a:rPr lang="es-ES" sz="4000" b="1" dirty="0">
+                <a:latin typeface="Aharoni" panose="02010803020104030203" pitchFamily="2" charset="-79"/>
+                <a:cs typeface="Aharoni" panose="02010803020104030203" pitchFamily="2" charset="-79"/>
+              </a:rPr>
+              <a:t>Y</a:t>
+            </a:r>
+            <a:endParaRPr lang="ca-ES" sz="4000" b="1" dirty="0">
+              <a:latin typeface="Aharoni" panose="02010803020104030203" pitchFamily="2" charset="-79"/>
+              <a:cs typeface="Aharoni" panose="02010803020104030203" pitchFamily="2" charset="-79"/>
+            </a:endParaRPr>
+          </a:p>
+        </p:txBody>
+      </p:sp>
+      <p:cxnSp>
+        <p:nvCxnSpPr>
+          <p:cNvPr id="4" name="Conector recto 3">
+            <a:extLst>
+              <a:ext uri="{FF2B5EF4-FFF2-40B4-BE49-F238E27FC236}">
+                <a16:creationId xmlns:a16="http://schemas.microsoft.com/office/drawing/2014/main" id="{CE9A58DA-7CA4-17A3-79AA-047AD28D832B}"/>
+              </a:ext>
+            </a:extLst>
+          </p:cNvPr>
+          <p:cNvCxnSpPr>
+            <a:cxnSpLocks/>
+          </p:cNvCxnSpPr>
+          <p:nvPr/>
+        </p:nvCxnSpPr>
+        <p:spPr>
+          <a:xfrm flipV="1">
+            <a:off x="3034144" y="2342280"/>
+            <a:ext cx="3061855" cy="2881325"/>
+          </a:xfrm>
+          <a:prstGeom prst="line">
+            <a:avLst/>
+          </a:prstGeom>
+          <a:ln w="76200">
+            <a:solidFill>
+              <a:srgbClr val="FF0000"/>
+            </a:solidFill>
+            <a:prstDash val="sysDash"/>
+          </a:ln>
+        </p:spPr>
+        <p:style>
+          <a:lnRef idx="2">
+            <a:schemeClr val="accent1"/>
+          </a:lnRef>
+          <a:fillRef idx="0">
+            <a:schemeClr val="accent1"/>
+          </a:fillRef>
+          <a:effectRef idx="1">
+            <a:schemeClr val="accent1"/>
+          </a:effectRef>
+          <a:fontRef idx="minor">
+            <a:schemeClr val="tx1"/>
+          </a:fontRef>
+        </p:style>
+      </p:cxnSp>
+      <p:cxnSp>
+        <p:nvCxnSpPr>
+          <p:cNvPr id="5" name="Conector recto 4">
+            <a:extLst>
+              <a:ext uri="{FF2B5EF4-FFF2-40B4-BE49-F238E27FC236}">
+                <a16:creationId xmlns:a16="http://schemas.microsoft.com/office/drawing/2014/main" id="{EB5C3B74-0044-F117-7557-29A716311522}"/>
+              </a:ext>
+            </a:extLst>
+          </p:cNvPr>
+          <p:cNvCxnSpPr>
+            <a:cxnSpLocks/>
+          </p:cNvCxnSpPr>
+          <p:nvPr/>
+        </p:nvCxnSpPr>
+        <p:spPr>
+          <a:xfrm flipV="1">
+            <a:off x="6095999" y="2286000"/>
+            <a:ext cx="4398819" cy="56280"/>
+          </a:xfrm>
+          <a:prstGeom prst="line">
+            <a:avLst/>
+          </a:prstGeom>
+          <a:ln w="76200">
+            <a:solidFill>
+              <a:srgbClr val="FF0000"/>
+            </a:solidFill>
+            <a:prstDash val="sysDash"/>
+          </a:ln>
+        </p:spPr>
+        <p:style>
+          <a:lnRef idx="2">
+            <a:schemeClr val="accent1"/>
+          </a:lnRef>
+          <a:fillRef idx="0">
+            <a:schemeClr val="accent1"/>
+          </a:fillRef>
+          <a:effectRef idx="1">
+            <a:schemeClr val="accent1"/>
+          </a:effectRef>
+          <a:fontRef idx="minor">
+            <a:schemeClr val="tx1"/>
+          </a:fontRef>
+        </p:style>
+      </p:cxnSp>
     </p:spTree>
     <p:extLst>
       <p:ext uri="{BB962C8B-B14F-4D97-AF65-F5344CB8AC3E}">
-        <p14:creationId xmlns:p14="http://schemas.microsoft.com/office/powerpoint/2010/main" val="925489095"/>
+        <p14:creationId xmlns:p14="http://schemas.microsoft.com/office/powerpoint/2010/main" val="4044125961"/>
+      </p:ext>
+    </p:extLst>
+  </p:cSld>
+  <p:clrMapOvr>
+    <a:masterClrMapping/>
+  </p:clrMapOvr>
+</p:sld>
+</file>
+
+<file path=ppt/slides/slide12.xml><?xml version="1.0" encoding="utf-8"?>
+<p:sld xmlns:a="http://schemas.openxmlformats.org/drawingml/2006/main" xmlns:r="http://schemas.openxmlformats.org/officeDocument/2006/relationships" xmlns:p="http://schemas.openxmlformats.org/presentationml/2006/main">
+  <p:cSld>
+    <p:spTree>
+      <p:nvGrpSpPr>
+        <p:cNvPr id="1" name="">
+          <a:extLst>
+            <a:ext uri="{FF2B5EF4-FFF2-40B4-BE49-F238E27FC236}">
+              <a16:creationId xmlns:a16="http://schemas.microsoft.com/office/drawing/2014/main" id="{F5822A38-BF04-CD20-5F73-4A4A2A497560}"/>
+            </a:ext>
+          </a:extLst>
+        </p:cNvPr>
+        <p:cNvGrpSpPr/>
+        <p:nvPr/>
+      </p:nvGrpSpPr>
+      <p:grpSpPr>
+        <a:xfrm>
+          <a:off x="0" y="0"/>
+          <a:ext cx="0" cy="0"/>
+          <a:chOff x="0" y="0"/>
+          <a:chExt cx="0" cy="0"/>
+        </a:xfrm>
+      </p:grpSpPr>
+      <p:sp>
+        <p:nvSpPr>
+          <p:cNvPr id="2" name="Título 1">
+            <a:extLst>
+              <a:ext uri="{FF2B5EF4-FFF2-40B4-BE49-F238E27FC236}">
+                <a16:creationId xmlns:a16="http://schemas.microsoft.com/office/drawing/2014/main" id="{92E9518C-B8C1-F295-4263-F151AF30F084}"/>
+              </a:ext>
+            </a:extLst>
+          </p:cNvPr>
+          <p:cNvSpPr>
+            <a:spLocks noGrp="1"/>
+          </p:cNvSpPr>
+          <p:nvPr>
+            <p:ph type="ctrTitle"/>
+          </p:nvPr>
+        </p:nvSpPr>
+        <p:spPr>
+          <a:xfrm>
+            <a:off x="2587552" y="224400"/>
+            <a:ext cx="7016895" cy="781458"/>
+          </a:xfrm>
+        </p:spPr>
+        <p:txBody>
+          <a:bodyPr>
+            <a:noAutofit/>
+          </a:bodyPr>
+          <a:lstStyle/>
+          <a:p>
+            <a:r>
+              <a:rPr lang="es-ES" sz="4800" dirty="0">
+                <a:latin typeface="Aharoni" panose="02010803020104030203" pitchFamily="2" charset="-79"/>
+                <a:cs typeface="Aharoni" panose="02010803020104030203" pitchFamily="2" charset="-79"/>
+              </a:rPr>
+              <a:t>LOGARÍTMICA</a:t>
+            </a:r>
+            <a:endParaRPr lang="ca-ES" sz="4800" dirty="0">
+              <a:latin typeface="Aharoni" panose="02010803020104030203" pitchFamily="2" charset="-79"/>
+              <a:cs typeface="Aharoni" panose="02010803020104030203" pitchFamily="2" charset="-79"/>
+            </a:endParaRPr>
+          </a:p>
+        </p:txBody>
+      </p:sp>
+      <p:sp>
+        <p:nvSpPr>
+          <p:cNvPr id="10" name="Rectángulo: esquinas redondeadas 9">
+            <a:extLst>
+              <a:ext uri="{FF2B5EF4-FFF2-40B4-BE49-F238E27FC236}">
+                <a16:creationId xmlns:a16="http://schemas.microsoft.com/office/drawing/2014/main" id="{D2805C2D-A746-FD2B-FC8E-0E612324A6DD}"/>
+              </a:ext>
+            </a:extLst>
+          </p:cNvPr>
+          <p:cNvSpPr/>
+          <p:nvPr/>
+        </p:nvSpPr>
+        <p:spPr>
+          <a:xfrm>
+            <a:off x="573233" y="3329650"/>
+            <a:ext cx="2173429" cy="781476"/>
+          </a:xfrm>
+          <a:prstGeom prst="roundRect">
+            <a:avLst/>
+          </a:prstGeom>
+          <a:effectLst>
+            <a:innerShdw blurRad="63500" dist="50800" dir="18900000">
+              <a:prstClr val="black">
+                <a:alpha val="50000"/>
+              </a:prstClr>
+            </a:innerShdw>
+          </a:effectLst>
+        </p:spPr>
+        <p:style>
+          <a:lnRef idx="2">
+            <a:schemeClr val="accent4">
+              <a:shade val="15000"/>
+            </a:schemeClr>
+          </a:lnRef>
+          <a:fillRef idx="1">
+            <a:schemeClr val="accent4"/>
+          </a:fillRef>
+          <a:effectRef idx="0">
+            <a:schemeClr val="accent4"/>
+          </a:effectRef>
+          <a:fontRef idx="minor">
+            <a:schemeClr val="lt1"/>
+          </a:fontRef>
+        </p:style>
+        <p:txBody>
+          <a:bodyPr rtlCol="0" anchor="ctr"/>
+          <a:lstStyle/>
+          <a:p>
+            <a:pPr algn="ctr"/>
+            <a:r>
+              <a:rPr lang="es-ES" sz="3600" dirty="0">
+                <a:latin typeface="ADLaM Display" panose="020F0502020204030204" pitchFamily="2" charset="0"/>
+                <a:ea typeface="ADLaM Display" panose="020F0502020204030204" pitchFamily="2" charset="0"/>
+                <a:cs typeface="ADLaM Display" panose="020F0502020204030204" pitchFamily="2" charset="0"/>
+              </a:rPr>
+              <a:t>FITNESS</a:t>
+            </a:r>
+            <a:r>
+              <a:rPr lang="es-ES" sz="3600" dirty="0"/>
+              <a:t> </a:t>
+            </a:r>
+            <a:endParaRPr lang="ca-ES" sz="3600" dirty="0"/>
+          </a:p>
+        </p:txBody>
+      </p:sp>
+      <p:sp>
+        <p:nvSpPr>
+          <p:cNvPr id="19" name="Rectángulo: esquinas redondeadas 18">
+            <a:extLst>
+              <a:ext uri="{FF2B5EF4-FFF2-40B4-BE49-F238E27FC236}">
+                <a16:creationId xmlns:a16="http://schemas.microsoft.com/office/drawing/2014/main" id="{FAC6272B-3056-C5AA-0BBB-538D88399200}"/>
+              </a:ext>
+            </a:extLst>
+          </p:cNvPr>
+          <p:cNvSpPr/>
+          <p:nvPr/>
+        </p:nvSpPr>
+        <p:spPr>
+          <a:xfrm>
+            <a:off x="5324475" y="5699220"/>
+            <a:ext cx="3624696" cy="781476"/>
+          </a:xfrm>
+          <a:prstGeom prst="roundRect">
+            <a:avLst/>
+          </a:prstGeom>
+          <a:effectLst>
+            <a:innerShdw blurRad="63500" dist="50800" dir="18900000">
+              <a:prstClr val="black">
+                <a:alpha val="50000"/>
+              </a:prstClr>
+            </a:innerShdw>
+          </a:effectLst>
+        </p:spPr>
+        <p:style>
+          <a:lnRef idx="2">
+            <a:schemeClr val="accent4">
+              <a:shade val="15000"/>
+            </a:schemeClr>
+          </a:lnRef>
+          <a:fillRef idx="1">
+            <a:schemeClr val="accent4"/>
+          </a:fillRef>
+          <a:effectRef idx="0">
+            <a:schemeClr val="accent4"/>
+          </a:effectRef>
+          <a:fontRef idx="minor">
+            <a:schemeClr val="lt1"/>
+          </a:fontRef>
+        </p:style>
+        <p:txBody>
+          <a:bodyPr rtlCol="0" anchor="ctr"/>
+          <a:lstStyle/>
+          <a:p>
+            <a:pPr algn="ctr"/>
+            <a:r>
+              <a:rPr lang="es-ES" sz="3600" dirty="0">
+                <a:latin typeface="ADLaM Display" panose="020F0502020204030204" pitchFamily="2" charset="0"/>
+                <a:ea typeface="ADLaM Display" panose="020F0502020204030204" pitchFamily="2" charset="0"/>
+                <a:cs typeface="ADLaM Display" panose="020F0502020204030204" pitchFamily="2" charset="0"/>
+              </a:rPr>
+              <a:t>GENERACIONS</a:t>
+            </a:r>
+            <a:r>
+              <a:rPr lang="es-ES" sz="3600" dirty="0"/>
+              <a:t> </a:t>
+            </a:r>
+            <a:endParaRPr lang="ca-ES" sz="3600" dirty="0"/>
+          </a:p>
+        </p:txBody>
+      </p:sp>
+      <p:cxnSp>
+        <p:nvCxnSpPr>
+          <p:cNvPr id="9" name="Conector recto de flecha 8">
+            <a:extLst>
+              <a:ext uri="{FF2B5EF4-FFF2-40B4-BE49-F238E27FC236}">
+                <a16:creationId xmlns:a16="http://schemas.microsoft.com/office/drawing/2014/main" id="{559F77F2-D9E0-B32B-A58E-4E6622E82145}"/>
+              </a:ext>
+            </a:extLst>
+          </p:cNvPr>
+          <p:cNvCxnSpPr>
+            <a:cxnSpLocks/>
+          </p:cNvCxnSpPr>
+          <p:nvPr/>
+        </p:nvCxnSpPr>
+        <p:spPr>
+          <a:xfrm flipH="1" flipV="1">
+            <a:off x="3013363" y="2286000"/>
+            <a:ext cx="20781" cy="2937605"/>
+          </a:xfrm>
+          <a:prstGeom prst="straightConnector1">
+            <a:avLst/>
+          </a:prstGeom>
+          <a:ln w="76200">
+            <a:tailEnd type="triangle"/>
+          </a:ln>
+        </p:spPr>
+        <p:style>
+          <a:lnRef idx="2">
+            <a:schemeClr val="accent1"/>
+          </a:lnRef>
+          <a:fillRef idx="0">
+            <a:schemeClr val="accent1"/>
+          </a:fillRef>
+          <a:effectRef idx="1">
+            <a:schemeClr val="accent1"/>
+          </a:effectRef>
+          <a:fontRef idx="minor">
+            <a:schemeClr val="tx1"/>
+          </a:fontRef>
+        </p:style>
+      </p:cxnSp>
+      <p:cxnSp>
+        <p:nvCxnSpPr>
+          <p:cNvPr id="13" name="Conector recto de flecha 12">
+            <a:extLst>
+              <a:ext uri="{FF2B5EF4-FFF2-40B4-BE49-F238E27FC236}">
+                <a16:creationId xmlns:a16="http://schemas.microsoft.com/office/drawing/2014/main" id="{2F0C1F68-EC6F-559E-9F7B-F7C03AB93174}"/>
+              </a:ext>
+            </a:extLst>
+          </p:cNvPr>
+          <p:cNvCxnSpPr>
+            <a:cxnSpLocks/>
+          </p:cNvCxnSpPr>
+          <p:nvPr/>
+        </p:nvCxnSpPr>
+        <p:spPr>
+          <a:xfrm>
+            <a:off x="3013363" y="5223605"/>
+            <a:ext cx="7481455" cy="0"/>
+          </a:xfrm>
+          <a:prstGeom prst="straightConnector1">
+            <a:avLst/>
+          </a:prstGeom>
+          <a:ln w="76200">
+            <a:tailEnd type="triangle"/>
+          </a:ln>
+        </p:spPr>
+        <p:style>
+          <a:lnRef idx="2">
+            <a:schemeClr val="accent1"/>
+          </a:lnRef>
+          <a:fillRef idx="0">
+            <a:schemeClr val="accent1"/>
+          </a:fillRef>
+          <a:effectRef idx="1">
+            <a:schemeClr val="accent1"/>
+          </a:effectRef>
+          <a:fontRef idx="minor">
+            <a:schemeClr val="tx1"/>
+          </a:fontRef>
+        </p:style>
+      </p:cxnSp>
+      <p:sp>
+        <p:nvSpPr>
+          <p:cNvPr id="18" name="CuadroTexto 17">
+            <a:extLst>
+              <a:ext uri="{FF2B5EF4-FFF2-40B4-BE49-F238E27FC236}">
+                <a16:creationId xmlns:a16="http://schemas.microsoft.com/office/drawing/2014/main" id="{7696BD00-3289-DA05-7789-A21551E8D6EC}"/>
+              </a:ext>
+            </a:extLst>
+          </p:cNvPr>
+          <p:cNvSpPr txBox="1"/>
+          <p:nvPr/>
+        </p:nvSpPr>
+        <p:spPr>
+          <a:xfrm>
+            <a:off x="10494818" y="4869662"/>
+            <a:ext cx="548548" cy="707886"/>
+          </a:xfrm>
+          <a:prstGeom prst="rect">
+            <a:avLst/>
+          </a:prstGeom>
+          <a:noFill/>
+        </p:spPr>
+        <p:txBody>
+          <a:bodyPr wrap="none" rtlCol="0">
+            <a:spAutoFit/>
+          </a:bodyPr>
+          <a:lstStyle/>
+          <a:p>
+            <a:r>
+              <a:rPr lang="es-ES" sz="4000" b="1" dirty="0">
+                <a:latin typeface="Aharoni" panose="02010803020104030203" pitchFamily="2" charset="-79"/>
+                <a:cs typeface="Aharoni" panose="02010803020104030203" pitchFamily="2" charset="-79"/>
+              </a:rPr>
+              <a:t>X</a:t>
+            </a:r>
+            <a:endParaRPr lang="ca-ES" sz="4000" b="1" dirty="0">
+              <a:latin typeface="Aharoni" panose="02010803020104030203" pitchFamily="2" charset="-79"/>
+              <a:cs typeface="Aharoni" panose="02010803020104030203" pitchFamily="2" charset="-79"/>
+            </a:endParaRPr>
+          </a:p>
+        </p:txBody>
+      </p:sp>
+      <p:sp>
+        <p:nvSpPr>
+          <p:cNvPr id="20" name="CuadroTexto 19">
+            <a:extLst>
+              <a:ext uri="{FF2B5EF4-FFF2-40B4-BE49-F238E27FC236}">
+                <a16:creationId xmlns:a16="http://schemas.microsoft.com/office/drawing/2014/main" id="{C400FA72-0F52-E66C-C2AB-768D41054EFD}"/>
+              </a:ext>
+            </a:extLst>
+          </p:cNvPr>
+          <p:cNvSpPr txBox="1"/>
+          <p:nvPr/>
+        </p:nvSpPr>
+        <p:spPr>
+          <a:xfrm>
+            <a:off x="2759870" y="1634394"/>
+            <a:ext cx="513282" cy="707886"/>
+          </a:xfrm>
+          <a:prstGeom prst="rect">
+            <a:avLst/>
+          </a:prstGeom>
+          <a:noFill/>
+        </p:spPr>
+        <p:txBody>
+          <a:bodyPr wrap="none" rtlCol="0">
+            <a:spAutoFit/>
+          </a:bodyPr>
+          <a:lstStyle/>
+          <a:p>
+            <a:r>
+              <a:rPr lang="es-ES" sz="4000" b="1" dirty="0">
+                <a:latin typeface="Aharoni" panose="02010803020104030203" pitchFamily="2" charset="-79"/>
+                <a:cs typeface="Aharoni" panose="02010803020104030203" pitchFamily="2" charset="-79"/>
+              </a:rPr>
+              <a:t>Y</a:t>
+            </a:r>
+            <a:endParaRPr lang="ca-ES" sz="4000" b="1" dirty="0">
+              <a:latin typeface="Aharoni" panose="02010803020104030203" pitchFamily="2" charset="-79"/>
+              <a:cs typeface="Aharoni" panose="02010803020104030203" pitchFamily="2" charset="-79"/>
+            </a:endParaRPr>
+          </a:p>
+        </p:txBody>
+      </p:sp>
+      <p:sp>
+        <p:nvSpPr>
+          <p:cNvPr id="3" name="Forma libre: forma 2">
+            <a:extLst>
+              <a:ext uri="{FF2B5EF4-FFF2-40B4-BE49-F238E27FC236}">
+                <a16:creationId xmlns:a16="http://schemas.microsoft.com/office/drawing/2014/main" id="{EA7E866E-7636-A5F9-DB4E-2A557E2F48EA}"/>
+              </a:ext>
+            </a:extLst>
+          </p:cNvPr>
+          <p:cNvSpPr/>
+          <p:nvPr/>
+        </p:nvSpPr>
+        <p:spPr>
+          <a:xfrm>
+            <a:off x="3075709" y="2244436"/>
+            <a:ext cx="7315200" cy="2909455"/>
+          </a:xfrm>
+          <a:custGeom>
+            <a:avLst/>
+            <a:gdLst>
+              <a:gd name="connsiteX0" fmla="*/ 0 w 7315200"/>
+              <a:gd name="connsiteY0" fmla="*/ 2909455 h 2909455"/>
+              <a:gd name="connsiteX1" fmla="*/ 1787236 w 7315200"/>
+              <a:gd name="connsiteY1" fmla="*/ 415637 h 2909455"/>
+              <a:gd name="connsiteX2" fmla="*/ 7315200 w 7315200"/>
+              <a:gd name="connsiteY2" fmla="*/ 0 h 2909455"/>
+            </a:gdLst>
+            <a:ahLst/>
+            <a:cxnLst>
+              <a:cxn ang="0">
+                <a:pos x="connsiteX0" y="connsiteY0"/>
+              </a:cxn>
+              <a:cxn ang="0">
+                <a:pos x="connsiteX1" y="connsiteY1"/>
+              </a:cxn>
+              <a:cxn ang="0">
+                <a:pos x="connsiteX2" y="connsiteY2"/>
+              </a:cxn>
+            </a:cxnLst>
+            <a:rect l="l" t="t" r="r" b="b"/>
+            <a:pathLst>
+              <a:path w="7315200" h="2909455">
+                <a:moveTo>
+                  <a:pt x="0" y="2909455"/>
+                </a:moveTo>
+                <a:cubicBezTo>
+                  <a:pt x="284018" y="1905000"/>
+                  <a:pt x="568036" y="900546"/>
+                  <a:pt x="1787236" y="415637"/>
+                </a:cubicBezTo>
+                <a:cubicBezTo>
+                  <a:pt x="3006436" y="-69272"/>
+                  <a:pt x="6269182" y="76200"/>
+                  <a:pt x="7315200" y="0"/>
+                </a:cubicBezTo>
+              </a:path>
+            </a:pathLst>
+          </a:custGeom>
+          <a:noFill/>
+          <a:ln w="76200">
+            <a:solidFill>
+              <a:schemeClr val="accent3">
+                <a:lumMod val="60000"/>
+                <a:lumOff val="40000"/>
+              </a:schemeClr>
+            </a:solidFill>
+            <a:prstDash val="sysDash"/>
+          </a:ln>
+        </p:spPr>
+        <p:style>
+          <a:lnRef idx="2">
+            <a:schemeClr val="accent1">
+              <a:shade val="15000"/>
+            </a:schemeClr>
+          </a:lnRef>
+          <a:fillRef idx="1">
+            <a:schemeClr val="accent1"/>
+          </a:fillRef>
+          <a:effectRef idx="0">
+            <a:schemeClr val="accent1"/>
+          </a:effectRef>
+          <a:fontRef idx="minor">
+            <a:schemeClr val="lt1"/>
+          </a:fontRef>
+        </p:style>
+        <p:txBody>
+          <a:bodyPr rtlCol="0" anchor="ctr"/>
+          <a:lstStyle/>
+          <a:p>
+            <a:pPr algn="ctr"/>
+            <a:endParaRPr lang="ca-ES"/>
+          </a:p>
+        </p:txBody>
+      </p:sp>
+    </p:spTree>
+    <p:extLst>
+      <p:ext uri="{BB962C8B-B14F-4D97-AF65-F5344CB8AC3E}">
+        <p14:creationId xmlns:p14="http://schemas.microsoft.com/office/powerpoint/2010/main" val="3252679527"/>
+      </p:ext>
+    </p:extLst>
+  </p:cSld>
+  <p:clrMapOvr>
+    <a:masterClrMapping/>
+  </p:clrMapOvr>
+</p:sld>
+</file>
+
+<file path=ppt/slides/slide13.xml><?xml version="1.0" encoding="utf-8"?>
+<p:sld xmlns:a="http://schemas.openxmlformats.org/drawingml/2006/main" xmlns:r="http://schemas.openxmlformats.org/officeDocument/2006/relationships" xmlns:p="http://schemas.openxmlformats.org/presentationml/2006/main">
+  <p:cSld>
+    <p:spTree>
+      <p:nvGrpSpPr>
+        <p:cNvPr id="1" name="">
+          <a:extLst>
+            <a:ext uri="{FF2B5EF4-FFF2-40B4-BE49-F238E27FC236}">
+              <a16:creationId xmlns:a16="http://schemas.microsoft.com/office/drawing/2014/main" id="{2883A840-A2A7-119A-2926-BDB7A6516F1B}"/>
+            </a:ext>
+          </a:extLst>
+        </p:cNvPr>
+        <p:cNvGrpSpPr/>
+        <p:nvPr/>
+      </p:nvGrpSpPr>
+      <p:grpSpPr>
+        <a:xfrm>
+          <a:off x="0" y="0"/>
+          <a:ext cx="0" cy="0"/>
+          <a:chOff x="0" y="0"/>
+          <a:chExt cx="0" cy="0"/>
+        </a:xfrm>
+      </p:grpSpPr>
+      <p:sp>
+        <p:nvSpPr>
+          <p:cNvPr id="2" name="Título 1">
+            <a:extLst>
+              <a:ext uri="{FF2B5EF4-FFF2-40B4-BE49-F238E27FC236}">
+                <a16:creationId xmlns:a16="http://schemas.microsoft.com/office/drawing/2014/main" id="{73BC937B-7F9A-7465-E128-671519E3C486}"/>
+              </a:ext>
+            </a:extLst>
+          </p:cNvPr>
+          <p:cNvSpPr>
+            <a:spLocks noGrp="1"/>
+          </p:cNvSpPr>
+          <p:nvPr>
+            <p:ph type="ctrTitle"/>
+          </p:nvPr>
+        </p:nvSpPr>
+        <p:spPr>
+          <a:xfrm>
+            <a:off x="1859972" y="1936826"/>
+            <a:ext cx="8472055" cy="2984348"/>
+          </a:xfrm>
+        </p:spPr>
+        <p:txBody>
+          <a:bodyPr>
+            <a:noAutofit/>
+          </a:bodyPr>
+          <a:lstStyle/>
+          <a:p>
+            <a:r>
+              <a:rPr lang="es-ES" sz="9600" dirty="0">
+                <a:latin typeface="Aharoni" panose="02010803020104030203" pitchFamily="2" charset="-79"/>
+                <a:cs typeface="Aharoni" panose="02010803020104030203" pitchFamily="2" charset="-79"/>
+              </a:rPr>
+              <a:t>LA NOSTRA HIPÒTESI</a:t>
+            </a:r>
+            <a:endParaRPr lang="ca-ES" sz="9600" dirty="0">
+              <a:latin typeface="Aharoni" panose="02010803020104030203" pitchFamily="2" charset="-79"/>
+              <a:cs typeface="Aharoni" panose="02010803020104030203" pitchFamily="2" charset="-79"/>
+            </a:endParaRPr>
+          </a:p>
+        </p:txBody>
+      </p:sp>
+    </p:spTree>
+    <p:extLst>
+      <p:ext uri="{BB962C8B-B14F-4D97-AF65-F5344CB8AC3E}">
+        <p14:creationId xmlns:p14="http://schemas.microsoft.com/office/powerpoint/2010/main" val="2093523731"/>
+      </p:ext>
+    </p:extLst>
+  </p:cSld>
+  <p:clrMapOvr>
+    <a:masterClrMapping/>
+  </p:clrMapOvr>
+</p:sld>
+</file>
+
+<file path=ppt/slides/slide14.xml><?xml version="1.0" encoding="utf-8"?>
+<p:sld xmlns:a="http://schemas.openxmlformats.org/drawingml/2006/main" xmlns:r="http://schemas.openxmlformats.org/officeDocument/2006/relationships" xmlns:p="http://schemas.openxmlformats.org/presentationml/2006/main">
+  <p:cSld>
+    <p:spTree>
+      <p:nvGrpSpPr>
+        <p:cNvPr id="1" name="">
+          <a:extLst>
+            <a:ext uri="{FF2B5EF4-FFF2-40B4-BE49-F238E27FC236}">
+              <a16:creationId xmlns:a16="http://schemas.microsoft.com/office/drawing/2014/main" id="{BB7513A9-0297-65E5-5F5E-7E4AEA4705BE}"/>
+            </a:ext>
+          </a:extLst>
+        </p:cNvPr>
+        <p:cNvGrpSpPr/>
+        <p:nvPr/>
+      </p:nvGrpSpPr>
+      <p:grpSpPr>
+        <a:xfrm>
+          <a:off x="0" y="0"/>
+          <a:ext cx="0" cy="0"/>
+          <a:chOff x="0" y="0"/>
+          <a:chExt cx="0" cy="0"/>
+        </a:xfrm>
+      </p:grpSpPr>
+      <p:sp>
+        <p:nvSpPr>
+          <p:cNvPr id="2" name="Título 1">
+            <a:extLst>
+              <a:ext uri="{FF2B5EF4-FFF2-40B4-BE49-F238E27FC236}">
+                <a16:creationId xmlns:a16="http://schemas.microsoft.com/office/drawing/2014/main" id="{E76CBE97-D655-C0CF-69A4-222846E4E0A4}"/>
+              </a:ext>
+            </a:extLst>
+          </p:cNvPr>
+          <p:cNvSpPr>
+            <a:spLocks noGrp="1"/>
+          </p:cNvSpPr>
+          <p:nvPr>
+            <p:ph type="ctrTitle"/>
+          </p:nvPr>
+        </p:nvSpPr>
+        <p:spPr>
+          <a:xfrm>
+            <a:off x="282866" y="2803470"/>
+            <a:ext cx="3790372" cy="1505526"/>
+          </a:xfrm>
+        </p:spPr>
+        <p:txBody>
+          <a:bodyPr>
+            <a:noAutofit/>
+          </a:bodyPr>
+          <a:lstStyle/>
+          <a:p>
+            <a:r>
+              <a:rPr lang="es-ES" sz="4800" dirty="0">
+                <a:latin typeface="Aharoni" panose="02010803020104030203" pitchFamily="2" charset="-79"/>
+                <a:cs typeface="Aharoni" panose="02010803020104030203" pitchFamily="2" charset="-79"/>
+              </a:rPr>
+              <a:t>LA NOSTRA HIPÒTESI</a:t>
+            </a:r>
+            <a:endParaRPr lang="ca-ES" sz="4800" dirty="0">
+              <a:latin typeface="Aharoni" panose="02010803020104030203" pitchFamily="2" charset="-79"/>
+              <a:cs typeface="Aharoni" panose="02010803020104030203" pitchFamily="2" charset="-79"/>
+            </a:endParaRPr>
+          </a:p>
+        </p:txBody>
+      </p:sp>
+      <p:sp>
+        <p:nvSpPr>
+          <p:cNvPr id="3" name="Flecha: a la derecha 2">
+            <a:extLst>
+              <a:ext uri="{FF2B5EF4-FFF2-40B4-BE49-F238E27FC236}">
+                <a16:creationId xmlns:a16="http://schemas.microsoft.com/office/drawing/2014/main" id="{81BB7359-C6B5-437F-EF37-C14A93118A45}"/>
+              </a:ext>
+            </a:extLst>
+          </p:cNvPr>
+          <p:cNvSpPr/>
+          <p:nvPr/>
+        </p:nvSpPr>
+        <p:spPr>
+          <a:xfrm>
+            <a:off x="4405745" y="2424312"/>
+            <a:ext cx="2701637" cy="2009375"/>
+          </a:xfrm>
+          <a:custGeom>
+            <a:avLst/>
+            <a:gdLst>
+              <a:gd name="connsiteX0" fmla="*/ 0 w 2701637"/>
+              <a:gd name="connsiteY0" fmla="*/ 502344 h 2009375"/>
+              <a:gd name="connsiteX1" fmla="*/ 582620 w 2701637"/>
+              <a:gd name="connsiteY1" fmla="*/ 502344 h 2009375"/>
+              <a:gd name="connsiteX2" fmla="*/ 1131300 w 2701637"/>
+              <a:gd name="connsiteY2" fmla="*/ 502344 h 2009375"/>
+              <a:gd name="connsiteX3" fmla="*/ 1696950 w 2701637"/>
+              <a:gd name="connsiteY3" fmla="*/ 502344 h 2009375"/>
+              <a:gd name="connsiteX4" fmla="*/ 1696950 w 2701637"/>
+              <a:gd name="connsiteY4" fmla="*/ 0 h 2009375"/>
+              <a:gd name="connsiteX5" fmla="*/ 2041893 w 2701637"/>
+              <a:gd name="connsiteY5" fmla="*/ 344943 h 2009375"/>
+              <a:gd name="connsiteX6" fmla="*/ 2376788 w 2701637"/>
+              <a:gd name="connsiteY6" fmla="*/ 679839 h 2009375"/>
+              <a:gd name="connsiteX7" fmla="*/ 2701637 w 2701637"/>
+              <a:gd name="connsiteY7" fmla="*/ 1004688 h 2009375"/>
+              <a:gd name="connsiteX8" fmla="*/ 2346648 w 2701637"/>
+              <a:gd name="connsiteY8" fmla="*/ 1359677 h 2009375"/>
+              <a:gd name="connsiteX9" fmla="*/ 2011752 w 2701637"/>
+              <a:gd name="connsiteY9" fmla="*/ 1694573 h 2009375"/>
+              <a:gd name="connsiteX10" fmla="*/ 1696950 w 2701637"/>
+              <a:gd name="connsiteY10" fmla="*/ 2009375 h 2009375"/>
+              <a:gd name="connsiteX11" fmla="*/ 1696950 w 2701637"/>
+              <a:gd name="connsiteY11" fmla="*/ 1507031 h 2009375"/>
+              <a:gd name="connsiteX12" fmla="*/ 1114331 w 2701637"/>
+              <a:gd name="connsiteY12" fmla="*/ 1507031 h 2009375"/>
+              <a:gd name="connsiteX13" fmla="*/ 514742 w 2701637"/>
+              <a:gd name="connsiteY13" fmla="*/ 1507031 h 2009375"/>
+              <a:gd name="connsiteX14" fmla="*/ 0 w 2701637"/>
+              <a:gd name="connsiteY14" fmla="*/ 1507031 h 2009375"/>
+              <a:gd name="connsiteX15" fmla="*/ 0 w 2701637"/>
+              <a:gd name="connsiteY15" fmla="*/ 1004688 h 2009375"/>
+              <a:gd name="connsiteX16" fmla="*/ 0 w 2701637"/>
+              <a:gd name="connsiteY16" fmla="*/ 502344 h 2009375"/>
+            </a:gdLst>
+            <a:ahLst/>
+            <a:cxnLst>
+              <a:cxn ang="0">
+                <a:pos x="connsiteX0" y="connsiteY0"/>
+              </a:cxn>
+              <a:cxn ang="0">
+                <a:pos x="connsiteX1" y="connsiteY1"/>
+              </a:cxn>
+              <a:cxn ang="0">
+                <a:pos x="connsiteX2" y="connsiteY2"/>
+              </a:cxn>
+              <a:cxn ang="0">
+                <a:pos x="connsiteX3" y="connsiteY3"/>
+              </a:cxn>
+              <a:cxn ang="0">
+                <a:pos x="connsiteX4" y="connsiteY4"/>
+              </a:cxn>
+              <a:cxn ang="0">
+                <a:pos x="connsiteX5" y="connsiteY5"/>
+              </a:cxn>
+              <a:cxn ang="0">
+                <a:pos x="connsiteX6" y="connsiteY6"/>
+              </a:cxn>
+              <a:cxn ang="0">
+                <a:pos x="connsiteX7" y="connsiteY7"/>
+              </a:cxn>
+              <a:cxn ang="0">
+                <a:pos x="connsiteX8" y="connsiteY8"/>
+              </a:cxn>
+              <a:cxn ang="0">
+                <a:pos x="connsiteX9" y="connsiteY9"/>
+              </a:cxn>
+              <a:cxn ang="0">
+                <a:pos x="connsiteX10" y="connsiteY10"/>
+              </a:cxn>
+              <a:cxn ang="0">
+                <a:pos x="connsiteX11" y="connsiteY11"/>
+              </a:cxn>
+              <a:cxn ang="0">
+                <a:pos x="connsiteX12" y="connsiteY12"/>
+              </a:cxn>
+              <a:cxn ang="0">
+                <a:pos x="connsiteX13" y="connsiteY13"/>
+              </a:cxn>
+              <a:cxn ang="0">
+                <a:pos x="connsiteX14" y="connsiteY14"/>
+              </a:cxn>
+              <a:cxn ang="0">
+                <a:pos x="connsiteX15" y="connsiteY15"/>
+              </a:cxn>
+              <a:cxn ang="0">
+                <a:pos x="connsiteX16" y="connsiteY16"/>
+              </a:cxn>
+            </a:cxnLst>
+            <a:rect l="l" t="t" r="r" b="b"/>
+            <a:pathLst>
+              <a:path w="2701637" h="2009375" fill="none" extrusionOk="0">
+                <a:moveTo>
+                  <a:pt x="0" y="502344"/>
+                </a:moveTo>
+                <a:cubicBezTo>
+                  <a:pt x="125272" y="501688"/>
+                  <a:pt x="300498" y="536806"/>
+                  <a:pt x="582620" y="502344"/>
+                </a:cubicBezTo>
+                <a:cubicBezTo>
+                  <a:pt x="864742" y="467882"/>
+                  <a:pt x="951025" y="509106"/>
+                  <a:pt x="1131300" y="502344"/>
+                </a:cubicBezTo>
+                <a:cubicBezTo>
+                  <a:pt x="1311575" y="495582"/>
+                  <a:pt x="1556201" y="524949"/>
+                  <a:pt x="1696950" y="502344"/>
+                </a:cubicBezTo>
+                <a:cubicBezTo>
+                  <a:pt x="1675802" y="285357"/>
+                  <a:pt x="1755376" y="137767"/>
+                  <a:pt x="1696950" y="0"/>
+                </a:cubicBezTo>
+                <a:cubicBezTo>
+                  <a:pt x="1838708" y="98185"/>
+                  <a:pt x="1894260" y="279693"/>
+                  <a:pt x="2041893" y="344943"/>
+                </a:cubicBezTo>
+                <a:cubicBezTo>
+                  <a:pt x="2189526" y="410193"/>
+                  <a:pt x="2246768" y="587878"/>
+                  <a:pt x="2376788" y="679839"/>
+                </a:cubicBezTo>
+                <a:cubicBezTo>
+                  <a:pt x="2506808" y="771800"/>
+                  <a:pt x="2587874" y="956709"/>
+                  <a:pt x="2701637" y="1004688"/>
+                </a:cubicBezTo>
+                <a:cubicBezTo>
+                  <a:pt x="2578442" y="1180720"/>
+                  <a:pt x="2497474" y="1177143"/>
+                  <a:pt x="2346648" y="1359677"/>
+                </a:cubicBezTo>
+                <a:cubicBezTo>
+                  <a:pt x="2195822" y="1542211"/>
+                  <a:pt x="2161395" y="1538309"/>
+                  <a:pt x="2011752" y="1694573"/>
+                </a:cubicBezTo>
+                <a:cubicBezTo>
+                  <a:pt x="1862109" y="1850837"/>
+                  <a:pt x="1772244" y="1908234"/>
+                  <a:pt x="1696950" y="2009375"/>
+                </a:cubicBezTo>
+                <a:cubicBezTo>
+                  <a:pt x="1664251" y="1899397"/>
+                  <a:pt x="1747411" y="1726135"/>
+                  <a:pt x="1696950" y="1507031"/>
+                </a:cubicBezTo>
+                <a:cubicBezTo>
+                  <a:pt x="1473671" y="1555206"/>
+                  <a:pt x="1404131" y="1487846"/>
+                  <a:pt x="1114331" y="1507031"/>
+                </a:cubicBezTo>
+                <a:cubicBezTo>
+                  <a:pt x="824531" y="1526216"/>
+                  <a:pt x="727141" y="1474831"/>
+                  <a:pt x="514742" y="1507031"/>
+                </a:cubicBezTo>
+                <a:cubicBezTo>
+                  <a:pt x="302343" y="1539231"/>
+                  <a:pt x="123531" y="1491886"/>
+                  <a:pt x="0" y="1507031"/>
+                </a:cubicBezTo>
+                <a:cubicBezTo>
+                  <a:pt x="-31413" y="1334243"/>
+                  <a:pt x="56535" y="1162410"/>
+                  <a:pt x="0" y="1004688"/>
+                </a:cubicBezTo>
+                <a:cubicBezTo>
+                  <a:pt x="-56535" y="846966"/>
+                  <a:pt x="32159" y="721355"/>
+                  <a:pt x="0" y="502344"/>
+                </a:cubicBezTo>
+                <a:close/>
+              </a:path>
+              <a:path w="2701637" h="2009375" stroke="0" extrusionOk="0">
+                <a:moveTo>
+                  <a:pt x="0" y="502344"/>
+                </a:moveTo>
+                <a:cubicBezTo>
+                  <a:pt x="159567" y="499043"/>
+                  <a:pt x="348698" y="572934"/>
+                  <a:pt x="599589" y="502344"/>
+                </a:cubicBezTo>
+                <a:cubicBezTo>
+                  <a:pt x="850480" y="431754"/>
+                  <a:pt x="902264" y="539347"/>
+                  <a:pt x="1165239" y="502344"/>
+                </a:cubicBezTo>
+                <a:cubicBezTo>
+                  <a:pt x="1428214" y="465341"/>
+                  <a:pt x="1585727" y="539357"/>
+                  <a:pt x="1696950" y="502344"/>
+                </a:cubicBezTo>
+                <a:cubicBezTo>
+                  <a:pt x="1637538" y="321518"/>
+                  <a:pt x="1700712" y="192346"/>
+                  <a:pt x="1696950" y="0"/>
+                </a:cubicBezTo>
+                <a:cubicBezTo>
+                  <a:pt x="1882128" y="161926"/>
+                  <a:pt x="1918659" y="241539"/>
+                  <a:pt x="2051939" y="354990"/>
+                </a:cubicBezTo>
+                <a:cubicBezTo>
+                  <a:pt x="2185219" y="468441"/>
+                  <a:pt x="2243452" y="598816"/>
+                  <a:pt x="2386835" y="689886"/>
+                </a:cubicBezTo>
+                <a:cubicBezTo>
+                  <a:pt x="2530218" y="780956"/>
+                  <a:pt x="2620220" y="932116"/>
+                  <a:pt x="2701637" y="1004688"/>
+                </a:cubicBezTo>
+                <a:cubicBezTo>
+                  <a:pt x="2614774" y="1097337"/>
+                  <a:pt x="2432675" y="1216224"/>
+                  <a:pt x="2396882" y="1309443"/>
+                </a:cubicBezTo>
+                <a:cubicBezTo>
+                  <a:pt x="2361089" y="1402662"/>
+                  <a:pt x="2092225" y="1570419"/>
+                  <a:pt x="2041893" y="1664432"/>
+                </a:cubicBezTo>
+                <a:cubicBezTo>
+                  <a:pt x="1991561" y="1758445"/>
+                  <a:pt x="1799339" y="1828399"/>
+                  <a:pt x="1696950" y="2009375"/>
+                </a:cubicBezTo>
+                <a:cubicBezTo>
+                  <a:pt x="1676239" y="1785882"/>
+                  <a:pt x="1741037" y="1719429"/>
+                  <a:pt x="1696950" y="1507031"/>
+                </a:cubicBezTo>
+                <a:cubicBezTo>
+                  <a:pt x="1524470" y="1541337"/>
+                  <a:pt x="1364689" y="1502377"/>
+                  <a:pt x="1182209" y="1507031"/>
+                </a:cubicBezTo>
+                <a:cubicBezTo>
+                  <a:pt x="999729" y="1511685"/>
+                  <a:pt x="763812" y="1461227"/>
+                  <a:pt x="616558" y="1507031"/>
+                </a:cubicBezTo>
+                <a:cubicBezTo>
+                  <a:pt x="469304" y="1552835"/>
+                  <a:pt x="198461" y="1455225"/>
+                  <a:pt x="0" y="1507031"/>
+                </a:cubicBezTo>
+                <a:cubicBezTo>
+                  <a:pt x="-34180" y="1292809"/>
+                  <a:pt x="57804" y="1209289"/>
+                  <a:pt x="0" y="1004688"/>
+                </a:cubicBezTo>
+                <a:cubicBezTo>
+                  <a:pt x="-57804" y="800087"/>
+                  <a:pt x="21919" y="742995"/>
+                  <a:pt x="0" y="502344"/>
+                </a:cubicBezTo>
+                <a:close/>
+              </a:path>
+            </a:pathLst>
+          </a:custGeom>
+          <a:ln w="76200">
+            <a:extLst>
+              <a:ext uri="{C807C97D-BFC1-408E-A445-0C87EB9F89A2}">
+                <ask:lineSketchStyleProps xmlns:ask="http://schemas.microsoft.com/office/drawing/2018/sketchyshapes" sd="3810893639">
+                  <a:prstGeom prst="rightArrow">
+                    <a:avLst/>
+                  </a:prstGeom>
+                  <ask:type>
+                    <ask:lineSketchScribble/>
+                  </ask:type>
+                </ask:lineSketchStyleProps>
+              </a:ext>
+            </a:extLst>
+          </a:ln>
+          <a:scene3d>
+            <a:camera prst="perspectiveContrastingRightFacing"/>
+            <a:lightRig rig="threePt" dir="t"/>
+          </a:scene3d>
+        </p:spPr>
+        <p:style>
+          <a:lnRef idx="2">
+            <a:schemeClr val="accent1">
+              <a:shade val="15000"/>
+            </a:schemeClr>
+          </a:lnRef>
+          <a:fillRef idx="1">
+            <a:schemeClr val="accent1"/>
+          </a:fillRef>
+          <a:effectRef idx="0">
+            <a:schemeClr val="accent1"/>
+          </a:effectRef>
+          <a:fontRef idx="minor">
+            <a:schemeClr val="lt1"/>
+          </a:fontRef>
+        </p:style>
+        <p:txBody>
+          <a:bodyPr rtlCol="0" anchor="ctr"/>
+          <a:lstStyle/>
+          <a:p>
+            <a:pPr algn="ctr"/>
+            <a:endParaRPr lang="ca-ES"/>
+          </a:p>
+        </p:txBody>
+      </p:sp>
+      <p:pic>
+        <p:nvPicPr>
+          <p:cNvPr id="5" name="Imagen 4">
+            <a:extLst>
+              <a:ext uri="{FF2B5EF4-FFF2-40B4-BE49-F238E27FC236}">
+                <a16:creationId xmlns:a16="http://schemas.microsoft.com/office/drawing/2014/main" id="{73E1E398-3CB9-2C41-FA9C-49E9E3CF381F}"/>
+              </a:ext>
+            </a:extLst>
+          </p:cNvPr>
+          <p:cNvPicPr>
+            <a:picLocks noChangeAspect="1"/>
+          </p:cNvPicPr>
+          <p:nvPr/>
+        </p:nvPicPr>
+        <p:blipFill>
+          <a:blip r:embed="rId3"/>
+          <a:stretch>
+            <a:fillRect/>
+          </a:stretch>
+        </p:blipFill>
+        <p:spPr>
+          <a:xfrm>
+            <a:off x="6582038" y="1555308"/>
+            <a:ext cx="5856129" cy="3275310"/>
+          </a:xfrm>
+          <a:prstGeom prst="rect">
+            <a:avLst/>
+          </a:prstGeom>
+          <a:ln w="228600" cap="sq" cmpd="thickThin">
+            <a:solidFill>
+              <a:srgbClr val="000000"/>
+            </a:solidFill>
+            <a:prstDash val="solid"/>
+            <a:miter lim="800000"/>
+          </a:ln>
+          <a:effectLst>
+            <a:innerShdw blurRad="76200">
+              <a:srgbClr val="000000"/>
+            </a:innerShdw>
+          </a:effectLst>
+          <a:scene3d>
+            <a:camera prst="isometricLeftDown"/>
+            <a:lightRig rig="threePt" dir="t"/>
+          </a:scene3d>
+        </p:spPr>
+      </p:pic>
+    </p:spTree>
+    <p:extLst>
+      <p:ext uri="{BB962C8B-B14F-4D97-AF65-F5344CB8AC3E}">
+        <p14:creationId xmlns:p14="http://schemas.microsoft.com/office/powerpoint/2010/main" val="2290508718"/>
+      </p:ext>
+    </p:extLst>
+  </p:cSld>
+  <p:clrMapOvr>
+    <a:masterClrMapping/>
+  </p:clrMapOvr>
+</p:sld>
+</file>
+
+<file path=ppt/slides/slide15.xml><?xml version="1.0" encoding="utf-8"?>
+<p:sld xmlns:a="http://schemas.openxmlformats.org/drawingml/2006/main" xmlns:r="http://schemas.openxmlformats.org/officeDocument/2006/relationships" xmlns:p="http://schemas.openxmlformats.org/presentationml/2006/main">
+  <p:cSld>
+    <p:spTree>
+      <p:nvGrpSpPr>
+        <p:cNvPr id="1" name="">
+          <a:extLst>
+            <a:ext uri="{FF2B5EF4-FFF2-40B4-BE49-F238E27FC236}">
+              <a16:creationId xmlns:a16="http://schemas.microsoft.com/office/drawing/2014/main" id="{956AA51E-00DF-F85F-1274-DCB8DBAAE779}"/>
+            </a:ext>
+          </a:extLst>
+        </p:cNvPr>
+        <p:cNvGrpSpPr/>
+        <p:nvPr/>
+      </p:nvGrpSpPr>
+      <p:grpSpPr>
+        <a:xfrm>
+          <a:off x="0" y="0"/>
+          <a:ext cx="0" cy="0"/>
+          <a:chOff x="0" y="0"/>
+          <a:chExt cx="0" cy="0"/>
+        </a:xfrm>
+      </p:grpSpPr>
+      <p:sp>
+        <p:nvSpPr>
+          <p:cNvPr id="2" name="Título 1">
+            <a:extLst>
+              <a:ext uri="{FF2B5EF4-FFF2-40B4-BE49-F238E27FC236}">
+                <a16:creationId xmlns:a16="http://schemas.microsoft.com/office/drawing/2014/main" id="{999B0DB4-E8FB-034B-056C-7344A8C54A69}"/>
+              </a:ext>
+            </a:extLst>
+          </p:cNvPr>
+          <p:cNvSpPr>
+            <a:spLocks noGrp="1"/>
+          </p:cNvSpPr>
+          <p:nvPr>
+            <p:ph type="ctrTitle"/>
+          </p:nvPr>
+        </p:nvSpPr>
+        <p:spPr>
+          <a:xfrm>
+            <a:off x="1111955" y="2021743"/>
+            <a:ext cx="9968089" cy="2814513"/>
+          </a:xfrm>
+        </p:spPr>
+        <p:txBody>
+          <a:bodyPr>
+            <a:noAutofit/>
+          </a:bodyPr>
+          <a:lstStyle/>
+          <a:p>
+            <a:r>
+              <a:rPr lang="es-ES" sz="8800" dirty="0">
+                <a:latin typeface="Aharoni" panose="02010803020104030203" pitchFamily="2" charset="-79"/>
+                <a:cs typeface="Aharoni" panose="02010803020104030203" pitchFamily="2" charset="-79"/>
+              </a:rPr>
+              <a:t>RECOLECCIÓ DE LES DADES</a:t>
+            </a:r>
+            <a:endParaRPr lang="ca-ES" sz="8800" dirty="0">
+              <a:latin typeface="Aharoni" panose="02010803020104030203" pitchFamily="2" charset="-79"/>
+              <a:cs typeface="Aharoni" panose="02010803020104030203" pitchFamily="2" charset="-79"/>
+            </a:endParaRPr>
+          </a:p>
+        </p:txBody>
+      </p:sp>
+    </p:spTree>
+    <p:extLst>
+      <p:ext uri="{BB962C8B-B14F-4D97-AF65-F5344CB8AC3E}">
+        <p14:creationId xmlns:p14="http://schemas.microsoft.com/office/powerpoint/2010/main" val="2662446315"/>
+      </p:ext>
+    </p:extLst>
+  </p:cSld>
+  <p:clrMapOvr>
+    <a:masterClrMapping/>
+  </p:clrMapOvr>
+</p:sld>
+</file>
+
+<file path=ppt/slides/slide16.xml><?xml version="1.0" encoding="utf-8"?>
+<p:sld xmlns:a="http://schemas.openxmlformats.org/drawingml/2006/main" xmlns:r="http://schemas.openxmlformats.org/officeDocument/2006/relationships" xmlns:p="http://schemas.openxmlformats.org/presentationml/2006/main">
+  <p:cSld>
+    <p:spTree>
+      <p:nvGrpSpPr>
+        <p:cNvPr id="1" name="">
+          <a:extLst>
+            <a:ext uri="{FF2B5EF4-FFF2-40B4-BE49-F238E27FC236}">
+              <a16:creationId xmlns:a16="http://schemas.microsoft.com/office/drawing/2014/main" id="{2F2DF2EF-213A-32D8-644E-3B5FF98CB21B}"/>
+            </a:ext>
+          </a:extLst>
+        </p:cNvPr>
+        <p:cNvGrpSpPr/>
+        <p:nvPr/>
+      </p:nvGrpSpPr>
+      <p:grpSpPr>
+        <a:xfrm>
+          <a:off x="0" y="0"/>
+          <a:ext cx="0" cy="0"/>
+          <a:chOff x="0" y="0"/>
+          <a:chExt cx="0" cy="0"/>
+        </a:xfrm>
+      </p:grpSpPr>
+      <p:sp>
+        <p:nvSpPr>
+          <p:cNvPr id="2" name="Título 1">
+            <a:extLst>
+              <a:ext uri="{FF2B5EF4-FFF2-40B4-BE49-F238E27FC236}">
+                <a16:creationId xmlns:a16="http://schemas.microsoft.com/office/drawing/2014/main" id="{C7021A27-92A7-2D60-F2E6-B0E151782DA3}"/>
+              </a:ext>
+            </a:extLst>
+          </p:cNvPr>
+          <p:cNvSpPr>
+            <a:spLocks noGrp="1"/>
+          </p:cNvSpPr>
+          <p:nvPr>
+            <p:ph type="ctrTitle"/>
+          </p:nvPr>
+        </p:nvSpPr>
+        <p:spPr>
+          <a:xfrm>
+            <a:off x="1111955" y="407433"/>
+            <a:ext cx="9968089" cy="1093990"/>
+          </a:xfrm>
+        </p:spPr>
+        <p:txBody>
+          <a:bodyPr>
+            <a:noAutofit/>
+          </a:bodyPr>
+          <a:lstStyle/>
+          <a:p>
+            <a:r>
+              <a:rPr lang="es-ES" sz="5400" dirty="0">
+                <a:latin typeface="Aharoni" panose="02010803020104030203" pitchFamily="2" charset="-79"/>
+                <a:cs typeface="Aharoni" panose="02010803020104030203" pitchFamily="2" charset="-79"/>
+              </a:rPr>
+              <a:t>RECOLECCIÓ DE LES DADES</a:t>
+            </a:r>
+            <a:endParaRPr lang="ca-ES" sz="5400" dirty="0">
+              <a:latin typeface="Aharoni" panose="02010803020104030203" pitchFamily="2" charset="-79"/>
+              <a:cs typeface="Aharoni" panose="02010803020104030203" pitchFamily="2" charset="-79"/>
+            </a:endParaRPr>
+          </a:p>
+        </p:txBody>
+      </p:sp>
+      <p:sp>
+        <p:nvSpPr>
+          <p:cNvPr id="5" name="CuadroTexto 4">
+            <a:extLst>
+              <a:ext uri="{FF2B5EF4-FFF2-40B4-BE49-F238E27FC236}">
+                <a16:creationId xmlns:a16="http://schemas.microsoft.com/office/drawing/2014/main" id="{E11EBFAF-D8AB-B4F5-B1C5-9F8B35D2A0C2}"/>
+              </a:ext>
+            </a:extLst>
+          </p:cNvPr>
+          <p:cNvSpPr txBox="1"/>
+          <p:nvPr/>
+        </p:nvSpPr>
+        <p:spPr>
+          <a:xfrm>
+            <a:off x="251274" y="2675687"/>
+            <a:ext cx="3842719" cy="1938992"/>
+          </a:xfrm>
+          <a:prstGeom prst="rect">
+            <a:avLst/>
+          </a:prstGeom>
+          <a:noFill/>
+        </p:spPr>
+        <p:txBody>
+          <a:bodyPr wrap="none" rtlCol="0">
+            <a:spAutoFit/>
+          </a:bodyPr>
+          <a:lstStyle/>
+          <a:p>
+            <a:pPr algn="ctr"/>
+            <a:r>
+              <a:rPr lang="es-ES" sz="6000" dirty="0">
+                <a:latin typeface="ADLaM Display" panose="02010000000000000000" pitchFamily="2" charset="0"/>
+                <a:ea typeface="ADLaM Display" panose="02010000000000000000" pitchFamily="2" charset="0"/>
+                <a:cs typeface="ADLaM Display" panose="02010000000000000000" pitchFamily="2" charset="0"/>
+              </a:rPr>
+              <a:t>3798</a:t>
+            </a:r>
+          </a:p>
+          <a:p>
+            <a:pPr algn="ctr"/>
+            <a:r>
+              <a:rPr lang="es-ES" sz="6000" dirty="0">
+                <a:latin typeface="ADLaM Display" panose="02010000000000000000" pitchFamily="2" charset="0"/>
+                <a:ea typeface="ADLaM Display" panose="02010000000000000000" pitchFamily="2" charset="0"/>
+                <a:cs typeface="ADLaM Display" panose="02010000000000000000" pitchFamily="2" charset="0"/>
+              </a:rPr>
+              <a:t>PARTIDES</a:t>
+            </a:r>
+          </a:p>
+        </p:txBody>
+      </p:sp>
+      <p:sp>
+        <p:nvSpPr>
+          <p:cNvPr id="6" name="CuadroTexto 5">
+            <a:extLst>
+              <a:ext uri="{FF2B5EF4-FFF2-40B4-BE49-F238E27FC236}">
+                <a16:creationId xmlns:a16="http://schemas.microsoft.com/office/drawing/2014/main" id="{C5807755-7B11-6E6A-30BA-BBD02D5B19D1}"/>
+              </a:ext>
+            </a:extLst>
+          </p:cNvPr>
+          <p:cNvSpPr txBox="1"/>
+          <p:nvPr/>
+        </p:nvSpPr>
+        <p:spPr>
+          <a:xfrm>
+            <a:off x="6485276" y="3017111"/>
+            <a:ext cx="5221301" cy="584775"/>
+          </a:xfrm>
+          <a:prstGeom prst="rect">
+            <a:avLst/>
+          </a:prstGeom>
+          <a:solidFill>
+            <a:schemeClr val="accent4">
+              <a:lumMod val="20000"/>
+              <a:lumOff val="80000"/>
+            </a:schemeClr>
+          </a:solidFill>
+          <a:ln w="57150">
+            <a:solidFill>
+              <a:srgbClr val="002060"/>
+            </a:solidFill>
+            <a:prstDash val="sysDash"/>
+          </a:ln>
+        </p:spPr>
+        <p:txBody>
+          <a:bodyPr wrap="none" rtlCol="0">
+            <a:spAutoFit/>
+          </a:bodyPr>
+          <a:lstStyle/>
+          <a:p>
+            <a:pPr marL="0" algn="l" rtl="0" eaLnBrk="1" latinLnBrk="0" hangingPunct="1"/>
+            <a:r>
+              <a:rPr lang="es-ES" sz="3200" kern="1200" dirty="0">
+                <a:solidFill>
+                  <a:srgbClr val="000000"/>
+                </a:solidFill>
+                <a:effectLst/>
+                <a:latin typeface="ADLaM Display" panose="02010000000000000000" pitchFamily="2" charset="0"/>
+                <a:ea typeface="ADLaM Display" panose="02010000000000000000" pitchFamily="2" charset="0"/>
+                <a:cs typeface="ADLaM Display" panose="02010000000000000000" pitchFamily="2" charset="0"/>
+              </a:rPr>
+              <a:t>&lt;4500000 GENERACIONS</a:t>
+            </a:r>
+            <a:endParaRPr lang="ca-ES" sz="3200" dirty="0">
+              <a:effectLst/>
+            </a:endParaRPr>
+          </a:p>
+        </p:txBody>
+      </p:sp>
+      <p:sp>
+        <p:nvSpPr>
+          <p:cNvPr id="8" name="Flecha: a la derecha 7">
+            <a:extLst>
+              <a:ext uri="{FF2B5EF4-FFF2-40B4-BE49-F238E27FC236}">
+                <a16:creationId xmlns:a16="http://schemas.microsoft.com/office/drawing/2014/main" id="{2DC5A05F-BD96-4213-9EBB-C444DDBD6F1E}"/>
+              </a:ext>
+            </a:extLst>
+          </p:cNvPr>
+          <p:cNvSpPr/>
+          <p:nvPr/>
+        </p:nvSpPr>
+        <p:spPr>
+          <a:xfrm>
+            <a:off x="4306708" y="3352796"/>
+            <a:ext cx="1349024" cy="584775"/>
+          </a:xfrm>
+          <a:prstGeom prst="rightArrow">
+            <a:avLst/>
+          </a:prstGeom>
+          <a:solidFill>
+            <a:schemeClr val="accent2">
+              <a:lumMod val="75000"/>
+            </a:schemeClr>
+          </a:solidFill>
+          <a:ln w="38100">
+            <a:extLst>
+              <a:ext uri="{C807C97D-BFC1-408E-A445-0C87EB9F89A2}">
+                <ask:lineSketchStyleProps xmlns:ask="http://schemas.microsoft.com/office/drawing/2018/sketchyshapes" sd="3211671469">
+                  <a:custGeom>
+                    <a:avLst/>
+                    <a:gdLst>
+                      <a:gd name="connsiteX0" fmla="*/ 0 w 1349024"/>
+                      <a:gd name="connsiteY0" fmla="*/ 146194 h 584775"/>
+                      <a:gd name="connsiteX1" fmla="*/ 1056637 w 1349024"/>
+                      <a:gd name="connsiteY1" fmla="*/ 146194 h 584775"/>
+                      <a:gd name="connsiteX2" fmla="*/ 1056637 w 1349024"/>
+                      <a:gd name="connsiteY2" fmla="*/ 0 h 584775"/>
+                      <a:gd name="connsiteX3" fmla="*/ 1349024 w 1349024"/>
+                      <a:gd name="connsiteY3" fmla="*/ 292388 h 584775"/>
+                      <a:gd name="connsiteX4" fmla="*/ 1056637 w 1349024"/>
+                      <a:gd name="connsiteY4" fmla="*/ 584775 h 584775"/>
+                      <a:gd name="connsiteX5" fmla="*/ 1056637 w 1349024"/>
+                      <a:gd name="connsiteY5" fmla="*/ 438581 h 584775"/>
+                      <a:gd name="connsiteX6" fmla="*/ 0 w 1349024"/>
+                      <a:gd name="connsiteY6" fmla="*/ 438581 h 584775"/>
+                      <a:gd name="connsiteX7" fmla="*/ 0 w 1349024"/>
+                      <a:gd name="connsiteY7" fmla="*/ 146194 h 584775"/>
+                    </a:gdLst>
+                    <a:ahLst/>
+                    <a:cxnLst>
+                      <a:cxn ang="0">
+                        <a:pos x="connsiteX0" y="connsiteY0"/>
+                      </a:cxn>
+                      <a:cxn ang="0">
+                        <a:pos x="connsiteX1" y="connsiteY1"/>
+                      </a:cxn>
+                      <a:cxn ang="0">
+                        <a:pos x="connsiteX2" y="connsiteY2"/>
+                      </a:cxn>
+                      <a:cxn ang="0">
+                        <a:pos x="connsiteX3" y="connsiteY3"/>
+                      </a:cxn>
+                      <a:cxn ang="0">
+                        <a:pos x="connsiteX4" y="connsiteY4"/>
+                      </a:cxn>
+                      <a:cxn ang="0">
+                        <a:pos x="connsiteX5" y="connsiteY5"/>
+                      </a:cxn>
+                      <a:cxn ang="0">
+                        <a:pos x="connsiteX6" y="connsiteY6"/>
+                      </a:cxn>
+                      <a:cxn ang="0">
+                        <a:pos x="connsiteX7" y="connsiteY7"/>
+                      </a:cxn>
+                    </a:cxnLst>
+                    <a:rect l="l" t="t" r="r" b="b"/>
+                    <a:pathLst>
+                      <a:path w="1349024" h="584775" fill="none" extrusionOk="0">
+                        <a:moveTo>
+                          <a:pt x="0" y="146194"/>
+                        </a:moveTo>
+                        <a:cubicBezTo>
+                          <a:pt x="209471" y="96757"/>
+                          <a:pt x="912676" y="71439"/>
+                          <a:pt x="1056637" y="146194"/>
+                        </a:cubicBezTo>
+                        <a:cubicBezTo>
+                          <a:pt x="1069753" y="90607"/>
+                          <a:pt x="1055111" y="24629"/>
+                          <a:pt x="1056637" y="0"/>
+                        </a:cubicBezTo>
+                        <a:cubicBezTo>
+                          <a:pt x="1172146" y="128016"/>
+                          <a:pt x="1264412" y="247346"/>
+                          <a:pt x="1349024" y="292388"/>
+                        </a:cubicBezTo>
+                        <a:cubicBezTo>
+                          <a:pt x="1269684" y="351847"/>
+                          <a:pt x="1193209" y="481917"/>
+                          <a:pt x="1056637" y="584775"/>
+                        </a:cubicBezTo>
+                        <a:cubicBezTo>
+                          <a:pt x="1045275" y="567063"/>
+                          <a:pt x="1059690" y="474991"/>
+                          <a:pt x="1056637" y="438581"/>
+                        </a:cubicBezTo>
+                        <a:cubicBezTo>
+                          <a:pt x="852353" y="495835"/>
+                          <a:pt x="246938" y="411042"/>
+                          <a:pt x="0" y="438581"/>
+                        </a:cubicBezTo>
+                        <a:cubicBezTo>
+                          <a:pt x="12455" y="331778"/>
+                          <a:pt x="24196" y="261382"/>
+                          <a:pt x="0" y="146194"/>
+                        </a:cubicBezTo>
+                        <a:close/>
+                      </a:path>
+                      <a:path w="1349024" h="584775" stroke="0" extrusionOk="0">
+                        <a:moveTo>
+                          <a:pt x="0" y="146194"/>
+                        </a:moveTo>
+                        <a:cubicBezTo>
+                          <a:pt x="148516" y="60401"/>
+                          <a:pt x="623325" y="56768"/>
+                          <a:pt x="1056637" y="146194"/>
+                        </a:cubicBezTo>
+                        <a:cubicBezTo>
+                          <a:pt x="1068142" y="112913"/>
+                          <a:pt x="1048224" y="58403"/>
+                          <a:pt x="1056637" y="0"/>
+                        </a:cubicBezTo>
+                        <a:cubicBezTo>
+                          <a:pt x="1119819" y="59569"/>
+                          <a:pt x="1292142" y="278431"/>
+                          <a:pt x="1349024" y="292388"/>
+                        </a:cubicBezTo>
+                        <a:cubicBezTo>
+                          <a:pt x="1246666" y="425552"/>
+                          <a:pt x="1134265" y="524250"/>
+                          <a:pt x="1056637" y="584775"/>
+                        </a:cubicBezTo>
+                        <a:cubicBezTo>
+                          <a:pt x="1053877" y="513383"/>
+                          <a:pt x="1048360" y="460666"/>
+                          <a:pt x="1056637" y="438581"/>
+                        </a:cubicBezTo>
+                        <a:cubicBezTo>
+                          <a:pt x="809653" y="509357"/>
+                          <a:pt x="158567" y="426964"/>
+                          <a:pt x="0" y="438581"/>
+                        </a:cubicBezTo>
+                        <a:cubicBezTo>
+                          <a:pt x="-5742" y="347210"/>
+                          <a:pt x="25726" y="265067"/>
+                          <a:pt x="0" y="146194"/>
+                        </a:cubicBezTo>
+                        <a:close/>
+                      </a:path>
+                    </a:pathLst>
+                  </a:custGeom>
+                  <ask:type>
+                    <ask:lineSketchNone/>
+                  </ask:type>
+                </ask:lineSketchStyleProps>
+              </a:ext>
+            </a:extLst>
+          </a:ln>
+        </p:spPr>
+        <p:style>
+          <a:lnRef idx="2">
+            <a:schemeClr val="accent2">
+              <a:shade val="15000"/>
+            </a:schemeClr>
+          </a:lnRef>
+          <a:fillRef idx="1">
+            <a:schemeClr val="accent2"/>
+          </a:fillRef>
+          <a:effectRef idx="0">
+            <a:schemeClr val="accent2"/>
+          </a:effectRef>
+          <a:fontRef idx="minor">
+            <a:schemeClr val="lt1"/>
+          </a:fontRef>
+        </p:style>
+        <p:txBody>
+          <a:bodyPr rtlCol="0" anchor="ctr"/>
+          <a:lstStyle/>
+          <a:p>
+            <a:pPr algn="ctr"/>
+            <a:endParaRPr lang="ca-ES"/>
+          </a:p>
+        </p:txBody>
+      </p:sp>
+      <p:sp>
+        <p:nvSpPr>
+          <p:cNvPr id="9" name="Abrir llave 8">
+            <a:extLst>
+              <a:ext uri="{FF2B5EF4-FFF2-40B4-BE49-F238E27FC236}">
+                <a16:creationId xmlns:a16="http://schemas.microsoft.com/office/drawing/2014/main" id="{0C78618D-7992-484C-81C1-084A08A90524}"/>
+              </a:ext>
+            </a:extLst>
+          </p:cNvPr>
+          <p:cNvSpPr/>
+          <p:nvPr/>
+        </p:nvSpPr>
+        <p:spPr>
+          <a:xfrm rot="16200000">
+            <a:off x="8779837" y="1073175"/>
+            <a:ext cx="632178" cy="5689600"/>
+          </a:xfrm>
+          <a:prstGeom prst="leftBrace">
+            <a:avLst/>
+          </a:prstGeom>
+          <a:ln w="38100"/>
+        </p:spPr>
+        <p:style>
+          <a:lnRef idx="2">
+            <a:schemeClr val="accent1"/>
+          </a:lnRef>
+          <a:fillRef idx="0">
+            <a:schemeClr val="accent1"/>
+          </a:fillRef>
+          <a:effectRef idx="1">
+            <a:schemeClr val="accent1"/>
+          </a:effectRef>
+          <a:fontRef idx="minor">
+            <a:schemeClr val="tx1"/>
+          </a:fontRef>
+        </p:style>
+        <p:txBody>
+          <a:bodyPr rtlCol="0" anchor="ctr"/>
+          <a:lstStyle/>
+          <a:p>
+            <a:pPr algn="ctr"/>
+            <a:endParaRPr lang="ca-ES"/>
+          </a:p>
+        </p:txBody>
+      </p:sp>
+      <p:sp>
+        <p:nvSpPr>
+          <p:cNvPr id="10" name="CuadroTexto 9">
+            <a:extLst>
+              <a:ext uri="{FF2B5EF4-FFF2-40B4-BE49-F238E27FC236}">
+                <a16:creationId xmlns:a16="http://schemas.microsoft.com/office/drawing/2014/main" id="{558E62BC-8FFD-37A4-842C-72FD191DEF28}"/>
+              </a:ext>
+            </a:extLst>
+          </p:cNvPr>
+          <p:cNvSpPr txBox="1"/>
+          <p:nvPr/>
+        </p:nvSpPr>
+        <p:spPr>
+          <a:xfrm>
+            <a:off x="6348874" y="4614906"/>
+            <a:ext cx="5591852" cy="1569660"/>
+          </a:xfrm>
+          <a:prstGeom prst="rect">
+            <a:avLst/>
+          </a:prstGeom>
+          <a:noFill/>
+        </p:spPr>
+        <p:txBody>
+          <a:bodyPr wrap="none" rtlCol="0">
+            <a:spAutoFit/>
+          </a:bodyPr>
+          <a:lstStyle/>
+          <a:p>
+            <a:r>
+              <a:rPr lang="es-ES" sz="2400" dirty="0"/>
+              <a:t>VARIANT ELS </a:t>
+            </a:r>
+            <a:r>
+              <a:rPr lang="es-ES" sz="2400" b="1" dirty="0"/>
+              <a:t>DIFERENTS PARÀMETRES</a:t>
+            </a:r>
+            <a:r>
+              <a:rPr lang="es-ES" sz="2400" dirty="0"/>
+              <a:t>:</a:t>
+            </a:r>
+          </a:p>
+          <a:p>
+            <a:pPr marL="285750" indent="-285750">
+              <a:buFont typeface="Arial" panose="020B0604020202020204" pitchFamily="34" charset="0"/>
+              <a:buChar char="•"/>
+            </a:pPr>
+            <a:r>
+              <a:rPr lang="es-ES" sz="2400" dirty="0"/>
+              <a:t>POBLACIÓ</a:t>
+            </a:r>
+          </a:p>
+          <a:p>
+            <a:pPr marL="285750" indent="-285750">
+              <a:buFont typeface="Arial" panose="020B0604020202020204" pitchFamily="34" charset="0"/>
+              <a:buChar char="•"/>
+            </a:pPr>
+            <a:r>
+              <a:rPr lang="es-ES" sz="2400" dirty="0"/>
+              <a:t>MUTACIONS</a:t>
+            </a:r>
+          </a:p>
+          <a:p>
+            <a:pPr marL="285750" indent="-285750">
+              <a:buFont typeface="Arial" panose="020B0604020202020204" pitchFamily="34" charset="0"/>
+              <a:buChar char="•"/>
+            </a:pPr>
+            <a:r>
+              <a:rPr lang="es-ES" sz="2400" dirty="0"/>
+              <a:t>INPUTS</a:t>
+            </a:r>
+            <a:endParaRPr lang="ca-ES" sz="2400" dirty="0"/>
+          </a:p>
+        </p:txBody>
+      </p:sp>
+    </p:spTree>
+    <p:extLst>
+      <p:ext uri="{BB962C8B-B14F-4D97-AF65-F5344CB8AC3E}">
+        <p14:creationId xmlns:p14="http://schemas.microsoft.com/office/powerpoint/2010/main" val="1072664487"/>
+      </p:ext>
+    </p:extLst>
+  </p:cSld>
+  <p:clrMapOvr>
+    <a:masterClrMapping/>
+  </p:clrMapOvr>
+</p:sld>
+</file>
+
+<file path=ppt/slides/slide17.xml><?xml version="1.0" encoding="utf-8"?>
+<p:sld xmlns:a="http://schemas.openxmlformats.org/drawingml/2006/main" xmlns:r="http://schemas.openxmlformats.org/officeDocument/2006/relationships" xmlns:p="http://schemas.openxmlformats.org/presentationml/2006/main">
+  <p:cSld>
+    <p:spTree>
+      <p:nvGrpSpPr>
+        <p:cNvPr id="1" name="">
+          <a:extLst>
+            <a:ext uri="{FF2B5EF4-FFF2-40B4-BE49-F238E27FC236}">
+              <a16:creationId xmlns:a16="http://schemas.microsoft.com/office/drawing/2014/main" id="{8E4641EC-303C-8910-AD58-52B3EA54E1E3}"/>
+            </a:ext>
+          </a:extLst>
+        </p:cNvPr>
+        <p:cNvGrpSpPr/>
+        <p:nvPr/>
+      </p:nvGrpSpPr>
+      <p:grpSpPr>
+        <a:xfrm>
+          <a:off x="0" y="0"/>
+          <a:ext cx="0" cy="0"/>
+          <a:chOff x="0" y="0"/>
+          <a:chExt cx="0" cy="0"/>
+        </a:xfrm>
+      </p:grpSpPr>
+      <p:sp>
+        <p:nvSpPr>
+          <p:cNvPr id="2" name="Título 1">
+            <a:extLst>
+              <a:ext uri="{FF2B5EF4-FFF2-40B4-BE49-F238E27FC236}">
+                <a16:creationId xmlns:a16="http://schemas.microsoft.com/office/drawing/2014/main" id="{5E9E469D-7A80-C090-C04B-416F7AF49B25}"/>
+              </a:ext>
+            </a:extLst>
+          </p:cNvPr>
+          <p:cNvSpPr>
+            <a:spLocks noGrp="1"/>
+          </p:cNvSpPr>
+          <p:nvPr>
+            <p:ph type="ctrTitle"/>
+          </p:nvPr>
+        </p:nvSpPr>
+        <p:spPr>
+          <a:xfrm>
+            <a:off x="1111955" y="407433"/>
+            <a:ext cx="9968089" cy="1093990"/>
+          </a:xfrm>
+        </p:spPr>
+        <p:txBody>
+          <a:bodyPr>
+            <a:noAutofit/>
+          </a:bodyPr>
+          <a:lstStyle/>
+          <a:p>
+            <a:r>
+              <a:rPr lang="es-ES" sz="5400" dirty="0">
+                <a:latin typeface="Aharoni" panose="02010803020104030203" pitchFamily="2" charset="-79"/>
+                <a:cs typeface="Aharoni" panose="02010803020104030203" pitchFamily="2" charset="-79"/>
+              </a:rPr>
+              <a:t>RECOLECCIÓ DE LES DADES</a:t>
+            </a:r>
+            <a:endParaRPr lang="ca-ES" sz="5400" dirty="0">
+              <a:latin typeface="Aharoni" panose="02010803020104030203" pitchFamily="2" charset="-79"/>
+              <a:cs typeface="Aharoni" panose="02010803020104030203" pitchFamily="2" charset="-79"/>
+            </a:endParaRPr>
+          </a:p>
+        </p:txBody>
+      </p:sp>
+      <p:sp>
+        <p:nvSpPr>
+          <p:cNvPr id="5" name="CuadroTexto 4">
+            <a:extLst>
+              <a:ext uri="{FF2B5EF4-FFF2-40B4-BE49-F238E27FC236}">
+                <a16:creationId xmlns:a16="http://schemas.microsoft.com/office/drawing/2014/main" id="{20EFFCB2-479E-28B7-F967-6165B96B03FD}"/>
+              </a:ext>
+            </a:extLst>
+          </p:cNvPr>
+          <p:cNvSpPr txBox="1"/>
+          <p:nvPr/>
+        </p:nvSpPr>
+        <p:spPr>
+          <a:xfrm>
+            <a:off x="8310049" y="2314080"/>
+            <a:ext cx="3348995" cy="1938992"/>
+          </a:xfrm>
+          <a:prstGeom prst="rect">
+            <a:avLst/>
+          </a:prstGeom>
+          <a:noFill/>
+        </p:spPr>
+        <p:txBody>
+          <a:bodyPr wrap="none" rtlCol="0">
+            <a:spAutoFit/>
+          </a:bodyPr>
+          <a:lstStyle/>
+          <a:p>
+            <a:pPr algn="ctr"/>
+            <a:r>
+              <a:rPr lang="es-ES" sz="6000" dirty="0">
+                <a:latin typeface="ADLaM Display" panose="02010000000000000000" pitchFamily="2" charset="0"/>
+                <a:ea typeface="ADLaM Display" panose="02010000000000000000" pitchFamily="2" charset="0"/>
+                <a:cs typeface="ADLaM Display" panose="02010000000000000000" pitchFamily="2" charset="0"/>
+              </a:rPr>
+              <a:t>156</a:t>
+            </a:r>
+          </a:p>
+          <a:p>
+            <a:pPr algn="ctr"/>
+            <a:r>
+              <a:rPr lang="es-ES" sz="6000" dirty="0">
+                <a:latin typeface="ADLaM Display" panose="02010000000000000000" pitchFamily="2" charset="0"/>
+                <a:ea typeface="ADLaM Display" panose="02010000000000000000" pitchFamily="2" charset="0"/>
+                <a:cs typeface="ADLaM Display" panose="02010000000000000000" pitchFamily="2" charset="0"/>
+              </a:rPr>
+              <a:t>GRÀFICS</a:t>
+            </a:r>
+          </a:p>
+        </p:txBody>
+      </p:sp>
+      <p:sp>
+        <p:nvSpPr>
+          <p:cNvPr id="6" name="CuadroTexto 5">
+            <a:extLst>
+              <a:ext uri="{FF2B5EF4-FFF2-40B4-BE49-F238E27FC236}">
+                <a16:creationId xmlns:a16="http://schemas.microsoft.com/office/drawing/2014/main" id="{99BEECA3-84CF-B1EA-6037-6073EC7C7778}"/>
+              </a:ext>
+            </a:extLst>
+          </p:cNvPr>
+          <p:cNvSpPr txBox="1"/>
+          <p:nvPr/>
+        </p:nvSpPr>
+        <p:spPr>
+          <a:xfrm>
+            <a:off x="640550" y="2844225"/>
+            <a:ext cx="5221301" cy="584775"/>
+          </a:xfrm>
+          <a:prstGeom prst="rect">
+            <a:avLst/>
+          </a:prstGeom>
+          <a:solidFill>
+            <a:schemeClr val="accent4">
+              <a:lumMod val="20000"/>
+              <a:lumOff val="80000"/>
+            </a:schemeClr>
+          </a:solidFill>
+          <a:ln w="57150">
+            <a:solidFill>
+              <a:srgbClr val="002060"/>
+            </a:solidFill>
+            <a:prstDash val="sysDash"/>
+          </a:ln>
+        </p:spPr>
+        <p:txBody>
+          <a:bodyPr wrap="none" rtlCol="0">
+            <a:spAutoFit/>
+          </a:bodyPr>
+          <a:lstStyle/>
+          <a:p>
+            <a:pPr marL="0" algn="l" rtl="0" eaLnBrk="1" latinLnBrk="0" hangingPunct="1"/>
+            <a:r>
+              <a:rPr lang="es-ES" sz="3200" kern="1200" dirty="0">
+                <a:solidFill>
+                  <a:srgbClr val="000000"/>
+                </a:solidFill>
+                <a:effectLst/>
+                <a:latin typeface="ADLaM Display" panose="02010000000000000000" pitchFamily="2" charset="0"/>
+                <a:ea typeface="ADLaM Display" panose="02010000000000000000" pitchFamily="2" charset="0"/>
+                <a:cs typeface="ADLaM Display" panose="02010000000000000000" pitchFamily="2" charset="0"/>
+              </a:rPr>
+              <a:t>&lt;4500000 GENERACIONS</a:t>
+            </a:r>
+            <a:endParaRPr lang="ca-ES" sz="3200" dirty="0">
+              <a:effectLst/>
+            </a:endParaRPr>
+          </a:p>
+        </p:txBody>
+      </p:sp>
+      <p:sp>
+        <p:nvSpPr>
+          <p:cNvPr id="8" name="Flecha: a la derecha 7">
+            <a:extLst>
+              <a:ext uri="{FF2B5EF4-FFF2-40B4-BE49-F238E27FC236}">
+                <a16:creationId xmlns:a16="http://schemas.microsoft.com/office/drawing/2014/main" id="{F18D66BD-57FE-7A9A-97E6-6CF9DA4EDD78}"/>
+              </a:ext>
+            </a:extLst>
+          </p:cNvPr>
+          <p:cNvSpPr/>
+          <p:nvPr/>
+        </p:nvSpPr>
+        <p:spPr>
+          <a:xfrm>
+            <a:off x="6568769" y="2886558"/>
+            <a:ext cx="1349024" cy="584775"/>
+          </a:xfrm>
+          <a:prstGeom prst="rightArrow">
+            <a:avLst/>
+          </a:prstGeom>
+          <a:solidFill>
+            <a:schemeClr val="accent2">
+              <a:lumMod val="75000"/>
+            </a:schemeClr>
+          </a:solidFill>
+          <a:ln w="38100">
+            <a:extLst>
+              <a:ext uri="{C807C97D-BFC1-408E-A445-0C87EB9F89A2}">
+                <ask:lineSketchStyleProps xmlns:ask="http://schemas.microsoft.com/office/drawing/2018/sketchyshapes" sd="3211671469">
+                  <a:custGeom>
+                    <a:avLst/>
+                    <a:gdLst>
+                      <a:gd name="connsiteX0" fmla="*/ 0 w 1349024"/>
+                      <a:gd name="connsiteY0" fmla="*/ 146194 h 584775"/>
+                      <a:gd name="connsiteX1" fmla="*/ 1056637 w 1349024"/>
+                      <a:gd name="connsiteY1" fmla="*/ 146194 h 584775"/>
+                      <a:gd name="connsiteX2" fmla="*/ 1056637 w 1349024"/>
+                      <a:gd name="connsiteY2" fmla="*/ 0 h 584775"/>
+                      <a:gd name="connsiteX3" fmla="*/ 1349024 w 1349024"/>
+                      <a:gd name="connsiteY3" fmla="*/ 292388 h 584775"/>
+                      <a:gd name="connsiteX4" fmla="*/ 1056637 w 1349024"/>
+                      <a:gd name="connsiteY4" fmla="*/ 584775 h 584775"/>
+                      <a:gd name="connsiteX5" fmla="*/ 1056637 w 1349024"/>
+                      <a:gd name="connsiteY5" fmla="*/ 438581 h 584775"/>
+                      <a:gd name="connsiteX6" fmla="*/ 0 w 1349024"/>
+                      <a:gd name="connsiteY6" fmla="*/ 438581 h 584775"/>
+                      <a:gd name="connsiteX7" fmla="*/ 0 w 1349024"/>
+                      <a:gd name="connsiteY7" fmla="*/ 146194 h 584775"/>
+                    </a:gdLst>
+                    <a:ahLst/>
+                    <a:cxnLst>
+                      <a:cxn ang="0">
+                        <a:pos x="connsiteX0" y="connsiteY0"/>
+                      </a:cxn>
+                      <a:cxn ang="0">
+                        <a:pos x="connsiteX1" y="connsiteY1"/>
+                      </a:cxn>
+                      <a:cxn ang="0">
+                        <a:pos x="connsiteX2" y="connsiteY2"/>
+                      </a:cxn>
+                      <a:cxn ang="0">
+                        <a:pos x="connsiteX3" y="connsiteY3"/>
+                      </a:cxn>
+                      <a:cxn ang="0">
+                        <a:pos x="connsiteX4" y="connsiteY4"/>
+                      </a:cxn>
+                      <a:cxn ang="0">
+                        <a:pos x="connsiteX5" y="connsiteY5"/>
+                      </a:cxn>
+                      <a:cxn ang="0">
+                        <a:pos x="connsiteX6" y="connsiteY6"/>
+                      </a:cxn>
+                      <a:cxn ang="0">
+                        <a:pos x="connsiteX7" y="connsiteY7"/>
+                      </a:cxn>
+                    </a:cxnLst>
+                    <a:rect l="l" t="t" r="r" b="b"/>
+                    <a:pathLst>
+                      <a:path w="1349024" h="584775" fill="none" extrusionOk="0">
+                        <a:moveTo>
+                          <a:pt x="0" y="146194"/>
+                        </a:moveTo>
+                        <a:cubicBezTo>
+                          <a:pt x="209471" y="96757"/>
+                          <a:pt x="912676" y="71439"/>
+                          <a:pt x="1056637" y="146194"/>
+                        </a:cubicBezTo>
+                        <a:cubicBezTo>
+                          <a:pt x="1069753" y="90607"/>
+                          <a:pt x="1055111" y="24629"/>
+                          <a:pt x="1056637" y="0"/>
+                        </a:cubicBezTo>
+                        <a:cubicBezTo>
+                          <a:pt x="1172146" y="128016"/>
+                          <a:pt x="1264412" y="247346"/>
+                          <a:pt x="1349024" y="292388"/>
+                        </a:cubicBezTo>
+                        <a:cubicBezTo>
+                          <a:pt x="1269684" y="351847"/>
+                          <a:pt x="1193209" y="481917"/>
+                          <a:pt x="1056637" y="584775"/>
+                        </a:cubicBezTo>
+                        <a:cubicBezTo>
+                          <a:pt x="1045275" y="567063"/>
+                          <a:pt x="1059690" y="474991"/>
+                          <a:pt x="1056637" y="438581"/>
+                        </a:cubicBezTo>
+                        <a:cubicBezTo>
+                          <a:pt x="852353" y="495835"/>
+                          <a:pt x="246938" y="411042"/>
+                          <a:pt x="0" y="438581"/>
+                        </a:cubicBezTo>
+                        <a:cubicBezTo>
+                          <a:pt x="12455" y="331778"/>
+                          <a:pt x="24196" y="261382"/>
+                          <a:pt x="0" y="146194"/>
+                        </a:cubicBezTo>
+                        <a:close/>
+                      </a:path>
+                      <a:path w="1349024" h="584775" stroke="0" extrusionOk="0">
+                        <a:moveTo>
+                          <a:pt x="0" y="146194"/>
+                        </a:moveTo>
+                        <a:cubicBezTo>
+                          <a:pt x="148516" y="60401"/>
+                          <a:pt x="623325" y="56768"/>
+                          <a:pt x="1056637" y="146194"/>
+                        </a:cubicBezTo>
+                        <a:cubicBezTo>
+                          <a:pt x="1068142" y="112913"/>
+                          <a:pt x="1048224" y="58403"/>
+                          <a:pt x="1056637" y="0"/>
+                        </a:cubicBezTo>
+                        <a:cubicBezTo>
+                          <a:pt x="1119819" y="59569"/>
+                          <a:pt x="1292142" y="278431"/>
+                          <a:pt x="1349024" y="292388"/>
+                        </a:cubicBezTo>
+                        <a:cubicBezTo>
+                          <a:pt x="1246666" y="425552"/>
+                          <a:pt x="1134265" y="524250"/>
+                          <a:pt x="1056637" y="584775"/>
+                        </a:cubicBezTo>
+                        <a:cubicBezTo>
+                          <a:pt x="1053877" y="513383"/>
+                          <a:pt x="1048360" y="460666"/>
+                          <a:pt x="1056637" y="438581"/>
+                        </a:cubicBezTo>
+                        <a:cubicBezTo>
+                          <a:pt x="809653" y="509357"/>
+                          <a:pt x="158567" y="426964"/>
+                          <a:pt x="0" y="438581"/>
+                        </a:cubicBezTo>
+                        <a:cubicBezTo>
+                          <a:pt x="-5742" y="347210"/>
+                          <a:pt x="25726" y="265067"/>
+                          <a:pt x="0" y="146194"/>
+                        </a:cubicBezTo>
+                        <a:close/>
+                      </a:path>
+                    </a:pathLst>
+                  </a:custGeom>
+                  <ask:type>
+                    <ask:lineSketchNone/>
+                  </ask:type>
+                </ask:lineSketchStyleProps>
+              </a:ext>
+            </a:extLst>
+          </a:ln>
+        </p:spPr>
+        <p:style>
+          <a:lnRef idx="2">
+            <a:schemeClr val="accent2">
+              <a:shade val="15000"/>
+            </a:schemeClr>
+          </a:lnRef>
+          <a:fillRef idx="1">
+            <a:schemeClr val="accent2"/>
+          </a:fillRef>
+          <a:effectRef idx="0">
+            <a:schemeClr val="accent2"/>
+          </a:effectRef>
+          <a:fontRef idx="minor">
+            <a:schemeClr val="lt1"/>
+          </a:fontRef>
+        </p:style>
+        <p:txBody>
+          <a:bodyPr rtlCol="0" anchor="ctr"/>
+          <a:lstStyle/>
+          <a:p>
+            <a:pPr algn="ctr"/>
+            <a:endParaRPr lang="ca-ES"/>
+          </a:p>
+        </p:txBody>
+      </p:sp>
+      <p:sp>
+        <p:nvSpPr>
+          <p:cNvPr id="9" name="Abrir llave 8">
+            <a:extLst>
+              <a:ext uri="{FF2B5EF4-FFF2-40B4-BE49-F238E27FC236}">
+                <a16:creationId xmlns:a16="http://schemas.microsoft.com/office/drawing/2014/main" id="{4CEBF292-5B6B-B0E9-680C-AAAD6DF00EA9}"/>
+              </a:ext>
+            </a:extLst>
+          </p:cNvPr>
+          <p:cNvSpPr/>
+          <p:nvPr/>
+        </p:nvSpPr>
+        <p:spPr>
+          <a:xfrm rot="16200000">
+            <a:off x="2935111" y="900289"/>
+            <a:ext cx="632178" cy="5689600"/>
+          </a:xfrm>
+          <a:prstGeom prst="leftBrace">
+            <a:avLst/>
+          </a:prstGeom>
+          <a:ln w="38100"/>
+        </p:spPr>
+        <p:style>
+          <a:lnRef idx="2">
+            <a:schemeClr val="accent1"/>
+          </a:lnRef>
+          <a:fillRef idx="0">
+            <a:schemeClr val="accent1"/>
+          </a:fillRef>
+          <a:effectRef idx="1">
+            <a:schemeClr val="accent1"/>
+          </a:effectRef>
+          <a:fontRef idx="minor">
+            <a:schemeClr val="tx1"/>
+          </a:fontRef>
+        </p:style>
+        <p:txBody>
+          <a:bodyPr rtlCol="0" anchor="ctr"/>
+          <a:lstStyle/>
+          <a:p>
+            <a:pPr algn="ctr"/>
+            <a:endParaRPr lang="ca-ES"/>
+          </a:p>
+        </p:txBody>
+      </p:sp>
+      <p:sp>
+        <p:nvSpPr>
+          <p:cNvPr id="10" name="CuadroTexto 9">
+            <a:extLst>
+              <a:ext uri="{FF2B5EF4-FFF2-40B4-BE49-F238E27FC236}">
+                <a16:creationId xmlns:a16="http://schemas.microsoft.com/office/drawing/2014/main" id="{8694C60C-088E-1698-5E85-5955A7162B44}"/>
+              </a:ext>
+            </a:extLst>
+          </p:cNvPr>
+          <p:cNvSpPr txBox="1"/>
+          <p:nvPr/>
+        </p:nvSpPr>
+        <p:spPr>
+          <a:xfrm>
+            <a:off x="504148" y="4442020"/>
+            <a:ext cx="5591852" cy="1569660"/>
+          </a:xfrm>
+          <a:prstGeom prst="rect">
+            <a:avLst/>
+          </a:prstGeom>
+          <a:noFill/>
+        </p:spPr>
+        <p:txBody>
+          <a:bodyPr wrap="none" rtlCol="0">
+            <a:spAutoFit/>
+          </a:bodyPr>
+          <a:lstStyle/>
+          <a:p>
+            <a:r>
+              <a:rPr lang="es-ES" sz="2400" dirty="0"/>
+              <a:t>VARIANT ELS </a:t>
+            </a:r>
+            <a:r>
+              <a:rPr lang="es-ES" sz="2400" b="1" dirty="0"/>
+              <a:t>DIFERENTS PARÀMETRES</a:t>
+            </a:r>
+            <a:r>
+              <a:rPr lang="es-ES" sz="2400" dirty="0"/>
+              <a:t>:</a:t>
+            </a:r>
+          </a:p>
+          <a:p>
+            <a:pPr marL="285750" indent="-285750">
+              <a:buFont typeface="Arial" panose="020B0604020202020204" pitchFamily="34" charset="0"/>
+              <a:buChar char="•"/>
+            </a:pPr>
+            <a:r>
+              <a:rPr lang="es-ES" sz="2400" dirty="0"/>
+              <a:t>POBLACIÓ</a:t>
+            </a:r>
+          </a:p>
+          <a:p>
+            <a:pPr marL="285750" indent="-285750">
+              <a:buFont typeface="Arial" panose="020B0604020202020204" pitchFamily="34" charset="0"/>
+              <a:buChar char="•"/>
+            </a:pPr>
+            <a:r>
+              <a:rPr lang="es-ES" sz="2400" dirty="0"/>
+              <a:t>MUTACIONS</a:t>
+            </a:r>
+          </a:p>
+          <a:p>
+            <a:pPr marL="285750" indent="-285750">
+              <a:buFont typeface="Arial" panose="020B0604020202020204" pitchFamily="34" charset="0"/>
+              <a:buChar char="•"/>
+            </a:pPr>
+            <a:r>
+              <a:rPr lang="es-ES" sz="2400" dirty="0"/>
+              <a:t>INPUTS</a:t>
+            </a:r>
+            <a:endParaRPr lang="ca-ES" sz="2400" dirty="0"/>
+          </a:p>
+        </p:txBody>
+      </p:sp>
+      <p:sp>
+        <p:nvSpPr>
+          <p:cNvPr id="3" name="CuadroTexto 2">
+            <a:extLst>
+              <a:ext uri="{FF2B5EF4-FFF2-40B4-BE49-F238E27FC236}">
+                <a16:creationId xmlns:a16="http://schemas.microsoft.com/office/drawing/2014/main" id="{C861595F-609A-0520-2A11-1CE3923409DB}"/>
+              </a:ext>
+            </a:extLst>
+          </p:cNvPr>
+          <p:cNvSpPr txBox="1"/>
+          <p:nvPr/>
+        </p:nvSpPr>
+        <p:spPr>
+          <a:xfrm>
+            <a:off x="8737599" y="4234732"/>
+            <a:ext cx="2777068" cy="830997"/>
+          </a:xfrm>
+          <a:prstGeom prst="rect">
+            <a:avLst/>
+          </a:prstGeom>
+          <a:noFill/>
+        </p:spPr>
+        <p:txBody>
+          <a:bodyPr wrap="square" rtlCol="0">
+            <a:spAutoFit/>
+          </a:bodyPr>
+          <a:lstStyle/>
+          <a:p>
+            <a:pPr algn="ctr"/>
+            <a:r>
+              <a:rPr lang="es-ES" sz="2400" b="1" dirty="0"/>
+              <a:t>85 </a:t>
+            </a:r>
+            <a:r>
+              <a:rPr lang="es-ES" sz="2400" dirty="0"/>
+              <a:t>GRÀFICS</a:t>
+            </a:r>
+            <a:r>
+              <a:rPr lang="es-ES" sz="2400" b="1" dirty="0"/>
+              <a:t> </a:t>
+            </a:r>
+            <a:r>
+              <a:rPr lang="es-ES" sz="2400" b="1" u="sng" dirty="0"/>
+              <a:t>ÚTILS</a:t>
+            </a:r>
+          </a:p>
+          <a:p>
+            <a:pPr algn="ctr"/>
+            <a:r>
+              <a:rPr lang="es-ES" sz="2400" dirty="0"/>
+              <a:t>(APRENEN)</a:t>
+            </a:r>
+            <a:endParaRPr lang="ca-ES" sz="2400" dirty="0"/>
+          </a:p>
+        </p:txBody>
+      </p:sp>
+    </p:spTree>
+    <p:extLst>
+      <p:ext uri="{BB962C8B-B14F-4D97-AF65-F5344CB8AC3E}">
+        <p14:creationId xmlns:p14="http://schemas.microsoft.com/office/powerpoint/2010/main" val="3150935926"/>
+      </p:ext>
+    </p:extLst>
+  </p:cSld>
+  <p:clrMapOvr>
+    <a:masterClrMapping/>
+  </p:clrMapOvr>
+</p:sld>
+</file>
+
+<file path=ppt/slides/slide2.xml><?xml version="1.0" encoding="utf-8"?>
+<p:sld xmlns:a="http://schemas.openxmlformats.org/drawingml/2006/main" xmlns:r="http://schemas.openxmlformats.org/officeDocument/2006/relationships" xmlns:p="http://schemas.openxmlformats.org/presentationml/2006/main">
+  <p:cSld>
+    <p:bg>
+      <p:bgPr>
+        <a:solidFill>
+          <a:srgbClr val="4EC0CA"/>
+        </a:solidFill>
+        <a:effectLst/>
+      </p:bgPr>
+    </p:bg>
+    <p:spTree>
+      <p:nvGrpSpPr>
+        <p:cNvPr id="1" name="">
+          <a:extLst>
+            <a:ext uri="{FF2B5EF4-FFF2-40B4-BE49-F238E27FC236}">
+              <a16:creationId xmlns:a16="http://schemas.microsoft.com/office/drawing/2014/main" id="{0028B391-CA67-C793-0AEA-64AAE43B2C55}"/>
+            </a:ext>
+          </a:extLst>
+        </p:cNvPr>
+        <p:cNvGrpSpPr/>
+        <p:nvPr/>
+      </p:nvGrpSpPr>
+      <p:grpSpPr>
+        <a:xfrm>
+          <a:off x="0" y="0"/>
+          <a:ext cx="0" cy="0"/>
+          <a:chOff x="0" y="0"/>
+          <a:chExt cx="0" cy="0"/>
+        </a:xfrm>
+      </p:grpSpPr>
+      <p:sp>
+        <p:nvSpPr>
+          <p:cNvPr id="2" name="Título 1">
+            <a:extLst>
+              <a:ext uri="{FF2B5EF4-FFF2-40B4-BE49-F238E27FC236}">
+                <a16:creationId xmlns:a16="http://schemas.microsoft.com/office/drawing/2014/main" id="{38212728-6D34-E9C0-F1C2-18B50F046098}"/>
+              </a:ext>
+            </a:extLst>
+          </p:cNvPr>
+          <p:cNvSpPr>
+            <a:spLocks noGrp="1"/>
+          </p:cNvSpPr>
+          <p:nvPr>
+            <p:ph type="ctrTitle"/>
+          </p:nvPr>
+        </p:nvSpPr>
+        <p:spPr>
+          <a:xfrm>
+            <a:off x="1524000" y="1975450"/>
+            <a:ext cx="9144000" cy="2372264"/>
+          </a:xfrm>
+        </p:spPr>
+        <p:txBody>
+          <a:bodyPr>
+            <a:noAutofit/>
+          </a:bodyPr>
+          <a:lstStyle/>
+          <a:p>
+            <a:r>
+              <a:rPr lang="es-ES" sz="7200" dirty="0">
+                <a:latin typeface="Aharoni" panose="02010803020104030203" pitchFamily="2" charset="-79"/>
+                <a:cs typeface="Aharoni" panose="02010803020104030203" pitchFamily="2" charset="-79"/>
+              </a:rPr>
+              <a:t>QUE ENTENEM PER APRENENTATGE?</a:t>
+            </a:r>
+            <a:endParaRPr lang="ca-ES" sz="7200" dirty="0">
+              <a:latin typeface="Aharoni" panose="02010803020104030203" pitchFamily="2" charset="-79"/>
+              <a:cs typeface="Aharoni" panose="02010803020104030203" pitchFamily="2" charset="-79"/>
+            </a:endParaRPr>
+          </a:p>
+        </p:txBody>
+      </p:sp>
+    </p:spTree>
+    <p:extLst>
+      <p:ext uri="{BB962C8B-B14F-4D97-AF65-F5344CB8AC3E}">
+        <p14:creationId xmlns:p14="http://schemas.microsoft.com/office/powerpoint/2010/main" val="424062597"/>
+      </p:ext>
+    </p:extLst>
+  </p:cSld>
+  <p:clrMapOvr>
+    <a:masterClrMapping/>
+  </p:clrMapOvr>
+</p:sld>
+</file>
+
+<file path=ppt/slides/slide3.xml><?xml version="1.0" encoding="utf-8"?>
+<p:sld xmlns:a="http://schemas.openxmlformats.org/drawingml/2006/main" xmlns:r="http://schemas.openxmlformats.org/officeDocument/2006/relationships" xmlns:p="http://schemas.openxmlformats.org/presentationml/2006/main">
+  <p:cSld>
+    <p:spTree>
+      <p:nvGrpSpPr>
+        <p:cNvPr id="1" name="">
+          <a:extLst>
+            <a:ext uri="{FF2B5EF4-FFF2-40B4-BE49-F238E27FC236}">
+              <a16:creationId xmlns:a16="http://schemas.microsoft.com/office/drawing/2014/main" id="{D3EAC07C-DAD1-FDC5-5CFE-078015E2E37D}"/>
+            </a:ext>
+          </a:extLst>
+        </p:cNvPr>
+        <p:cNvGrpSpPr/>
+        <p:nvPr/>
+      </p:nvGrpSpPr>
+      <p:grpSpPr>
+        <a:xfrm>
+          <a:off x="0" y="0"/>
+          <a:ext cx="0" cy="0"/>
+          <a:chOff x="0" y="0"/>
+          <a:chExt cx="0" cy="0"/>
+        </a:xfrm>
+      </p:grpSpPr>
+      <p:sp>
+        <p:nvSpPr>
+          <p:cNvPr id="2" name="Título 1">
+            <a:extLst>
+              <a:ext uri="{FF2B5EF4-FFF2-40B4-BE49-F238E27FC236}">
+                <a16:creationId xmlns:a16="http://schemas.microsoft.com/office/drawing/2014/main" id="{47F325D8-8D18-419C-4470-98025DCB10D8}"/>
+              </a:ext>
+            </a:extLst>
+          </p:cNvPr>
+          <p:cNvSpPr>
+            <a:spLocks noGrp="1"/>
+          </p:cNvSpPr>
+          <p:nvPr>
+            <p:ph type="ctrTitle"/>
+          </p:nvPr>
+        </p:nvSpPr>
+        <p:spPr>
+          <a:xfrm>
+            <a:off x="595745" y="2732809"/>
+            <a:ext cx="5500255" cy="1392382"/>
+          </a:xfrm>
+        </p:spPr>
+        <p:txBody>
+          <a:bodyPr>
+            <a:noAutofit/>
+          </a:bodyPr>
+          <a:lstStyle/>
+          <a:p>
+            <a:r>
+              <a:rPr lang="es-ES" sz="4400" dirty="0">
+                <a:latin typeface="Aharoni" panose="02010803020104030203" pitchFamily="2" charset="-79"/>
+                <a:cs typeface="Aharoni" panose="02010803020104030203" pitchFamily="2" charset="-79"/>
+              </a:rPr>
+              <a:t>QUE ENTENEM PER APRENENTATGE?</a:t>
+            </a:r>
+            <a:endParaRPr lang="ca-ES" sz="4400" dirty="0">
+              <a:latin typeface="Aharoni" panose="02010803020104030203" pitchFamily="2" charset="-79"/>
+              <a:cs typeface="Aharoni" panose="02010803020104030203" pitchFamily="2" charset="-79"/>
+            </a:endParaRPr>
+          </a:p>
+        </p:txBody>
+      </p:sp>
+      <p:sp>
+        <p:nvSpPr>
+          <p:cNvPr id="3" name="Rectángulo: esquinas redondeadas 2">
+            <a:extLst>
+              <a:ext uri="{FF2B5EF4-FFF2-40B4-BE49-F238E27FC236}">
+                <a16:creationId xmlns:a16="http://schemas.microsoft.com/office/drawing/2014/main" id="{133C8DA8-E379-48BF-0B25-D54F9BB9D36F}"/>
+              </a:ext>
+            </a:extLst>
+          </p:cNvPr>
+          <p:cNvSpPr/>
+          <p:nvPr/>
+        </p:nvSpPr>
+        <p:spPr>
+          <a:xfrm>
+            <a:off x="7564582" y="862451"/>
+            <a:ext cx="3803072" cy="872836"/>
+          </a:xfrm>
+          <a:prstGeom prst="roundRect">
+            <a:avLst/>
+          </a:prstGeom>
+          <a:effectLst>
+            <a:innerShdw blurRad="63500" dist="50800" dir="2700000">
+              <a:prstClr val="black">
+                <a:alpha val="50000"/>
+              </a:prstClr>
+            </a:innerShdw>
+          </a:effectLst>
+        </p:spPr>
+        <p:style>
+          <a:lnRef idx="2">
+            <a:schemeClr val="accent1">
+              <a:shade val="15000"/>
+            </a:schemeClr>
+          </a:lnRef>
+          <a:fillRef idx="1">
+            <a:schemeClr val="accent1"/>
+          </a:fillRef>
+          <a:effectRef idx="0">
+            <a:schemeClr val="accent1"/>
+          </a:effectRef>
+          <a:fontRef idx="minor">
+            <a:schemeClr val="lt1"/>
+          </a:fontRef>
+        </p:style>
+        <p:txBody>
+          <a:bodyPr rtlCol="0" anchor="ctr"/>
+          <a:lstStyle/>
+          <a:p>
+            <a:pPr algn="ctr"/>
+            <a:r>
+              <a:rPr lang="ca-ES" sz="2400" dirty="0">
+                <a:latin typeface="Aharoni" panose="02010803020104030203" pitchFamily="2" charset="-79"/>
+                <a:cs typeface="Aharoni" panose="02010803020104030203" pitchFamily="2" charset="-79"/>
+              </a:rPr>
+              <a:t>Adquisició de coneixement</a:t>
+            </a:r>
+          </a:p>
+        </p:txBody>
+      </p:sp>
+      <p:sp>
+        <p:nvSpPr>
+          <p:cNvPr id="4" name="Rectángulo: esquinas redondeadas 3">
+            <a:extLst>
+              <a:ext uri="{FF2B5EF4-FFF2-40B4-BE49-F238E27FC236}">
+                <a16:creationId xmlns:a16="http://schemas.microsoft.com/office/drawing/2014/main" id="{7DF42F17-2E58-EA1D-4007-F3D74FC28692}"/>
+              </a:ext>
+            </a:extLst>
+          </p:cNvPr>
+          <p:cNvSpPr/>
+          <p:nvPr/>
+        </p:nvSpPr>
+        <p:spPr>
+          <a:xfrm>
+            <a:off x="7564582" y="2254833"/>
+            <a:ext cx="3803072" cy="872836"/>
+          </a:xfrm>
+          <a:prstGeom prst="roundRect">
+            <a:avLst/>
+          </a:prstGeom>
+          <a:effectLst>
+            <a:innerShdw blurRad="63500" dist="50800" dir="2700000">
+              <a:prstClr val="black">
+                <a:alpha val="50000"/>
+              </a:prstClr>
+            </a:innerShdw>
+          </a:effectLst>
+        </p:spPr>
+        <p:style>
+          <a:lnRef idx="2">
+            <a:schemeClr val="accent1">
+              <a:shade val="15000"/>
+            </a:schemeClr>
+          </a:lnRef>
+          <a:fillRef idx="1">
+            <a:schemeClr val="accent1"/>
+          </a:fillRef>
+          <a:effectRef idx="0">
+            <a:schemeClr val="accent1"/>
+          </a:effectRef>
+          <a:fontRef idx="minor">
+            <a:schemeClr val="lt1"/>
+          </a:fontRef>
+        </p:style>
+        <p:txBody>
+          <a:bodyPr rtlCol="0" anchor="ctr"/>
+          <a:lstStyle/>
+          <a:p>
+            <a:pPr algn="ctr"/>
+            <a:r>
+              <a:rPr lang="ca-ES" sz="2400" dirty="0">
+                <a:latin typeface="Aharoni" panose="02010803020104030203" pitchFamily="2" charset="-79"/>
+                <a:cs typeface="Aharoni" panose="02010803020104030203" pitchFamily="2" charset="-79"/>
+              </a:rPr>
+              <a:t>Adaptació</a:t>
+            </a:r>
+          </a:p>
+        </p:txBody>
+      </p:sp>
+      <p:sp>
+        <p:nvSpPr>
+          <p:cNvPr id="5" name="Rectángulo: esquinas redondeadas 4">
+            <a:extLst>
+              <a:ext uri="{FF2B5EF4-FFF2-40B4-BE49-F238E27FC236}">
+                <a16:creationId xmlns:a16="http://schemas.microsoft.com/office/drawing/2014/main" id="{536A1DC1-2A1B-86B7-4D13-9704841E35BA}"/>
+              </a:ext>
+            </a:extLst>
+          </p:cNvPr>
+          <p:cNvSpPr/>
+          <p:nvPr/>
+        </p:nvSpPr>
+        <p:spPr>
+          <a:xfrm>
+            <a:off x="7564582" y="3647215"/>
+            <a:ext cx="3803072" cy="872836"/>
+          </a:xfrm>
+          <a:prstGeom prst="roundRect">
+            <a:avLst/>
+          </a:prstGeom>
+          <a:effectLst>
+            <a:innerShdw blurRad="63500" dist="50800" dir="2700000">
+              <a:prstClr val="black">
+                <a:alpha val="50000"/>
+              </a:prstClr>
+            </a:innerShdw>
+          </a:effectLst>
+        </p:spPr>
+        <p:style>
+          <a:lnRef idx="2">
+            <a:schemeClr val="accent1">
+              <a:shade val="15000"/>
+            </a:schemeClr>
+          </a:lnRef>
+          <a:fillRef idx="1">
+            <a:schemeClr val="accent1"/>
+          </a:fillRef>
+          <a:effectRef idx="0">
+            <a:schemeClr val="accent1"/>
+          </a:effectRef>
+          <a:fontRef idx="minor">
+            <a:schemeClr val="lt1"/>
+          </a:fontRef>
+        </p:style>
+        <p:txBody>
+          <a:bodyPr rtlCol="0" anchor="ctr"/>
+          <a:lstStyle/>
+          <a:p>
+            <a:pPr algn="ctr"/>
+            <a:r>
+              <a:rPr lang="ca-ES" sz="2400" b="0" i="0" dirty="0">
+                <a:solidFill>
+                  <a:schemeClr val="bg1"/>
+                </a:solidFill>
+                <a:effectLst/>
+                <a:latin typeface="Aharoni" panose="02010803020104030203" pitchFamily="2" charset="-79"/>
+                <a:cs typeface="Aharoni" panose="02010803020104030203" pitchFamily="2" charset="-79"/>
+              </a:rPr>
+              <a:t>Reconeixement de patrons</a:t>
+            </a:r>
+            <a:endParaRPr lang="ca-ES" sz="2400" dirty="0">
+              <a:solidFill>
+                <a:schemeClr val="bg1"/>
+              </a:solidFill>
+              <a:latin typeface="Aharoni" panose="02010803020104030203" pitchFamily="2" charset="-79"/>
+              <a:cs typeface="Aharoni" panose="02010803020104030203" pitchFamily="2" charset="-79"/>
+            </a:endParaRPr>
+          </a:p>
+        </p:txBody>
+      </p:sp>
+      <p:sp>
+        <p:nvSpPr>
+          <p:cNvPr id="6" name="Rectángulo: esquinas redondeadas 5">
+            <a:extLst>
+              <a:ext uri="{FF2B5EF4-FFF2-40B4-BE49-F238E27FC236}">
+                <a16:creationId xmlns:a16="http://schemas.microsoft.com/office/drawing/2014/main" id="{D40B0FF5-55BC-0905-0B95-A3F77EC8BA89}"/>
+              </a:ext>
+            </a:extLst>
+          </p:cNvPr>
+          <p:cNvSpPr/>
+          <p:nvPr/>
+        </p:nvSpPr>
+        <p:spPr>
+          <a:xfrm>
+            <a:off x="7564582" y="5039597"/>
+            <a:ext cx="3803072" cy="872836"/>
+          </a:xfrm>
+          <a:prstGeom prst="roundRect">
+            <a:avLst/>
+          </a:prstGeom>
+          <a:effectLst>
+            <a:innerShdw blurRad="63500" dist="50800" dir="2700000">
+              <a:prstClr val="black">
+                <a:alpha val="50000"/>
+              </a:prstClr>
+            </a:innerShdw>
+          </a:effectLst>
+        </p:spPr>
+        <p:style>
+          <a:lnRef idx="2">
+            <a:schemeClr val="accent1">
+              <a:shade val="15000"/>
+            </a:schemeClr>
+          </a:lnRef>
+          <a:fillRef idx="1">
+            <a:schemeClr val="accent1"/>
+          </a:fillRef>
+          <a:effectRef idx="0">
+            <a:schemeClr val="accent1"/>
+          </a:effectRef>
+          <a:fontRef idx="minor">
+            <a:schemeClr val="lt1"/>
+          </a:fontRef>
+        </p:style>
+        <p:txBody>
+          <a:bodyPr rtlCol="0" anchor="ctr"/>
+          <a:lstStyle/>
+          <a:p>
+            <a:pPr algn="ctr"/>
+            <a:r>
+              <a:rPr lang="ca-ES" sz="2400" b="0" i="0" dirty="0">
+                <a:solidFill>
+                  <a:schemeClr val="bg1"/>
+                </a:solidFill>
+                <a:effectLst/>
+                <a:latin typeface="Aharoni" panose="02010803020104030203" pitchFamily="2" charset="-79"/>
+                <a:cs typeface="Aharoni" panose="02010803020104030203" pitchFamily="2" charset="-79"/>
+              </a:rPr>
+              <a:t>Millora contínua</a:t>
+            </a:r>
+            <a:endParaRPr lang="ca-ES" sz="2400" dirty="0">
+              <a:solidFill>
+                <a:schemeClr val="bg1"/>
+              </a:solidFill>
+              <a:latin typeface="Aharoni" panose="02010803020104030203" pitchFamily="2" charset="-79"/>
+              <a:cs typeface="Aharoni" panose="02010803020104030203" pitchFamily="2" charset="-79"/>
+            </a:endParaRPr>
+          </a:p>
+        </p:txBody>
+      </p:sp>
+      <p:sp>
+        <p:nvSpPr>
+          <p:cNvPr id="7" name="Abrir llave 6">
+            <a:extLst>
+              <a:ext uri="{FF2B5EF4-FFF2-40B4-BE49-F238E27FC236}">
+                <a16:creationId xmlns:a16="http://schemas.microsoft.com/office/drawing/2014/main" id="{AD9E18BA-3F32-987F-D286-7CEE13893503}"/>
+              </a:ext>
+            </a:extLst>
+          </p:cNvPr>
+          <p:cNvSpPr/>
+          <p:nvPr/>
+        </p:nvSpPr>
+        <p:spPr>
+          <a:xfrm>
+            <a:off x="6567055" y="477982"/>
+            <a:ext cx="727363" cy="5798127"/>
+          </a:xfrm>
+          <a:prstGeom prst="leftBrace">
+            <a:avLst>
+              <a:gd name="adj1" fmla="val 8333"/>
+              <a:gd name="adj2" fmla="val 44982"/>
+            </a:avLst>
+          </a:prstGeom>
+          <a:ln w="76200"/>
+        </p:spPr>
+        <p:style>
+          <a:lnRef idx="2">
+            <a:schemeClr val="accent1"/>
+          </a:lnRef>
+          <a:fillRef idx="0">
+            <a:schemeClr val="accent1"/>
+          </a:fillRef>
+          <a:effectRef idx="1">
+            <a:schemeClr val="accent1"/>
+          </a:effectRef>
+          <a:fontRef idx="minor">
+            <a:schemeClr val="tx1"/>
+          </a:fontRef>
+        </p:style>
+        <p:txBody>
+          <a:bodyPr rtlCol="0" anchor="ctr"/>
+          <a:lstStyle/>
+          <a:p>
+            <a:pPr algn="ctr"/>
+            <a:endParaRPr lang="ca-ES"/>
+          </a:p>
+        </p:txBody>
+      </p:sp>
+    </p:spTree>
+    <p:extLst>
+      <p:ext uri="{BB962C8B-B14F-4D97-AF65-F5344CB8AC3E}">
+        <p14:creationId xmlns:p14="http://schemas.microsoft.com/office/powerpoint/2010/main" val="839647521"/>
+      </p:ext>
+    </p:extLst>
+  </p:cSld>
+  <p:clrMapOvr>
+    <a:masterClrMapping/>
+  </p:clrMapOvr>
+</p:sld>
+</file>
+
+<file path=ppt/slides/slide4.xml><?xml version="1.0" encoding="utf-8"?>
+<p:sld xmlns:a="http://schemas.openxmlformats.org/drawingml/2006/main" xmlns:r="http://schemas.openxmlformats.org/officeDocument/2006/relationships" xmlns:p="http://schemas.openxmlformats.org/presentationml/2006/main">
+  <p:cSld>
+    <p:spTree>
+      <p:nvGrpSpPr>
+        <p:cNvPr id="1" name="">
+          <a:extLst>
+            <a:ext uri="{FF2B5EF4-FFF2-40B4-BE49-F238E27FC236}">
+              <a16:creationId xmlns:a16="http://schemas.microsoft.com/office/drawing/2014/main" id="{6C606596-8386-F374-8AC1-D82EE33F986F}"/>
+            </a:ext>
+          </a:extLst>
+        </p:cNvPr>
+        <p:cNvGrpSpPr/>
+        <p:nvPr/>
+      </p:nvGrpSpPr>
+      <p:grpSpPr>
+        <a:xfrm>
+          <a:off x="0" y="0"/>
+          <a:ext cx="0" cy="0"/>
+          <a:chOff x="0" y="0"/>
+          <a:chExt cx="0" cy="0"/>
+        </a:xfrm>
+      </p:grpSpPr>
+      <p:sp>
+        <p:nvSpPr>
+          <p:cNvPr id="2" name="Título 1">
+            <a:extLst>
+              <a:ext uri="{FF2B5EF4-FFF2-40B4-BE49-F238E27FC236}">
+                <a16:creationId xmlns:a16="http://schemas.microsoft.com/office/drawing/2014/main" id="{BC8CC9C1-5925-0A73-9103-1F95CE663420}"/>
+              </a:ext>
+            </a:extLst>
+          </p:cNvPr>
+          <p:cNvSpPr>
+            <a:spLocks noGrp="1"/>
+          </p:cNvSpPr>
+          <p:nvPr>
+            <p:ph type="ctrTitle"/>
+          </p:nvPr>
+        </p:nvSpPr>
+        <p:spPr>
+          <a:xfrm>
+            <a:off x="1524000" y="1975450"/>
+            <a:ext cx="9144000" cy="2372264"/>
+          </a:xfrm>
+        </p:spPr>
+        <p:txBody>
+          <a:bodyPr>
+            <a:noAutofit/>
+          </a:bodyPr>
+          <a:lstStyle/>
+          <a:p>
+            <a:r>
+              <a:rPr lang="es-ES" sz="7200" dirty="0">
+                <a:latin typeface="Aharoni" panose="02010803020104030203" pitchFamily="2" charset="-79"/>
+                <a:cs typeface="Aharoni" panose="02010803020104030203" pitchFamily="2" charset="-79"/>
+              </a:rPr>
+              <a:t>COM AVALUEM L’APRENENTATGE?</a:t>
+            </a:r>
+            <a:endParaRPr lang="ca-ES" sz="7200" dirty="0">
+              <a:latin typeface="Aharoni" panose="02010803020104030203" pitchFamily="2" charset="-79"/>
+              <a:cs typeface="Aharoni" panose="02010803020104030203" pitchFamily="2" charset="-79"/>
+            </a:endParaRPr>
+          </a:p>
+        </p:txBody>
+      </p:sp>
+    </p:spTree>
+    <p:extLst>
+      <p:ext uri="{BB962C8B-B14F-4D97-AF65-F5344CB8AC3E}">
+        <p14:creationId xmlns:p14="http://schemas.microsoft.com/office/powerpoint/2010/main" val="349714301"/>
+      </p:ext>
+    </p:extLst>
+  </p:cSld>
+  <p:clrMapOvr>
+    <a:masterClrMapping/>
+  </p:clrMapOvr>
+</p:sld>
+</file>
+
+<file path=ppt/slides/slide5.xml><?xml version="1.0" encoding="utf-8"?>
+<p:sld xmlns:a="http://schemas.openxmlformats.org/drawingml/2006/main" xmlns:r="http://schemas.openxmlformats.org/officeDocument/2006/relationships" xmlns:p="http://schemas.openxmlformats.org/presentationml/2006/main">
+  <p:cSld>
+    <p:spTree>
+      <p:nvGrpSpPr>
+        <p:cNvPr id="1" name="">
+          <a:extLst>
+            <a:ext uri="{FF2B5EF4-FFF2-40B4-BE49-F238E27FC236}">
+              <a16:creationId xmlns:a16="http://schemas.microsoft.com/office/drawing/2014/main" id="{E7679B50-C9BA-AED2-D5B9-C8BA653C3371}"/>
+            </a:ext>
+          </a:extLst>
+        </p:cNvPr>
+        <p:cNvGrpSpPr/>
+        <p:nvPr/>
+      </p:nvGrpSpPr>
+      <p:grpSpPr>
+        <a:xfrm>
+          <a:off x="0" y="0"/>
+          <a:ext cx="0" cy="0"/>
+          <a:chOff x="0" y="0"/>
+          <a:chExt cx="0" cy="0"/>
+        </a:xfrm>
+      </p:grpSpPr>
+      <p:sp>
+        <p:nvSpPr>
+          <p:cNvPr id="2" name="Título 1">
+            <a:extLst>
+              <a:ext uri="{FF2B5EF4-FFF2-40B4-BE49-F238E27FC236}">
+                <a16:creationId xmlns:a16="http://schemas.microsoft.com/office/drawing/2014/main" id="{B241E890-80E1-A845-90D7-C5217A8B5633}"/>
+              </a:ext>
+            </a:extLst>
+          </p:cNvPr>
+          <p:cNvSpPr>
+            <a:spLocks noGrp="1"/>
+          </p:cNvSpPr>
+          <p:nvPr>
+            <p:ph type="ctrTitle"/>
+          </p:nvPr>
+        </p:nvSpPr>
+        <p:spPr>
+          <a:xfrm>
+            <a:off x="3252354" y="247226"/>
+            <a:ext cx="5687292" cy="1352974"/>
+          </a:xfrm>
+        </p:spPr>
+        <p:txBody>
+          <a:bodyPr>
+            <a:noAutofit/>
+          </a:bodyPr>
+          <a:lstStyle/>
+          <a:p>
+            <a:r>
+              <a:rPr lang="es-ES" sz="4800" dirty="0">
+                <a:latin typeface="Aharoni" panose="02010803020104030203" pitchFamily="2" charset="-79"/>
+                <a:cs typeface="Aharoni" panose="02010803020104030203" pitchFamily="2" charset="-79"/>
+              </a:rPr>
+              <a:t>COM AVALUEM L’APRENENTATGE?</a:t>
+            </a:r>
+            <a:endParaRPr lang="ca-ES" sz="4800" dirty="0">
+              <a:latin typeface="Aharoni" panose="02010803020104030203" pitchFamily="2" charset="-79"/>
+              <a:cs typeface="Aharoni" panose="02010803020104030203" pitchFamily="2" charset="-79"/>
+            </a:endParaRPr>
+          </a:p>
+        </p:txBody>
+      </p:sp>
+      <p:sp>
+        <p:nvSpPr>
+          <p:cNvPr id="3" name="Rectángulo: esquinas redondeadas 2">
+            <a:extLst>
+              <a:ext uri="{FF2B5EF4-FFF2-40B4-BE49-F238E27FC236}">
+                <a16:creationId xmlns:a16="http://schemas.microsoft.com/office/drawing/2014/main" id="{828513F9-67FE-BADF-8F87-63E53AB118B4}"/>
+              </a:ext>
+            </a:extLst>
+          </p:cNvPr>
+          <p:cNvSpPr/>
+          <p:nvPr/>
+        </p:nvSpPr>
+        <p:spPr>
+          <a:xfrm>
+            <a:off x="727364" y="2013679"/>
+            <a:ext cx="2982190" cy="812646"/>
+          </a:xfrm>
+          <a:prstGeom prst="roundRect">
+            <a:avLst/>
+          </a:prstGeom>
+          <a:effectLst>
+            <a:innerShdw blurRad="63500" dist="50800" dir="2700000">
+              <a:prstClr val="black">
+                <a:alpha val="50000"/>
+              </a:prstClr>
+            </a:innerShdw>
+          </a:effectLst>
+        </p:spPr>
+        <p:style>
+          <a:lnRef idx="2">
+            <a:schemeClr val="accent1">
+              <a:shade val="15000"/>
+            </a:schemeClr>
+          </a:lnRef>
+          <a:fillRef idx="1">
+            <a:schemeClr val="accent1"/>
+          </a:fillRef>
+          <a:effectRef idx="0">
+            <a:schemeClr val="accent1"/>
+          </a:effectRef>
+          <a:fontRef idx="minor">
+            <a:schemeClr val="lt1"/>
+          </a:fontRef>
+        </p:style>
+        <p:txBody>
+          <a:bodyPr rtlCol="0" anchor="ctr"/>
+          <a:lstStyle/>
+          <a:p>
+            <a:pPr algn="ctr"/>
+            <a:r>
+              <a:rPr lang="ca-ES" sz="2000" dirty="0">
+                <a:latin typeface="Aharoni" panose="02010803020104030203" pitchFamily="2" charset="-79"/>
+                <a:cs typeface="Aharoni" panose="02010803020104030203" pitchFamily="2" charset="-79"/>
+              </a:rPr>
+              <a:t>Adquisició de coneixement</a:t>
+            </a:r>
+          </a:p>
+        </p:txBody>
+      </p:sp>
+      <p:sp>
+        <p:nvSpPr>
+          <p:cNvPr id="4" name="Rectángulo: esquinas redondeadas 3">
+            <a:extLst>
+              <a:ext uri="{FF2B5EF4-FFF2-40B4-BE49-F238E27FC236}">
+                <a16:creationId xmlns:a16="http://schemas.microsoft.com/office/drawing/2014/main" id="{7AAC1D18-7749-82C3-64D7-634D46D13385}"/>
+              </a:ext>
+            </a:extLst>
+          </p:cNvPr>
+          <p:cNvSpPr/>
+          <p:nvPr/>
+        </p:nvSpPr>
+        <p:spPr>
+          <a:xfrm>
+            <a:off x="727364" y="3156683"/>
+            <a:ext cx="2982190" cy="812646"/>
+          </a:xfrm>
+          <a:prstGeom prst="roundRect">
+            <a:avLst/>
+          </a:prstGeom>
+          <a:effectLst>
+            <a:innerShdw blurRad="63500" dist="50800" dir="2700000">
+              <a:prstClr val="black">
+                <a:alpha val="50000"/>
+              </a:prstClr>
+            </a:innerShdw>
+          </a:effectLst>
+        </p:spPr>
+        <p:style>
+          <a:lnRef idx="2">
+            <a:schemeClr val="accent1">
+              <a:shade val="15000"/>
+            </a:schemeClr>
+          </a:lnRef>
+          <a:fillRef idx="1">
+            <a:schemeClr val="accent1"/>
+          </a:fillRef>
+          <a:effectRef idx="0">
+            <a:schemeClr val="accent1"/>
+          </a:effectRef>
+          <a:fontRef idx="minor">
+            <a:schemeClr val="lt1"/>
+          </a:fontRef>
+        </p:style>
+        <p:txBody>
+          <a:bodyPr rtlCol="0" anchor="ctr"/>
+          <a:lstStyle/>
+          <a:p>
+            <a:pPr algn="ctr"/>
+            <a:r>
+              <a:rPr lang="ca-ES" sz="2000" dirty="0">
+                <a:latin typeface="Aharoni" panose="02010803020104030203" pitchFamily="2" charset="-79"/>
+                <a:cs typeface="Aharoni" panose="02010803020104030203" pitchFamily="2" charset="-79"/>
+              </a:rPr>
+              <a:t>Adaptació</a:t>
+            </a:r>
+          </a:p>
+        </p:txBody>
+      </p:sp>
+      <p:sp>
+        <p:nvSpPr>
+          <p:cNvPr id="5" name="Rectángulo: esquinas redondeadas 4">
+            <a:extLst>
+              <a:ext uri="{FF2B5EF4-FFF2-40B4-BE49-F238E27FC236}">
+                <a16:creationId xmlns:a16="http://schemas.microsoft.com/office/drawing/2014/main" id="{7E08E686-D3F0-10DE-EB0C-7A008F082B33}"/>
+              </a:ext>
+            </a:extLst>
+          </p:cNvPr>
+          <p:cNvSpPr/>
+          <p:nvPr/>
+        </p:nvSpPr>
+        <p:spPr>
+          <a:xfrm>
+            <a:off x="727364" y="4299681"/>
+            <a:ext cx="2982190" cy="812646"/>
+          </a:xfrm>
+          <a:prstGeom prst="roundRect">
+            <a:avLst/>
+          </a:prstGeom>
+          <a:effectLst>
+            <a:innerShdw blurRad="63500" dist="50800" dir="2700000">
+              <a:prstClr val="black">
+                <a:alpha val="50000"/>
+              </a:prstClr>
+            </a:innerShdw>
+          </a:effectLst>
+        </p:spPr>
+        <p:style>
+          <a:lnRef idx="2">
+            <a:schemeClr val="accent1">
+              <a:shade val="15000"/>
+            </a:schemeClr>
+          </a:lnRef>
+          <a:fillRef idx="1">
+            <a:schemeClr val="accent1"/>
+          </a:fillRef>
+          <a:effectRef idx="0">
+            <a:schemeClr val="accent1"/>
+          </a:effectRef>
+          <a:fontRef idx="minor">
+            <a:schemeClr val="lt1"/>
+          </a:fontRef>
+        </p:style>
+        <p:txBody>
+          <a:bodyPr rtlCol="0" anchor="ctr"/>
+          <a:lstStyle/>
+          <a:p>
+            <a:pPr algn="ctr"/>
+            <a:r>
+              <a:rPr lang="ca-ES" sz="2000" b="0" i="0" dirty="0">
+                <a:solidFill>
+                  <a:schemeClr val="bg1"/>
+                </a:solidFill>
+                <a:effectLst/>
+                <a:latin typeface="Aharoni" panose="02010803020104030203" pitchFamily="2" charset="-79"/>
+                <a:cs typeface="Aharoni" panose="02010803020104030203" pitchFamily="2" charset="-79"/>
+              </a:rPr>
+              <a:t>Reconeixement de patrons</a:t>
+            </a:r>
+            <a:endParaRPr lang="ca-ES" sz="2000" dirty="0">
+              <a:solidFill>
+                <a:schemeClr val="bg1"/>
+              </a:solidFill>
+              <a:latin typeface="Aharoni" panose="02010803020104030203" pitchFamily="2" charset="-79"/>
+              <a:cs typeface="Aharoni" panose="02010803020104030203" pitchFamily="2" charset="-79"/>
+            </a:endParaRPr>
+          </a:p>
+        </p:txBody>
+      </p:sp>
+      <p:sp>
+        <p:nvSpPr>
+          <p:cNvPr id="6" name="Rectángulo: esquinas redondeadas 5">
+            <a:extLst>
+              <a:ext uri="{FF2B5EF4-FFF2-40B4-BE49-F238E27FC236}">
+                <a16:creationId xmlns:a16="http://schemas.microsoft.com/office/drawing/2014/main" id="{61DB830A-3834-FCE8-61E6-F977F6B587C2}"/>
+              </a:ext>
+            </a:extLst>
+          </p:cNvPr>
+          <p:cNvSpPr/>
+          <p:nvPr/>
+        </p:nvSpPr>
+        <p:spPr>
+          <a:xfrm>
+            <a:off x="727364" y="5442679"/>
+            <a:ext cx="2982190" cy="812646"/>
+          </a:xfrm>
+          <a:prstGeom prst="roundRect">
+            <a:avLst/>
+          </a:prstGeom>
+          <a:effectLst>
+            <a:innerShdw blurRad="63500" dist="50800" dir="2700000">
+              <a:prstClr val="black">
+                <a:alpha val="50000"/>
+              </a:prstClr>
+            </a:innerShdw>
+          </a:effectLst>
+        </p:spPr>
+        <p:style>
+          <a:lnRef idx="2">
+            <a:schemeClr val="accent1">
+              <a:shade val="15000"/>
+            </a:schemeClr>
+          </a:lnRef>
+          <a:fillRef idx="1">
+            <a:schemeClr val="accent1"/>
+          </a:fillRef>
+          <a:effectRef idx="0">
+            <a:schemeClr val="accent1"/>
+          </a:effectRef>
+          <a:fontRef idx="minor">
+            <a:schemeClr val="lt1"/>
+          </a:fontRef>
+        </p:style>
+        <p:txBody>
+          <a:bodyPr rtlCol="0" anchor="ctr"/>
+          <a:lstStyle/>
+          <a:p>
+            <a:pPr algn="ctr"/>
+            <a:r>
+              <a:rPr lang="ca-ES" sz="2000" b="0" i="0" dirty="0">
+                <a:solidFill>
+                  <a:schemeClr val="bg1"/>
+                </a:solidFill>
+                <a:effectLst/>
+                <a:latin typeface="Aharoni" panose="02010803020104030203" pitchFamily="2" charset="-79"/>
+                <a:cs typeface="Aharoni" panose="02010803020104030203" pitchFamily="2" charset="-79"/>
+              </a:rPr>
+              <a:t>Millora contínua</a:t>
+            </a:r>
+            <a:endParaRPr lang="ca-ES" sz="2000" dirty="0">
+              <a:solidFill>
+                <a:schemeClr val="bg1"/>
+              </a:solidFill>
+              <a:latin typeface="Aharoni" panose="02010803020104030203" pitchFamily="2" charset="-79"/>
+              <a:cs typeface="Aharoni" panose="02010803020104030203" pitchFamily="2" charset="-79"/>
+            </a:endParaRPr>
+          </a:p>
+        </p:txBody>
+      </p:sp>
+      <p:sp>
+        <p:nvSpPr>
+          <p:cNvPr id="7" name="Flecha: a la derecha 6">
+            <a:extLst>
+              <a:ext uri="{FF2B5EF4-FFF2-40B4-BE49-F238E27FC236}">
+                <a16:creationId xmlns:a16="http://schemas.microsoft.com/office/drawing/2014/main" id="{9D88F503-00FD-21CC-4529-5B1217F2B25F}"/>
+              </a:ext>
+            </a:extLst>
+          </p:cNvPr>
+          <p:cNvSpPr/>
+          <p:nvPr/>
+        </p:nvSpPr>
+        <p:spPr>
+          <a:xfrm>
+            <a:off x="4135580" y="2907297"/>
+            <a:ext cx="2701637" cy="2009375"/>
+          </a:xfrm>
+          <a:custGeom>
+            <a:avLst/>
+            <a:gdLst>
+              <a:gd name="connsiteX0" fmla="*/ 0 w 2701637"/>
+              <a:gd name="connsiteY0" fmla="*/ 502344 h 2009375"/>
+              <a:gd name="connsiteX1" fmla="*/ 582620 w 2701637"/>
+              <a:gd name="connsiteY1" fmla="*/ 502344 h 2009375"/>
+              <a:gd name="connsiteX2" fmla="*/ 1131300 w 2701637"/>
+              <a:gd name="connsiteY2" fmla="*/ 502344 h 2009375"/>
+              <a:gd name="connsiteX3" fmla="*/ 1696950 w 2701637"/>
+              <a:gd name="connsiteY3" fmla="*/ 502344 h 2009375"/>
+              <a:gd name="connsiteX4" fmla="*/ 1696950 w 2701637"/>
+              <a:gd name="connsiteY4" fmla="*/ 0 h 2009375"/>
+              <a:gd name="connsiteX5" fmla="*/ 2041893 w 2701637"/>
+              <a:gd name="connsiteY5" fmla="*/ 344943 h 2009375"/>
+              <a:gd name="connsiteX6" fmla="*/ 2376788 w 2701637"/>
+              <a:gd name="connsiteY6" fmla="*/ 679839 h 2009375"/>
+              <a:gd name="connsiteX7" fmla="*/ 2701637 w 2701637"/>
+              <a:gd name="connsiteY7" fmla="*/ 1004688 h 2009375"/>
+              <a:gd name="connsiteX8" fmla="*/ 2346648 w 2701637"/>
+              <a:gd name="connsiteY8" fmla="*/ 1359677 h 2009375"/>
+              <a:gd name="connsiteX9" fmla="*/ 2011752 w 2701637"/>
+              <a:gd name="connsiteY9" fmla="*/ 1694573 h 2009375"/>
+              <a:gd name="connsiteX10" fmla="*/ 1696950 w 2701637"/>
+              <a:gd name="connsiteY10" fmla="*/ 2009375 h 2009375"/>
+              <a:gd name="connsiteX11" fmla="*/ 1696950 w 2701637"/>
+              <a:gd name="connsiteY11" fmla="*/ 1507031 h 2009375"/>
+              <a:gd name="connsiteX12" fmla="*/ 1114331 w 2701637"/>
+              <a:gd name="connsiteY12" fmla="*/ 1507031 h 2009375"/>
+              <a:gd name="connsiteX13" fmla="*/ 514742 w 2701637"/>
+              <a:gd name="connsiteY13" fmla="*/ 1507031 h 2009375"/>
+              <a:gd name="connsiteX14" fmla="*/ 0 w 2701637"/>
+              <a:gd name="connsiteY14" fmla="*/ 1507031 h 2009375"/>
+              <a:gd name="connsiteX15" fmla="*/ 0 w 2701637"/>
+              <a:gd name="connsiteY15" fmla="*/ 1004688 h 2009375"/>
+              <a:gd name="connsiteX16" fmla="*/ 0 w 2701637"/>
+              <a:gd name="connsiteY16" fmla="*/ 502344 h 2009375"/>
+            </a:gdLst>
+            <a:ahLst/>
+            <a:cxnLst>
+              <a:cxn ang="0">
+                <a:pos x="connsiteX0" y="connsiteY0"/>
+              </a:cxn>
+              <a:cxn ang="0">
+                <a:pos x="connsiteX1" y="connsiteY1"/>
+              </a:cxn>
+              <a:cxn ang="0">
+                <a:pos x="connsiteX2" y="connsiteY2"/>
+              </a:cxn>
+              <a:cxn ang="0">
+                <a:pos x="connsiteX3" y="connsiteY3"/>
+              </a:cxn>
+              <a:cxn ang="0">
+                <a:pos x="connsiteX4" y="connsiteY4"/>
+              </a:cxn>
+              <a:cxn ang="0">
+                <a:pos x="connsiteX5" y="connsiteY5"/>
+              </a:cxn>
+              <a:cxn ang="0">
+                <a:pos x="connsiteX6" y="connsiteY6"/>
+              </a:cxn>
+              <a:cxn ang="0">
+                <a:pos x="connsiteX7" y="connsiteY7"/>
+              </a:cxn>
+              <a:cxn ang="0">
+                <a:pos x="connsiteX8" y="connsiteY8"/>
+              </a:cxn>
+              <a:cxn ang="0">
+                <a:pos x="connsiteX9" y="connsiteY9"/>
+              </a:cxn>
+              <a:cxn ang="0">
+                <a:pos x="connsiteX10" y="connsiteY10"/>
+              </a:cxn>
+              <a:cxn ang="0">
+                <a:pos x="connsiteX11" y="connsiteY11"/>
+              </a:cxn>
+              <a:cxn ang="0">
+                <a:pos x="connsiteX12" y="connsiteY12"/>
+              </a:cxn>
+              <a:cxn ang="0">
+                <a:pos x="connsiteX13" y="connsiteY13"/>
+              </a:cxn>
+              <a:cxn ang="0">
+                <a:pos x="connsiteX14" y="connsiteY14"/>
+              </a:cxn>
+              <a:cxn ang="0">
+                <a:pos x="connsiteX15" y="connsiteY15"/>
+              </a:cxn>
+              <a:cxn ang="0">
+                <a:pos x="connsiteX16" y="connsiteY16"/>
+              </a:cxn>
+            </a:cxnLst>
+            <a:rect l="l" t="t" r="r" b="b"/>
+            <a:pathLst>
+              <a:path w="2701637" h="2009375" fill="none" extrusionOk="0">
+                <a:moveTo>
+                  <a:pt x="0" y="502344"/>
+                </a:moveTo>
+                <a:cubicBezTo>
+                  <a:pt x="125272" y="501688"/>
+                  <a:pt x="300498" y="536806"/>
+                  <a:pt x="582620" y="502344"/>
+                </a:cubicBezTo>
+                <a:cubicBezTo>
+                  <a:pt x="864742" y="467882"/>
+                  <a:pt x="951025" y="509106"/>
+                  <a:pt x="1131300" y="502344"/>
+                </a:cubicBezTo>
+                <a:cubicBezTo>
+                  <a:pt x="1311575" y="495582"/>
+                  <a:pt x="1556201" y="524949"/>
+                  <a:pt x="1696950" y="502344"/>
+                </a:cubicBezTo>
+                <a:cubicBezTo>
+                  <a:pt x="1675802" y="285357"/>
+                  <a:pt x="1755376" y="137767"/>
+                  <a:pt x="1696950" y="0"/>
+                </a:cubicBezTo>
+                <a:cubicBezTo>
+                  <a:pt x="1838708" y="98185"/>
+                  <a:pt x="1894260" y="279693"/>
+                  <a:pt x="2041893" y="344943"/>
+                </a:cubicBezTo>
+                <a:cubicBezTo>
+                  <a:pt x="2189526" y="410193"/>
+                  <a:pt x="2246768" y="587878"/>
+                  <a:pt x="2376788" y="679839"/>
+                </a:cubicBezTo>
+                <a:cubicBezTo>
+                  <a:pt x="2506808" y="771800"/>
+                  <a:pt x="2587874" y="956709"/>
+                  <a:pt x="2701637" y="1004688"/>
+                </a:cubicBezTo>
+                <a:cubicBezTo>
+                  <a:pt x="2578442" y="1180720"/>
+                  <a:pt x="2497474" y="1177143"/>
+                  <a:pt x="2346648" y="1359677"/>
+                </a:cubicBezTo>
+                <a:cubicBezTo>
+                  <a:pt x="2195822" y="1542211"/>
+                  <a:pt x="2161395" y="1538309"/>
+                  <a:pt x="2011752" y="1694573"/>
+                </a:cubicBezTo>
+                <a:cubicBezTo>
+                  <a:pt x="1862109" y="1850837"/>
+                  <a:pt x="1772244" y="1908234"/>
+                  <a:pt x="1696950" y="2009375"/>
+                </a:cubicBezTo>
+                <a:cubicBezTo>
+                  <a:pt x="1664251" y="1899397"/>
+                  <a:pt x="1747411" y="1726135"/>
+                  <a:pt x="1696950" y="1507031"/>
+                </a:cubicBezTo>
+                <a:cubicBezTo>
+                  <a:pt x="1473671" y="1555206"/>
+                  <a:pt x="1404131" y="1487846"/>
+                  <a:pt x="1114331" y="1507031"/>
+                </a:cubicBezTo>
+                <a:cubicBezTo>
+                  <a:pt x="824531" y="1526216"/>
+                  <a:pt x="727141" y="1474831"/>
+                  <a:pt x="514742" y="1507031"/>
+                </a:cubicBezTo>
+                <a:cubicBezTo>
+                  <a:pt x="302343" y="1539231"/>
+                  <a:pt x="123531" y="1491886"/>
+                  <a:pt x="0" y="1507031"/>
+                </a:cubicBezTo>
+                <a:cubicBezTo>
+                  <a:pt x="-31413" y="1334243"/>
+                  <a:pt x="56535" y="1162410"/>
+                  <a:pt x="0" y="1004688"/>
+                </a:cubicBezTo>
+                <a:cubicBezTo>
+                  <a:pt x="-56535" y="846966"/>
+                  <a:pt x="32159" y="721355"/>
+                  <a:pt x="0" y="502344"/>
+                </a:cubicBezTo>
+                <a:close/>
+              </a:path>
+              <a:path w="2701637" h="2009375" stroke="0" extrusionOk="0">
+                <a:moveTo>
+                  <a:pt x="0" y="502344"/>
+                </a:moveTo>
+                <a:cubicBezTo>
+                  <a:pt x="159567" y="499043"/>
+                  <a:pt x="348698" y="572934"/>
+                  <a:pt x="599589" y="502344"/>
+                </a:cubicBezTo>
+                <a:cubicBezTo>
+                  <a:pt x="850480" y="431754"/>
+                  <a:pt x="902264" y="539347"/>
+                  <a:pt x="1165239" y="502344"/>
+                </a:cubicBezTo>
+                <a:cubicBezTo>
+                  <a:pt x="1428214" y="465341"/>
+                  <a:pt x="1585727" y="539357"/>
+                  <a:pt x="1696950" y="502344"/>
+                </a:cubicBezTo>
+                <a:cubicBezTo>
+                  <a:pt x="1637538" y="321518"/>
+                  <a:pt x="1700712" y="192346"/>
+                  <a:pt x="1696950" y="0"/>
+                </a:cubicBezTo>
+                <a:cubicBezTo>
+                  <a:pt x="1882128" y="161926"/>
+                  <a:pt x="1918659" y="241539"/>
+                  <a:pt x="2051939" y="354990"/>
+                </a:cubicBezTo>
+                <a:cubicBezTo>
+                  <a:pt x="2185219" y="468441"/>
+                  <a:pt x="2243452" y="598816"/>
+                  <a:pt x="2386835" y="689886"/>
+                </a:cubicBezTo>
+                <a:cubicBezTo>
+                  <a:pt x="2530218" y="780956"/>
+                  <a:pt x="2620220" y="932116"/>
+                  <a:pt x="2701637" y="1004688"/>
+                </a:cubicBezTo>
+                <a:cubicBezTo>
+                  <a:pt x="2614774" y="1097337"/>
+                  <a:pt x="2432675" y="1216224"/>
+                  <a:pt x="2396882" y="1309443"/>
+                </a:cubicBezTo>
+                <a:cubicBezTo>
+                  <a:pt x="2361089" y="1402662"/>
+                  <a:pt x="2092225" y="1570419"/>
+                  <a:pt x="2041893" y="1664432"/>
+                </a:cubicBezTo>
+                <a:cubicBezTo>
+                  <a:pt x="1991561" y="1758445"/>
+                  <a:pt x="1799339" y="1828399"/>
+                  <a:pt x="1696950" y="2009375"/>
+                </a:cubicBezTo>
+                <a:cubicBezTo>
+                  <a:pt x="1676239" y="1785882"/>
+                  <a:pt x="1741037" y="1719429"/>
+                  <a:pt x="1696950" y="1507031"/>
+                </a:cubicBezTo>
+                <a:cubicBezTo>
+                  <a:pt x="1524470" y="1541337"/>
+                  <a:pt x="1364689" y="1502377"/>
+                  <a:pt x="1182209" y="1507031"/>
+                </a:cubicBezTo>
+                <a:cubicBezTo>
+                  <a:pt x="999729" y="1511685"/>
+                  <a:pt x="763812" y="1461227"/>
+                  <a:pt x="616558" y="1507031"/>
+                </a:cubicBezTo>
+                <a:cubicBezTo>
+                  <a:pt x="469304" y="1552835"/>
+                  <a:pt x="198461" y="1455225"/>
+                  <a:pt x="0" y="1507031"/>
+                </a:cubicBezTo>
+                <a:cubicBezTo>
+                  <a:pt x="-34180" y="1292809"/>
+                  <a:pt x="57804" y="1209289"/>
+                  <a:pt x="0" y="1004688"/>
+                </a:cubicBezTo>
+                <a:cubicBezTo>
+                  <a:pt x="-57804" y="800087"/>
+                  <a:pt x="21919" y="742995"/>
+                  <a:pt x="0" y="502344"/>
+                </a:cubicBezTo>
+                <a:close/>
+              </a:path>
+            </a:pathLst>
+          </a:custGeom>
+          <a:ln w="76200">
+            <a:extLst>
+              <a:ext uri="{C807C97D-BFC1-408E-A445-0C87EB9F89A2}">
+                <ask:lineSketchStyleProps xmlns:ask="http://schemas.microsoft.com/office/drawing/2018/sketchyshapes" sd="3810893639">
+                  <a:prstGeom prst="rightArrow">
+                    <a:avLst/>
+                  </a:prstGeom>
+                  <ask:type>
+                    <ask:lineSketchScribble/>
+                  </ask:type>
+                </ask:lineSketchStyleProps>
+              </a:ext>
+            </a:extLst>
+          </a:ln>
+          <a:scene3d>
+            <a:camera prst="perspectiveContrastingRightFacing"/>
+            <a:lightRig rig="threePt" dir="t"/>
+          </a:scene3d>
+        </p:spPr>
+        <p:style>
+          <a:lnRef idx="2">
+            <a:schemeClr val="accent1">
+              <a:shade val="15000"/>
+            </a:schemeClr>
+          </a:lnRef>
+          <a:fillRef idx="1">
+            <a:schemeClr val="accent1"/>
+          </a:fillRef>
+          <a:effectRef idx="0">
+            <a:schemeClr val="accent1"/>
+          </a:effectRef>
+          <a:fontRef idx="minor">
+            <a:schemeClr val="lt1"/>
+          </a:fontRef>
+        </p:style>
+        <p:txBody>
+          <a:bodyPr rtlCol="0" anchor="ctr"/>
+          <a:lstStyle/>
+          <a:p>
+            <a:pPr algn="ctr"/>
+            <a:endParaRPr lang="ca-ES"/>
+          </a:p>
+        </p:txBody>
+      </p:sp>
+      <p:sp>
+        <p:nvSpPr>
+          <p:cNvPr id="10" name="Rectángulo: esquinas redondeadas 9">
+            <a:extLst>
+              <a:ext uri="{FF2B5EF4-FFF2-40B4-BE49-F238E27FC236}">
+                <a16:creationId xmlns:a16="http://schemas.microsoft.com/office/drawing/2014/main" id="{579BFB8E-7495-D2ED-A9BB-0EFCF7A32E9C}"/>
+              </a:ext>
+            </a:extLst>
+          </p:cNvPr>
+          <p:cNvSpPr/>
+          <p:nvPr/>
+        </p:nvSpPr>
+        <p:spPr>
+          <a:xfrm>
+            <a:off x="8259030" y="2969644"/>
+            <a:ext cx="2982189" cy="1101442"/>
+          </a:xfrm>
+          <a:prstGeom prst="roundRect">
+            <a:avLst/>
+          </a:prstGeom>
+          <a:effectLst>
+            <a:innerShdw blurRad="63500" dist="50800" dir="18900000">
+              <a:prstClr val="black">
+                <a:alpha val="50000"/>
+              </a:prstClr>
+            </a:innerShdw>
+          </a:effectLst>
+        </p:spPr>
+        <p:style>
+          <a:lnRef idx="2">
+            <a:schemeClr val="accent4">
+              <a:shade val="15000"/>
+            </a:schemeClr>
+          </a:lnRef>
+          <a:fillRef idx="1">
+            <a:schemeClr val="accent4"/>
+          </a:fillRef>
+          <a:effectRef idx="0">
+            <a:schemeClr val="accent4"/>
+          </a:effectRef>
+          <a:fontRef idx="minor">
+            <a:schemeClr val="lt1"/>
+          </a:fontRef>
+        </p:style>
+        <p:txBody>
+          <a:bodyPr rtlCol="0" anchor="ctr"/>
+          <a:lstStyle/>
+          <a:p>
+            <a:pPr algn="ctr"/>
+            <a:r>
+              <a:rPr lang="es-ES" sz="4400" dirty="0">
+                <a:latin typeface="ADLaM Display" panose="020F0502020204030204" pitchFamily="2" charset="0"/>
+                <a:ea typeface="ADLaM Display" panose="020F0502020204030204" pitchFamily="2" charset="0"/>
+                <a:cs typeface="ADLaM Display" panose="020F0502020204030204" pitchFamily="2" charset="0"/>
+              </a:rPr>
+              <a:t>FITNESS</a:t>
+            </a:r>
+            <a:r>
+              <a:rPr lang="es-ES" sz="4400" dirty="0"/>
+              <a:t> </a:t>
+            </a:r>
+            <a:endParaRPr lang="ca-ES" sz="4400" dirty="0"/>
+          </a:p>
+        </p:txBody>
+      </p:sp>
+      <p:sp>
+        <p:nvSpPr>
+          <p:cNvPr id="20" name="Triángulo isósceles 19">
+            <a:extLst>
+              <a:ext uri="{FF2B5EF4-FFF2-40B4-BE49-F238E27FC236}">
+                <a16:creationId xmlns:a16="http://schemas.microsoft.com/office/drawing/2014/main" id="{D4989A47-7EC2-9D77-1F45-7208F82C20D1}"/>
+              </a:ext>
+            </a:extLst>
+          </p:cNvPr>
+          <p:cNvSpPr/>
+          <p:nvPr/>
+        </p:nvSpPr>
+        <p:spPr>
+          <a:xfrm>
+            <a:off x="6977054" y="3021597"/>
+            <a:ext cx="1142139" cy="999685"/>
+          </a:xfrm>
+          <a:prstGeom prst="triangle">
+            <a:avLst/>
+          </a:prstGeom>
+          <a:ln w="57150"/>
+        </p:spPr>
+        <p:style>
+          <a:lnRef idx="2">
+            <a:schemeClr val="accent5">
+              <a:shade val="15000"/>
+            </a:schemeClr>
+          </a:lnRef>
+          <a:fillRef idx="1">
+            <a:schemeClr val="accent5"/>
+          </a:fillRef>
+          <a:effectRef idx="0">
+            <a:schemeClr val="accent5"/>
+          </a:effectRef>
+          <a:fontRef idx="minor">
+            <a:schemeClr val="lt1"/>
+          </a:fontRef>
+        </p:style>
+        <p:txBody>
+          <a:bodyPr rtlCol="0" anchor="ctr"/>
+          <a:lstStyle/>
+          <a:p>
+            <a:pPr algn="ctr"/>
+            <a:endParaRPr lang="ca-ES"/>
+          </a:p>
+        </p:txBody>
+      </p:sp>
+    </p:spTree>
+    <p:extLst>
+      <p:ext uri="{BB962C8B-B14F-4D97-AF65-F5344CB8AC3E}">
+        <p14:creationId xmlns:p14="http://schemas.microsoft.com/office/powerpoint/2010/main" val="372543395"/>
+      </p:ext>
+    </p:extLst>
+  </p:cSld>
+  <p:clrMapOvr>
+    <a:masterClrMapping/>
+  </p:clrMapOvr>
+</p:sld>
+</file>
+
+<file path=ppt/slides/slide6.xml><?xml version="1.0" encoding="utf-8"?>
+<p:sld xmlns:a="http://schemas.openxmlformats.org/drawingml/2006/main" xmlns:r="http://schemas.openxmlformats.org/officeDocument/2006/relationships" xmlns:p="http://schemas.openxmlformats.org/presentationml/2006/main">
+  <p:cSld>
+    <p:spTree>
+      <p:nvGrpSpPr>
+        <p:cNvPr id="1" name="">
+          <a:extLst>
+            <a:ext uri="{FF2B5EF4-FFF2-40B4-BE49-F238E27FC236}">
+              <a16:creationId xmlns:a16="http://schemas.microsoft.com/office/drawing/2014/main" id="{07EE572C-43B1-0578-D833-FFEE9F389102}"/>
+            </a:ext>
+          </a:extLst>
+        </p:cNvPr>
+        <p:cNvGrpSpPr/>
+        <p:nvPr/>
+      </p:nvGrpSpPr>
+      <p:grpSpPr>
+        <a:xfrm>
+          <a:off x="0" y="0"/>
+          <a:ext cx="0" cy="0"/>
+          <a:chOff x="0" y="0"/>
+          <a:chExt cx="0" cy="0"/>
+        </a:xfrm>
+      </p:grpSpPr>
+      <p:sp>
+        <p:nvSpPr>
+          <p:cNvPr id="2" name="Título 1">
+            <a:extLst>
+              <a:ext uri="{FF2B5EF4-FFF2-40B4-BE49-F238E27FC236}">
+                <a16:creationId xmlns:a16="http://schemas.microsoft.com/office/drawing/2014/main" id="{DAD61EE6-2F82-9A17-4C7D-DD2F4D57BDA5}"/>
+              </a:ext>
+            </a:extLst>
+          </p:cNvPr>
+          <p:cNvSpPr>
+            <a:spLocks noGrp="1"/>
+          </p:cNvSpPr>
+          <p:nvPr>
+            <p:ph type="ctrTitle"/>
+          </p:nvPr>
+        </p:nvSpPr>
+        <p:spPr>
+          <a:xfrm>
+            <a:off x="3252354" y="247226"/>
+            <a:ext cx="5687292" cy="1352974"/>
+          </a:xfrm>
+        </p:spPr>
+        <p:txBody>
+          <a:bodyPr>
+            <a:noAutofit/>
+          </a:bodyPr>
+          <a:lstStyle/>
+          <a:p>
+            <a:r>
+              <a:rPr lang="es-ES" sz="4800" dirty="0">
+                <a:latin typeface="Aharoni" panose="02010803020104030203" pitchFamily="2" charset="-79"/>
+                <a:cs typeface="Aharoni" panose="02010803020104030203" pitchFamily="2" charset="-79"/>
+              </a:rPr>
+              <a:t>COM AVALUEM L’APRENENTATGE?</a:t>
+            </a:r>
+            <a:endParaRPr lang="ca-ES" sz="4800" dirty="0">
+              <a:latin typeface="Aharoni" panose="02010803020104030203" pitchFamily="2" charset="-79"/>
+              <a:cs typeface="Aharoni" panose="02010803020104030203" pitchFamily="2" charset="-79"/>
+            </a:endParaRPr>
+          </a:p>
+        </p:txBody>
+      </p:sp>
+      <p:sp>
+        <p:nvSpPr>
+          <p:cNvPr id="3" name="Rectángulo: esquinas redondeadas 2">
+            <a:extLst>
+              <a:ext uri="{FF2B5EF4-FFF2-40B4-BE49-F238E27FC236}">
+                <a16:creationId xmlns:a16="http://schemas.microsoft.com/office/drawing/2014/main" id="{9C656CAD-F196-891B-43AF-2139B7C35667}"/>
+              </a:ext>
+            </a:extLst>
+          </p:cNvPr>
+          <p:cNvSpPr/>
+          <p:nvPr/>
+        </p:nvSpPr>
+        <p:spPr>
+          <a:xfrm>
+            <a:off x="727364" y="2013679"/>
+            <a:ext cx="2982190" cy="812646"/>
+          </a:xfrm>
+          <a:prstGeom prst="roundRect">
+            <a:avLst/>
+          </a:prstGeom>
+          <a:effectLst>
+            <a:innerShdw blurRad="63500" dist="50800" dir="2700000">
+              <a:prstClr val="black">
+                <a:alpha val="50000"/>
+              </a:prstClr>
+            </a:innerShdw>
+          </a:effectLst>
+        </p:spPr>
+        <p:style>
+          <a:lnRef idx="2">
+            <a:schemeClr val="accent1">
+              <a:shade val="15000"/>
+            </a:schemeClr>
+          </a:lnRef>
+          <a:fillRef idx="1">
+            <a:schemeClr val="accent1"/>
+          </a:fillRef>
+          <a:effectRef idx="0">
+            <a:schemeClr val="accent1"/>
+          </a:effectRef>
+          <a:fontRef idx="minor">
+            <a:schemeClr val="lt1"/>
+          </a:fontRef>
+        </p:style>
+        <p:txBody>
+          <a:bodyPr rtlCol="0" anchor="ctr"/>
+          <a:lstStyle/>
+          <a:p>
+            <a:pPr algn="ctr"/>
+            <a:r>
+              <a:rPr lang="ca-ES" sz="2000" dirty="0">
+                <a:latin typeface="Aharoni" panose="02010803020104030203" pitchFamily="2" charset="-79"/>
+                <a:cs typeface="Aharoni" panose="02010803020104030203" pitchFamily="2" charset="-79"/>
+              </a:rPr>
+              <a:t>Adquisició de coneixement</a:t>
+            </a:r>
+          </a:p>
+        </p:txBody>
+      </p:sp>
+      <p:sp>
+        <p:nvSpPr>
+          <p:cNvPr id="4" name="Rectángulo: esquinas redondeadas 3">
+            <a:extLst>
+              <a:ext uri="{FF2B5EF4-FFF2-40B4-BE49-F238E27FC236}">
+                <a16:creationId xmlns:a16="http://schemas.microsoft.com/office/drawing/2014/main" id="{F33438F0-9870-C771-BD18-0B36675DB79C}"/>
+              </a:ext>
+            </a:extLst>
+          </p:cNvPr>
+          <p:cNvSpPr/>
+          <p:nvPr/>
+        </p:nvSpPr>
+        <p:spPr>
+          <a:xfrm>
+            <a:off x="727364" y="3156683"/>
+            <a:ext cx="2982190" cy="812646"/>
+          </a:xfrm>
+          <a:prstGeom prst="roundRect">
+            <a:avLst/>
+          </a:prstGeom>
+          <a:effectLst>
+            <a:innerShdw blurRad="63500" dist="50800" dir="2700000">
+              <a:prstClr val="black">
+                <a:alpha val="50000"/>
+              </a:prstClr>
+            </a:innerShdw>
+          </a:effectLst>
+        </p:spPr>
+        <p:style>
+          <a:lnRef idx="2">
+            <a:schemeClr val="accent1">
+              <a:shade val="15000"/>
+            </a:schemeClr>
+          </a:lnRef>
+          <a:fillRef idx="1">
+            <a:schemeClr val="accent1"/>
+          </a:fillRef>
+          <a:effectRef idx="0">
+            <a:schemeClr val="accent1"/>
+          </a:effectRef>
+          <a:fontRef idx="minor">
+            <a:schemeClr val="lt1"/>
+          </a:fontRef>
+        </p:style>
+        <p:txBody>
+          <a:bodyPr rtlCol="0" anchor="ctr"/>
+          <a:lstStyle/>
+          <a:p>
+            <a:pPr algn="ctr"/>
+            <a:r>
+              <a:rPr lang="ca-ES" sz="2000" dirty="0">
+                <a:latin typeface="Aharoni" panose="02010803020104030203" pitchFamily="2" charset="-79"/>
+                <a:cs typeface="Aharoni" panose="02010803020104030203" pitchFamily="2" charset="-79"/>
+              </a:rPr>
+              <a:t>Adaptació</a:t>
+            </a:r>
+          </a:p>
+        </p:txBody>
+      </p:sp>
+      <p:sp>
+        <p:nvSpPr>
+          <p:cNvPr id="5" name="Rectángulo: esquinas redondeadas 4">
+            <a:extLst>
+              <a:ext uri="{FF2B5EF4-FFF2-40B4-BE49-F238E27FC236}">
+                <a16:creationId xmlns:a16="http://schemas.microsoft.com/office/drawing/2014/main" id="{2C2E75C9-A345-AEB1-BC98-EBEA345F2DF9}"/>
+              </a:ext>
+            </a:extLst>
+          </p:cNvPr>
+          <p:cNvSpPr/>
+          <p:nvPr/>
+        </p:nvSpPr>
+        <p:spPr>
+          <a:xfrm>
+            <a:off x="727364" y="4299681"/>
+            <a:ext cx="2982190" cy="812646"/>
+          </a:xfrm>
+          <a:prstGeom prst="roundRect">
+            <a:avLst/>
+          </a:prstGeom>
+          <a:effectLst>
+            <a:innerShdw blurRad="63500" dist="50800" dir="2700000">
+              <a:prstClr val="black">
+                <a:alpha val="50000"/>
+              </a:prstClr>
+            </a:innerShdw>
+          </a:effectLst>
+        </p:spPr>
+        <p:style>
+          <a:lnRef idx="2">
+            <a:schemeClr val="accent1">
+              <a:shade val="15000"/>
+            </a:schemeClr>
+          </a:lnRef>
+          <a:fillRef idx="1">
+            <a:schemeClr val="accent1"/>
+          </a:fillRef>
+          <a:effectRef idx="0">
+            <a:schemeClr val="accent1"/>
+          </a:effectRef>
+          <a:fontRef idx="minor">
+            <a:schemeClr val="lt1"/>
+          </a:fontRef>
+        </p:style>
+        <p:txBody>
+          <a:bodyPr rtlCol="0" anchor="ctr"/>
+          <a:lstStyle/>
+          <a:p>
+            <a:pPr algn="ctr"/>
+            <a:r>
+              <a:rPr lang="ca-ES" sz="2000" b="0" i="0" dirty="0">
+                <a:solidFill>
+                  <a:schemeClr val="bg1"/>
+                </a:solidFill>
+                <a:effectLst/>
+                <a:latin typeface="Aharoni" panose="02010803020104030203" pitchFamily="2" charset="-79"/>
+                <a:cs typeface="Aharoni" panose="02010803020104030203" pitchFamily="2" charset="-79"/>
+              </a:rPr>
+              <a:t>Reconeixement de patrons</a:t>
+            </a:r>
+            <a:endParaRPr lang="ca-ES" sz="2000" dirty="0">
+              <a:solidFill>
+                <a:schemeClr val="bg1"/>
+              </a:solidFill>
+              <a:latin typeface="Aharoni" panose="02010803020104030203" pitchFamily="2" charset="-79"/>
+              <a:cs typeface="Aharoni" panose="02010803020104030203" pitchFamily="2" charset="-79"/>
+            </a:endParaRPr>
+          </a:p>
+        </p:txBody>
+      </p:sp>
+      <p:sp>
+        <p:nvSpPr>
+          <p:cNvPr id="6" name="Rectángulo: esquinas redondeadas 5">
+            <a:extLst>
+              <a:ext uri="{FF2B5EF4-FFF2-40B4-BE49-F238E27FC236}">
+                <a16:creationId xmlns:a16="http://schemas.microsoft.com/office/drawing/2014/main" id="{79479A46-38CF-E258-903B-4B9D1EBC4109}"/>
+              </a:ext>
+            </a:extLst>
+          </p:cNvPr>
+          <p:cNvSpPr/>
+          <p:nvPr/>
+        </p:nvSpPr>
+        <p:spPr>
+          <a:xfrm>
+            <a:off x="727364" y="5442679"/>
+            <a:ext cx="2982190" cy="812646"/>
+          </a:xfrm>
+          <a:prstGeom prst="roundRect">
+            <a:avLst/>
+          </a:prstGeom>
+          <a:effectLst>
+            <a:innerShdw blurRad="63500" dist="50800" dir="2700000">
+              <a:prstClr val="black">
+                <a:alpha val="50000"/>
+              </a:prstClr>
+            </a:innerShdw>
+          </a:effectLst>
+        </p:spPr>
+        <p:style>
+          <a:lnRef idx="2">
+            <a:schemeClr val="accent1">
+              <a:shade val="15000"/>
+            </a:schemeClr>
+          </a:lnRef>
+          <a:fillRef idx="1">
+            <a:schemeClr val="accent1"/>
+          </a:fillRef>
+          <a:effectRef idx="0">
+            <a:schemeClr val="accent1"/>
+          </a:effectRef>
+          <a:fontRef idx="minor">
+            <a:schemeClr val="lt1"/>
+          </a:fontRef>
+        </p:style>
+        <p:txBody>
+          <a:bodyPr rtlCol="0" anchor="ctr"/>
+          <a:lstStyle/>
+          <a:p>
+            <a:pPr algn="ctr"/>
+            <a:r>
+              <a:rPr lang="ca-ES" sz="2000" b="0" i="0" dirty="0">
+                <a:solidFill>
+                  <a:schemeClr val="bg1"/>
+                </a:solidFill>
+                <a:effectLst/>
+                <a:latin typeface="Aharoni" panose="02010803020104030203" pitchFamily="2" charset="-79"/>
+                <a:cs typeface="Aharoni" panose="02010803020104030203" pitchFamily="2" charset="-79"/>
+              </a:rPr>
+              <a:t>Millora contínua</a:t>
+            </a:r>
+            <a:endParaRPr lang="ca-ES" sz="2000" dirty="0">
+              <a:solidFill>
+                <a:schemeClr val="bg1"/>
+              </a:solidFill>
+              <a:latin typeface="Aharoni" panose="02010803020104030203" pitchFamily="2" charset="-79"/>
+              <a:cs typeface="Aharoni" panose="02010803020104030203" pitchFamily="2" charset="-79"/>
+            </a:endParaRPr>
+          </a:p>
+        </p:txBody>
+      </p:sp>
+      <p:sp>
+        <p:nvSpPr>
+          <p:cNvPr id="7" name="Flecha: a la derecha 6">
+            <a:extLst>
+              <a:ext uri="{FF2B5EF4-FFF2-40B4-BE49-F238E27FC236}">
+                <a16:creationId xmlns:a16="http://schemas.microsoft.com/office/drawing/2014/main" id="{A41BD2CF-D010-BB23-FEEA-F04E963D9CB6}"/>
+              </a:ext>
+            </a:extLst>
+          </p:cNvPr>
+          <p:cNvSpPr/>
+          <p:nvPr/>
+        </p:nvSpPr>
+        <p:spPr>
+          <a:xfrm>
+            <a:off x="4135580" y="2907297"/>
+            <a:ext cx="2701637" cy="2009375"/>
+          </a:xfrm>
+          <a:custGeom>
+            <a:avLst/>
+            <a:gdLst>
+              <a:gd name="connsiteX0" fmla="*/ 0 w 2701637"/>
+              <a:gd name="connsiteY0" fmla="*/ 502344 h 2009375"/>
+              <a:gd name="connsiteX1" fmla="*/ 582620 w 2701637"/>
+              <a:gd name="connsiteY1" fmla="*/ 502344 h 2009375"/>
+              <a:gd name="connsiteX2" fmla="*/ 1131300 w 2701637"/>
+              <a:gd name="connsiteY2" fmla="*/ 502344 h 2009375"/>
+              <a:gd name="connsiteX3" fmla="*/ 1696950 w 2701637"/>
+              <a:gd name="connsiteY3" fmla="*/ 502344 h 2009375"/>
+              <a:gd name="connsiteX4" fmla="*/ 1696950 w 2701637"/>
+              <a:gd name="connsiteY4" fmla="*/ 0 h 2009375"/>
+              <a:gd name="connsiteX5" fmla="*/ 2041893 w 2701637"/>
+              <a:gd name="connsiteY5" fmla="*/ 344943 h 2009375"/>
+              <a:gd name="connsiteX6" fmla="*/ 2376788 w 2701637"/>
+              <a:gd name="connsiteY6" fmla="*/ 679839 h 2009375"/>
+              <a:gd name="connsiteX7" fmla="*/ 2701637 w 2701637"/>
+              <a:gd name="connsiteY7" fmla="*/ 1004688 h 2009375"/>
+              <a:gd name="connsiteX8" fmla="*/ 2346648 w 2701637"/>
+              <a:gd name="connsiteY8" fmla="*/ 1359677 h 2009375"/>
+              <a:gd name="connsiteX9" fmla="*/ 2011752 w 2701637"/>
+              <a:gd name="connsiteY9" fmla="*/ 1694573 h 2009375"/>
+              <a:gd name="connsiteX10" fmla="*/ 1696950 w 2701637"/>
+              <a:gd name="connsiteY10" fmla="*/ 2009375 h 2009375"/>
+              <a:gd name="connsiteX11" fmla="*/ 1696950 w 2701637"/>
+              <a:gd name="connsiteY11" fmla="*/ 1507031 h 2009375"/>
+              <a:gd name="connsiteX12" fmla="*/ 1114331 w 2701637"/>
+              <a:gd name="connsiteY12" fmla="*/ 1507031 h 2009375"/>
+              <a:gd name="connsiteX13" fmla="*/ 514742 w 2701637"/>
+              <a:gd name="connsiteY13" fmla="*/ 1507031 h 2009375"/>
+              <a:gd name="connsiteX14" fmla="*/ 0 w 2701637"/>
+              <a:gd name="connsiteY14" fmla="*/ 1507031 h 2009375"/>
+              <a:gd name="connsiteX15" fmla="*/ 0 w 2701637"/>
+              <a:gd name="connsiteY15" fmla="*/ 1004688 h 2009375"/>
+              <a:gd name="connsiteX16" fmla="*/ 0 w 2701637"/>
+              <a:gd name="connsiteY16" fmla="*/ 502344 h 2009375"/>
+            </a:gdLst>
+            <a:ahLst/>
+            <a:cxnLst>
+              <a:cxn ang="0">
+                <a:pos x="connsiteX0" y="connsiteY0"/>
+              </a:cxn>
+              <a:cxn ang="0">
+                <a:pos x="connsiteX1" y="connsiteY1"/>
+              </a:cxn>
+              <a:cxn ang="0">
+                <a:pos x="connsiteX2" y="connsiteY2"/>
+              </a:cxn>
+              <a:cxn ang="0">
+                <a:pos x="connsiteX3" y="connsiteY3"/>
+              </a:cxn>
+              <a:cxn ang="0">
+                <a:pos x="connsiteX4" y="connsiteY4"/>
+              </a:cxn>
+              <a:cxn ang="0">
+                <a:pos x="connsiteX5" y="connsiteY5"/>
+              </a:cxn>
+              <a:cxn ang="0">
+                <a:pos x="connsiteX6" y="connsiteY6"/>
+              </a:cxn>
+              <a:cxn ang="0">
+                <a:pos x="connsiteX7" y="connsiteY7"/>
+              </a:cxn>
+              <a:cxn ang="0">
+                <a:pos x="connsiteX8" y="connsiteY8"/>
+              </a:cxn>
+              <a:cxn ang="0">
+                <a:pos x="connsiteX9" y="connsiteY9"/>
+              </a:cxn>
+              <a:cxn ang="0">
+                <a:pos x="connsiteX10" y="connsiteY10"/>
+              </a:cxn>
+              <a:cxn ang="0">
+                <a:pos x="connsiteX11" y="connsiteY11"/>
+              </a:cxn>
+              <a:cxn ang="0">
+                <a:pos x="connsiteX12" y="connsiteY12"/>
+              </a:cxn>
+              <a:cxn ang="0">
+                <a:pos x="connsiteX13" y="connsiteY13"/>
+              </a:cxn>
+              <a:cxn ang="0">
+                <a:pos x="connsiteX14" y="connsiteY14"/>
+              </a:cxn>
+              <a:cxn ang="0">
+                <a:pos x="connsiteX15" y="connsiteY15"/>
+              </a:cxn>
+              <a:cxn ang="0">
+                <a:pos x="connsiteX16" y="connsiteY16"/>
+              </a:cxn>
+            </a:cxnLst>
+            <a:rect l="l" t="t" r="r" b="b"/>
+            <a:pathLst>
+              <a:path w="2701637" h="2009375" fill="none" extrusionOk="0">
+                <a:moveTo>
+                  <a:pt x="0" y="502344"/>
+                </a:moveTo>
+                <a:cubicBezTo>
+                  <a:pt x="125272" y="501688"/>
+                  <a:pt x="300498" y="536806"/>
+                  <a:pt x="582620" y="502344"/>
+                </a:cubicBezTo>
+                <a:cubicBezTo>
+                  <a:pt x="864742" y="467882"/>
+                  <a:pt x="951025" y="509106"/>
+                  <a:pt x="1131300" y="502344"/>
+                </a:cubicBezTo>
+                <a:cubicBezTo>
+                  <a:pt x="1311575" y="495582"/>
+                  <a:pt x="1556201" y="524949"/>
+                  <a:pt x="1696950" y="502344"/>
+                </a:cubicBezTo>
+                <a:cubicBezTo>
+                  <a:pt x="1675802" y="285357"/>
+                  <a:pt x="1755376" y="137767"/>
+                  <a:pt x="1696950" y="0"/>
+                </a:cubicBezTo>
+                <a:cubicBezTo>
+                  <a:pt x="1838708" y="98185"/>
+                  <a:pt x="1894260" y="279693"/>
+                  <a:pt x="2041893" y="344943"/>
+                </a:cubicBezTo>
+                <a:cubicBezTo>
+                  <a:pt x="2189526" y="410193"/>
+                  <a:pt x="2246768" y="587878"/>
+                  <a:pt x="2376788" y="679839"/>
+                </a:cubicBezTo>
+                <a:cubicBezTo>
+                  <a:pt x="2506808" y="771800"/>
+                  <a:pt x="2587874" y="956709"/>
+                  <a:pt x="2701637" y="1004688"/>
+                </a:cubicBezTo>
+                <a:cubicBezTo>
+                  <a:pt x="2578442" y="1180720"/>
+                  <a:pt x="2497474" y="1177143"/>
+                  <a:pt x="2346648" y="1359677"/>
+                </a:cubicBezTo>
+                <a:cubicBezTo>
+                  <a:pt x="2195822" y="1542211"/>
+                  <a:pt x="2161395" y="1538309"/>
+                  <a:pt x="2011752" y="1694573"/>
+                </a:cubicBezTo>
+                <a:cubicBezTo>
+                  <a:pt x="1862109" y="1850837"/>
+                  <a:pt x="1772244" y="1908234"/>
+                  <a:pt x="1696950" y="2009375"/>
+                </a:cubicBezTo>
+                <a:cubicBezTo>
+                  <a:pt x="1664251" y="1899397"/>
+                  <a:pt x="1747411" y="1726135"/>
+                  <a:pt x="1696950" y="1507031"/>
+                </a:cubicBezTo>
+                <a:cubicBezTo>
+                  <a:pt x="1473671" y="1555206"/>
+                  <a:pt x="1404131" y="1487846"/>
+                  <a:pt x="1114331" y="1507031"/>
+                </a:cubicBezTo>
+                <a:cubicBezTo>
+                  <a:pt x="824531" y="1526216"/>
+                  <a:pt x="727141" y="1474831"/>
+                  <a:pt x="514742" y="1507031"/>
+                </a:cubicBezTo>
+                <a:cubicBezTo>
+                  <a:pt x="302343" y="1539231"/>
+                  <a:pt x="123531" y="1491886"/>
+                  <a:pt x="0" y="1507031"/>
+                </a:cubicBezTo>
+                <a:cubicBezTo>
+                  <a:pt x="-31413" y="1334243"/>
+                  <a:pt x="56535" y="1162410"/>
+                  <a:pt x="0" y="1004688"/>
+                </a:cubicBezTo>
+                <a:cubicBezTo>
+                  <a:pt x="-56535" y="846966"/>
+                  <a:pt x="32159" y="721355"/>
+                  <a:pt x="0" y="502344"/>
+                </a:cubicBezTo>
+                <a:close/>
+              </a:path>
+              <a:path w="2701637" h="2009375" stroke="0" extrusionOk="0">
+                <a:moveTo>
+                  <a:pt x="0" y="502344"/>
+                </a:moveTo>
+                <a:cubicBezTo>
+                  <a:pt x="159567" y="499043"/>
+                  <a:pt x="348698" y="572934"/>
+                  <a:pt x="599589" y="502344"/>
+                </a:cubicBezTo>
+                <a:cubicBezTo>
+                  <a:pt x="850480" y="431754"/>
+                  <a:pt x="902264" y="539347"/>
+                  <a:pt x="1165239" y="502344"/>
+                </a:cubicBezTo>
+                <a:cubicBezTo>
+                  <a:pt x="1428214" y="465341"/>
+                  <a:pt x="1585727" y="539357"/>
+                  <a:pt x="1696950" y="502344"/>
+                </a:cubicBezTo>
+                <a:cubicBezTo>
+                  <a:pt x="1637538" y="321518"/>
+                  <a:pt x="1700712" y="192346"/>
+                  <a:pt x="1696950" y="0"/>
+                </a:cubicBezTo>
+                <a:cubicBezTo>
+                  <a:pt x="1882128" y="161926"/>
+                  <a:pt x="1918659" y="241539"/>
+                  <a:pt x="2051939" y="354990"/>
+                </a:cubicBezTo>
+                <a:cubicBezTo>
+                  <a:pt x="2185219" y="468441"/>
+                  <a:pt x="2243452" y="598816"/>
+                  <a:pt x="2386835" y="689886"/>
+                </a:cubicBezTo>
+                <a:cubicBezTo>
+                  <a:pt x="2530218" y="780956"/>
+                  <a:pt x="2620220" y="932116"/>
+                  <a:pt x="2701637" y="1004688"/>
+                </a:cubicBezTo>
+                <a:cubicBezTo>
+                  <a:pt x="2614774" y="1097337"/>
+                  <a:pt x="2432675" y="1216224"/>
+                  <a:pt x="2396882" y="1309443"/>
+                </a:cubicBezTo>
+                <a:cubicBezTo>
+                  <a:pt x="2361089" y="1402662"/>
+                  <a:pt x="2092225" y="1570419"/>
+                  <a:pt x="2041893" y="1664432"/>
+                </a:cubicBezTo>
+                <a:cubicBezTo>
+                  <a:pt x="1991561" y="1758445"/>
+                  <a:pt x="1799339" y="1828399"/>
+                  <a:pt x="1696950" y="2009375"/>
+                </a:cubicBezTo>
+                <a:cubicBezTo>
+                  <a:pt x="1676239" y="1785882"/>
+                  <a:pt x="1741037" y="1719429"/>
+                  <a:pt x="1696950" y="1507031"/>
+                </a:cubicBezTo>
+                <a:cubicBezTo>
+                  <a:pt x="1524470" y="1541337"/>
+                  <a:pt x="1364689" y="1502377"/>
+                  <a:pt x="1182209" y="1507031"/>
+                </a:cubicBezTo>
+                <a:cubicBezTo>
+                  <a:pt x="999729" y="1511685"/>
+                  <a:pt x="763812" y="1461227"/>
+                  <a:pt x="616558" y="1507031"/>
+                </a:cubicBezTo>
+                <a:cubicBezTo>
+                  <a:pt x="469304" y="1552835"/>
+                  <a:pt x="198461" y="1455225"/>
+                  <a:pt x="0" y="1507031"/>
+                </a:cubicBezTo>
+                <a:cubicBezTo>
+                  <a:pt x="-34180" y="1292809"/>
+                  <a:pt x="57804" y="1209289"/>
+                  <a:pt x="0" y="1004688"/>
+                </a:cubicBezTo>
+                <a:cubicBezTo>
+                  <a:pt x="-57804" y="800087"/>
+                  <a:pt x="21919" y="742995"/>
+                  <a:pt x="0" y="502344"/>
+                </a:cubicBezTo>
+                <a:close/>
+              </a:path>
+            </a:pathLst>
+          </a:custGeom>
+          <a:ln w="76200">
+            <a:extLst>
+              <a:ext uri="{C807C97D-BFC1-408E-A445-0C87EB9F89A2}">
+                <ask:lineSketchStyleProps xmlns:ask="http://schemas.microsoft.com/office/drawing/2018/sketchyshapes" sd="3810893639">
+                  <a:prstGeom prst="rightArrow">
+                    <a:avLst/>
+                  </a:prstGeom>
+                  <ask:type>
+                    <ask:lineSketchScribble/>
+                  </ask:type>
+                </ask:lineSketchStyleProps>
+              </a:ext>
+            </a:extLst>
+          </a:ln>
+          <a:scene3d>
+            <a:camera prst="perspectiveContrastingRightFacing"/>
+            <a:lightRig rig="threePt" dir="t"/>
+          </a:scene3d>
+        </p:spPr>
+        <p:style>
+          <a:lnRef idx="2">
+            <a:schemeClr val="accent1">
+              <a:shade val="15000"/>
+            </a:schemeClr>
+          </a:lnRef>
+          <a:fillRef idx="1">
+            <a:schemeClr val="accent1"/>
+          </a:fillRef>
+          <a:effectRef idx="0">
+            <a:schemeClr val="accent1"/>
+          </a:effectRef>
+          <a:fontRef idx="minor">
+            <a:schemeClr val="lt1"/>
+          </a:fontRef>
+        </p:style>
+        <p:txBody>
+          <a:bodyPr rtlCol="0" anchor="ctr"/>
+          <a:lstStyle/>
+          <a:p>
+            <a:pPr algn="ctr"/>
+            <a:endParaRPr lang="ca-ES"/>
+          </a:p>
+        </p:txBody>
+      </p:sp>
+      <p:sp>
+        <p:nvSpPr>
+          <p:cNvPr id="10" name="Rectángulo: esquinas redondeadas 9">
+            <a:extLst>
+              <a:ext uri="{FF2B5EF4-FFF2-40B4-BE49-F238E27FC236}">
+                <a16:creationId xmlns:a16="http://schemas.microsoft.com/office/drawing/2014/main" id="{AC90CD9D-81B1-837E-3CFE-2FE5A3F1F0F7}"/>
+              </a:ext>
+            </a:extLst>
+          </p:cNvPr>
+          <p:cNvSpPr/>
+          <p:nvPr/>
+        </p:nvSpPr>
+        <p:spPr>
+          <a:xfrm>
+            <a:off x="8262504" y="2405493"/>
+            <a:ext cx="2173429" cy="781476"/>
+          </a:xfrm>
+          <a:prstGeom prst="roundRect">
+            <a:avLst/>
+          </a:prstGeom>
+          <a:effectLst>
+            <a:innerShdw blurRad="63500" dist="50800" dir="18900000">
+              <a:prstClr val="black">
+                <a:alpha val="50000"/>
+              </a:prstClr>
+            </a:innerShdw>
+          </a:effectLst>
+        </p:spPr>
+        <p:style>
+          <a:lnRef idx="2">
+            <a:schemeClr val="accent4">
+              <a:shade val="15000"/>
+            </a:schemeClr>
+          </a:lnRef>
+          <a:fillRef idx="1">
+            <a:schemeClr val="accent4"/>
+          </a:fillRef>
+          <a:effectRef idx="0">
+            <a:schemeClr val="accent4"/>
+          </a:effectRef>
+          <a:fontRef idx="minor">
+            <a:schemeClr val="lt1"/>
+          </a:fontRef>
+        </p:style>
+        <p:txBody>
+          <a:bodyPr rtlCol="0" anchor="ctr"/>
+          <a:lstStyle/>
+          <a:p>
+            <a:pPr algn="ctr"/>
+            <a:r>
+              <a:rPr lang="es-ES" sz="3600" dirty="0">
+                <a:latin typeface="ADLaM Display" panose="020F0502020204030204" pitchFamily="2" charset="0"/>
+                <a:ea typeface="ADLaM Display" panose="020F0502020204030204" pitchFamily="2" charset="0"/>
+                <a:cs typeface="ADLaM Display" panose="020F0502020204030204" pitchFamily="2" charset="0"/>
+              </a:rPr>
+              <a:t>FITNESS</a:t>
+            </a:r>
+            <a:r>
+              <a:rPr lang="es-ES" sz="3600" dirty="0"/>
+              <a:t> </a:t>
+            </a:r>
+            <a:endParaRPr lang="ca-ES" sz="3600" dirty="0"/>
+          </a:p>
+        </p:txBody>
+      </p:sp>
+      <p:cxnSp>
+        <p:nvCxnSpPr>
+          <p:cNvPr id="12" name="Conector recto 11">
+            <a:extLst>
+              <a:ext uri="{FF2B5EF4-FFF2-40B4-BE49-F238E27FC236}">
+                <a16:creationId xmlns:a16="http://schemas.microsoft.com/office/drawing/2014/main" id="{04A68B42-14FC-C302-D430-43E01DCD670E}"/>
+              </a:ext>
+            </a:extLst>
+          </p:cNvPr>
+          <p:cNvCxnSpPr>
+            <a:cxnSpLocks/>
+          </p:cNvCxnSpPr>
+          <p:nvPr/>
+        </p:nvCxnSpPr>
+        <p:spPr>
+          <a:xfrm flipH="1">
+            <a:off x="7954238" y="3563006"/>
+            <a:ext cx="2789962" cy="0"/>
+          </a:xfrm>
+          <a:prstGeom prst="line">
+            <a:avLst/>
+          </a:prstGeom>
+          <a:ln w="76200">
+            <a:prstDash val="dash"/>
+          </a:ln>
+        </p:spPr>
+        <p:style>
+          <a:lnRef idx="2">
+            <a:schemeClr val="accent1"/>
+          </a:lnRef>
+          <a:fillRef idx="0">
+            <a:schemeClr val="accent1"/>
+          </a:fillRef>
+          <a:effectRef idx="1">
+            <a:schemeClr val="accent1"/>
+          </a:effectRef>
+          <a:fontRef idx="minor">
+            <a:schemeClr val="tx1"/>
+          </a:fontRef>
+        </p:style>
+      </p:cxnSp>
+      <p:sp>
+        <p:nvSpPr>
+          <p:cNvPr id="19" name="Rectángulo: esquinas redondeadas 18">
+            <a:extLst>
+              <a:ext uri="{FF2B5EF4-FFF2-40B4-BE49-F238E27FC236}">
+                <a16:creationId xmlns:a16="http://schemas.microsoft.com/office/drawing/2014/main" id="{4245D1D3-8246-20C9-F031-075223CDA058}"/>
+              </a:ext>
+            </a:extLst>
+          </p:cNvPr>
+          <p:cNvSpPr/>
+          <p:nvPr/>
+        </p:nvSpPr>
+        <p:spPr>
+          <a:xfrm>
+            <a:off x="7536870" y="3911984"/>
+            <a:ext cx="3624696" cy="781476"/>
+          </a:xfrm>
+          <a:prstGeom prst="roundRect">
+            <a:avLst/>
+          </a:prstGeom>
+          <a:effectLst>
+            <a:innerShdw blurRad="63500" dist="50800" dir="18900000">
+              <a:prstClr val="black">
+                <a:alpha val="50000"/>
+              </a:prstClr>
+            </a:innerShdw>
+          </a:effectLst>
+        </p:spPr>
+        <p:style>
+          <a:lnRef idx="2">
+            <a:schemeClr val="accent4">
+              <a:shade val="15000"/>
+            </a:schemeClr>
+          </a:lnRef>
+          <a:fillRef idx="1">
+            <a:schemeClr val="accent4"/>
+          </a:fillRef>
+          <a:effectRef idx="0">
+            <a:schemeClr val="accent4"/>
+          </a:effectRef>
+          <a:fontRef idx="minor">
+            <a:schemeClr val="lt1"/>
+          </a:fontRef>
+        </p:style>
+        <p:txBody>
+          <a:bodyPr rtlCol="0" anchor="ctr"/>
+          <a:lstStyle/>
+          <a:p>
+            <a:pPr algn="ctr"/>
+            <a:r>
+              <a:rPr lang="es-ES" sz="3600" dirty="0">
+                <a:latin typeface="ADLaM Display" panose="020F0502020204030204" pitchFamily="2" charset="0"/>
+                <a:ea typeface="ADLaM Display" panose="020F0502020204030204" pitchFamily="2" charset="0"/>
+                <a:cs typeface="ADLaM Display" panose="020F0502020204030204" pitchFamily="2" charset="0"/>
+              </a:rPr>
+              <a:t>GENERACIONS</a:t>
+            </a:r>
+            <a:r>
+              <a:rPr lang="es-ES" sz="3600" dirty="0"/>
+              <a:t> </a:t>
+            </a:r>
+            <a:endParaRPr lang="ca-ES" sz="3600" dirty="0"/>
+          </a:p>
+        </p:txBody>
+      </p:sp>
+    </p:spTree>
+    <p:extLst>
+      <p:ext uri="{BB962C8B-B14F-4D97-AF65-F5344CB8AC3E}">
+        <p14:creationId xmlns:p14="http://schemas.microsoft.com/office/powerpoint/2010/main" val="452320286"/>
+      </p:ext>
+    </p:extLst>
+  </p:cSld>
+  <p:clrMapOvr>
+    <a:masterClrMapping/>
+  </p:clrMapOvr>
+</p:sld>
+</file>
+
+<file path=ppt/slides/slide7.xml><?xml version="1.0" encoding="utf-8"?>
+<p:sld xmlns:a="http://schemas.openxmlformats.org/drawingml/2006/main" xmlns:r="http://schemas.openxmlformats.org/officeDocument/2006/relationships" xmlns:p="http://schemas.openxmlformats.org/presentationml/2006/main">
+  <p:cSld>
+    <p:spTree>
+      <p:nvGrpSpPr>
+        <p:cNvPr id="1" name="">
+          <a:extLst>
+            <a:ext uri="{FF2B5EF4-FFF2-40B4-BE49-F238E27FC236}">
+              <a16:creationId xmlns:a16="http://schemas.microsoft.com/office/drawing/2014/main" id="{CEAC26DC-A086-745B-1030-AAA51E4C58DD}"/>
+            </a:ext>
+          </a:extLst>
+        </p:cNvPr>
+        <p:cNvGrpSpPr/>
+        <p:nvPr/>
+      </p:nvGrpSpPr>
+      <p:grpSpPr>
+        <a:xfrm>
+          <a:off x="0" y="0"/>
+          <a:ext cx="0" cy="0"/>
+          <a:chOff x="0" y="0"/>
+          <a:chExt cx="0" cy="0"/>
+        </a:xfrm>
+      </p:grpSpPr>
+      <p:sp>
+        <p:nvSpPr>
+          <p:cNvPr id="2" name="Título 1">
+            <a:extLst>
+              <a:ext uri="{FF2B5EF4-FFF2-40B4-BE49-F238E27FC236}">
+                <a16:creationId xmlns:a16="http://schemas.microsoft.com/office/drawing/2014/main" id="{4590B12E-9F57-8C4A-CF80-CC90F60AC319}"/>
+              </a:ext>
+            </a:extLst>
+          </p:cNvPr>
+          <p:cNvSpPr>
+            <a:spLocks noGrp="1"/>
+          </p:cNvSpPr>
+          <p:nvPr>
+            <p:ph type="ctrTitle"/>
+          </p:nvPr>
+        </p:nvSpPr>
+        <p:spPr>
+          <a:xfrm>
+            <a:off x="2141394" y="139198"/>
+            <a:ext cx="7909212" cy="1352974"/>
+          </a:xfrm>
+        </p:spPr>
+        <p:txBody>
+          <a:bodyPr>
+            <a:noAutofit/>
+          </a:bodyPr>
+          <a:lstStyle/>
+          <a:p>
+            <a:r>
+              <a:rPr lang="es-ES" sz="4800" dirty="0">
+                <a:latin typeface="Aharoni" panose="02010803020104030203" pitchFamily="2" charset="-79"/>
+                <a:cs typeface="Aharoni" panose="02010803020104030203" pitchFamily="2" charset="-79"/>
+              </a:rPr>
+              <a:t>REPRESENTACIÓ VISUAL DE L’APRENENTATGE?</a:t>
+            </a:r>
+            <a:endParaRPr lang="ca-ES" sz="4800" dirty="0">
+              <a:latin typeface="Aharoni" panose="02010803020104030203" pitchFamily="2" charset="-79"/>
+              <a:cs typeface="Aharoni" panose="02010803020104030203" pitchFamily="2" charset="-79"/>
+            </a:endParaRPr>
+          </a:p>
+        </p:txBody>
+      </p:sp>
+      <p:sp>
+        <p:nvSpPr>
+          <p:cNvPr id="10" name="Rectángulo: esquinas redondeadas 9">
+            <a:extLst>
+              <a:ext uri="{FF2B5EF4-FFF2-40B4-BE49-F238E27FC236}">
+                <a16:creationId xmlns:a16="http://schemas.microsoft.com/office/drawing/2014/main" id="{6B6C2F79-E0D6-3FF7-2B4A-D30B849E10E4}"/>
+              </a:ext>
+            </a:extLst>
+          </p:cNvPr>
+          <p:cNvSpPr/>
+          <p:nvPr/>
+        </p:nvSpPr>
+        <p:spPr>
+          <a:xfrm>
+            <a:off x="573233" y="3329650"/>
+            <a:ext cx="2173429" cy="781476"/>
+          </a:xfrm>
+          <a:prstGeom prst="roundRect">
+            <a:avLst/>
+          </a:prstGeom>
+          <a:effectLst>
+            <a:innerShdw blurRad="63500" dist="50800" dir="18900000">
+              <a:prstClr val="black">
+                <a:alpha val="50000"/>
+              </a:prstClr>
+            </a:innerShdw>
+          </a:effectLst>
+        </p:spPr>
+        <p:style>
+          <a:lnRef idx="2">
+            <a:schemeClr val="accent4">
+              <a:shade val="15000"/>
+            </a:schemeClr>
+          </a:lnRef>
+          <a:fillRef idx="1">
+            <a:schemeClr val="accent4"/>
+          </a:fillRef>
+          <a:effectRef idx="0">
+            <a:schemeClr val="accent4"/>
+          </a:effectRef>
+          <a:fontRef idx="minor">
+            <a:schemeClr val="lt1"/>
+          </a:fontRef>
+        </p:style>
+        <p:txBody>
+          <a:bodyPr rtlCol="0" anchor="ctr"/>
+          <a:lstStyle/>
+          <a:p>
+            <a:pPr algn="ctr"/>
+            <a:r>
+              <a:rPr lang="es-ES" sz="3600" dirty="0">
+                <a:latin typeface="ADLaM Display" panose="020F0502020204030204" pitchFamily="2" charset="0"/>
+                <a:ea typeface="ADLaM Display" panose="020F0502020204030204" pitchFamily="2" charset="0"/>
+                <a:cs typeface="ADLaM Display" panose="020F0502020204030204" pitchFamily="2" charset="0"/>
+              </a:rPr>
+              <a:t>FITNESS</a:t>
+            </a:r>
+            <a:r>
+              <a:rPr lang="es-ES" sz="3600" dirty="0"/>
+              <a:t> </a:t>
+            </a:r>
+            <a:endParaRPr lang="ca-ES" sz="3600" dirty="0"/>
+          </a:p>
+        </p:txBody>
+      </p:sp>
+      <p:sp>
+        <p:nvSpPr>
+          <p:cNvPr id="19" name="Rectángulo: esquinas redondeadas 18">
+            <a:extLst>
+              <a:ext uri="{FF2B5EF4-FFF2-40B4-BE49-F238E27FC236}">
+                <a16:creationId xmlns:a16="http://schemas.microsoft.com/office/drawing/2014/main" id="{62312924-69DD-22D3-A452-AEF389348681}"/>
+              </a:ext>
+            </a:extLst>
+          </p:cNvPr>
+          <p:cNvSpPr/>
+          <p:nvPr/>
+        </p:nvSpPr>
+        <p:spPr>
+          <a:xfrm>
+            <a:off x="5324475" y="5699220"/>
+            <a:ext cx="3624696" cy="781476"/>
+          </a:xfrm>
+          <a:prstGeom prst="roundRect">
+            <a:avLst/>
+          </a:prstGeom>
+          <a:effectLst>
+            <a:innerShdw blurRad="63500" dist="50800" dir="18900000">
+              <a:prstClr val="black">
+                <a:alpha val="50000"/>
+              </a:prstClr>
+            </a:innerShdw>
+          </a:effectLst>
+        </p:spPr>
+        <p:style>
+          <a:lnRef idx="2">
+            <a:schemeClr val="accent4">
+              <a:shade val="15000"/>
+            </a:schemeClr>
+          </a:lnRef>
+          <a:fillRef idx="1">
+            <a:schemeClr val="accent4"/>
+          </a:fillRef>
+          <a:effectRef idx="0">
+            <a:schemeClr val="accent4"/>
+          </a:effectRef>
+          <a:fontRef idx="minor">
+            <a:schemeClr val="lt1"/>
+          </a:fontRef>
+        </p:style>
+        <p:txBody>
+          <a:bodyPr rtlCol="0" anchor="ctr"/>
+          <a:lstStyle/>
+          <a:p>
+            <a:pPr algn="ctr"/>
+            <a:r>
+              <a:rPr lang="es-ES" sz="3600" dirty="0">
+                <a:latin typeface="ADLaM Display" panose="020F0502020204030204" pitchFamily="2" charset="0"/>
+                <a:ea typeface="ADLaM Display" panose="020F0502020204030204" pitchFamily="2" charset="0"/>
+                <a:cs typeface="ADLaM Display" panose="020F0502020204030204" pitchFamily="2" charset="0"/>
+              </a:rPr>
+              <a:t>GENERACIONS</a:t>
+            </a:r>
+            <a:r>
+              <a:rPr lang="es-ES" sz="3600" dirty="0"/>
+              <a:t> </a:t>
+            </a:r>
+            <a:endParaRPr lang="ca-ES" sz="3600" dirty="0"/>
+          </a:p>
+        </p:txBody>
+      </p:sp>
+      <p:cxnSp>
+        <p:nvCxnSpPr>
+          <p:cNvPr id="9" name="Conector recto de flecha 8">
+            <a:extLst>
+              <a:ext uri="{FF2B5EF4-FFF2-40B4-BE49-F238E27FC236}">
+                <a16:creationId xmlns:a16="http://schemas.microsoft.com/office/drawing/2014/main" id="{902C96DC-8F4D-B505-0099-608417B2DDD7}"/>
+              </a:ext>
+            </a:extLst>
+          </p:cNvPr>
+          <p:cNvCxnSpPr>
+            <a:cxnSpLocks/>
+          </p:cNvCxnSpPr>
+          <p:nvPr/>
+        </p:nvCxnSpPr>
+        <p:spPr>
+          <a:xfrm flipH="1" flipV="1">
+            <a:off x="3013363" y="2286000"/>
+            <a:ext cx="20781" cy="2937605"/>
+          </a:xfrm>
+          <a:prstGeom prst="straightConnector1">
+            <a:avLst/>
+          </a:prstGeom>
+          <a:ln w="76200">
+            <a:tailEnd type="triangle"/>
+          </a:ln>
+        </p:spPr>
+        <p:style>
+          <a:lnRef idx="2">
+            <a:schemeClr val="accent1"/>
+          </a:lnRef>
+          <a:fillRef idx="0">
+            <a:schemeClr val="accent1"/>
+          </a:fillRef>
+          <a:effectRef idx="1">
+            <a:schemeClr val="accent1"/>
+          </a:effectRef>
+          <a:fontRef idx="minor">
+            <a:schemeClr val="tx1"/>
+          </a:fontRef>
+        </p:style>
+      </p:cxnSp>
+      <p:cxnSp>
+        <p:nvCxnSpPr>
+          <p:cNvPr id="13" name="Conector recto de flecha 12">
+            <a:extLst>
+              <a:ext uri="{FF2B5EF4-FFF2-40B4-BE49-F238E27FC236}">
+                <a16:creationId xmlns:a16="http://schemas.microsoft.com/office/drawing/2014/main" id="{DF4AEE9D-4796-AA1A-A74F-EF160E08B9C7}"/>
+              </a:ext>
+            </a:extLst>
+          </p:cNvPr>
+          <p:cNvCxnSpPr>
+            <a:cxnSpLocks/>
+          </p:cNvCxnSpPr>
+          <p:nvPr/>
+        </p:nvCxnSpPr>
+        <p:spPr>
+          <a:xfrm>
+            <a:off x="3013363" y="5223605"/>
+            <a:ext cx="7481455" cy="0"/>
+          </a:xfrm>
+          <a:prstGeom prst="straightConnector1">
+            <a:avLst/>
+          </a:prstGeom>
+          <a:ln w="76200">
+            <a:tailEnd type="triangle"/>
+          </a:ln>
+        </p:spPr>
+        <p:style>
+          <a:lnRef idx="2">
+            <a:schemeClr val="accent1"/>
+          </a:lnRef>
+          <a:fillRef idx="0">
+            <a:schemeClr val="accent1"/>
+          </a:fillRef>
+          <a:effectRef idx="1">
+            <a:schemeClr val="accent1"/>
+          </a:effectRef>
+          <a:fontRef idx="minor">
+            <a:schemeClr val="tx1"/>
+          </a:fontRef>
+        </p:style>
+      </p:cxnSp>
+      <p:sp>
+        <p:nvSpPr>
+          <p:cNvPr id="18" name="CuadroTexto 17">
+            <a:extLst>
+              <a:ext uri="{FF2B5EF4-FFF2-40B4-BE49-F238E27FC236}">
+                <a16:creationId xmlns:a16="http://schemas.microsoft.com/office/drawing/2014/main" id="{AC8733CB-0E4D-DBF2-8023-5308EF65B851}"/>
+              </a:ext>
+            </a:extLst>
+          </p:cNvPr>
+          <p:cNvSpPr txBox="1"/>
+          <p:nvPr/>
+        </p:nvSpPr>
+        <p:spPr>
+          <a:xfrm>
+            <a:off x="10494818" y="4869662"/>
+            <a:ext cx="548548" cy="707886"/>
+          </a:xfrm>
+          <a:prstGeom prst="rect">
+            <a:avLst/>
+          </a:prstGeom>
+          <a:noFill/>
+        </p:spPr>
+        <p:txBody>
+          <a:bodyPr wrap="none" rtlCol="0">
+            <a:spAutoFit/>
+          </a:bodyPr>
+          <a:lstStyle/>
+          <a:p>
+            <a:r>
+              <a:rPr lang="es-ES" sz="4000" b="1" dirty="0">
+                <a:latin typeface="Aharoni" panose="02010803020104030203" pitchFamily="2" charset="-79"/>
+                <a:cs typeface="Aharoni" panose="02010803020104030203" pitchFamily="2" charset="-79"/>
+              </a:rPr>
+              <a:t>X</a:t>
+            </a:r>
+            <a:endParaRPr lang="ca-ES" sz="4000" b="1" dirty="0">
+              <a:latin typeface="Aharoni" panose="02010803020104030203" pitchFamily="2" charset="-79"/>
+              <a:cs typeface="Aharoni" panose="02010803020104030203" pitchFamily="2" charset="-79"/>
+            </a:endParaRPr>
+          </a:p>
+        </p:txBody>
+      </p:sp>
+      <p:sp>
+        <p:nvSpPr>
+          <p:cNvPr id="20" name="CuadroTexto 19">
+            <a:extLst>
+              <a:ext uri="{FF2B5EF4-FFF2-40B4-BE49-F238E27FC236}">
+                <a16:creationId xmlns:a16="http://schemas.microsoft.com/office/drawing/2014/main" id="{C8506A20-CE71-801B-5E21-2559A2C4191A}"/>
+              </a:ext>
+            </a:extLst>
+          </p:cNvPr>
+          <p:cNvSpPr txBox="1"/>
+          <p:nvPr/>
+        </p:nvSpPr>
+        <p:spPr>
+          <a:xfrm>
+            <a:off x="2759870" y="1634394"/>
+            <a:ext cx="513282" cy="707886"/>
+          </a:xfrm>
+          <a:prstGeom prst="rect">
+            <a:avLst/>
+          </a:prstGeom>
+          <a:noFill/>
+        </p:spPr>
+        <p:txBody>
+          <a:bodyPr wrap="none" rtlCol="0">
+            <a:spAutoFit/>
+          </a:bodyPr>
+          <a:lstStyle/>
+          <a:p>
+            <a:r>
+              <a:rPr lang="es-ES" sz="4000" b="1" dirty="0">
+                <a:latin typeface="Aharoni" panose="02010803020104030203" pitchFamily="2" charset="-79"/>
+                <a:cs typeface="Aharoni" panose="02010803020104030203" pitchFamily="2" charset="-79"/>
+              </a:rPr>
+              <a:t>Y</a:t>
+            </a:r>
+            <a:endParaRPr lang="ca-ES" sz="4000" b="1" dirty="0">
+              <a:latin typeface="Aharoni" panose="02010803020104030203" pitchFamily="2" charset="-79"/>
+              <a:cs typeface="Aharoni" panose="02010803020104030203" pitchFamily="2" charset="-79"/>
+            </a:endParaRPr>
+          </a:p>
+        </p:txBody>
+      </p:sp>
+    </p:spTree>
+    <p:extLst>
+      <p:ext uri="{BB962C8B-B14F-4D97-AF65-F5344CB8AC3E}">
+        <p14:creationId xmlns:p14="http://schemas.microsoft.com/office/powerpoint/2010/main" val="882046608"/>
+      </p:ext>
+    </p:extLst>
+  </p:cSld>
+  <p:clrMapOvr>
+    <a:masterClrMapping/>
+  </p:clrMapOvr>
+</p:sld>
+</file>
+
+<file path=ppt/slides/slide8.xml><?xml version="1.0" encoding="utf-8"?>
+<p:sld xmlns:a="http://schemas.openxmlformats.org/drawingml/2006/main" xmlns:r="http://schemas.openxmlformats.org/officeDocument/2006/relationships" xmlns:p="http://schemas.openxmlformats.org/presentationml/2006/main">
+  <p:cSld>
+    <p:spTree>
+      <p:nvGrpSpPr>
+        <p:cNvPr id="1" name="">
+          <a:extLst>
+            <a:ext uri="{FF2B5EF4-FFF2-40B4-BE49-F238E27FC236}">
+              <a16:creationId xmlns:a16="http://schemas.microsoft.com/office/drawing/2014/main" id="{442E26AB-BCDF-8AB3-485E-91901C4526DD}"/>
+            </a:ext>
+          </a:extLst>
+        </p:cNvPr>
+        <p:cNvGrpSpPr/>
+        <p:nvPr/>
+      </p:nvGrpSpPr>
+      <p:grpSpPr>
+        <a:xfrm>
+          <a:off x="0" y="0"/>
+          <a:ext cx="0" cy="0"/>
+          <a:chOff x="0" y="0"/>
+          <a:chExt cx="0" cy="0"/>
+        </a:xfrm>
+      </p:grpSpPr>
+      <p:sp>
+        <p:nvSpPr>
+          <p:cNvPr id="2" name="Título 1">
+            <a:extLst>
+              <a:ext uri="{FF2B5EF4-FFF2-40B4-BE49-F238E27FC236}">
+                <a16:creationId xmlns:a16="http://schemas.microsoft.com/office/drawing/2014/main" id="{B2D9167B-0EF8-25CB-B7D8-1132D7E44264}"/>
+              </a:ext>
+            </a:extLst>
+          </p:cNvPr>
+          <p:cNvSpPr>
+            <a:spLocks noGrp="1"/>
+          </p:cNvSpPr>
+          <p:nvPr>
+            <p:ph type="ctrTitle"/>
+          </p:nvPr>
+        </p:nvSpPr>
+        <p:spPr>
+          <a:xfrm>
+            <a:off x="2141394" y="139198"/>
+            <a:ext cx="7909212" cy="1352974"/>
+          </a:xfrm>
+        </p:spPr>
+        <p:txBody>
+          <a:bodyPr>
+            <a:noAutofit/>
+          </a:bodyPr>
+          <a:lstStyle/>
+          <a:p>
+            <a:r>
+              <a:rPr lang="es-ES" sz="4800" dirty="0">
+                <a:latin typeface="Aharoni" panose="02010803020104030203" pitchFamily="2" charset="-79"/>
+                <a:cs typeface="Aharoni" panose="02010803020104030203" pitchFamily="2" charset="-79"/>
+              </a:rPr>
+              <a:t>REPRESENTACIÓ VISUAL DE L’APRENENTATGE?</a:t>
+            </a:r>
+            <a:endParaRPr lang="ca-ES" sz="4800" dirty="0">
+              <a:latin typeface="Aharoni" panose="02010803020104030203" pitchFamily="2" charset="-79"/>
+              <a:cs typeface="Aharoni" panose="02010803020104030203" pitchFamily="2" charset="-79"/>
+            </a:endParaRPr>
+          </a:p>
+        </p:txBody>
+      </p:sp>
+      <p:sp>
+        <p:nvSpPr>
+          <p:cNvPr id="10" name="Rectángulo: esquinas redondeadas 9">
+            <a:extLst>
+              <a:ext uri="{FF2B5EF4-FFF2-40B4-BE49-F238E27FC236}">
+                <a16:creationId xmlns:a16="http://schemas.microsoft.com/office/drawing/2014/main" id="{91AD47B3-A8FC-B65C-757B-530454DD6762}"/>
+              </a:ext>
+            </a:extLst>
+          </p:cNvPr>
+          <p:cNvSpPr/>
+          <p:nvPr/>
+        </p:nvSpPr>
+        <p:spPr>
+          <a:xfrm>
+            <a:off x="573233" y="3329650"/>
+            <a:ext cx="2173429" cy="781476"/>
+          </a:xfrm>
+          <a:prstGeom prst="roundRect">
+            <a:avLst/>
+          </a:prstGeom>
+          <a:effectLst>
+            <a:innerShdw blurRad="63500" dist="50800" dir="18900000">
+              <a:prstClr val="black">
+                <a:alpha val="50000"/>
+              </a:prstClr>
+            </a:innerShdw>
+          </a:effectLst>
+        </p:spPr>
+        <p:style>
+          <a:lnRef idx="2">
+            <a:schemeClr val="accent4">
+              <a:shade val="15000"/>
+            </a:schemeClr>
+          </a:lnRef>
+          <a:fillRef idx="1">
+            <a:schemeClr val="accent4"/>
+          </a:fillRef>
+          <a:effectRef idx="0">
+            <a:schemeClr val="accent4"/>
+          </a:effectRef>
+          <a:fontRef idx="minor">
+            <a:schemeClr val="lt1"/>
+          </a:fontRef>
+        </p:style>
+        <p:txBody>
+          <a:bodyPr rtlCol="0" anchor="ctr"/>
+          <a:lstStyle/>
+          <a:p>
+            <a:pPr algn="ctr"/>
+            <a:r>
+              <a:rPr lang="es-ES" sz="3600" dirty="0">
+                <a:latin typeface="ADLaM Display" panose="020F0502020204030204" pitchFamily="2" charset="0"/>
+                <a:ea typeface="ADLaM Display" panose="020F0502020204030204" pitchFamily="2" charset="0"/>
+                <a:cs typeface="ADLaM Display" panose="020F0502020204030204" pitchFamily="2" charset="0"/>
+              </a:rPr>
+              <a:t>FITNESS</a:t>
+            </a:r>
+            <a:r>
+              <a:rPr lang="es-ES" sz="3600" dirty="0"/>
+              <a:t> </a:t>
+            </a:r>
+            <a:endParaRPr lang="ca-ES" sz="3600" dirty="0"/>
+          </a:p>
+        </p:txBody>
+      </p:sp>
+      <p:sp>
+        <p:nvSpPr>
+          <p:cNvPr id="19" name="Rectángulo: esquinas redondeadas 18">
+            <a:extLst>
+              <a:ext uri="{FF2B5EF4-FFF2-40B4-BE49-F238E27FC236}">
+                <a16:creationId xmlns:a16="http://schemas.microsoft.com/office/drawing/2014/main" id="{2005A234-ACFF-318A-9C76-C9024E10F298}"/>
+              </a:ext>
+            </a:extLst>
+          </p:cNvPr>
+          <p:cNvSpPr/>
+          <p:nvPr/>
+        </p:nvSpPr>
+        <p:spPr>
+          <a:xfrm>
+            <a:off x="5324475" y="5699220"/>
+            <a:ext cx="3624696" cy="781476"/>
+          </a:xfrm>
+          <a:prstGeom prst="roundRect">
+            <a:avLst/>
+          </a:prstGeom>
+          <a:effectLst>
+            <a:innerShdw blurRad="63500" dist="50800" dir="18900000">
+              <a:prstClr val="black">
+                <a:alpha val="50000"/>
+              </a:prstClr>
+            </a:innerShdw>
+          </a:effectLst>
+        </p:spPr>
+        <p:style>
+          <a:lnRef idx="2">
+            <a:schemeClr val="accent4">
+              <a:shade val="15000"/>
+            </a:schemeClr>
+          </a:lnRef>
+          <a:fillRef idx="1">
+            <a:schemeClr val="accent4"/>
+          </a:fillRef>
+          <a:effectRef idx="0">
+            <a:schemeClr val="accent4"/>
+          </a:effectRef>
+          <a:fontRef idx="minor">
+            <a:schemeClr val="lt1"/>
+          </a:fontRef>
+        </p:style>
+        <p:txBody>
+          <a:bodyPr rtlCol="0" anchor="ctr"/>
+          <a:lstStyle/>
+          <a:p>
+            <a:pPr algn="ctr"/>
+            <a:r>
+              <a:rPr lang="es-ES" sz="3600" dirty="0">
+                <a:latin typeface="ADLaM Display" panose="020F0502020204030204" pitchFamily="2" charset="0"/>
+                <a:ea typeface="ADLaM Display" panose="020F0502020204030204" pitchFamily="2" charset="0"/>
+                <a:cs typeface="ADLaM Display" panose="020F0502020204030204" pitchFamily="2" charset="0"/>
+              </a:rPr>
+              <a:t>GENERACIONS</a:t>
+            </a:r>
+            <a:r>
+              <a:rPr lang="es-ES" sz="3600" dirty="0"/>
+              <a:t> </a:t>
+            </a:r>
+            <a:endParaRPr lang="ca-ES" sz="3600" dirty="0"/>
+          </a:p>
+        </p:txBody>
+      </p:sp>
+      <p:cxnSp>
+        <p:nvCxnSpPr>
+          <p:cNvPr id="9" name="Conector recto de flecha 8">
+            <a:extLst>
+              <a:ext uri="{FF2B5EF4-FFF2-40B4-BE49-F238E27FC236}">
+                <a16:creationId xmlns:a16="http://schemas.microsoft.com/office/drawing/2014/main" id="{2B82CA76-B462-5DB6-87A3-37E19E6D24A8}"/>
+              </a:ext>
+            </a:extLst>
+          </p:cNvPr>
+          <p:cNvCxnSpPr>
+            <a:cxnSpLocks/>
+          </p:cNvCxnSpPr>
+          <p:nvPr/>
+        </p:nvCxnSpPr>
+        <p:spPr>
+          <a:xfrm flipH="1" flipV="1">
+            <a:off x="3013363" y="2286000"/>
+            <a:ext cx="20781" cy="2937605"/>
+          </a:xfrm>
+          <a:prstGeom prst="straightConnector1">
+            <a:avLst/>
+          </a:prstGeom>
+          <a:ln w="76200">
+            <a:tailEnd type="triangle"/>
+          </a:ln>
+        </p:spPr>
+        <p:style>
+          <a:lnRef idx="2">
+            <a:schemeClr val="accent1"/>
+          </a:lnRef>
+          <a:fillRef idx="0">
+            <a:schemeClr val="accent1"/>
+          </a:fillRef>
+          <a:effectRef idx="1">
+            <a:schemeClr val="accent1"/>
+          </a:effectRef>
+          <a:fontRef idx="minor">
+            <a:schemeClr val="tx1"/>
+          </a:fontRef>
+        </p:style>
+      </p:cxnSp>
+      <p:cxnSp>
+        <p:nvCxnSpPr>
+          <p:cNvPr id="13" name="Conector recto de flecha 12">
+            <a:extLst>
+              <a:ext uri="{FF2B5EF4-FFF2-40B4-BE49-F238E27FC236}">
+                <a16:creationId xmlns:a16="http://schemas.microsoft.com/office/drawing/2014/main" id="{AF16B7D5-9AEF-E5CB-EC94-A9BAC3B72F14}"/>
+              </a:ext>
+            </a:extLst>
+          </p:cNvPr>
+          <p:cNvCxnSpPr>
+            <a:cxnSpLocks/>
+          </p:cNvCxnSpPr>
+          <p:nvPr/>
+        </p:nvCxnSpPr>
+        <p:spPr>
+          <a:xfrm>
+            <a:off x="3013363" y="5223605"/>
+            <a:ext cx="7481455" cy="0"/>
+          </a:xfrm>
+          <a:prstGeom prst="straightConnector1">
+            <a:avLst/>
+          </a:prstGeom>
+          <a:ln w="76200">
+            <a:tailEnd type="triangle"/>
+          </a:ln>
+        </p:spPr>
+        <p:style>
+          <a:lnRef idx="2">
+            <a:schemeClr val="accent1"/>
+          </a:lnRef>
+          <a:fillRef idx="0">
+            <a:schemeClr val="accent1"/>
+          </a:fillRef>
+          <a:effectRef idx="1">
+            <a:schemeClr val="accent1"/>
+          </a:effectRef>
+          <a:fontRef idx="minor">
+            <a:schemeClr val="tx1"/>
+          </a:fontRef>
+        </p:style>
+      </p:cxnSp>
+      <p:sp>
+        <p:nvSpPr>
+          <p:cNvPr id="18" name="CuadroTexto 17">
+            <a:extLst>
+              <a:ext uri="{FF2B5EF4-FFF2-40B4-BE49-F238E27FC236}">
+                <a16:creationId xmlns:a16="http://schemas.microsoft.com/office/drawing/2014/main" id="{356C1793-35AD-1E76-326C-BE31A298162B}"/>
+              </a:ext>
+            </a:extLst>
+          </p:cNvPr>
+          <p:cNvSpPr txBox="1"/>
+          <p:nvPr/>
+        </p:nvSpPr>
+        <p:spPr>
+          <a:xfrm>
+            <a:off x="10494818" y="4869662"/>
+            <a:ext cx="548548" cy="707886"/>
+          </a:xfrm>
+          <a:prstGeom prst="rect">
+            <a:avLst/>
+          </a:prstGeom>
+          <a:noFill/>
+        </p:spPr>
+        <p:txBody>
+          <a:bodyPr wrap="none" rtlCol="0">
+            <a:spAutoFit/>
+          </a:bodyPr>
+          <a:lstStyle/>
+          <a:p>
+            <a:r>
+              <a:rPr lang="es-ES" sz="4000" b="1" dirty="0">
+                <a:latin typeface="Aharoni" panose="02010803020104030203" pitchFamily="2" charset="-79"/>
+                <a:cs typeface="Aharoni" panose="02010803020104030203" pitchFamily="2" charset="-79"/>
+              </a:rPr>
+              <a:t>X</a:t>
+            </a:r>
+            <a:endParaRPr lang="ca-ES" sz="4000" b="1" dirty="0">
+              <a:latin typeface="Aharoni" panose="02010803020104030203" pitchFamily="2" charset="-79"/>
+              <a:cs typeface="Aharoni" panose="02010803020104030203" pitchFamily="2" charset="-79"/>
+            </a:endParaRPr>
+          </a:p>
+        </p:txBody>
+      </p:sp>
+      <p:sp>
+        <p:nvSpPr>
+          <p:cNvPr id="20" name="CuadroTexto 19">
+            <a:extLst>
+              <a:ext uri="{FF2B5EF4-FFF2-40B4-BE49-F238E27FC236}">
+                <a16:creationId xmlns:a16="http://schemas.microsoft.com/office/drawing/2014/main" id="{0DDA27FF-A438-AE95-C190-17DDA6F5B757}"/>
+              </a:ext>
+            </a:extLst>
+          </p:cNvPr>
+          <p:cNvSpPr txBox="1"/>
+          <p:nvPr/>
+        </p:nvSpPr>
+        <p:spPr>
+          <a:xfrm>
+            <a:off x="2759870" y="1634394"/>
+            <a:ext cx="513282" cy="707886"/>
+          </a:xfrm>
+          <a:prstGeom prst="rect">
+            <a:avLst/>
+          </a:prstGeom>
+          <a:noFill/>
+        </p:spPr>
+        <p:txBody>
+          <a:bodyPr wrap="none" rtlCol="0">
+            <a:spAutoFit/>
+          </a:bodyPr>
+          <a:lstStyle/>
+          <a:p>
+            <a:r>
+              <a:rPr lang="es-ES" sz="4000" b="1" dirty="0">
+                <a:latin typeface="Aharoni" panose="02010803020104030203" pitchFamily="2" charset="-79"/>
+                <a:cs typeface="Aharoni" panose="02010803020104030203" pitchFamily="2" charset="-79"/>
+              </a:rPr>
+              <a:t>Y</a:t>
+            </a:r>
+            <a:endParaRPr lang="ca-ES" sz="4000" b="1" dirty="0">
+              <a:latin typeface="Aharoni" panose="02010803020104030203" pitchFamily="2" charset="-79"/>
+              <a:cs typeface="Aharoni" panose="02010803020104030203" pitchFamily="2" charset="-79"/>
+            </a:endParaRPr>
+          </a:p>
+        </p:txBody>
+      </p:sp>
+      <p:cxnSp>
+        <p:nvCxnSpPr>
+          <p:cNvPr id="5" name="Conector recto 4">
+            <a:extLst>
+              <a:ext uri="{FF2B5EF4-FFF2-40B4-BE49-F238E27FC236}">
+                <a16:creationId xmlns:a16="http://schemas.microsoft.com/office/drawing/2014/main" id="{A4E86290-1819-A283-4F53-39381CD6D70E}"/>
+              </a:ext>
+            </a:extLst>
+          </p:cNvPr>
+          <p:cNvCxnSpPr>
+            <a:cxnSpLocks/>
+          </p:cNvCxnSpPr>
+          <p:nvPr/>
+        </p:nvCxnSpPr>
+        <p:spPr>
+          <a:xfrm flipV="1">
+            <a:off x="3036758" y="2143778"/>
+            <a:ext cx="7458060" cy="2982624"/>
+          </a:xfrm>
+          <a:prstGeom prst="line">
+            <a:avLst/>
+          </a:prstGeom>
+          <a:ln w="38100">
+            <a:solidFill>
+              <a:schemeClr val="accent6">
+                <a:lumMod val="75000"/>
+              </a:schemeClr>
+            </a:solidFill>
+            <a:prstDash val="dash"/>
+          </a:ln>
+        </p:spPr>
+        <p:style>
+          <a:lnRef idx="2">
+            <a:schemeClr val="accent1"/>
+          </a:lnRef>
+          <a:fillRef idx="0">
+            <a:schemeClr val="accent1"/>
+          </a:fillRef>
+          <a:effectRef idx="1">
+            <a:schemeClr val="accent1"/>
+          </a:effectRef>
+          <a:fontRef idx="minor">
+            <a:schemeClr val="tx1"/>
+          </a:fontRef>
+        </p:style>
+      </p:cxnSp>
+      <p:cxnSp>
+        <p:nvCxnSpPr>
+          <p:cNvPr id="7" name="Conector recto 6">
+            <a:extLst>
+              <a:ext uri="{FF2B5EF4-FFF2-40B4-BE49-F238E27FC236}">
+                <a16:creationId xmlns:a16="http://schemas.microsoft.com/office/drawing/2014/main" id="{8EC7CDB9-D8F1-0981-E64A-5EB5D34C93CF}"/>
+              </a:ext>
+            </a:extLst>
+          </p:cNvPr>
+          <p:cNvCxnSpPr>
+            <a:cxnSpLocks/>
+          </p:cNvCxnSpPr>
+          <p:nvPr/>
+        </p:nvCxnSpPr>
+        <p:spPr>
+          <a:xfrm flipV="1">
+            <a:off x="3034143" y="2281636"/>
+            <a:ext cx="2013656" cy="2862797"/>
+          </a:xfrm>
+          <a:prstGeom prst="line">
+            <a:avLst/>
+          </a:prstGeom>
+          <a:ln w="38100">
+            <a:solidFill>
+              <a:schemeClr val="accent2">
+                <a:lumMod val="75000"/>
+              </a:schemeClr>
+            </a:solidFill>
+            <a:prstDash val="dash"/>
+          </a:ln>
+        </p:spPr>
+        <p:style>
+          <a:lnRef idx="2">
+            <a:schemeClr val="accent1"/>
+          </a:lnRef>
+          <a:fillRef idx="0">
+            <a:schemeClr val="accent1"/>
+          </a:fillRef>
+          <a:effectRef idx="1">
+            <a:schemeClr val="accent1"/>
+          </a:effectRef>
+          <a:fontRef idx="minor">
+            <a:schemeClr val="tx1"/>
+          </a:fontRef>
+        </p:style>
+      </p:cxnSp>
+      <p:cxnSp>
+        <p:nvCxnSpPr>
+          <p:cNvPr id="12" name="Conector recto 11">
+            <a:extLst>
+              <a:ext uri="{FF2B5EF4-FFF2-40B4-BE49-F238E27FC236}">
+                <a16:creationId xmlns:a16="http://schemas.microsoft.com/office/drawing/2014/main" id="{E4FE0B87-2D5D-A666-7DF1-71F573089A17}"/>
+              </a:ext>
+            </a:extLst>
+          </p:cNvPr>
+          <p:cNvCxnSpPr>
+            <a:cxnSpLocks/>
+          </p:cNvCxnSpPr>
+          <p:nvPr/>
+        </p:nvCxnSpPr>
+        <p:spPr>
+          <a:xfrm flipV="1">
+            <a:off x="5047799" y="2143778"/>
+            <a:ext cx="5447019" cy="142222"/>
+          </a:xfrm>
+          <a:prstGeom prst="line">
+            <a:avLst/>
+          </a:prstGeom>
+          <a:ln w="38100">
+            <a:solidFill>
+              <a:schemeClr val="accent2">
+                <a:lumMod val="75000"/>
+              </a:schemeClr>
+            </a:solidFill>
+            <a:prstDash val="dash"/>
+          </a:ln>
+        </p:spPr>
+        <p:style>
+          <a:lnRef idx="2">
+            <a:schemeClr val="accent1"/>
+          </a:lnRef>
+          <a:fillRef idx="0">
+            <a:schemeClr val="accent1"/>
+          </a:fillRef>
+          <a:effectRef idx="1">
+            <a:schemeClr val="accent1"/>
+          </a:effectRef>
+          <a:fontRef idx="minor">
+            <a:schemeClr val="tx1"/>
+          </a:fontRef>
+        </p:style>
+      </p:cxnSp>
+      <p:sp>
+        <p:nvSpPr>
+          <p:cNvPr id="22" name="Forma libre: forma 21">
+            <a:extLst>
+              <a:ext uri="{FF2B5EF4-FFF2-40B4-BE49-F238E27FC236}">
+                <a16:creationId xmlns:a16="http://schemas.microsoft.com/office/drawing/2014/main" id="{48CF0090-4524-3B23-8526-42A60DE1D564}"/>
+              </a:ext>
+            </a:extLst>
+          </p:cNvPr>
+          <p:cNvSpPr/>
+          <p:nvPr/>
+        </p:nvSpPr>
+        <p:spPr>
+          <a:xfrm>
+            <a:off x="3096491" y="1991046"/>
+            <a:ext cx="7838586" cy="3183627"/>
+          </a:xfrm>
+          <a:custGeom>
+            <a:avLst/>
+            <a:gdLst>
+              <a:gd name="connsiteX0" fmla="*/ 0 w 7838586"/>
+              <a:gd name="connsiteY0" fmla="*/ 3183627 h 3183627"/>
+              <a:gd name="connsiteX1" fmla="*/ 2556164 w 7838586"/>
+              <a:gd name="connsiteY1" fmla="*/ 315736 h 3183627"/>
+              <a:gd name="connsiteX2" fmla="*/ 7335982 w 7838586"/>
+              <a:gd name="connsiteY2" fmla="*/ 45572 h 3183627"/>
+              <a:gd name="connsiteX3" fmla="*/ 7460673 w 7838586"/>
+              <a:gd name="connsiteY3" fmla="*/ 66354 h 3183627"/>
+            </a:gdLst>
+            <a:ahLst/>
+            <a:cxnLst>
+              <a:cxn ang="0">
+                <a:pos x="connsiteX0" y="connsiteY0"/>
+              </a:cxn>
+              <a:cxn ang="0">
+                <a:pos x="connsiteX1" y="connsiteY1"/>
+              </a:cxn>
+              <a:cxn ang="0">
+                <a:pos x="connsiteX2" y="connsiteY2"/>
+              </a:cxn>
+              <a:cxn ang="0">
+                <a:pos x="connsiteX3" y="connsiteY3"/>
+              </a:cxn>
+            </a:cxnLst>
+            <a:rect l="l" t="t" r="r" b="b"/>
+            <a:pathLst>
+              <a:path w="7838586" h="3183627">
+                <a:moveTo>
+                  <a:pt x="0" y="3183627"/>
+                </a:moveTo>
+                <a:cubicBezTo>
+                  <a:pt x="666750" y="2011186"/>
+                  <a:pt x="1333500" y="838745"/>
+                  <a:pt x="2556164" y="315736"/>
+                </a:cubicBezTo>
+                <a:cubicBezTo>
+                  <a:pt x="3778828" y="-207273"/>
+                  <a:pt x="6518564" y="87136"/>
+                  <a:pt x="7335982" y="45572"/>
+                </a:cubicBezTo>
+                <a:cubicBezTo>
+                  <a:pt x="8153400" y="4008"/>
+                  <a:pt x="7807036" y="35181"/>
+                  <a:pt x="7460673" y="66354"/>
+                </a:cubicBezTo>
+              </a:path>
+            </a:pathLst>
+          </a:custGeom>
+          <a:noFill/>
+          <a:ln w="57150">
+            <a:solidFill>
+              <a:schemeClr val="accent5"/>
+            </a:solidFill>
+            <a:prstDash val="dashDot"/>
+          </a:ln>
+        </p:spPr>
+        <p:style>
+          <a:lnRef idx="2">
+            <a:schemeClr val="accent1">
+              <a:shade val="15000"/>
+            </a:schemeClr>
+          </a:lnRef>
+          <a:fillRef idx="1">
+            <a:schemeClr val="accent1"/>
+          </a:fillRef>
+          <a:effectRef idx="0">
+            <a:schemeClr val="accent1"/>
+          </a:effectRef>
+          <a:fontRef idx="minor">
+            <a:schemeClr val="lt1"/>
+          </a:fontRef>
+        </p:style>
+        <p:txBody>
+          <a:bodyPr rtlCol="0" anchor="ctr"/>
+          <a:lstStyle/>
+          <a:p>
+            <a:pPr algn="ctr"/>
+            <a:endParaRPr lang="ca-ES"/>
+          </a:p>
+        </p:txBody>
+      </p:sp>
+      <p:pic>
+        <p:nvPicPr>
+          <p:cNvPr id="1026" name="Picture 2" descr="Signo de interrogación rojo 3d - Descargar PNG/SVG transparente">
+            <a:extLst>
+              <a:ext uri="{FF2B5EF4-FFF2-40B4-BE49-F238E27FC236}">
+                <a16:creationId xmlns:a16="http://schemas.microsoft.com/office/drawing/2014/main" id="{4010BC20-EC5C-A24F-BDDE-5520E7CF884A}"/>
+              </a:ext>
+            </a:extLst>
+          </p:cNvPr>
+          <p:cNvPicPr>
+            <a:picLocks noChangeAspect="1" noChangeArrowheads="1"/>
+          </p:cNvPicPr>
+          <p:nvPr/>
+        </p:nvPicPr>
+        <p:blipFill>
+          <a:blip r:embed="rId3">
+            <a:extLst>
+              <a:ext uri="{28A0092B-C50C-407E-A947-70E740481C1C}">
+                <a14:useLocalDpi xmlns:a14="http://schemas.microsoft.com/office/drawing/2010/main" val="0"/>
+              </a:ext>
+            </a:extLst>
+          </a:blip>
+          <a:srcRect/>
+          <a:stretch>
+            <a:fillRect/>
+          </a:stretch>
+        </p:blipFill>
+        <p:spPr bwMode="auto">
+          <a:xfrm>
+            <a:off x="5047799" y="1294285"/>
+            <a:ext cx="3850148" cy="3850148"/>
+          </a:xfrm>
+          <a:prstGeom prst="rect">
+            <a:avLst/>
+          </a:prstGeom>
+          <a:noFill/>
+          <a:extLst>
+            <a:ext uri="{909E8E84-426E-40DD-AFC4-6F175D3DCCD1}">
+              <a14:hiddenFill xmlns:a14="http://schemas.microsoft.com/office/drawing/2010/main">
+                <a:solidFill>
+                  <a:srgbClr val="FFFFFF"/>
+                </a:solidFill>
+              </a14:hiddenFill>
+            </a:ext>
+          </a:extLst>
+        </p:spPr>
+      </p:pic>
+      <p:cxnSp>
+        <p:nvCxnSpPr>
+          <p:cNvPr id="23" name="Conector recto 22">
+            <a:extLst>
+              <a:ext uri="{FF2B5EF4-FFF2-40B4-BE49-F238E27FC236}">
+                <a16:creationId xmlns:a16="http://schemas.microsoft.com/office/drawing/2014/main" id="{120AA5CC-7920-699F-9DF2-B709CA9369B5}"/>
+              </a:ext>
+            </a:extLst>
+          </p:cNvPr>
+          <p:cNvCxnSpPr>
+            <a:cxnSpLocks/>
+          </p:cNvCxnSpPr>
+          <p:nvPr/>
+        </p:nvCxnSpPr>
+        <p:spPr>
+          <a:xfrm flipV="1">
+            <a:off x="3034143" y="2439483"/>
+            <a:ext cx="2013656" cy="2704950"/>
+          </a:xfrm>
+          <a:prstGeom prst="line">
+            <a:avLst/>
+          </a:prstGeom>
+          <a:ln w="38100">
+            <a:prstDash val="dash"/>
+          </a:ln>
+        </p:spPr>
+        <p:style>
+          <a:lnRef idx="2">
+            <a:schemeClr val="accent1"/>
+          </a:lnRef>
+          <a:fillRef idx="0">
+            <a:schemeClr val="accent1"/>
+          </a:fillRef>
+          <a:effectRef idx="1">
+            <a:schemeClr val="accent1"/>
+          </a:effectRef>
+          <a:fontRef idx="minor">
+            <a:schemeClr val="tx1"/>
+          </a:fontRef>
+        </p:style>
+      </p:cxnSp>
+    </p:spTree>
+    <p:extLst>
+      <p:ext uri="{BB962C8B-B14F-4D97-AF65-F5344CB8AC3E}">
+        <p14:creationId xmlns:p14="http://schemas.microsoft.com/office/powerpoint/2010/main" val="1360880555"/>
+      </p:ext>
+    </p:extLst>
+  </p:cSld>
+  <p:clrMapOvr>
+    <a:masterClrMapping/>
+  </p:clrMapOvr>
+</p:sld>
+</file>
+
+<file path=ppt/slides/slide9.xml><?xml version="1.0" encoding="utf-8"?>
+<p:sld xmlns:a="http://schemas.openxmlformats.org/drawingml/2006/main" xmlns:r="http://schemas.openxmlformats.org/officeDocument/2006/relationships" xmlns:p="http://schemas.openxmlformats.org/presentationml/2006/main">
+  <p:cSld>
+    <p:spTree>
+      <p:nvGrpSpPr>
+        <p:cNvPr id="1" name="">
+          <a:extLst>
+            <a:ext uri="{FF2B5EF4-FFF2-40B4-BE49-F238E27FC236}">
+              <a16:creationId xmlns:a16="http://schemas.microsoft.com/office/drawing/2014/main" id="{264BAA0A-DD80-670F-EA59-B21E458BA003}"/>
+            </a:ext>
+          </a:extLst>
+        </p:cNvPr>
+        <p:cNvGrpSpPr/>
+        <p:nvPr/>
+      </p:nvGrpSpPr>
+      <p:grpSpPr>
+        <a:xfrm>
+          <a:off x="0" y="0"/>
+          <a:ext cx="0" cy="0"/>
+          <a:chOff x="0" y="0"/>
+          <a:chExt cx="0" cy="0"/>
+        </a:xfrm>
+      </p:grpSpPr>
+      <p:sp>
+        <p:nvSpPr>
+          <p:cNvPr id="2" name="Título 1">
+            <a:extLst>
+              <a:ext uri="{FF2B5EF4-FFF2-40B4-BE49-F238E27FC236}">
+                <a16:creationId xmlns:a16="http://schemas.microsoft.com/office/drawing/2014/main" id="{8D17AAB7-D103-095C-9B16-9195C23536B1}"/>
+              </a:ext>
+            </a:extLst>
+          </p:cNvPr>
+          <p:cNvSpPr>
+            <a:spLocks noGrp="1"/>
+          </p:cNvSpPr>
+          <p:nvPr>
+            <p:ph type="ctrTitle"/>
+          </p:nvPr>
+        </p:nvSpPr>
+        <p:spPr>
+          <a:xfrm>
+            <a:off x="1524000" y="1296707"/>
+            <a:ext cx="9144000" cy="4264586"/>
+          </a:xfrm>
+        </p:spPr>
+        <p:txBody>
+          <a:bodyPr>
+            <a:noAutofit/>
+          </a:bodyPr>
+          <a:lstStyle/>
+          <a:p>
+            <a:r>
+              <a:rPr lang="es-ES" sz="7200" dirty="0">
+                <a:latin typeface="Aharoni" panose="02010803020104030203" pitchFamily="2" charset="-79"/>
+                <a:cs typeface="Aharoni" panose="02010803020104030203" pitchFamily="2" charset="-79"/>
+              </a:rPr>
+              <a:t>DIFERENTS HIPÒTESIS DE LA VISUALITZACIÓ DE L’APRENENTATGE</a:t>
+            </a:r>
+            <a:endParaRPr lang="ca-ES" sz="7200" dirty="0">
+              <a:latin typeface="Aharoni" panose="02010803020104030203" pitchFamily="2" charset="-79"/>
+              <a:cs typeface="Aharoni" panose="02010803020104030203" pitchFamily="2" charset="-79"/>
+            </a:endParaRPr>
+          </a:p>
+        </p:txBody>
+      </p:sp>
+    </p:spTree>
+    <p:extLst>
+      <p:ext uri="{BB962C8B-B14F-4D97-AF65-F5344CB8AC3E}">
+        <p14:creationId xmlns:p14="http://schemas.microsoft.com/office/powerpoint/2010/main" val="3981259911"/>
       </p:ext>
     </p:extLst>
   </p:cSld>

--- a/TR_ESCRIT/PPT_Teo.pptx
+++ b/TR_ESCRIT/PPT_Teo.pptx
@@ -5,7 +5,7 @@
     <p:sldMasterId id="2147483648" r:id="rId1"/>
   </p:sldMasterIdLst>
   <p:notesMasterIdLst>
-    <p:notesMasterId r:id="rId19"/>
+    <p:notesMasterId r:id="rId34"/>
   </p:notesMasterIdLst>
   <p:sldIdLst>
     <p:sldId id="256" r:id="rId2"/>
@@ -25,6 +25,21 @@
     <p:sldId id="270" r:id="rId16"/>
     <p:sldId id="271" r:id="rId17"/>
     <p:sldId id="272" r:id="rId18"/>
+    <p:sldId id="273" r:id="rId19"/>
+    <p:sldId id="274" r:id="rId20"/>
+    <p:sldId id="275" r:id="rId21"/>
+    <p:sldId id="277" r:id="rId22"/>
+    <p:sldId id="279" r:id="rId23"/>
+    <p:sldId id="281" r:id="rId24"/>
+    <p:sldId id="278" r:id="rId25"/>
+    <p:sldId id="280" r:id="rId26"/>
+    <p:sldId id="282" r:id="rId27"/>
+    <p:sldId id="283" r:id="rId28"/>
+    <p:sldId id="284" r:id="rId29"/>
+    <p:sldId id="285" r:id="rId30"/>
+    <p:sldId id="286" r:id="rId31"/>
+    <p:sldId id="287" r:id="rId32"/>
+    <p:sldId id="288" r:id="rId33"/>
   </p:sldIdLst>
   <p:sldSz cx="12192000" cy="6858000"/>
   <p:notesSz cx="6858000" cy="9144000"/>
@@ -213,7 +228,7 @@
           <a:p>
             <a:fld id="{5B51F4EA-B45B-4788-8135-769EA69C61CB}" type="datetimeFigureOut">
               <a:rPr lang="ca-ES" smtClean="0"/>
-              <a:t>9/12/2024</a:t>
+              <a:t>10/12/2024</a:t>
             </a:fld>
             <a:endParaRPr lang="ca-ES"/>
           </a:p>
@@ -1985,6 +2000,307 @@
 </p:notes>
 </file>
 
+<file path=ppt/notesSlides/notesSlide18.xml><?xml version="1.0" encoding="utf-8"?>
+<p:notes xmlns:a="http://schemas.openxmlformats.org/drawingml/2006/main" xmlns:r="http://schemas.openxmlformats.org/officeDocument/2006/relationships" xmlns:p="http://schemas.openxmlformats.org/presentationml/2006/main">
+  <p:cSld>
+    <p:spTree>
+      <p:nvGrpSpPr>
+        <p:cNvPr id="1" name="">
+          <a:extLst>
+            <a:ext uri="{FF2B5EF4-FFF2-40B4-BE49-F238E27FC236}">
+              <a16:creationId xmlns:a16="http://schemas.microsoft.com/office/drawing/2014/main" id="{A97812FB-D4C0-E4CE-E0BD-8C155054850D}"/>
+            </a:ext>
+          </a:extLst>
+        </p:cNvPr>
+        <p:cNvGrpSpPr/>
+        <p:nvPr/>
+      </p:nvGrpSpPr>
+      <p:grpSpPr>
+        <a:xfrm>
+          <a:off x="0" y="0"/>
+          <a:ext cx="0" cy="0"/>
+          <a:chOff x="0" y="0"/>
+          <a:chExt cx="0" cy="0"/>
+        </a:xfrm>
+      </p:grpSpPr>
+      <p:sp>
+        <p:nvSpPr>
+          <p:cNvPr id="2" name="Marcador de imagen de diapositiva 1">
+            <a:extLst>
+              <a:ext uri="{FF2B5EF4-FFF2-40B4-BE49-F238E27FC236}">
+                <a16:creationId xmlns:a16="http://schemas.microsoft.com/office/drawing/2014/main" id="{6D82B82C-C1BA-0A4D-3178-3B0A7254F0AA}"/>
+              </a:ext>
+            </a:extLst>
+          </p:cNvPr>
+          <p:cNvSpPr>
+            <a:spLocks noGrp="1" noRot="1" noChangeAspect="1"/>
+          </p:cNvSpPr>
+          <p:nvPr>
+            <p:ph type="sldImg"/>
+          </p:nvPr>
+        </p:nvSpPr>
+        <p:spPr/>
+      </p:sp>
+      <p:sp>
+        <p:nvSpPr>
+          <p:cNvPr id="3" name="Marcador de notas 2">
+            <a:extLst>
+              <a:ext uri="{FF2B5EF4-FFF2-40B4-BE49-F238E27FC236}">
+                <a16:creationId xmlns:a16="http://schemas.microsoft.com/office/drawing/2014/main" id="{2A3F1743-1BDB-8A1D-BB04-1071C7494230}"/>
+              </a:ext>
+            </a:extLst>
+          </p:cNvPr>
+          <p:cNvSpPr>
+            <a:spLocks noGrp="1"/>
+          </p:cNvSpPr>
+          <p:nvPr>
+            <p:ph type="body" idx="1"/>
+          </p:nvPr>
+        </p:nvSpPr>
+        <p:spPr/>
+        <p:txBody>
+          <a:bodyPr/>
+          <a:lstStyle/>
+          <a:p>
+            <a:r>
+              <a:rPr lang="ca-ES" dirty="0"/>
+              <a:t>després de 3.798 partides i més de 450.000 generacions amb diferents paràmetres (població, mutacions i inputs)</a:t>
+            </a:r>
+          </a:p>
+        </p:txBody>
+      </p:sp>
+      <p:sp>
+        <p:nvSpPr>
+          <p:cNvPr id="4" name="Marcador de número de diapositiva 3">
+            <a:extLst>
+              <a:ext uri="{FF2B5EF4-FFF2-40B4-BE49-F238E27FC236}">
+                <a16:creationId xmlns:a16="http://schemas.microsoft.com/office/drawing/2014/main" id="{6B6B82C5-B598-8B55-2AD9-ABCA972BE4C1}"/>
+              </a:ext>
+            </a:extLst>
+          </p:cNvPr>
+          <p:cNvSpPr>
+            <a:spLocks noGrp="1"/>
+          </p:cNvSpPr>
+          <p:nvPr>
+            <p:ph type="sldNum" sz="quarter" idx="5"/>
+          </p:nvPr>
+        </p:nvSpPr>
+        <p:spPr/>
+        <p:txBody>
+          <a:bodyPr/>
+          <a:lstStyle/>
+          <a:p>
+            <a:fld id="{AA93F080-ECF3-415A-84A6-DF6D3BEC8CB2}" type="slidenum">
+              <a:rPr lang="ca-ES" smtClean="0"/>
+              <a:t>18</a:t>
+            </a:fld>
+            <a:endParaRPr lang="ca-ES"/>
+          </a:p>
+        </p:txBody>
+      </p:sp>
+    </p:spTree>
+    <p:extLst>
+      <p:ext uri="{BB962C8B-B14F-4D97-AF65-F5344CB8AC3E}">
+        <p14:creationId xmlns:p14="http://schemas.microsoft.com/office/powerpoint/2010/main" val="2951468999"/>
+      </p:ext>
+    </p:extLst>
+  </p:cSld>
+  <p:clrMapOvr>
+    <a:masterClrMapping/>
+  </p:clrMapOvr>
+</p:notes>
+</file>
+
+<file path=ppt/notesSlides/notesSlide19.xml><?xml version="1.0" encoding="utf-8"?>
+<p:notes xmlns:a="http://schemas.openxmlformats.org/drawingml/2006/main" xmlns:r="http://schemas.openxmlformats.org/officeDocument/2006/relationships" xmlns:p="http://schemas.openxmlformats.org/presentationml/2006/main">
+  <p:cSld>
+    <p:spTree>
+      <p:nvGrpSpPr>
+        <p:cNvPr id="1" name="">
+          <a:extLst>
+            <a:ext uri="{FF2B5EF4-FFF2-40B4-BE49-F238E27FC236}">
+              <a16:creationId xmlns:a16="http://schemas.microsoft.com/office/drawing/2014/main" id="{B83B94ED-3E57-8B29-05FC-1BC2A33A14D2}"/>
+            </a:ext>
+          </a:extLst>
+        </p:cNvPr>
+        <p:cNvGrpSpPr/>
+        <p:nvPr/>
+      </p:nvGrpSpPr>
+      <p:grpSpPr>
+        <a:xfrm>
+          <a:off x="0" y="0"/>
+          <a:ext cx="0" cy="0"/>
+          <a:chOff x="0" y="0"/>
+          <a:chExt cx="0" cy="0"/>
+        </a:xfrm>
+      </p:grpSpPr>
+      <p:sp>
+        <p:nvSpPr>
+          <p:cNvPr id="2" name="Marcador de imagen de diapositiva 1">
+            <a:extLst>
+              <a:ext uri="{FF2B5EF4-FFF2-40B4-BE49-F238E27FC236}">
+                <a16:creationId xmlns:a16="http://schemas.microsoft.com/office/drawing/2014/main" id="{CAB8F9EB-9377-CD44-B152-991BD9E57923}"/>
+              </a:ext>
+            </a:extLst>
+          </p:cNvPr>
+          <p:cNvSpPr>
+            <a:spLocks noGrp="1" noRot="1" noChangeAspect="1"/>
+          </p:cNvSpPr>
+          <p:nvPr>
+            <p:ph type="sldImg"/>
+          </p:nvPr>
+        </p:nvSpPr>
+        <p:spPr/>
+      </p:sp>
+      <p:sp>
+        <p:nvSpPr>
+          <p:cNvPr id="3" name="Marcador de notas 2">
+            <a:extLst>
+              <a:ext uri="{FF2B5EF4-FFF2-40B4-BE49-F238E27FC236}">
+                <a16:creationId xmlns:a16="http://schemas.microsoft.com/office/drawing/2014/main" id="{19D7AFC3-D09C-A534-F3D4-4E97BE9B2614}"/>
+              </a:ext>
+            </a:extLst>
+          </p:cNvPr>
+          <p:cNvSpPr>
+            <a:spLocks noGrp="1"/>
+          </p:cNvSpPr>
+          <p:nvPr>
+            <p:ph type="body" idx="1"/>
+          </p:nvPr>
+        </p:nvSpPr>
+        <p:spPr/>
+        <p:txBody>
+          <a:bodyPr/>
+          <a:lstStyle/>
+          <a:p>
+            <a:r>
+              <a:rPr lang="es-ES" dirty="0"/>
+              <a:t>Se refiere a la capacidad de los sistemas informáticos para mejorar su rendimiento y tomar decisiones basándose en datos y experiencias, sin necesidad de programación explícita. </a:t>
+            </a:r>
+          </a:p>
+          <a:p>
+            <a:endParaRPr lang="es-ES" dirty="0"/>
+          </a:p>
+          <a:p>
+            <a:r>
+              <a:rPr lang="es-ES" dirty="0"/>
+              <a:t>Este proceso implica:</a:t>
+            </a:r>
+          </a:p>
+          <a:p>
+            <a:pPr marL="171450" indent="-171450">
+              <a:buFont typeface="Arial" panose="020B0604020202020204" pitchFamily="34" charset="0"/>
+              <a:buChar char="•"/>
+            </a:pPr>
+            <a:r>
+              <a:rPr lang="es-ES" b="1" dirty="0"/>
+              <a:t>Adquisición de conocimiento</a:t>
+            </a:r>
+            <a:r>
+              <a:rPr lang="es-ES" dirty="0"/>
+              <a:t>: La IA acumula nueva información y la relaciona con el conocimiento existente. (XARXES NEURONALS)</a:t>
+            </a:r>
+          </a:p>
+          <a:p>
+            <a:pPr marL="171450" indent="-171450">
+              <a:buFont typeface="Arial" panose="020B0604020202020204" pitchFamily="34" charset="0"/>
+              <a:buChar char="•"/>
+            </a:pPr>
+            <a:r>
+              <a:rPr lang="es-ES" b="1" dirty="0"/>
+              <a:t>Adaptación</a:t>
+            </a:r>
+            <a:r>
+              <a:rPr lang="es-ES" dirty="0"/>
+              <a:t>: Los sistemas de IA evolucionan y se adaptan a nuevas situaciones. Mediante procesamiento de datos.</a:t>
+            </a:r>
+          </a:p>
+          <a:p>
+            <a:pPr marL="171450" indent="-171450">
+              <a:buFont typeface="Arial" panose="020B0604020202020204" pitchFamily="34" charset="0"/>
+              <a:buChar char="•"/>
+            </a:pPr>
+            <a:r>
+              <a:rPr lang="es-ES" b="1" dirty="0"/>
+              <a:t>Reconocimiento de patrones</a:t>
+            </a:r>
+            <a:r>
+              <a:rPr lang="es-ES" dirty="0"/>
+              <a:t>: La IA identifica patrones en grandes cantidades de datos para generalizar comportamientos. (APRENENTATGE)</a:t>
+            </a:r>
+          </a:p>
+          <a:p>
+            <a:pPr marL="171450" marR="0" lvl="0" indent="-171450" algn="l" defTabSz="914400" rtl="0" eaLnBrk="1" fontAlgn="auto" latinLnBrk="0" hangingPunct="1">
+              <a:lnSpc>
+                <a:spcPct val="100000"/>
+              </a:lnSpc>
+              <a:spcBef>
+                <a:spcPts val="0"/>
+              </a:spcBef>
+              <a:spcAft>
+                <a:spcPts val="0"/>
+              </a:spcAft>
+              <a:buClrTx/>
+              <a:buSzTx/>
+              <a:buFont typeface="Arial" panose="020B0604020202020204" pitchFamily="34" charset="0"/>
+              <a:buChar char="•"/>
+              <a:tabLst/>
+              <a:defRPr/>
+            </a:pPr>
+            <a:r>
+              <a:rPr lang="es-ES" b="1" dirty="0"/>
+              <a:t>Mejora continua</a:t>
+            </a:r>
+            <a:r>
+              <a:rPr lang="es-ES" dirty="0"/>
+              <a:t>: A través de la interacción con su entorno, la IA progresa de manera autónoma. (APRENENTATGE)</a:t>
+            </a:r>
+            <a:endParaRPr lang="ca-ES" dirty="0"/>
+          </a:p>
+        </p:txBody>
+      </p:sp>
+      <p:sp>
+        <p:nvSpPr>
+          <p:cNvPr id="4" name="Marcador de número de diapositiva 3">
+            <a:extLst>
+              <a:ext uri="{FF2B5EF4-FFF2-40B4-BE49-F238E27FC236}">
+                <a16:creationId xmlns:a16="http://schemas.microsoft.com/office/drawing/2014/main" id="{F3CF05A1-BFCE-6837-E867-2DBEBFD343C6}"/>
+              </a:ext>
+            </a:extLst>
+          </p:cNvPr>
+          <p:cNvSpPr>
+            <a:spLocks noGrp="1"/>
+          </p:cNvSpPr>
+          <p:nvPr>
+            <p:ph type="sldNum" sz="quarter" idx="5"/>
+          </p:nvPr>
+        </p:nvSpPr>
+        <p:spPr/>
+        <p:txBody>
+          <a:bodyPr/>
+          <a:lstStyle/>
+          <a:p>
+            <a:fld id="{AA93F080-ECF3-415A-84A6-DF6D3BEC8CB2}" type="slidenum">
+              <a:rPr lang="ca-ES" smtClean="0"/>
+              <a:t>19</a:t>
+            </a:fld>
+            <a:endParaRPr lang="ca-ES"/>
+          </a:p>
+        </p:txBody>
+      </p:sp>
+    </p:spTree>
+    <p:extLst>
+      <p:ext uri="{BB962C8B-B14F-4D97-AF65-F5344CB8AC3E}">
+        <p14:creationId xmlns:p14="http://schemas.microsoft.com/office/powerpoint/2010/main" val="308852046"/>
+      </p:ext>
+    </p:extLst>
+  </p:cSld>
+  <p:clrMapOvr>
+    <a:masterClrMapping/>
+  </p:clrMapOvr>
+</p:notes>
+</file>
+
 <file path=ppt/notesSlides/notesSlide2.xml><?xml version="1.0" encoding="utf-8"?>
 <p:notes xmlns:a="http://schemas.openxmlformats.org/drawingml/2006/main" xmlns:r="http://schemas.openxmlformats.org/officeDocument/2006/relationships" xmlns:p="http://schemas.openxmlformats.org/presentationml/2006/main">
   <p:cSld>
@@ -2142,6 +2458,1432 @@
     <p:extLst>
       <p:ext uri="{BB962C8B-B14F-4D97-AF65-F5344CB8AC3E}">
         <p14:creationId xmlns:p14="http://schemas.microsoft.com/office/powerpoint/2010/main" val="1457388068"/>
+      </p:ext>
+    </p:extLst>
+  </p:cSld>
+  <p:clrMapOvr>
+    <a:masterClrMapping/>
+  </p:clrMapOvr>
+</p:notes>
+</file>
+
+<file path=ppt/notesSlides/notesSlide20.xml><?xml version="1.0" encoding="utf-8"?>
+<p:notes xmlns:a="http://schemas.openxmlformats.org/drawingml/2006/main" xmlns:r="http://schemas.openxmlformats.org/officeDocument/2006/relationships" xmlns:p="http://schemas.openxmlformats.org/presentationml/2006/main">
+  <p:cSld>
+    <p:spTree>
+      <p:nvGrpSpPr>
+        <p:cNvPr id="1" name="">
+          <a:extLst>
+            <a:ext uri="{FF2B5EF4-FFF2-40B4-BE49-F238E27FC236}">
+              <a16:creationId xmlns:a16="http://schemas.microsoft.com/office/drawing/2014/main" id="{2DA5C34C-B307-F01D-A754-E897EF8564F1}"/>
+            </a:ext>
+          </a:extLst>
+        </p:cNvPr>
+        <p:cNvGrpSpPr/>
+        <p:nvPr/>
+      </p:nvGrpSpPr>
+      <p:grpSpPr>
+        <a:xfrm>
+          <a:off x="0" y="0"/>
+          <a:ext cx="0" cy="0"/>
+          <a:chOff x="0" y="0"/>
+          <a:chExt cx="0" cy="0"/>
+        </a:xfrm>
+      </p:grpSpPr>
+      <p:sp>
+        <p:nvSpPr>
+          <p:cNvPr id="2" name="Marcador de imagen de diapositiva 1">
+            <a:extLst>
+              <a:ext uri="{FF2B5EF4-FFF2-40B4-BE49-F238E27FC236}">
+                <a16:creationId xmlns:a16="http://schemas.microsoft.com/office/drawing/2014/main" id="{3FFFE28F-B78C-AB90-B682-37AE7C16D713}"/>
+              </a:ext>
+            </a:extLst>
+          </p:cNvPr>
+          <p:cNvSpPr>
+            <a:spLocks noGrp="1" noRot="1" noChangeAspect="1"/>
+          </p:cNvSpPr>
+          <p:nvPr>
+            <p:ph type="sldImg"/>
+          </p:nvPr>
+        </p:nvSpPr>
+        <p:spPr/>
+      </p:sp>
+      <p:sp>
+        <p:nvSpPr>
+          <p:cNvPr id="3" name="Marcador de notas 2">
+            <a:extLst>
+              <a:ext uri="{FF2B5EF4-FFF2-40B4-BE49-F238E27FC236}">
+                <a16:creationId xmlns:a16="http://schemas.microsoft.com/office/drawing/2014/main" id="{0A7DB8F5-9A40-2BC5-9997-81294117F24D}"/>
+              </a:ext>
+            </a:extLst>
+          </p:cNvPr>
+          <p:cNvSpPr>
+            <a:spLocks noGrp="1"/>
+          </p:cNvSpPr>
+          <p:nvPr>
+            <p:ph type="body" idx="1"/>
+          </p:nvPr>
+        </p:nvSpPr>
+        <p:spPr/>
+        <p:txBody>
+          <a:bodyPr/>
+          <a:lstStyle/>
+          <a:p>
+            <a:r>
+              <a:rPr lang="ca-ES" dirty="0"/>
+              <a:t>després de 3.798 partides i més de 450.000 generacions amb diferents paràmetres (població, mutacions i inputs)</a:t>
+            </a:r>
+          </a:p>
+        </p:txBody>
+      </p:sp>
+      <p:sp>
+        <p:nvSpPr>
+          <p:cNvPr id="4" name="Marcador de número de diapositiva 3">
+            <a:extLst>
+              <a:ext uri="{FF2B5EF4-FFF2-40B4-BE49-F238E27FC236}">
+                <a16:creationId xmlns:a16="http://schemas.microsoft.com/office/drawing/2014/main" id="{2E2C0FC1-95A9-D268-8936-646986BB08F2}"/>
+              </a:ext>
+            </a:extLst>
+          </p:cNvPr>
+          <p:cNvSpPr>
+            <a:spLocks noGrp="1"/>
+          </p:cNvSpPr>
+          <p:nvPr>
+            <p:ph type="sldNum" sz="quarter" idx="5"/>
+          </p:nvPr>
+        </p:nvSpPr>
+        <p:spPr/>
+        <p:txBody>
+          <a:bodyPr/>
+          <a:lstStyle/>
+          <a:p>
+            <a:fld id="{AA93F080-ECF3-415A-84A6-DF6D3BEC8CB2}" type="slidenum">
+              <a:rPr lang="ca-ES" smtClean="0"/>
+              <a:t>20</a:t>
+            </a:fld>
+            <a:endParaRPr lang="ca-ES"/>
+          </a:p>
+        </p:txBody>
+      </p:sp>
+    </p:spTree>
+    <p:extLst>
+      <p:ext uri="{BB962C8B-B14F-4D97-AF65-F5344CB8AC3E}">
+        <p14:creationId xmlns:p14="http://schemas.microsoft.com/office/powerpoint/2010/main" val="3863279675"/>
+      </p:ext>
+    </p:extLst>
+  </p:cSld>
+  <p:clrMapOvr>
+    <a:masterClrMapping/>
+  </p:clrMapOvr>
+</p:notes>
+</file>
+
+<file path=ppt/notesSlides/notesSlide21.xml><?xml version="1.0" encoding="utf-8"?>
+<p:notes xmlns:a="http://schemas.openxmlformats.org/drawingml/2006/main" xmlns:r="http://schemas.openxmlformats.org/officeDocument/2006/relationships" xmlns:p="http://schemas.openxmlformats.org/presentationml/2006/main">
+  <p:cSld>
+    <p:spTree>
+      <p:nvGrpSpPr>
+        <p:cNvPr id="1" name="">
+          <a:extLst>
+            <a:ext uri="{FF2B5EF4-FFF2-40B4-BE49-F238E27FC236}">
+              <a16:creationId xmlns:a16="http://schemas.microsoft.com/office/drawing/2014/main" id="{09F51C99-8016-B24C-D837-53D42EC8861A}"/>
+            </a:ext>
+          </a:extLst>
+        </p:cNvPr>
+        <p:cNvGrpSpPr/>
+        <p:nvPr/>
+      </p:nvGrpSpPr>
+      <p:grpSpPr>
+        <a:xfrm>
+          <a:off x="0" y="0"/>
+          <a:ext cx="0" cy="0"/>
+          <a:chOff x="0" y="0"/>
+          <a:chExt cx="0" cy="0"/>
+        </a:xfrm>
+      </p:grpSpPr>
+      <p:sp>
+        <p:nvSpPr>
+          <p:cNvPr id="2" name="Marcador de imagen de diapositiva 1">
+            <a:extLst>
+              <a:ext uri="{FF2B5EF4-FFF2-40B4-BE49-F238E27FC236}">
+                <a16:creationId xmlns:a16="http://schemas.microsoft.com/office/drawing/2014/main" id="{E3824CDA-57E0-9E42-1E45-62C01BB59CE9}"/>
+              </a:ext>
+            </a:extLst>
+          </p:cNvPr>
+          <p:cNvSpPr>
+            <a:spLocks noGrp="1" noRot="1" noChangeAspect="1"/>
+          </p:cNvSpPr>
+          <p:nvPr>
+            <p:ph type="sldImg"/>
+          </p:nvPr>
+        </p:nvSpPr>
+        <p:spPr/>
+      </p:sp>
+      <p:sp>
+        <p:nvSpPr>
+          <p:cNvPr id="3" name="Marcador de notas 2">
+            <a:extLst>
+              <a:ext uri="{FF2B5EF4-FFF2-40B4-BE49-F238E27FC236}">
+                <a16:creationId xmlns:a16="http://schemas.microsoft.com/office/drawing/2014/main" id="{172FA975-49C8-5AFF-A743-FEFC76063A13}"/>
+              </a:ext>
+            </a:extLst>
+          </p:cNvPr>
+          <p:cNvSpPr>
+            <a:spLocks noGrp="1"/>
+          </p:cNvSpPr>
+          <p:nvPr>
+            <p:ph type="body" idx="1"/>
+          </p:nvPr>
+        </p:nvSpPr>
+        <p:spPr/>
+        <p:txBody>
+          <a:bodyPr/>
+          <a:lstStyle/>
+          <a:p>
+            <a:endParaRPr lang="ca-ES" dirty="0"/>
+          </a:p>
+        </p:txBody>
+      </p:sp>
+      <p:sp>
+        <p:nvSpPr>
+          <p:cNvPr id="4" name="Marcador de número de diapositiva 3">
+            <a:extLst>
+              <a:ext uri="{FF2B5EF4-FFF2-40B4-BE49-F238E27FC236}">
+                <a16:creationId xmlns:a16="http://schemas.microsoft.com/office/drawing/2014/main" id="{07892EE2-1409-D0BC-051D-F97830DB3A8C}"/>
+              </a:ext>
+            </a:extLst>
+          </p:cNvPr>
+          <p:cNvSpPr>
+            <a:spLocks noGrp="1"/>
+          </p:cNvSpPr>
+          <p:nvPr>
+            <p:ph type="sldNum" sz="quarter" idx="5"/>
+          </p:nvPr>
+        </p:nvSpPr>
+        <p:spPr/>
+        <p:txBody>
+          <a:bodyPr/>
+          <a:lstStyle/>
+          <a:p>
+            <a:fld id="{AA93F080-ECF3-415A-84A6-DF6D3BEC8CB2}" type="slidenum">
+              <a:rPr lang="ca-ES" smtClean="0"/>
+              <a:t>21</a:t>
+            </a:fld>
+            <a:endParaRPr lang="ca-ES"/>
+          </a:p>
+        </p:txBody>
+      </p:sp>
+    </p:spTree>
+    <p:extLst>
+      <p:ext uri="{BB962C8B-B14F-4D97-AF65-F5344CB8AC3E}">
+        <p14:creationId xmlns:p14="http://schemas.microsoft.com/office/powerpoint/2010/main" val="2697734842"/>
+      </p:ext>
+    </p:extLst>
+  </p:cSld>
+  <p:clrMapOvr>
+    <a:masterClrMapping/>
+  </p:clrMapOvr>
+</p:notes>
+</file>
+
+<file path=ppt/notesSlides/notesSlide22.xml><?xml version="1.0" encoding="utf-8"?>
+<p:notes xmlns:a="http://schemas.openxmlformats.org/drawingml/2006/main" xmlns:r="http://schemas.openxmlformats.org/officeDocument/2006/relationships" xmlns:p="http://schemas.openxmlformats.org/presentationml/2006/main">
+  <p:cSld>
+    <p:spTree>
+      <p:nvGrpSpPr>
+        <p:cNvPr id="1" name="">
+          <a:extLst>
+            <a:ext uri="{FF2B5EF4-FFF2-40B4-BE49-F238E27FC236}">
+              <a16:creationId xmlns:a16="http://schemas.microsoft.com/office/drawing/2014/main" id="{8E578658-F951-B39D-A43B-B9D09A686A79}"/>
+            </a:ext>
+          </a:extLst>
+        </p:cNvPr>
+        <p:cNvGrpSpPr/>
+        <p:nvPr/>
+      </p:nvGrpSpPr>
+      <p:grpSpPr>
+        <a:xfrm>
+          <a:off x="0" y="0"/>
+          <a:ext cx="0" cy="0"/>
+          <a:chOff x="0" y="0"/>
+          <a:chExt cx="0" cy="0"/>
+        </a:xfrm>
+      </p:grpSpPr>
+      <p:sp>
+        <p:nvSpPr>
+          <p:cNvPr id="2" name="Marcador de imagen de diapositiva 1">
+            <a:extLst>
+              <a:ext uri="{FF2B5EF4-FFF2-40B4-BE49-F238E27FC236}">
+                <a16:creationId xmlns:a16="http://schemas.microsoft.com/office/drawing/2014/main" id="{252589C9-EB01-C8DD-29E1-F2E6DC38239C}"/>
+              </a:ext>
+            </a:extLst>
+          </p:cNvPr>
+          <p:cNvSpPr>
+            <a:spLocks noGrp="1" noRot="1" noChangeAspect="1"/>
+          </p:cNvSpPr>
+          <p:nvPr>
+            <p:ph type="sldImg"/>
+          </p:nvPr>
+        </p:nvSpPr>
+        <p:spPr/>
+      </p:sp>
+      <p:sp>
+        <p:nvSpPr>
+          <p:cNvPr id="3" name="Marcador de notas 2">
+            <a:extLst>
+              <a:ext uri="{FF2B5EF4-FFF2-40B4-BE49-F238E27FC236}">
+                <a16:creationId xmlns:a16="http://schemas.microsoft.com/office/drawing/2014/main" id="{CB5E36CA-409A-A963-4562-30D8FA3A0A07}"/>
+              </a:ext>
+            </a:extLst>
+          </p:cNvPr>
+          <p:cNvSpPr>
+            <a:spLocks noGrp="1"/>
+          </p:cNvSpPr>
+          <p:nvPr>
+            <p:ph type="body" idx="1"/>
+          </p:nvPr>
+        </p:nvSpPr>
+        <p:spPr/>
+        <p:txBody>
+          <a:bodyPr/>
+          <a:lstStyle/>
+          <a:p>
+            <a:r>
+              <a:rPr lang="ca-ES" dirty="0"/>
+              <a:t>després de 3.798 partides i més de 450.000 generacions amb diferents paràmetres (població, mutacions i inputs)</a:t>
+            </a:r>
+          </a:p>
+        </p:txBody>
+      </p:sp>
+      <p:sp>
+        <p:nvSpPr>
+          <p:cNvPr id="4" name="Marcador de número de diapositiva 3">
+            <a:extLst>
+              <a:ext uri="{FF2B5EF4-FFF2-40B4-BE49-F238E27FC236}">
+                <a16:creationId xmlns:a16="http://schemas.microsoft.com/office/drawing/2014/main" id="{26BD45AB-660A-9079-DC31-BDC00533BEA0}"/>
+              </a:ext>
+            </a:extLst>
+          </p:cNvPr>
+          <p:cNvSpPr>
+            <a:spLocks noGrp="1"/>
+          </p:cNvSpPr>
+          <p:nvPr>
+            <p:ph type="sldNum" sz="quarter" idx="5"/>
+          </p:nvPr>
+        </p:nvSpPr>
+        <p:spPr/>
+        <p:txBody>
+          <a:bodyPr/>
+          <a:lstStyle/>
+          <a:p>
+            <a:fld id="{AA93F080-ECF3-415A-84A6-DF6D3BEC8CB2}" type="slidenum">
+              <a:rPr lang="ca-ES" smtClean="0"/>
+              <a:t>22</a:t>
+            </a:fld>
+            <a:endParaRPr lang="ca-ES"/>
+          </a:p>
+        </p:txBody>
+      </p:sp>
+    </p:spTree>
+    <p:extLst>
+      <p:ext uri="{BB962C8B-B14F-4D97-AF65-F5344CB8AC3E}">
+        <p14:creationId xmlns:p14="http://schemas.microsoft.com/office/powerpoint/2010/main" val="4086109776"/>
+      </p:ext>
+    </p:extLst>
+  </p:cSld>
+  <p:clrMapOvr>
+    <a:masterClrMapping/>
+  </p:clrMapOvr>
+</p:notes>
+</file>
+
+<file path=ppt/notesSlides/notesSlide23.xml><?xml version="1.0" encoding="utf-8"?>
+<p:notes xmlns:a="http://schemas.openxmlformats.org/drawingml/2006/main" xmlns:r="http://schemas.openxmlformats.org/officeDocument/2006/relationships" xmlns:p="http://schemas.openxmlformats.org/presentationml/2006/main">
+  <p:cSld>
+    <p:spTree>
+      <p:nvGrpSpPr>
+        <p:cNvPr id="1" name="">
+          <a:extLst>
+            <a:ext uri="{FF2B5EF4-FFF2-40B4-BE49-F238E27FC236}">
+              <a16:creationId xmlns:a16="http://schemas.microsoft.com/office/drawing/2014/main" id="{3B3CAEFA-EA8C-4EEB-27B8-7642AB1DADD6}"/>
+            </a:ext>
+          </a:extLst>
+        </p:cNvPr>
+        <p:cNvGrpSpPr/>
+        <p:nvPr/>
+      </p:nvGrpSpPr>
+      <p:grpSpPr>
+        <a:xfrm>
+          <a:off x="0" y="0"/>
+          <a:ext cx="0" cy="0"/>
+          <a:chOff x="0" y="0"/>
+          <a:chExt cx="0" cy="0"/>
+        </a:xfrm>
+      </p:grpSpPr>
+      <p:sp>
+        <p:nvSpPr>
+          <p:cNvPr id="2" name="Marcador de imagen de diapositiva 1">
+            <a:extLst>
+              <a:ext uri="{FF2B5EF4-FFF2-40B4-BE49-F238E27FC236}">
+                <a16:creationId xmlns:a16="http://schemas.microsoft.com/office/drawing/2014/main" id="{7F5E3E4C-1558-EE97-4461-BDB64DB3F0C7}"/>
+              </a:ext>
+            </a:extLst>
+          </p:cNvPr>
+          <p:cNvSpPr>
+            <a:spLocks noGrp="1" noRot="1" noChangeAspect="1"/>
+          </p:cNvSpPr>
+          <p:nvPr>
+            <p:ph type="sldImg"/>
+          </p:nvPr>
+        </p:nvSpPr>
+        <p:spPr/>
+      </p:sp>
+      <p:sp>
+        <p:nvSpPr>
+          <p:cNvPr id="3" name="Marcador de notas 2">
+            <a:extLst>
+              <a:ext uri="{FF2B5EF4-FFF2-40B4-BE49-F238E27FC236}">
+                <a16:creationId xmlns:a16="http://schemas.microsoft.com/office/drawing/2014/main" id="{656A8599-D6C5-6A43-BA21-3A8E6BC3BE87}"/>
+              </a:ext>
+            </a:extLst>
+          </p:cNvPr>
+          <p:cNvSpPr>
+            <a:spLocks noGrp="1"/>
+          </p:cNvSpPr>
+          <p:nvPr>
+            <p:ph type="body" idx="1"/>
+          </p:nvPr>
+        </p:nvSpPr>
+        <p:spPr/>
+        <p:txBody>
+          <a:bodyPr/>
+          <a:lstStyle/>
+          <a:p>
+            <a:r>
+              <a:rPr lang="ca-ES" dirty="0"/>
+              <a:t>després de 3.798 partides i més de 450.000 generacions amb diferents paràmetres (població, mutacions i inputs)</a:t>
+            </a:r>
+          </a:p>
+        </p:txBody>
+      </p:sp>
+      <p:sp>
+        <p:nvSpPr>
+          <p:cNvPr id="4" name="Marcador de número de diapositiva 3">
+            <a:extLst>
+              <a:ext uri="{FF2B5EF4-FFF2-40B4-BE49-F238E27FC236}">
+                <a16:creationId xmlns:a16="http://schemas.microsoft.com/office/drawing/2014/main" id="{A9E7413D-C5CB-0C48-6788-530F9840E49E}"/>
+              </a:ext>
+            </a:extLst>
+          </p:cNvPr>
+          <p:cNvSpPr>
+            <a:spLocks noGrp="1"/>
+          </p:cNvSpPr>
+          <p:nvPr>
+            <p:ph type="sldNum" sz="quarter" idx="5"/>
+          </p:nvPr>
+        </p:nvSpPr>
+        <p:spPr/>
+        <p:txBody>
+          <a:bodyPr/>
+          <a:lstStyle/>
+          <a:p>
+            <a:fld id="{AA93F080-ECF3-415A-84A6-DF6D3BEC8CB2}" type="slidenum">
+              <a:rPr lang="ca-ES" smtClean="0"/>
+              <a:t>23</a:t>
+            </a:fld>
+            <a:endParaRPr lang="ca-ES"/>
+          </a:p>
+        </p:txBody>
+      </p:sp>
+    </p:spTree>
+    <p:extLst>
+      <p:ext uri="{BB962C8B-B14F-4D97-AF65-F5344CB8AC3E}">
+        <p14:creationId xmlns:p14="http://schemas.microsoft.com/office/powerpoint/2010/main" val="3374244409"/>
+      </p:ext>
+    </p:extLst>
+  </p:cSld>
+  <p:clrMapOvr>
+    <a:masterClrMapping/>
+  </p:clrMapOvr>
+</p:notes>
+</file>
+
+<file path=ppt/notesSlides/notesSlide24.xml><?xml version="1.0" encoding="utf-8"?>
+<p:notes xmlns:a="http://schemas.openxmlformats.org/drawingml/2006/main" xmlns:r="http://schemas.openxmlformats.org/officeDocument/2006/relationships" xmlns:p="http://schemas.openxmlformats.org/presentationml/2006/main">
+  <p:cSld>
+    <p:spTree>
+      <p:nvGrpSpPr>
+        <p:cNvPr id="1" name="">
+          <a:extLst>
+            <a:ext uri="{FF2B5EF4-FFF2-40B4-BE49-F238E27FC236}">
+              <a16:creationId xmlns:a16="http://schemas.microsoft.com/office/drawing/2014/main" id="{80480E66-35CE-FAF3-1D83-F3E904689D25}"/>
+            </a:ext>
+          </a:extLst>
+        </p:cNvPr>
+        <p:cNvGrpSpPr/>
+        <p:nvPr/>
+      </p:nvGrpSpPr>
+      <p:grpSpPr>
+        <a:xfrm>
+          <a:off x="0" y="0"/>
+          <a:ext cx="0" cy="0"/>
+          <a:chOff x="0" y="0"/>
+          <a:chExt cx="0" cy="0"/>
+        </a:xfrm>
+      </p:grpSpPr>
+      <p:sp>
+        <p:nvSpPr>
+          <p:cNvPr id="2" name="Marcador de imagen de diapositiva 1">
+            <a:extLst>
+              <a:ext uri="{FF2B5EF4-FFF2-40B4-BE49-F238E27FC236}">
+                <a16:creationId xmlns:a16="http://schemas.microsoft.com/office/drawing/2014/main" id="{4297326B-8A63-FC1A-A8D4-A937E97C2D4B}"/>
+              </a:ext>
+            </a:extLst>
+          </p:cNvPr>
+          <p:cNvSpPr>
+            <a:spLocks noGrp="1" noRot="1" noChangeAspect="1"/>
+          </p:cNvSpPr>
+          <p:nvPr>
+            <p:ph type="sldImg"/>
+          </p:nvPr>
+        </p:nvSpPr>
+        <p:spPr/>
+      </p:sp>
+      <p:sp>
+        <p:nvSpPr>
+          <p:cNvPr id="3" name="Marcador de notas 2">
+            <a:extLst>
+              <a:ext uri="{FF2B5EF4-FFF2-40B4-BE49-F238E27FC236}">
+                <a16:creationId xmlns:a16="http://schemas.microsoft.com/office/drawing/2014/main" id="{C41BA95F-F307-EF2C-DECF-F7543DDA966B}"/>
+              </a:ext>
+            </a:extLst>
+          </p:cNvPr>
+          <p:cNvSpPr>
+            <a:spLocks noGrp="1"/>
+          </p:cNvSpPr>
+          <p:nvPr>
+            <p:ph type="body" idx="1"/>
+          </p:nvPr>
+        </p:nvSpPr>
+        <p:spPr/>
+        <p:txBody>
+          <a:bodyPr/>
+          <a:lstStyle/>
+          <a:p>
+            <a:r>
+              <a:rPr lang="ca-ES" dirty="0"/>
+              <a:t>després de 3.798 partides i més de 450.000 generacions amb diferents paràmetres (població, mutacions i inputs)</a:t>
+            </a:r>
+          </a:p>
+        </p:txBody>
+      </p:sp>
+      <p:sp>
+        <p:nvSpPr>
+          <p:cNvPr id="4" name="Marcador de número de diapositiva 3">
+            <a:extLst>
+              <a:ext uri="{FF2B5EF4-FFF2-40B4-BE49-F238E27FC236}">
+                <a16:creationId xmlns:a16="http://schemas.microsoft.com/office/drawing/2014/main" id="{033842CB-4A9E-27AC-889B-8D6DFE93BB51}"/>
+              </a:ext>
+            </a:extLst>
+          </p:cNvPr>
+          <p:cNvSpPr>
+            <a:spLocks noGrp="1"/>
+          </p:cNvSpPr>
+          <p:nvPr>
+            <p:ph type="sldNum" sz="quarter" idx="5"/>
+          </p:nvPr>
+        </p:nvSpPr>
+        <p:spPr/>
+        <p:txBody>
+          <a:bodyPr/>
+          <a:lstStyle/>
+          <a:p>
+            <a:fld id="{AA93F080-ECF3-415A-84A6-DF6D3BEC8CB2}" type="slidenum">
+              <a:rPr lang="ca-ES" smtClean="0"/>
+              <a:t>24</a:t>
+            </a:fld>
+            <a:endParaRPr lang="ca-ES"/>
+          </a:p>
+        </p:txBody>
+      </p:sp>
+    </p:spTree>
+    <p:extLst>
+      <p:ext uri="{BB962C8B-B14F-4D97-AF65-F5344CB8AC3E}">
+        <p14:creationId xmlns:p14="http://schemas.microsoft.com/office/powerpoint/2010/main" val="2971989367"/>
+      </p:ext>
+    </p:extLst>
+  </p:cSld>
+  <p:clrMapOvr>
+    <a:masterClrMapping/>
+  </p:clrMapOvr>
+</p:notes>
+</file>
+
+<file path=ppt/notesSlides/notesSlide25.xml><?xml version="1.0" encoding="utf-8"?>
+<p:notes xmlns:a="http://schemas.openxmlformats.org/drawingml/2006/main" xmlns:r="http://schemas.openxmlformats.org/officeDocument/2006/relationships" xmlns:p="http://schemas.openxmlformats.org/presentationml/2006/main">
+  <p:cSld>
+    <p:spTree>
+      <p:nvGrpSpPr>
+        <p:cNvPr id="1" name="">
+          <a:extLst>
+            <a:ext uri="{FF2B5EF4-FFF2-40B4-BE49-F238E27FC236}">
+              <a16:creationId xmlns:a16="http://schemas.microsoft.com/office/drawing/2014/main" id="{DC7C2C67-6E68-7FAC-080E-4489E28B51E2}"/>
+            </a:ext>
+          </a:extLst>
+        </p:cNvPr>
+        <p:cNvGrpSpPr/>
+        <p:nvPr/>
+      </p:nvGrpSpPr>
+      <p:grpSpPr>
+        <a:xfrm>
+          <a:off x="0" y="0"/>
+          <a:ext cx="0" cy="0"/>
+          <a:chOff x="0" y="0"/>
+          <a:chExt cx="0" cy="0"/>
+        </a:xfrm>
+      </p:grpSpPr>
+      <p:sp>
+        <p:nvSpPr>
+          <p:cNvPr id="2" name="Marcador de imagen de diapositiva 1">
+            <a:extLst>
+              <a:ext uri="{FF2B5EF4-FFF2-40B4-BE49-F238E27FC236}">
+                <a16:creationId xmlns:a16="http://schemas.microsoft.com/office/drawing/2014/main" id="{36940BE2-F6A2-EC19-0F80-19AFF60F482D}"/>
+              </a:ext>
+            </a:extLst>
+          </p:cNvPr>
+          <p:cNvSpPr>
+            <a:spLocks noGrp="1" noRot="1" noChangeAspect="1"/>
+          </p:cNvSpPr>
+          <p:nvPr>
+            <p:ph type="sldImg"/>
+          </p:nvPr>
+        </p:nvSpPr>
+        <p:spPr/>
+      </p:sp>
+      <p:sp>
+        <p:nvSpPr>
+          <p:cNvPr id="3" name="Marcador de notas 2">
+            <a:extLst>
+              <a:ext uri="{FF2B5EF4-FFF2-40B4-BE49-F238E27FC236}">
+                <a16:creationId xmlns:a16="http://schemas.microsoft.com/office/drawing/2014/main" id="{4CC80B55-8771-90AB-8919-9C18360B7B38}"/>
+              </a:ext>
+            </a:extLst>
+          </p:cNvPr>
+          <p:cNvSpPr>
+            <a:spLocks noGrp="1"/>
+          </p:cNvSpPr>
+          <p:nvPr>
+            <p:ph type="body" idx="1"/>
+          </p:nvPr>
+        </p:nvSpPr>
+        <p:spPr/>
+        <p:txBody>
+          <a:bodyPr/>
+          <a:lstStyle/>
+          <a:p>
+            <a:r>
+              <a:rPr lang="es-ES" dirty="0"/>
+              <a:t>La 𝑅^2 (</a:t>
+            </a:r>
+            <a:r>
+              <a:rPr lang="es-ES" dirty="0" err="1"/>
+              <a:t>coeficient</a:t>
+            </a:r>
+            <a:r>
+              <a:rPr lang="es-ES" dirty="0"/>
+              <a:t> de </a:t>
+            </a:r>
+            <a:r>
+              <a:rPr lang="es-ES" dirty="0" err="1"/>
+              <a:t>determinació</a:t>
+            </a:r>
+            <a:r>
+              <a:rPr lang="es-ES" dirty="0"/>
+              <a:t>) en un </a:t>
+            </a:r>
+            <a:r>
+              <a:rPr lang="es-ES" dirty="0" err="1"/>
+              <a:t>gràfic</a:t>
+            </a:r>
+            <a:r>
+              <a:rPr lang="es-ES" dirty="0"/>
+              <a:t> </a:t>
+            </a:r>
+            <a:r>
+              <a:rPr lang="es-ES" dirty="0" err="1"/>
+              <a:t>logarítmic</a:t>
+            </a:r>
+            <a:r>
+              <a:rPr lang="es-ES" dirty="0"/>
+              <a:t> mesura </a:t>
+            </a:r>
+            <a:r>
+              <a:rPr lang="es-ES" dirty="0" err="1"/>
+              <a:t>com</a:t>
+            </a:r>
+            <a:r>
+              <a:rPr lang="es-ES" dirty="0"/>
+              <a:t> de </a:t>
+            </a:r>
+            <a:r>
+              <a:rPr lang="es-ES" dirty="0" err="1"/>
+              <a:t>bé</a:t>
+            </a:r>
+            <a:r>
+              <a:rPr lang="es-ES" dirty="0"/>
+              <a:t> </a:t>
+            </a:r>
+            <a:r>
+              <a:rPr lang="es-ES" dirty="0" err="1"/>
+              <a:t>s'ajusta</a:t>
+            </a:r>
+            <a:r>
+              <a:rPr lang="es-ES" dirty="0"/>
+              <a:t> una </a:t>
+            </a:r>
+            <a:r>
+              <a:rPr lang="es-ES" dirty="0" err="1"/>
+              <a:t>línia</a:t>
+            </a:r>
+            <a:r>
+              <a:rPr lang="es-ES" dirty="0"/>
+              <a:t> de </a:t>
+            </a:r>
+            <a:r>
+              <a:rPr lang="es-ES" dirty="0" err="1"/>
+              <a:t>tendència</a:t>
+            </a:r>
+            <a:r>
+              <a:rPr lang="es-ES" dirty="0"/>
+              <a:t> logarítmica a les dades. </a:t>
+            </a:r>
+            <a:r>
+              <a:rPr lang="es-ES" dirty="0" err="1"/>
+              <a:t>S'interpreta</a:t>
+            </a:r>
+            <a:r>
+              <a:rPr lang="es-ES" dirty="0"/>
+              <a:t> i calcula de manera similar a la 𝑅^2 en un </a:t>
+            </a:r>
+            <a:r>
+              <a:rPr lang="es-ES" dirty="0" err="1"/>
+              <a:t>gràfic</a:t>
+            </a:r>
+            <a:r>
+              <a:rPr lang="es-ES" dirty="0"/>
+              <a:t> lineal, </a:t>
+            </a:r>
+            <a:r>
+              <a:rPr lang="es-ES" dirty="0" err="1"/>
+              <a:t>però</a:t>
+            </a:r>
+            <a:r>
+              <a:rPr lang="es-ES" dirty="0"/>
+              <a:t> </a:t>
+            </a:r>
+            <a:r>
+              <a:rPr lang="es-ES" dirty="0" err="1"/>
+              <a:t>considerant</a:t>
+            </a:r>
+            <a:r>
+              <a:rPr lang="es-ES" dirty="0"/>
+              <a:t> la </a:t>
+            </a:r>
+            <a:r>
+              <a:rPr lang="es-ES" dirty="0" err="1"/>
+              <a:t>transformació</a:t>
+            </a:r>
+            <a:r>
+              <a:rPr lang="es-ES" dirty="0"/>
+              <a:t> logarítmica. El </a:t>
+            </a:r>
+            <a:r>
+              <a:rPr lang="es-ES" dirty="0" err="1"/>
+              <a:t>coeficient</a:t>
+            </a:r>
+            <a:r>
+              <a:rPr lang="es-ES" dirty="0"/>
+              <a:t> varia entre 0 i 1, </a:t>
+            </a:r>
+            <a:r>
+              <a:rPr lang="es-ES" dirty="0" err="1"/>
+              <a:t>on</a:t>
+            </a:r>
+            <a:r>
+              <a:rPr lang="es-ES" dirty="0"/>
+              <a:t> 1 </a:t>
+            </a:r>
+            <a:r>
+              <a:rPr lang="es-ES" dirty="0" err="1"/>
+              <a:t>suggereix</a:t>
+            </a:r>
+            <a:r>
+              <a:rPr lang="es-ES" dirty="0"/>
+              <a:t> que el </a:t>
+            </a:r>
+            <a:r>
+              <a:rPr lang="es-ES" dirty="0" err="1"/>
+              <a:t>model</a:t>
+            </a:r>
+            <a:r>
+              <a:rPr lang="es-ES" dirty="0"/>
+              <a:t> </a:t>
+            </a:r>
+            <a:r>
+              <a:rPr lang="es-ES" dirty="0" err="1"/>
+              <a:t>logarítmic</a:t>
+            </a:r>
+            <a:r>
+              <a:rPr lang="es-ES" dirty="0"/>
+              <a:t> explica </a:t>
+            </a:r>
+            <a:r>
+              <a:rPr lang="es-ES" dirty="0" err="1"/>
+              <a:t>perfectament</a:t>
+            </a:r>
+            <a:r>
+              <a:rPr lang="es-ES" dirty="0"/>
+              <a:t> la </a:t>
+            </a:r>
+            <a:r>
+              <a:rPr lang="es-ES" dirty="0" err="1"/>
+              <a:t>relació</a:t>
+            </a:r>
+            <a:r>
+              <a:rPr lang="es-ES" dirty="0"/>
+              <a:t> entre les variables, </a:t>
+            </a:r>
+            <a:r>
+              <a:rPr lang="es-ES" dirty="0" err="1"/>
+              <a:t>mentre</a:t>
+            </a:r>
+            <a:r>
+              <a:rPr lang="es-ES" dirty="0"/>
+              <a:t> que 0 indica que el </a:t>
+            </a:r>
+            <a:r>
+              <a:rPr lang="es-ES" dirty="0" err="1"/>
+              <a:t>model</a:t>
+            </a:r>
+            <a:r>
+              <a:rPr lang="es-ES" dirty="0"/>
+              <a:t> no explica gens </a:t>
+            </a:r>
+            <a:r>
+              <a:rPr lang="es-ES" dirty="0" err="1"/>
+              <a:t>aquesta</a:t>
+            </a:r>
+            <a:r>
+              <a:rPr lang="es-ES" dirty="0"/>
+              <a:t> </a:t>
+            </a:r>
+            <a:r>
+              <a:rPr lang="es-ES" dirty="0" err="1"/>
+              <a:t>relació</a:t>
+            </a:r>
+            <a:r>
+              <a:rPr lang="es-ES" dirty="0"/>
+              <a:t>. Un valor </a:t>
+            </a:r>
+            <a:r>
+              <a:rPr lang="es-ES" dirty="0" err="1"/>
+              <a:t>més</a:t>
+            </a:r>
+            <a:r>
+              <a:rPr lang="es-ES" dirty="0"/>
+              <a:t> </a:t>
+            </a:r>
+            <a:r>
+              <a:rPr lang="es-ES" dirty="0" err="1"/>
+              <a:t>proper</a:t>
+            </a:r>
+            <a:r>
+              <a:rPr lang="es-ES" dirty="0"/>
+              <a:t> a 1 implica que el </a:t>
+            </a:r>
+            <a:r>
+              <a:rPr lang="es-ES" dirty="0" err="1"/>
+              <a:t>model</a:t>
+            </a:r>
+            <a:r>
+              <a:rPr lang="es-ES" dirty="0"/>
+              <a:t> </a:t>
+            </a:r>
+            <a:r>
+              <a:rPr lang="es-ES" dirty="0" err="1"/>
+              <a:t>logarítmic</a:t>
+            </a:r>
+            <a:r>
+              <a:rPr lang="es-ES" dirty="0"/>
+              <a:t> captura </a:t>
+            </a:r>
+            <a:r>
+              <a:rPr lang="es-ES" dirty="0" err="1"/>
+              <a:t>millor</a:t>
+            </a:r>
+            <a:r>
+              <a:rPr lang="es-ES" dirty="0"/>
+              <a:t> la </a:t>
+            </a:r>
+            <a:r>
+              <a:rPr lang="es-ES" dirty="0" err="1"/>
+              <a:t>variabilitat</a:t>
+            </a:r>
+            <a:r>
+              <a:rPr lang="es-ES" dirty="0"/>
+              <a:t> de les dades en </a:t>
+            </a:r>
+            <a:r>
+              <a:rPr lang="es-ES" dirty="0" err="1"/>
+              <a:t>comparació</a:t>
+            </a:r>
+            <a:r>
+              <a:rPr lang="es-ES" dirty="0"/>
+              <a:t> </a:t>
+            </a:r>
+            <a:r>
+              <a:rPr lang="es-ES" dirty="0" err="1"/>
+              <a:t>amb</a:t>
+            </a:r>
+            <a:r>
+              <a:rPr lang="es-ES" dirty="0"/>
+              <a:t> </a:t>
+            </a:r>
+            <a:r>
+              <a:rPr lang="es-ES" dirty="0" err="1"/>
+              <a:t>altres</a:t>
+            </a:r>
+            <a:r>
+              <a:rPr lang="es-ES" dirty="0"/>
+              <a:t> </a:t>
+            </a:r>
+            <a:r>
+              <a:rPr lang="es-ES" dirty="0" err="1"/>
+              <a:t>models</a:t>
+            </a:r>
+            <a:r>
+              <a:rPr lang="es-ES" dirty="0"/>
+              <a:t> </a:t>
+            </a:r>
+            <a:r>
+              <a:rPr lang="es-ES" dirty="0" err="1"/>
+              <a:t>més</a:t>
+            </a:r>
+            <a:r>
+              <a:rPr lang="es-ES" dirty="0"/>
+              <a:t> simples, </a:t>
+            </a:r>
+            <a:r>
+              <a:rPr lang="es-ES" dirty="0" err="1"/>
+              <a:t>com</a:t>
+            </a:r>
+            <a:r>
+              <a:rPr lang="es-ES" dirty="0"/>
+              <a:t> el lineal. Es calcula </a:t>
+            </a:r>
+            <a:r>
+              <a:rPr lang="es-ES" dirty="0" err="1"/>
+              <a:t>amb</a:t>
+            </a:r>
+            <a:r>
+              <a:rPr lang="es-ES" dirty="0"/>
+              <a:t> la </a:t>
+            </a:r>
+            <a:r>
+              <a:rPr lang="es-ES" dirty="0" err="1"/>
+              <a:t>següent</a:t>
+            </a:r>
+            <a:r>
+              <a:rPr lang="es-ES" dirty="0"/>
+              <a:t> fórmula</a:t>
+            </a:r>
+            <a:endParaRPr lang="ca-ES" dirty="0"/>
+          </a:p>
+        </p:txBody>
+      </p:sp>
+      <p:sp>
+        <p:nvSpPr>
+          <p:cNvPr id="4" name="Marcador de número de diapositiva 3">
+            <a:extLst>
+              <a:ext uri="{FF2B5EF4-FFF2-40B4-BE49-F238E27FC236}">
+                <a16:creationId xmlns:a16="http://schemas.microsoft.com/office/drawing/2014/main" id="{0BE89A2D-44A2-6169-D48E-59DCA4235E29}"/>
+              </a:ext>
+            </a:extLst>
+          </p:cNvPr>
+          <p:cNvSpPr>
+            <a:spLocks noGrp="1"/>
+          </p:cNvSpPr>
+          <p:nvPr>
+            <p:ph type="sldNum" sz="quarter" idx="5"/>
+          </p:nvPr>
+        </p:nvSpPr>
+        <p:spPr/>
+        <p:txBody>
+          <a:bodyPr/>
+          <a:lstStyle/>
+          <a:p>
+            <a:fld id="{AA93F080-ECF3-415A-84A6-DF6D3BEC8CB2}" type="slidenum">
+              <a:rPr lang="ca-ES" smtClean="0"/>
+              <a:t>25</a:t>
+            </a:fld>
+            <a:endParaRPr lang="ca-ES"/>
+          </a:p>
+        </p:txBody>
+      </p:sp>
+    </p:spTree>
+    <p:extLst>
+      <p:ext uri="{BB962C8B-B14F-4D97-AF65-F5344CB8AC3E}">
+        <p14:creationId xmlns:p14="http://schemas.microsoft.com/office/powerpoint/2010/main" val="2662613884"/>
+      </p:ext>
+    </p:extLst>
+  </p:cSld>
+  <p:clrMapOvr>
+    <a:masterClrMapping/>
+  </p:clrMapOvr>
+</p:notes>
+</file>
+
+<file path=ppt/notesSlides/notesSlide26.xml><?xml version="1.0" encoding="utf-8"?>
+<p:notes xmlns:a="http://schemas.openxmlformats.org/drawingml/2006/main" xmlns:r="http://schemas.openxmlformats.org/officeDocument/2006/relationships" xmlns:p="http://schemas.openxmlformats.org/presentationml/2006/main">
+  <p:cSld>
+    <p:spTree>
+      <p:nvGrpSpPr>
+        <p:cNvPr id="1" name="">
+          <a:extLst>
+            <a:ext uri="{FF2B5EF4-FFF2-40B4-BE49-F238E27FC236}">
+              <a16:creationId xmlns:a16="http://schemas.microsoft.com/office/drawing/2014/main" id="{59ECC399-436E-F54F-DCED-2B0B8C3BEA0D}"/>
+            </a:ext>
+          </a:extLst>
+        </p:cNvPr>
+        <p:cNvGrpSpPr/>
+        <p:nvPr/>
+      </p:nvGrpSpPr>
+      <p:grpSpPr>
+        <a:xfrm>
+          <a:off x="0" y="0"/>
+          <a:ext cx="0" cy="0"/>
+          <a:chOff x="0" y="0"/>
+          <a:chExt cx="0" cy="0"/>
+        </a:xfrm>
+      </p:grpSpPr>
+      <p:sp>
+        <p:nvSpPr>
+          <p:cNvPr id="2" name="Marcador de imagen de diapositiva 1">
+            <a:extLst>
+              <a:ext uri="{FF2B5EF4-FFF2-40B4-BE49-F238E27FC236}">
+                <a16:creationId xmlns:a16="http://schemas.microsoft.com/office/drawing/2014/main" id="{C8B407D0-930E-9BBE-B7CA-BBC34D8EC2CF}"/>
+              </a:ext>
+            </a:extLst>
+          </p:cNvPr>
+          <p:cNvSpPr>
+            <a:spLocks noGrp="1" noRot="1" noChangeAspect="1"/>
+          </p:cNvSpPr>
+          <p:nvPr>
+            <p:ph type="sldImg"/>
+          </p:nvPr>
+        </p:nvSpPr>
+        <p:spPr/>
+      </p:sp>
+      <p:sp>
+        <p:nvSpPr>
+          <p:cNvPr id="3" name="Marcador de notas 2">
+            <a:extLst>
+              <a:ext uri="{FF2B5EF4-FFF2-40B4-BE49-F238E27FC236}">
+                <a16:creationId xmlns:a16="http://schemas.microsoft.com/office/drawing/2014/main" id="{4B13D440-A9D8-B6A2-83EB-DC4818318239}"/>
+              </a:ext>
+            </a:extLst>
+          </p:cNvPr>
+          <p:cNvSpPr>
+            <a:spLocks noGrp="1"/>
+          </p:cNvSpPr>
+          <p:nvPr>
+            <p:ph type="body" idx="1"/>
+          </p:nvPr>
+        </p:nvSpPr>
+        <p:spPr/>
+        <p:txBody>
+          <a:bodyPr/>
+          <a:lstStyle/>
+          <a:p>
+            <a:r>
+              <a:rPr lang="ca-ES" dirty="0"/>
+              <a:t>MITJANA DE TOTS ELS VALORS R^2 RESULTANT EN UNA GRAFICA SIMILAR A LA SEGUENT</a:t>
+            </a:r>
+          </a:p>
+          <a:p>
+            <a:r>
+              <a:rPr lang="ca-ES" dirty="0"/>
+              <a:t>R^2 MITJÀ: 0,73</a:t>
+            </a:r>
+          </a:p>
+        </p:txBody>
+      </p:sp>
+      <p:sp>
+        <p:nvSpPr>
+          <p:cNvPr id="4" name="Marcador de número de diapositiva 3">
+            <a:extLst>
+              <a:ext uri="{FF2B5EF4-FFF2-40B4-BE49-F238E27FC236}">
+                <a16:creationId xmlns:a16="http://schemas.microsoft.com/office/drawing/2014/main" id="{0F755437-16AB-0047-2858-688A87D0240A}"/>
+              </a:ext>
+            </a:extLst>
+          </p:cNvPr>
+          <p:cNvSpPr>
+            <a:spLocks noGrp="1"/>
+          </p:cNvSpPr>
+          <p:nvPr>
+            <p:ph type="sldNum" sz="quarter" idx="5"/>
+          </p:nvPr>
+        </p:nvSpPr>
+        <p:spPr/>
+        <p:txBody>
+          <a:bodyPr/>
+          <a:lstStyle/>
+          <a:p>
+            <a:fld id="{AA93F080-ECF3-415A-84A6-DF6D3BEC8CB2}" type="slidenum">
+              <a:rPr lang="ca-ES" smtClean="0"/>
+              <a:t>26</a:t>
+            </a:fld>
+            <a:endParaRPr lang="ca-ES"/>
+          </a:p>
+        </p:txBody>
+      </p:sp>
+    </p:spTree>
+    <p:extLst>
+      <p:ext uri="{BB962C8B-B14F-4D97-AF65-F5344CB8AC3E}">
+        <p14:creationId xmlns:p14="http://schemas.microsoft.com/office/powerpoint/2010/main" val="719470744"/>
+      </p:ext>
+    </p:extLst>
+  </p:cSld>
+  <p:clrMapOvr>
+    <a:masterClrMapping/>
+  </p:clrMapOvr>
+</p:notes>
+</file>
+
+<file path=ppt/notesSlides/notesSlide27.xml><?xml version="1.0" encoding="utf-8"?>
+<p:notes xmlns:a="http://schemas.openxmlformats.org/drawingml/2006/main" xmlns:r="http://schemas.openxmlformats.org/officeDocument/2006/relationships" xmlns:p="http://schemas.openxmlformats.org/presentationml/2006/main">
+  <p:cSld>
+    <p:spTree>
+      <p:nvGrpSpPr>
+        <p:cNvPr id="1" name="">
+          <a:extLst>
+            <a:ext uri="{FF2B5EF4-FFF2-40B4-BE49-F238E27FC236}">
+              <a16:creationId xmlns:a16="http://schemas.microsoft.com/office/drawing/2014/main" id="{52E7DBEB-9E24-2E0B-BF62-EEDC17F89C59}"/>
+            </a:ext>
+          </a:extLst>
+        </p:cNvPr>
+        <p:cNvGrpSpPr/>
+        <p:nvPr/>
+      </p:nvGrpSpPr>
+      <p:grpSpPr>
+        <a:xfrm>
+          <a:off x="0" y="0"/>
+          <a:ext cx="0" cy="0"/>
+          <a:chOff x="0" y="0"/>
+          <a:chExt cx="0" cy="0"/>
+        </a:xfrm>
+      </p:grpSpPr>
+      <p:sp>
+        <p:nvSpPr>
+          <p:cNvPr id="2" name="Marcador de imagen de diapositiva 1">
+            <a:extLst>
+              <a:ext uri="{FF2B5EF4-FFF2-40B4-BE49-F238E27FC236}">
+                <a16:creationId xmlns:a16="http://schemas.microsoft.com/office/drawing/2014/main" id="{0D3F3E01-1C40-8C25-4A2F-AE228F953F01}"/>
+              </a:ext>
+            </a:extLst>
+          </p:cNvPr>
+          <p:cNvSpPr>
+            <a:spLocks noGrp="1" noRot="1" noChangeAspect="1"/>
+          </p:cNvSpPr>
+          <p:nvPr>
+            <p:ph type="sldImg"/>
+          </p:nvPr>
+        </p:nvSpPr>
+        <p:spPr/>
+      </p:sp>
+      <p:sp>
+        <p:nvSpPr>
+          <p:cNvPr id="3" name="Marcador de notas 2">
+            <a:extLst>
+              <a:ext uri="{FF2B5EF4-FFF2-40B4-BE49-F238E27FC236}">
+                <a16:creationId xmlns:a16="http://schemas.microsoft.com/office/drawing/2014/main" id="{7B03FF33-EBEC-790F-77DF-FC5505A9636F}"/>
+              </a:ext>
+            </a:extLst>
+          </p:cNvPr>
+          <p:cNvSpPr>
+            <a:spLocks noGrp="1"/>
+          </p:cNvSpPr>
+          <p:nvPr>
+            <p:ph type="body" idx="1"/>
+          </p:nvPr>
+        </p:nvSpPr>
+        <p:spPr/>
+        <p:txBody>
+          <a:bodyPr/>
+          <a:lstStyle/>
+          <a:p>
+            <a:r>
+              <a:rPr lang="ca-ES" dirty="0"/>
+              <a:t>MITJANA DE TOTS ELS VALORS R^2 RESULTANT EN UNA GRAFICA SIMILAR A LA SEGUENT</a:t>
+            </a:r>
+          </a:p>
+          <a:p>
+            <a:r>
+              <a:rPr lang="ca-ES" dirty="0"/>
+              <a:t>R^2 MITJÀ: 0,73</a:t>
+            </a:r>
+          </a:p>
+        </p:txBody>
+      </p:sp>
+      <p:sp>
+        <p:nvSpPr>
+          <p:cNvPr id="4" name="Marcador de número de diapositiva 3">
+            <a:extLst>
+              <a:ext uri="{FF2B5EF4-FFF2-40B4-BE49-F238E27FC236}">
+                <a16:creationId xmlns:a16="http://schemas.microsoft.com/office/drawing/2014/main" id="{8B962D95-665B-AC10-2EE2-6D74BA01ECCB}"/>
+              </a:ext>
+            </a:extLst>
+          </p:cNvPr>
+          <p:cNvSpPr>
+            <a:spLocks noGrp="1"/>
+          </p:cNvSpPr>
+          <p:nvPr>
+            <p:ph type="sldNum" sz="quarter" idx="5"/>
+          </p:nvPr>
+        </p:nvSpPr>
+        <p:spPr/>
+        <p:txBody>
+          <a:bodyPr/>
+          <a:lstStyle/>
+          <a:p>
+            <a:fld id="{AA93F080-ECF3-415A-84A6-DF6D3BEC8CB2}" type="slidenum">
+              <a:rPr lang="ca-ES" smtClean="0"/>
+              <a:t>27</a:t>
+            </a:fld>
+            <a:endParaRPr lang="ca-ES"/>
+          </a:p>
+        </p:txBody>
+      </p:sp>
+    </p:spTree>
+    <p:extLst>
+      <p:ext uri="{BB962C8B-B14F-4D97-AF65-F5344CB8AC3E}">
+        <p14:creationId xmlns:p14="http://schemas.microsoft.com/office/powerpoint/2010/main" val="2199230703"/>
+      </p:ext>
+    </p:extLst>
+  </p:cSld>
+  <p:clrMapOvr>
+    <a:masterClrMapping/>
+  </p:clrMapOvr>
+</p:notes>
+</file>
+
+<file path=ppt/notesSlides/notesSlide28.xml><?xml version="1.0" encoding="utf-8"?>
+<p:notes xmlns:a="http://schemas.openxmlformats.org/drawingml/2006/main" xmlns:r="http://schemas.openxmlformats.org/officeDocument/2006/relationships" xmlns:p="http://schemas.openxmlformats.org/presentationml/2006/main">
+  <p:cSld>
+    <p:spTree>
+      <p:nvGrpSpPr>
+        <p:cNvPr id="1" name="">
+          <a:extLst>
+            <a:ext uri="{FF2B5EF4-FFF2-40B4-BE49-F238E27FC236}">
+              <a16:creationId xmlns:a16="http://schemas.microsoft.com/office/drawing/2014/main" id="{CF0A5DFA-6A9B-E620-7E09-E269082ACF9B}"/>
+            </a:ext>
+          </a:extLst>
+        </p:cNvPr>
+        <p:cNvGrpSpPr/>
+        <p:nvPr/>
+      </p:nvGrpSpPr>
+      <p:grpSpPr>
+        <a:xfrm>
+          <a:off x="0" y="0"/>
+          <a:ext cx="0" cy="0"/>
+          <a:chOff x="0" y="0"/>
+          <a:chExt cx="0" cy="0"/>
+        </a:xfrm>
+      </p:grpSpPr>
+      <p:sp>
+        <p:nvSpPr>
+          <p:cNvPr id="2" name="Marcador de imagen de diapositiva 1">
+            <a:extLst>
+              <a:ext uri="{FF2B5EF4-FFF2-40B4-BE49-F238E27FC236}">
+                <a16:creationId xmlns:a16="http://schemas.microsoft.com/office/drawing/2014/main" id="{5D5FEDB4-FCE7-5D85-C562-C722C6B3F351}"/>
+              </a:ext>
+            </a:extLst>
+          </p:cNvPr>
+          <p:cNvSpPr>
+            <a:spLocks noGrp="1" noRot="1" noChangeAspect="1"/>
+          </p:cNvSpPr>
+          <p:nvPr>
+            <p:ph type="sldImg"/>
+          </p:nvPr>
+        </p:nvSpPr>
+        <p:spPr/>
+      </p:sp>
+      <p:sp>
+        <p:nvSpPr>
+          <p:cNvPr id="3" name="Marcador de notas 2">
+            <a:extLst>
+              <a:ext uri="{FF2B5EF4-FFF2-40B4-BE49-F238E27FC236}">
+                <a16:creationId xmlns:a16="http://schemas.microsoft.com/office/drawing/2014/main" id="{5C6D6F25-62E0-1E65-8BAE-4A1D799CD7BF}"/>
+              </a:ext>
+            </a:extLst>
+          </p:cNvPr>
+          <p:cNvSpPr>
+            <a:spLocks noGrp="1"/>
+          </p:cNvSpPr>
+          <p:nvPr>
+            <p:ph type="body" idx="1"/>
+          </p:nvPr>
+        </p:nvSpPr>
+        <p:spPr/>
+        <p:txBody>
+          <a:bodyPr/>
+          <a:lstStyle/>
+          <a:p>
+            <a:endParaRPr lang="ca-ES" dirty="0"/>
+          </a:p>
+        </p:txBody>
+      </p:sp>
+      <p:sp>
+        <p:nvSpPr>
+          <p:cNvPr id="4" name="Marcador de número de diapositiva 3">
+            <a:extLst>
+              <a:ext uri="{FF2B5EF4-FFF2-40B4-BE49-F238E27FC236}">
+                <a16:creationId xmlns:a16="http://schemas.microsoft.com/office/drawing/2014/main" id="{0F0DFB23-ACC1-80B6-B3B1-95E0F34B9181}"/>
+              </a:ext>
+            </a:extLst>
+          </p:cNvPr>
+          <p:cNvSpPr>
+            <a:spLocks noGrp="1"/>
+          </p:cNvSpPr>
+          <p:nvPr>
+            <p:ph type="sldNum" sz="quarter" idx="5"/>
+          </p:nvPr>
+        </p:nvSpPr>
+        <p:spPr/>
+        <p:txBody>
+          <a:bodyPr/>
+          <a:lstStyle/>
+          <a:p>
+            <a:fld id="{AA93F080-ECF3-415A-84A6-DF6D3BEC8CB2}" type="slidenum">
+              <a:rPr lang="ca-ES" smtClean="0"/>
+              <a:t>28</a:t>
+            </a:fld>
+            <a:endParaRPr lang="ca-ES"/>
+          </a:p>
+        </p:txBody>
+      </p:sp>
+    </p:spTree>
+    <p:extLst>
+      <p:ext uri="{BB962C8B-B14F-4D97-AF65-F5344CB8AC3E}">
+        <p14:creationId xmlns:p14="http://schemas.microsoft.com/office/powerpoint/2010/main" val="2111752734"/>
+      </p:ext>
+    </p:extLst>
+  </p:cSld>
+  <p:clrMapOvr>
+    <a:masterClrMapping/>
+  </p:clrMapOvr>
+</p:notes>
+</file>
+
+<file path=ppt/notesSlides/notesSlide29.xml><?xml version="1.0" encoding="utf-8"?>
+<p:notes xmlns:a="http://schemas.openxmlformats.org/drawingml/2006/main" xmlns:r="http://schemas.openxmlformats.org/officeDocument/2006/relationships" xmlns:p="http://schemas.openxmlformats.org/presentationml/2006/main">
+  <p:cSld>
+    <p:spTree>
+      <p:nvGrpSpPr>
+        <p:cNvPr id="1" name="">
+          <a:extLst>
+            <a:ext uri="{FF2B5EF4-FFF2-40B4-BE49-F238E27FC236}">
+              <a16:creationId xmlns:a16="http://schemas.microsoft.com/office/drawing/2014/main" id="{F7CABE9B-2CC7-00AD-FFFB-B5956EE77178}"/>
+            </a:ext>
+          </a:extLst>
+        </p:cNvPr>
+        <p:cNvGrpSpPr/>
+        <p:nvPr/>
+      </p:nvGrpSpPr>
+      <p:grpSpPr>
+        <a:xfrm>
+          <a:off x="0" y="0"/>
+          <a:ext cx="0" cy="0"/>
+          <a:chOff x="0" y="0"/>
+          <a:chExt cx="0" cy="0"/>
+        </a:xfrm>
+      </p:grpSpPr>
+      <p:sp>
+        <p:nvSpPr>
+          <p:cNvPr id="2" name="Marcador de imagen de diapositiva 1">
+            <a:extLst>
+              <a:ext uri="{FF2B5EF4-FFF2-40B4-BE49-F238E27FC236}">
+                <a16:creationId xmlns:a16="http://schemas.microsoft.com/office/drawing/2014/main" id="{01FA2161-9FB6-C8F5-F20D-A5D6E7960637}"/>
+              </a:ext>
+            </a:extLst>
+          </p:cNvPr>
+          <p:cNvSpPr>
+            <a:spLocks noGrp="1" noRot="1" noChangeAspect="1"/>
+          </p:cNvSpPr>
+          <p:nvPr>
+            <p:ph type="sldImg"/>
+          </p:nvPr>
+        </p:nvSpPr>
+        <p:spPr/>
+      </p:sp>
+      <p:sp>
+        <p:nvSpPr>
+          <p:cNvPr id="3" name="Marcador de notas 2">
+            <a:extLst>
+              <a:ext uri="{FF2B5EF4-FFF2-40B4-BE49-F238E27FC236}">
+                <a16:creationId xmlns:a16="http://schemas.microsoft.com/office/drawing/2014/main" id="{A2BC06FA-376C-E180-629E-0F83F56306C6}"/>
+              </a:ext>
+            </a:extLst>
+          </p:cNvPr>
+          <p:cNvSpPr>
+            <a:spLocks noGrp="1"/>
+          </p:cNvSpPr>
+          <p:nvPr>
+            <p:ph type="body" idx="1"/>
+          </p:nvPr>
+        </p:nvSpPr>
+        <p:spPr/>
+        <p:txBody>
+          <a:bodyPr/>
+          <a:lstStyle/>
+          <a:p>
+            <a:endParaRPr lang="ca-ES" dirty="0"/>
+          </a:p>
+        </p:txBody>
+      </p:sp>
+      <p:sp>
+        <p:nvSpPr>
+          <p:cNvPr id="4" name="Marcador de número de diapositiva 3">
+            <a:extLst>
+              <a:ext uri="{FF2B5EF4-FFF2-40B4-BE49-F238E27FC236}">
+                <a16:creationId xmlns:a16="http://schemas.microsoft.com/office/drawing/2014/main" id="{67DDD8F4-22E3-39D7-A295-EB71AA00B03E}"/>
+              </a:ext>
+            </a:extLst>
+          </p:cNvPr>
+          <p:cNvSpPr>
+            <a:spLocks noGrp="1"/>
+          </p:cNvSpPr>
+          <p:nvPr>
+            <p:ph type="sldNum" sz="quarter" idx="5"/>
+          </p:nvPr>
+        </p:nvSpPr>
+        <p:spPr/>
+        <p:txBody>
+          <a:bodyPr/>
+          <a:lstStyle/>
+          <a:p>
+            <a:fld id="{AA93F080-ECF3-415A-84A6-DF6D3BEC8CB2}" type="slidenum">
+              <a:rPr lang="ca-ES" smtClean="0"/>
+              <a:t>29</a:t>
+            </a:fld>
+            <a:endParaRPr lang="ca-ES"/>
+          </a:p>
+        </p:txBody>
+      </p:sp>
+    </p:spTree>
+    <p:extLst>
+      <p:ext uri="{BB962C8B-B14F-4D97-AF65-F5344CB8AC3E}">
+        <p14:creationId xmlns:p14="http://schemas.microsoft.com/office/powerpoint/2010/main" val="1943802523"/>
       </p:ext>
     </p:extLst>
   </p:cSld>
@@ -2332,6 +4074,345 @@
     <p:extLst>
       <p:ext uri="{BB962C8B-B14F-4D97-AF65-F5344CB8AC3E}">
         <p14:creationId xmlns:p14="http://schemas.microsoft.com/office/powerpoint/2010/main" val="3305086037"/>
+      </p:ext>
+    </p:extLst>
+  </p:cSld>
+  <p:clrMapOvr>
+    <a:masterClrMapping/>
+  </p:clrMapOvr>
+</p:notes>
+</file>
+
+<file path=ppt/notesSlides/notesSlide30.xml><?xml version="1.0" encoding="utf-8"?>
+<p:notes xmlns:a="http://schemas.openxmlformats.org/drawingml/2006/main" xmlns:r="http://schemas.openxmlformats.org/officeDocument/2006/relationships" xmlns:p="http://schemas.openxmlformats.org/presentationml/2006/main">
+  <p:cSld>
+    <p:spTree>
+      <p:nvGrpSpPr>
+        <p:cNvPr id="1" name="">
+          <a:extLst>
+            <a:ext uri="{FF2B5EF4-FFF2-40B4-BE49-F238E27FC236}">
+              <a16:creationId xmlns:a16="http://schemas.microsoft.com/office/drawing/2014/main" id="{9631E038-441F-AE40-0E71-58181EE9C465}"/>
+            </a:ext>
+          </a:extLst>
+        </p:cNvPr>
+        <p:cNvGrpSpPr/>
+        <p:nvPr/>
+      </p:nvGrpSpPr>
+      <p:grpSpPr>
+        <a:xfrm>
+          <a:off x="0" y="0"/>
+          <a:ext cx="0" cy="0"/>
+          <a:chOff x="0" y="0"/>
+          <a:chExt cx="0" cy="0"/>
+        </a:xfrm>
+      </p:grpSpPr>
+      <p:sp>
+        <p:nvSpPr>
+          <p:cNvPr id="2" name="Marcador de imagen de diapositiva 1">
+            <a:extLst>
+              <a:ext uri="{FF2B5EF4-FFF2-40B4-BE49-F238E27FC236}">
+                <a16:creationId xmlns:a16="http://schemas.microsoft.com/office/drawing/2014/main" id="{A1302BDD-1D62-6497-9600-02A751F73856}"/>
+              </a:ext>
+            </a:extLst>
+          </p:cNvPr>
+          <p:cNvSpPr>
+            <a:spLocks noGrp="1" noRot="1" noChangeAspect="1"/>
+          </p:cNvSpPr>
+          <p:nvPr>
+            <p:ph type="sldImg"/>
+          </p:nvPr>
+        </p:nvSpPr>
+        <p:spPr/>
+      </p:sp>
+      <p:sp>
+        <p:nvSpPr>
+          <p:cNvPr id="3" name="Marcador de notas 2">
+            <a:extLst>
+              <a:ext uri="{FF2B5EF4-FFF2-40B4-BE49-F238E27FC236}">
+                <a16:creationId xmlns:a16="http://schemas.microsoft.com/office/drawing/2014/main" id="{B1514980-0C0B-E6F7-9966-AF18044065D7}"/>
+              </a:ext>
+            </a:extLst>
+          </p:cNvPr>
+          <p:cNvSpPr>
+            <a:spLocks noGrp="1"/>
+          </p:cNvSpPr>
+          <p:nvPr>
+            <p:ph type="body" idx="1"/>
+          </p:nvPr>
+        </p:nvSpPr>
+        <p:spPr/>
+        <p:txBody>
+          <a:bodyPr/>
+          <a:lstStyle/>
+          <a:p>
+            <a:endParaRPr lang="ca-ES" dirty="0"/>
+          </a:p>
+        </p:txBody>
+      </p:sp>
+      <p:sp>
+        <p:nvSpPr>
+          <p:cNvPr id="4" name="Marcador de número de diapositiva 3">
+            <a:extLst>
+              <a:ext uri="{FF2B5EF4-FFF2-40B4-BE49-F238E27FC236}">
+                <a16:creationId xmlns:a16="http://schemas.microsoft.com/office/drawing/2014/main" id="{E6D927D2-7EFD-4A1E-A083-A5CA1AC92940}"/>
+              </a:ext>
+            </a:extLst>
+          </p:cNvPr>
+          <p:cNvSpPr>
+            <a:spLocks noGrp="1"/>
+          </p:cNvSpPr>
+          <p:nvPr>
+            <p:ph type="sldNum" sz="quarter" idx="5"/>
+          </p:nvPr>
+        </p:nvSpPr>
+        <p:spPr/>
+        <p:txBody>
+          <a:bodyPr/>
+          <a:lstStyle/>
+          <a:p>
+            <a:fld id="{AA93F080-ECF3-415A-84A6-DF6D3BEC8CB2}" type="slidenum">
+              <a:rPr lang="ca-ES" smtClean="0"/>
+              <a:t>30</a:t>
+            </a:fld>
+            <a:endParaRPr lang="ca-ES"/>
+          </a:p>
+        </p:txBody>
+      </p:sp>
+    </p:spTree>
+    <p:extLst>
+      <p:ext uri="{BB962C8B-B14F-4D97-AF65-F5344CB8AC3E}">
+        <p14:creationId xmlns:p14="http://schemas.microsoft.com/office/powerpoint/2010/main" val="1230037888"/>
+      </p:ext>
+    </p:extLst>
+  </p:cSld>
+  <p:clrMapOvr>
+    <a:masterClrMapping/>
+  </p:clrMapOvr>
+</p:notes>
+</file>
+
+<file path=ppt/notesSlides/notesSlide31.xml><?xml version="1.0" encoding="utf-8"?>
+<p:notes xmlns:a="http://schemas.openxmlformats.org/drawingml/2006/main" xmlns:r="http://schemas.openxmlformats.org/officeDocument/2006/relationships" xmlns:p="http://schemas.openxmlformats.org/presentationml/2006/main">
+  <p:cSld>
+    <p:spTree>
+      <p:nvGrpSpPr>
+        <p:cNvPr id="1" name="">
+          <a:extLst>
+            <a:ext uri="{FF2B5EF4-FFF2-40B4-BE49-F238E27FC236}">
+              <a16:creationId xmlns:a16="http://schemas.microsoft.com/office/drawing/2014/main" id="{9DDEB050-9A47-0FF2-78D0-F1D3A7F120C9}"/>
+            </a:ext>
+          </a:extLst>
+        </p:cNvPr>
+        <p:cNvGrpSpPr/>
+        <p:nvPr/>
+      </p:nvGrpSpPr>
+      <p:grpSpPr>
+        <a:xfrm>
+          <a:off x="0" y="0"/>
+          <a:ext cx="0" cy="0"/>
+          <a:chOff x="0" y="0"/>
+          <a:chExt cx="0" cy="0"/>
+        </a:xfrm>
+      </p:grpSpPr>
+      <p:sp>
+        <p:nvSpPr>
+          <p:cNvPr id="2" name="Marcador de imagen de diapositiva 1">
+            <a:extLst>
+              <a:ext uri="{FF2B5EF4-FFF2-40B4-BE49-F238E27FC236}">
+                <a16:creationId xmlns:a16="http://schemas.microsoft.com/office/drawing/2014/main" id="{BBAAA4F6-2E78-223A-5FD4-32E12FEA3FE0}"/>
+              </a:ext>
+            </a:extLst>
+          </p:cNvPr>
+          <p:cNvSpPr>
+            <a:spLocks noGrp="1" noRot="1" noChangeAspect="1"/>
+          </p:cNvSpPr>
+          <p:nvPr>
+            <p:ph type="sldImg"/>
+          </p:nvPr>
+        </p:nvSpPr>
+        <p:spPr/>
+      </p:sp>
+      <p:sp>
+        <p:nvSpPr>
+          <p:cNvPr id="3" name="Marcador de notas 2">
+            <a:extLst>
+              <a:ext uri="{FF2B5EF4-FFF2-40B4-BE49-F238E27FC236}">
+                <a16:creationId xmlns:a16="http://schemas.microsoft.com/office/drawing/2014/main" id="{B4D10D00-8E22-0284-D595-72EB5E81C881}"/>
+              </a:ext>
+            </a:extLst>
+          </p:cNvPr>
+          <p:cNvSpPr>
+            <a:spLocks noGrp="1"/>
+          </p:cNvSpPr>
+          <p:nvPr>
+            <p:ph type="body" idx="1"/>
+          </p:nvPr>
+        </p:nvSpPr>
+        <p:spPr/>
+        <p:txBody>
+          <a:bodyPr/>
+          <a:lstStyle/>
+          <a:p>
+            <a:r>
+              <a:rPr lang="ca-ES" dirty="0"/>
+              <a:t>En les primeres generacions, la IA obté guanys significatius en la puntuació de fitness. Això es deu al fet que hi ha moltes possibilitats de millora i, petits canvis en l'estratègia poden portar a grans augments del fitness. De la mateixa manera, a mesura que la IA es troba a generacions més avançades, els canvis substancials que poden portar a una millora en el fitness són canvis més subtils i la seva millora respecte al fitness també és menor. </a:t>
+            </a:r>
+          </a:p>
+        </p:txBody>
+      </p:sp>
+      <p:sp>
+        <p:nvSpPr>
+          <p:cNvPr id="4" name="Marcador de número de diapositiva 3">
+            <a:extLst>
+              <a:ext uri="{FF2B5EF4-FFF2-40B4-BE49-F238E27FC236}">
+                <a16:creationId xmlns:a16="http://schemas.microsoft.com/office/drawing/2014/main" id="{C3DC713A-4E7A-B259-8A85-DE4A8B232EC5}"/>
+              </a:ext>
+            </a:extLst>
+          </p:cNvPr>
+          <p:cNvSpPr>
+            <a:spLocks noGrp="1"/>
+          </p:cNvSpPr>
+          <p:nvPr>
+            <p:ph type="sldNum" sz="quarter" idx="5"/>
+          </p:nvPr>
+        </p:nvSpPr>
+        <p:spPr/>
+        <p:txBody>
+          <a:bodyPr/>
+          <a:lstStyle/>
+          <a:p>
+            <a:fld id="{AA93F080-ECF3-415A-84A6-DF6D3BEC8CB2}" type="slidenum">
+              <a:rPr lang="ca-ES" smtClean="0"/>
+              <a:t>31</a:t>
+            </a:fld>
+            <a:endParaRPr lang="ca-ES"/>
+          </a:p>
+        </p:txBody>
+      </p:sp>
+    </p:spTree>
+    <p:extLst>
+      <p:ext uri="{BB962C8B-B14F-4D97-AF65-F5344CB8AC3E}">
+        <p14:creationId xmlns:p14="http://schemas.microsoft.com/office/powerpoint/2010/main" val="3807844105"/>
+      </p:ext>
+    </p:extLst>
+  </p:cSld>
+  <p:clrMapOvr>
+    <a:masterClrMapping/>
+  </p:clrMapOvr>
+</p:notes>
+</file>
+
+<file path=ppt/notesSlides/notesSlide32.xml><?xml version="1.0" encoding="utf-8"?>
+<p:notes xmlns:a="http://schemas.openxmlformats.org/drawingml/2006/main" xmlns:r="http://schemas.openxmlformats.org/officeDocument/2006/relationships" xmlns:p="http://schemas.openxmlformats.org/presentationml/2006/main">
+  <p:cSld>
+    <p:spTree>
+      <p:nvGrpSpPr>
+        <p:cNvPr id="1" name="">
+          <a:extLst>
+            <a:ext uri="{FF2B5EF4-FFF2-40B4-BE49-F238E27FC236}">
+              <a16:creationId xmlns:a16="http://schemas.microsoft.com/office/drawing/2014/main" id="{5A093BA5-B1DC-E97A-6307-14A5F12A4406}"/>
+            </a:ext>
+          </a:extLst>
+        </p:cNvPr>
+        <p:cNvGrpSpPr/>
+        <p:nvPr/>
+      </p:nvGrpSpPr>
+      <p:grpSpPr>
+        <a:xfrm>
+          <a:off x="0" y="0"/>
+          <a:ext cx="0" cy="0"/>
+          <a:chOff x="0" y="0"/>
+          <a:chExt cx="0" cy="0"/>
+        </a:xfrm>
+      </p:grpSpPr>
+      <p:sp>
+        <p:nvSpPr>
+          <p:cNvPr id="2" name="Marcador de imagen de diapositiva 1">
+            <a:extLst>
+              <a:ext uri="{FF2B5EF4-FFF2-40B4-BE49-F238E27FC236}">
+                <a16:creationId xmlns:a16="http://schemas.microsoft.com/office/drawing/2014/main" id="{6C9E579D-CFF2-9D7C-6839-5435464D8554}"/>
+              </a:ext>
+            </a:extLst>
+          </p:cNvPr>
+          <p:cNvSpPr>
+            <a:spLocks noGrp="1" noRot="1" noChangeAspect="1"/>
+          </p:cNvSpPr>
+          <p:nvPr>
+            <p:ph type="sldImg"/>
+          </p:nvPr>
+        </p:nvSpPr>
+        <p:spPr/>
+      </p:sp>
+      <p:sp>
+        <p:nvSpPr>
+          <p:cNvPr id="3" name="Marcador de notas 2">
+            <a:extLst>
+              <a:ext uri="{FF2B5EF4-FFF2-40B4-BE49-F238E27FC236}">
+                <a16:creationId xmlns:a16="http://schemas.microsoft.com/office/drawing/2014/main" id="{957699FD-B7D8-177D-4EAF-58BAC61B5EAC}"/>
+              </a:ext>
+            </a:extLst>
+          </p:cNvPr>
+          <p:cNvSpPr>
+            <a:spLocks noGrp="1"/>
+          </p:cNvSpPr>
+          <p:nvPr>
+            <p:ph type="body" idx="1"/>
+          </p:nvPr>
+        </p:nvSpPr>
+        <p:spPr/>
+        <p:txBody>
+          <a:bodyPr/>
+          <a:lstStyle/>
+          <a:p>
+            <a:r>
+              <a:rPr lang="ca-ES" dirty="0"/>
+              <a:t>En les primeres generacions, la IA obté guanys significatius en la puntuació de fitness. Això es deu al fet que hi ha moltes possibilitats de millora i, petits canvis en l'estratègia poden portar a grans augments del fitness. </a:t>
+            </a:r>
+          </a:p>
+          <a:p>
+            <a:endParaRPr lang="ca-ES" dirty="0"/>
+          </a:p>
+          <a:p>
+            <a:r>
+              <a:rPr lang="ca-ES" dirty="0"/>
+              <a:t>De la mateixa manera, a mesura que la IA es troba a generacions més avançades, els canvis substancials que poden portar a una millora en el fitness són canvis més subtils i la seva millora respecte al fitness també és menor. </a:t>
+            </a:r>
+          </a:p>
+        </p:txBody>
+      </p:sp>
+      <p:sp>
+        <p:nvSpPr>
+          <p:cNvPr id="4" name="Marcador de número de diapositiva 3">
+            <a:extLst>
+              <a:ext uri="{FF2B5EF4-FFF2-40B4-BE49-F238E27FC236}">
+                <a16:creationId xmlns:a16="http://schemas.microsoft.com/office/drawing/2014/main" id="{DA860989-BAA5-1965-ACD7-A2F575F1158F}"/>
+              </a:ext>
+            </a:extLst>
+          </p:cNvPr>
+          <p:cNvSpPr>
+            <a:spLocks noGrp="1"/>
+          </p:cNvSpPr>
+          <p:nvPr>
+            <p:ph type="sldNum" sz="quarter" idx="5"/>
+          </p:nvPr>
+        </p:nvSpPr>
+        <p:spPr/>
+        <p:txBody>
+          <a:bodyPr/>
+          <a:lstStyle/>
+          <a:p>
+            <a:fld id="{AA93F080-ECF3-415A-84A6-DF6D3BEC8CB2}" type="slidenum">
+              <a:rPr lang="ca-ES" smtClean="0"/>
+              <a:t>32</a:t>
+            </a:fld>
+            <a:endParaRPr lang="ca-ES"/>
+          </a:p>
+        </p:txBody>
+      </p:sp>
+    </p:spTree>
+    <p:extLst>
+      <p:ext uri="{BB962C8B-B14F-4D97-AF65-F5344CB8AC3E}">
+        <p14:creationId xmlns:p14="http://schemas.microsoft.com/office/powerpoint/2010/main" val="318350387"/>
       </p:ext>
     </p:extLst>
   </p:cSld>
@@ -3630,7 +5711,7 @@
           <a:p>
             <a:fld id="{AEAEB304-798F-470E-84C5-C36EE5D3724C}" type="datetimeFigureOut">
               <a:rPr lang="ca-ES" smtClean="0"/>
-              <a:t>9/12/2024</a:t>
+              <a:t>10/12/2024</a:t>
             </a:fld>
             <a:endParaRPr lang="ca-ES"/>
           </a:p>
@@ -3830,7 +5911,7 @@
           <a:p>
             <a:fld id="{AEAEB304-798F-470E-84C5-C36EE5D3724C}" type="datetimeFigureOut">
               <a:rPr lang="ca-ES" smtClean="0"/>
-              <a:t>9/12/2024</a:t>
+              <a:t>10/12/2024</a:t>
             </a:fld>
             <a:endParaRPr lang="ca-ES"/>
           </a:p>
@@ -4040,7 +6121,7 @@
           <a:p>
             <a:fld id="{AEAEB304-798F-470E-84C5-C36EE5D3724C}" type="datetimeFigureOut">
               <a:rPr lang="ca-ES" smtClean="0"/>
-              <a:t>9/12/2024</a:t>
+              <a:t>10/12/2024</a:t>
             </a:fld>
             <a:endParaRPr lang="ca-ES"/>
           </a:p>
@@ -4240,7 +6321,7 @@
           <a:p>
             <a:fld id="{AEAEB304-798F-470E-84C5-C36EE5D3724C}" type="datetimeFigureOut">
               <a:rPr lang="ca-ES" smtClean="0"/>
-              <a:t>9/12/2024</a:t>
+              <a:t>10/12/2024</a:t>
             </a:fld>
             <a:endParaRPr lang="ca-ES"/>
           </a:p>
@@ -4516,7 +6597,7 @@
           <a:p>
             <a:fld id="{AEAEB304-798F-470E-84C5-C36EE5D3724C}" type="datetimeFigureOut">
               <a:rPr lang="ca-ES" smtClean="0"/>
-              <a:t>9/12/2024</a:t>
+              <a:t>10/12/2024</a:t>
             </a:fld>
             <a:endParaRPr lang="ca-ES"/>
           </a:p>
@@ -4784,7 +6865,7 @@
           <a:p>
             <a:fld id="{AEAEB304-798F-470E-84C5-C36EE5D3724C}" type="datetimeFigureOut">
               <a:rPr lang="ca-ES" smtClean="0"/>
-              <a:t>9/12/2024</a:t>
+              <a:t>10/12/2024</a:t>
             </a:fld>
             <a:endParaRPr lang="ca-ES"/>
           </a:p>
@@ -5199,7 +7280,7 @@
           <a:p>
             <a:fld id="{AEAEB304-798F-470E-84C5-C36EE5D3724C}" type="datetimeFigureOut">
               <a:rPr lang="ca-ES" smtClean="0"/>
-              <a:t>9/12/2024</a:t>
+              <a:t>10/12/2024</a:t>
             </a:fld>
             <a:endParaRPr lang="ca-ES"/>
           </a:p>
@@ -5341,7 +7422,7 @@
           <a:p>
             <a:fld id="{AEAEB304-798F-470E-84C5-C36EE5D3724C}" type="datetimeFigureOut">
               <a:rPr lang="ca-ES" smtClean="0"/>
-              <a:t>9/12/2024</a:t>
+              <a:t>10/12/2024</a:t>
             </a:fld>
             <a:endParaRPr lang="ca-ES"/>
           </a:p>
@@ -5454,7 +7535,7 @@
           <a:p>
             <a:fld id="{AEAEB304-798F-470E-84C5-C36EE5D3724C}" type="datetimeFigureOut">
               <a:rPr lang="ca-ES" smtClean="0"/>
-              <a:t>9/12/2024</a:t>
+              <a:t>10/12/2024</a:t>
             </a:fld>
             <a:endParaRPr lang="ca-ES"/>
           </a:p>
@@ -5767,7 +7848,7 @@
           <a:p>
             <a:fld id="{AEAEB304-798F-470E-84C5-C36EE5D3724C}" type="datetimeFigureOut">
               <a:rPr lang="ca-ES" smtClean="0"/>
-              <a:t>9/12/2024</a:t>
+              <a:t>10/12/2024</a:t>
             </a:fld>
             <a:endParaRPr lang="ca-ES"/>
           </a:p>
@@ -6056,7 +8137,7 @@
           <a:p>
             <a:fld id="{AEAEB304-798F-470E-84C5-C36EE5D3724C}" type="datetimeFigureOut">
               <a:rPr lang="ca-ES" smtClean="0"/>
-              <a:t>9/12/2024</a:t>
+              <a:t>10/12/2024</a:t>
             </a:fld>
             <a:endParaRPr lang="ca-ES"/>
           </a:p>
@@ -6299,7 +8380,7 @@
           <a:p>
             <a:fld id="{AEAEB304-798F-470E-84C5-C36EE5D3724C}" type="datetimeFigureOut">
               <a:rPr lang="ca-ES" smtClean="0"/>
-              <a:t>9/12/2024</a:t>
+              <a:t>10/12/2024</a:t>
             </a:fld>
             <a:endParaRPr lang="ca-ES"/>
           </a:p>
@@ -9795,6 +11876,327 @@
 </p:sld>
 </file>
 
+<file path=ppt/slides/slide18.xml><?xml version="1.0" encoding="utf-8"?>
+<p:sld xmlns:a="http://schemas.openxmlformats.org/drawingml/2006/main" xmlns:r="http://schemas.openxmlformats.org/officeDocument/2006/relationships" xmlns:p="http://schemas.openxmlformats.org/presentationml/2006/main">
+  <p:cSld>
+    <p:spTree>
+      <p:nvGrpSpPr>
+        <p:cNvPr id="1" name="">
+          <a:extLst>
+            <a:ext uri="{FF2B5EF4-FFF2-40B4-BE49-F238E27FC236}">
+              <a16:creationId xmlns:a16="http://schemas.microsoft.com/office/drawing/2014/main" id="{2E4D82EB-CE16-0BAE-8DB5-E181ED919147}"/>
+            </a:ext>
+          </a:extLst>
+        </p:cNvPr>
+        <p:cNvGrpSpPr/>
+        <p:nvPr/>
+      </p:nvGrpSpPr>
+      <p:grpSpPr>
+        <a:xfrm>
+          <a:off x="0" y="0"/>
+          <a:ext cx="0" cy="0"/>
+          <a:chOff x="0" y="0"/>
+          <a:chExt cx="0" cy="0"/>
+        </a:xfrm>
+      </p:grpSpPr>
+      <p:sp>
+        <p:nvSpPr>
+          <p:cNvPr id="2" name="Título 1">
+            <a:extLst>
+              <a:ext uri="{FF2B5EF4-FFF2-40B4-BE49-F238E27FC236}">
+                <a16:creationId xmlns:a16="http://schemas.microsoft.com/office/drawing/2014/main" id="{CFBC9970-DF82-F26A-642C-FF2E11B29743}"/>
+              </a:ext>
+            </a:extLst>
+          </p:cNvPr>
+          <p:cNvSpPr>
+            <a:spLocks noGrp="1"/>
+          </p:cNvSpPr>
+          <p:nvPr>
+            <p:ph type="ctrTitle"/>
+          </p:nvPr>
+        </p:nvSpPr>
+        <p:spPr>
+          <a:xfrm>
+            <a:off x="1111955" y="407433"/>
+            <a:ext cx="9968089" cy="1093990"/>
+          </a:xfrm>
+        </p:spPr>
+        <p:txBody>
+          <a:bodyPr>
+            <a:noAutofit/>
+          </a:bodyPr>
+          <a:lstStyle/>
+          <a:p>
+            <a:r>
+              <a:rPr lang="es-ES" sz="5400" dirty="0">
+                <a:latin typeface="Aharoni" panose="02010803020104030203" pitchFamily="2" charset="-79"/>
+                <a:cs typeface="Aharoni" panose="02010803020104030203" pitchFamily="2" charset="-79"/>
+              </a:rPr>
+              <a:t>RECOLECCIÓ DE LES DADES</a:t>
+            </a:r>
+            <a:endParaRPr lang="ca-ES" sz="5400" dirty="0">
+              <a:latin typeface="Aharoni" panose="02010803020104030203" pitchFamily="2" charset="-79"/>
+              <a:cs typeface="Aharoni" panose="02010803020104030203" pitchFamily="2" charset="-79"/>
+            </a:endParaRPr>
+          </a:p>
+        </p:txBody>
+      </p:sp>
+      <p:pic>
+        <p:nvPicPr>
+          <p:cNvPr id="7" name="Imagen 6" descr="Interfaz de usuario gráfica, Aplicación, Correo electrónico&#10;&#10;Descripción generada automáticamente">
+            <a:extLst>
+              <a:ext uri="{FF2B5EF4-FFF2-40B4-BE49-F238E27FC236}">
+                <a16:creationId xmlns:a16="http://schemas.microsoft.com/office/drawing/2014/main" id="{EEE50E24-6937-0B88-89F3-F09319A82395}"/>
+              </a:ext>
+            </a:extLst>
+          </p:cNvPr>
+          <p:cNvPicPr>
+            <a:picLocks noChangeAspect="1"/>
+          </p:cNvPicPr>
+          <p:nvPr/>
+        </p:nvPicPr>
+        <p:blipFill>
+          <a:blip r:embed="rId3">
+            <a:extLst>
+              <a:ext uri="{28A0092B-C50C-407E-A947-70E740481C1C}">
+                <a14:useLocalDpi xmlns:a14="http://schemas.microsoft.com/office/drawing/2010/main" val="0"/>
+              </a:ext>
+            </a:extLst>
+          </a:blip>
+          <a:srcRect l="5337" b="12846"/>
+          <a:stretch/>
+        </p:blipFill>
+        <p:spPr>
+          <a:xfrm>
+            <a:off x="2316295" y="2259036"/>
+            <a:ext cx="8763749" cy="2922704"/>
+          </a:xfrm>
+          <a:prstGeom prst="rect">
+            <a:avLst/>
+          </a:prstGeom>
+        </p:spPr>
+      </p:pic>
+      <p:sp>
+        <p:nvSpPr>
+          <p:cNvPr id="11" name="Rectángulo: esquinas redondeadas 10">
+            <a:extLst>
+              <a:ext uri="{FF2B5EF4-FFF2-40B4-BE49-F238E27FC236}">
+                <a16:creationId xmlns:a16="http://schemas.microsoft.com/office/drawing/2014/main" id="{AEA8060F-3294-549A-ED21-0CC6DA397216}"/>
+              </a:ext>
+            </a:extLst>
+          </p:cNvPr>
+          <p:cNvSpPr/>
+          <p:nvPr/>
+        </p:nvSpPr>
+        <p:spPr>
+          <a:xfrm>
+            <a:off x="156099" y="3429000"/>
+            <a:ext cx="1911712" cy="610172"/>
+          </a:xfrm>
+          <a:prstGeom prst="roundRect">
+            <a:avLst/>
+          </a:prstGeom>
+          <a:effectLst>
+            <a:innerShdw blurRad="63500" dist="50800" dir="18900000">
+              <a:prstClr val="black">
+                <a:alpha val="50000"/>
+              </a:prstClr>
+            </a:innerShdw>
+          </a:effectLst>
+        </p:spPr>
+        <p:style>
+          <a:lnRef idx="2">
+            <a:schemeClr val="accent4">
+              <a:shade val="15000"/>
+            </a:schemeClr>
+          </a:lnRef>
+          <a:fillRef idx="1">
+            <a:schemeClr val="accent4"/>
+          </a:fillRef>
+          <a:effectRef idx="0">
+            <a:schemeClr val="accent4"/>
+          </a:effectRef>
+          <a:fontRef idx="minor">
+            <a:schemeClr val="lt1"/>
+          </a:fontRef>
+        </p:style>
+        <p:txBody>
+          <a:bodyPr rtlCol="0" anchor="ctr"/>
+          <a:lstStyle/>
+          <a:p>
+            <a:pPr algn="ctr"/>
+            <a:r>
+              <a:rPr lang="es-ES" sz="3200" dirty="0">
+                <a:latin typeface="ADLaM Display" panose="020F0502020204030204" pitchFamily="2" charset="0"/>
+                <a:ea typeface="ADLaM Display" panose="020F0502020204030204" pitchFamily="2" charset="0"/>
+                <a:cs typeface="ADLaM Display" panose="020F0502020204030204" pitchFamily="2" charset="0"/>
+              </a:rPr>
+              <a:t>FITNESS</a:t>
+            </a:r>
+            <a:r>
+              <a:rPr lang="es-ES" sz="3200" dirty="0"/>
+              <a:t> </a:t>
+            </a:r>
+            <a:endParaRPr lang="ca-ES" sz="3200" dirty="0"/>
+          </a:p>
+        </p:txBody>
+      </p:sp>
+      <p:sp>
+        <p:nvSpPr>
+          <p:cNvPr id="12" name="Rectángulo: esquinas redondeadas 11">
+            <a:extLst>
+              <a:ext uri="{FF2B5EF4-FFF2-40B4-BE49-F238E27FC236}">
+                <a16:creationId xmlns:a16="http://schemas.microsoft.com/office/drawing/2014/main" id="{D2FCAC84-01F0-8823-D834-E8DCBA7F5CB1}"/>
+              </a:ext>
+            </a:extLst>
+          </p:cNvPr>
+          <p:cNvSpPr/>
+          <p:nvPr/>
+        </p:nvSpPr>
+        <p:spPr>
+          <a:xfrm>
+            <a:off x="5030964" y="5410320"/>
+            <a:ext cx="3221214" cy="617946"/>
+          </a:xfrm>
+          <a:prstGeom prst="roundRect">
+            <a:avLst/>
+          </a:prstGeom>
+          <a:effectLst>
+            <a:innerShdw blurRad="63500" dist="50800" dir="18900000">
+              <a:prstClr val="black">
+                <a:alpha val="50000"/>
+              </a:prstClr>
+            </a:innerShdw>
+          </a:effectLst>
+        </p:spPr>
+        <p:style>
+          <a:lnRef idx="2">
+            <a:schemeClr val="accent4">
+              <a:shade val="15000"/>
+            </a:schemeClr>
+          </a:lnRef>
+          <a:fillRef idx="1">
+            <a:schemeClr val="accent4"/>
+          </a:fillRef>
+          <a:effectRef idx="0">
+            <a:schemeClr val="accent4"/>
+          </a:effectRef>
+          <a:fontRef idx="minor">
+            <a:schemeClr val="lt1"/>
+          </a:fontRef>
+        </p:style>
+        <p:txBody>
+          <a:bodyPr rtlCol="0" anchor="ctr"/>
+          <a:lstStyle/>
+          <a:p>
+            <a:pPr algn="ctr"/>
+            <a:r>
+              <a:rPr lang="es-ES" sz="3200" dirty="0">
+                <a:latin typeface="ADLaM Display" panose="020F0502020204030204" pitchFamily="2" charset="0"/>
+                <a:ea typeface="ADLaM Display" panose="020F0502020204030204" pitchFamily="2" charset="0"/>
+                <a:cs typeface="ADLaM Display" panose="020F0502020204030204" pitchFamily="2" charset="0"/>
+              </a:rPr>
+              <a:t>GENERACIONS</a:t>
+            </a:r>
+            <a:r>
+              <a:rPr lang="es-ES" sz="3200" dirty="0"/>
+              <a:t> </a:t>
+            </a:r>
+            <a:endParaRPr lang="ca-ES" sz="3200" dirty="0"/>
+          </a:p>
+        </p:txBody>
+      </p:sp>
+    </p:spTree>
+    <p:extLst>
+      <p:ext uri="{BB962C8B-B14F-4D97-AF65-F5344CB8AC3E}">
+        <p14:creationId xmlns:p14="http://schemas.microsoft.com/office/powerpoint/2010/main" val="4137150442"/>
+      </p:ext>
+    </p:extLst>
+  </p:cSld>
+  <p:clrMapOvr>
+    <a:masterClrMapping/>
+  </p:clrMapOvr>
+</p:sld>
+</file>
+
+<file path=ppt/slides/slide19.xml><?xml version="1.0" encoding="utf-8"?>
+<p:sld xmlns:a="http://schemas.openxmlformats.org/drawingml/2006/main" xmlns:r="http://schemas.openxmlformats.org/officeDocument/2006/relationships" xmlns:p="http://schemas.openxmlformats.org/presentationml/2006/main">
+  <p:cSld>
+    <p:spTree>
+      <p:nvGrpSpPr>
+        <p:cNvPr id="1" name="">
+          <a:extLst>
+            <a:ext uri="{FF2B5EF4-FFF2-40B4-BE49-F238E27FC236}">
+              <a16:creationId xmlns:a16="http://schemas.microsoft.com/office/drawing/2014/main" id="{49A48C1B-DE92-FB67-2888-1796E72F7FE8}"/>
+            </a:ext>
+          </a:extLst>
+        </p:cNvPr>
+        <p:cNvGrpSpPr/>
+        <p:nvPr/>
+      </p:nvGrpSpPr>
+      <p:grpSpPr>
+        <a:xfrm>
+          <a:off x="0" y="0"/>
+          <a:ext cx="0" cy="0"/>
+          <a:chOff x="0" y="0"/>
+          <a:chExt cx="0" cy="0"/>
+        </a:xfrm>
+      </p:grpSpPr>
+      <p:sp>
+        <p:nvSpPr>
+          <p:cNvPr id="2" name="Título 1">
+            <a:extLst>
+              <a:ext uri="{FF2B5EF4-FFF2-40B4-BE49-F238E27FC236}">
+                <a16:creationId xmlns:a16="http://schemas.microsoft.com/office/drawing/2014/main" id="{67BE6991-D7D7-7291-DFB1-1EB8521D027C}"/>
+              </a:ext>
+            </a:extLst>
+          </p:cNvPr>
+          <p:cNvSpPr>
+            <a:spLocks noGrp="1"/>
+          </p:cNvSpPr>
+          <p:nvPr>
+            <p:ph type="ctrTitle"/>
+          </p:nvPr>
+        </p:nvSpPr>
+        <p:spPr>
+          <a:xfrm>
+            <a:off x="1111955" y="2021743"/>
+            <a:ext cx="9968089" cy="2814513"/>
+          </a:xfrm>
+        </p:spPr>
+        <p:txBody>
+          <a:bodyPr>
+            <a:noAutofit/>
+          </a:bodyPr>
+          <a:lstStyle/>
+          <a:p>
+            <a:r>
+              <a:rPr lang="es-ES" sz="8800" dirty="0">
+                <a:latin typeface="Aharoni" panose="02010803020104030203" pitchFamily="2" charset="-79"/>
+                <a:cs typeface="Aharoni" panose="02010803020104030203" pitchFamily="2" charset="-79"/>
+              </a:rPr>
+              <a:t>ANÀLISI DE LES DADES</a:t>
+            </a:r>
+            <a:endParaRPr lang="ca-ES" sz="8800" dirty="0">
+              <a:latin typeface="Aharoni" panose="02010803020104030203" pitchFamily="2" charset="-79"/>
+              <a:cs typeface="Aharoni" panose="02010803020104030203" pitchFamily="2" charset="-79"/>
+            </a:endParaRPr>
+          </a:p>
+        </p:txBody>
+      </p:sp>
+    </p:spTree>
+    <p:extLst>
+      <p:ext uri="{BB962C8B-B14F-4D97-AF65-F5344CB8AC3E}">
+        <p14:creationId xmlns:p14="http://schemas.microsoft.com/office/powerpoint/2010/main" val="2763123464"/>
+      </p:ext>
+    </p:extLst>
+  </p:cSld>
+  <p:clrMapOvr>
+    <a:masterClrMapping/>
+  </p:clrMapOvr>
+</p:sld>
+</file>
+
 <file path=ppt/slides/slide2.xml><?xml version="1.0" encoding="utf-8"?>
 <p:sld xmlns:a="http://schemas.openxmlformats.org/drawingml/2006/main" xmlns:r="http://schemas.openxmlformats.org/officeDocument/2006/relationships" xmlns:p="http://schemas.openxmlformats.org/presentationml/2006/main">
   <p:cSld>
@@ -9872,6 +12274,3684 @@
     <p:extLst>
       <p:ext uri="{BB962C8B-B14F-4D97-AF65-F5344CB8AC3E}">
         <p14:creationId xmlns:p14="http://schemas.microsoft.com/office/powerpoint/2010/main" val="424062597"/>
+      </p:ext>
+    </p:extLst>
+  </p:cSld>
+  <p:clrMapOvr>
+    <a:masterClrMapping/>
+  </p:clrMapOvr>
+</p:sld>
+</file>
+
+<file path=ppt/slides/slide20.xml><?xml version="1.0" encoding="utf-8"?>
+<p:sld xmlns:a="http://schemas.openxmlformats.org/drawingml/2006/main" xmlns:r="http://schemas.openxmlformats.org/officeDocument/2006/relationships" xmlns:p="http://schemas.openxmlformats.org/presentationml/2006/main">
+  <p:cSld>
+    <p:spTree>
+      <p:nvGrpSpPr>
+        <p:cNvPr id="1" name="">
+          <a:extLst>
+            <a:ext uri="{FF2B5EF4-FFF2-40B4-BE49-F238E27FC236}">
+              <a16:creationId xmlns:a16="http://schemas.microsoft.com/office/drawing/2014/main" id="{87A7E930-0867-267D-4970-F19CCB68E5B4}"/>
+            </a:ext>
+          </a:extLst>
+        </p:cNvPr>
+        <p:cNvGrpSpPr/>
+        <p:nvPr/>
+      </p:nvGrpSpPr>
+      <p:grpSpPr>
+        <a:xfrm>
+          <a:off x="0" y="0"/>
+          <a:ext cx="0" cy="0"/>
+          <a:chOff x="0" y="0"/>
+          <a:chExt cx="0" cy="0"/>
+        </a:xfrm>
+      </p:grpSpPr>
+      <p:sp>
+        <p:nvSpPr>
+          <p:cNvPr id="2" name="Título 1">
+            <a:extLst>
+              <a:ext uri="{FF2B5EF4-FFF2-40B4-BE49-F238E27FC236}">
+                <a16:creationId xmlns:a16="http://schemas.microsoft.com/office/drawing/2014/main" id="{7245FB06-F14C-7CDC-557D-857089E646B5}"/>
+              </a:ext>
+            </a:extLst>
+          </p:cNvPr>
+          <p:cNvSpPr>
+            <a:spLocks noGrp="1"/>
+          </p:cNvSpPr>
+          <p:nvPr>
+            <p:ph type="ctrTitle"/>
+          </p:nvPr>
+        </p:nvSpPr>
+        <p:spPr>
+          <a:xfrm>
+            <a:off x="1111955" y="407433"/>
+            <a:ext cx="9968089" cy="1093990"/>
+          </a:xfrm>
+        </p:spPr>
+        <p:txBody>
+          <a:bodyPr>
+            <a:noAutofit/>
+          </a:bodyPr>
+          <a:lstStyle/>
+          <a:p>
+            <a:r>
+              <a:rPr lang="es-ES" sz="5400" dirty="0">
+                <a:latin typeface="Aharoni" panose="02010803020104030203" pitchFamily="2" charset="-79"/>
+                <a:cs typeface="Aharoni" panose="02010803020104030203" pitchFamily="2" charset="-79"/>
+              </a:rPr>
+              <a:t>ANÀLISI DE LES DADES</a:t>
+            </a:r>
+            <a:endParaRPr lang="ca-ES" sz="5400" dirty="0">
+              <a:latin typeface="Aharoni" panose="02010803020104030203" pitchFamily="2" charset="-79"/>
+              <a:cs typeface="Aharoni" panose="02010803020104030203" pitchFamily="2" charset="-79"/>
+            </a:endParaRPr>
+          </a:p>
+        </p:txBody>
+      </p:sp>
+      <p:pic>
+        <p:nvPicPr>
+          <p:cNvPr id="7" name="Imagen 6" descr="Interfaz de usuario gráfica, Aplicación, Correo electrónico&#10;&#10;Descripción generada automáticamente">
+            <a:extLst>
+              <a:ext uri="{FF2B5EF4-FFF2-40B4-BE49-F238E27FC236}">
+                <a16:creationId xmlns:a16="http://schemas.microsoft.com/office/drawing/2014/main" id="{81508EC8-9BD5-2A03-A1C6-D724A47BAFE0}"/>
+              </a:ext>
+            </a:extLst>
+          </p:cNvPr>
+          <p:cNvPicPr>
+            <a:picLocks noChangeAspect="1"/>
+          </p:cNvPicPr>
+          <p:nvPr/>
+        </p:nvPicPr>
+        <p:blipFill>
+          <a:blip r:embed="rId3">
+            <a:extLst>
+              <a:ext uri="{28A0092B-C50C-407E-A947-70E740481C1C}">
+                <a14:useLocalDpi xmlns:a14="http://schemas.microsoft.com/office/drawing/2010/main" val="0"/>
+              </a:ext>
+            </a:extLst>
+          </a:blip>
+          <a:srcRect l="5337" b="12846"/>
+          <a:stretch/>
+        </p:blipFill>
+        <p:spPr>
+          <a:xfrm>
+            <a:off x="2316295" y="2259036"/>
+            <a:ext cx="8763749" cy="2922704"/>
+          </a:xfrm>
+          <a:prstGeom prst="rect">
+            <a:avLst/>
+          </a:prstGeom>
+        </p:spPr>
+      </p:pic>
+      <p:sp>
+        <p:nvSpPr>
+          <p:cNvPr id="11" name="Rectángulo: esquinas redondeadas 10">
+            <a:extLst>
+              <a:ext uri="{FF2B5EF4-FFF2-40B4-BE49-F238E27FC236}">
+                <a16:creationId xmlns:a16="http://schemas.microsoft.com/office/drawing/2014/main" id="{D7D1940D-3E5D-56D9-683F-ECCA0E17A246}"/>
+              </a:ext>
+            </a:extLst>
+          </p:cNvPr>
+          <p:cNvSpPr/>
+          <p:nvPr/>
+        </p:nvSpPr>
+        <p:spPr>
+          <a:xfrm>
+            <a:off x="156099" y="3429000"/>
+            <a:ext cx="1911712" cy="610172"/>
+          </a:xfrm>
+          <a:prstGeom prst="roundRect">
+            <a:avLst/>
+          </a:prstGeom>
+          <a:effectLst>
+            <a:innerShdw blurRad="63500" dist="50800" dir="18900000">
+              <a:prstClr val="black">
+                <a:alpha val="50000"/>
+              </a:prstClr>
+            </a:innerShdw>
+          </a:effectLst>
+        </p:spPr>
+        <p:style>
+          <a:lnRef idx="2">
+            <a:schemeClr val="accent4">
+              <a:shade val="15000"/>
+            </a:schemeClr>
+          </a:lnRef>
+          <a:fillRef idx="1">
+            <a:schemeClr val="accent4"/>
+          </a:fillRef>
+          <a:effectRef idx="0">
+            <a:schemeClr val="accent4"/>
+          </a:effectRef>
+          <a:fontRef idx="minor">
+            <a:schemeClr val="lt1"/>
+          </a:fontRef>
+        </p:style>
+        <p:txBody>
+          <a:bodyPr rtlCol="0" anchor="ctr"/>
+          <a:lstStyle/>
+          <a:p>
+            <a:pPr algn="ctr"/>
+            <a:r>
+              <a:rPr lang="es-ES" sz="3200" dirty="0">
+                <a:latin typeface="ADLaM Display" panose="020F0502020204030204" pitchFamily="2" charset="0"/>
+                <a:ea typeface="ADLaM Display" panose="020F0502020204030204" pitchFamily="2" charset="0"/>
+                <a:cs typeface="ADLaM Display" panose="020F0502020204030204" pitchFamily="2" charset="0"/>
+              </a:rPr>
+              <a:t>FITNESS</a:t>
+            </a:r>
+            <a:r>
+              <a:rPr lang="es-ES" sz="3200" dirty="0"/>
+              <a:t> </a:t>
+            </a:r>
+            <a:endParaRPr lang="ca-ES" sz="3200" dirty="0"/>
+          </a:p>
+        </p:txBody>
+      </p:sp>
+      <p:sp>
+        <p:nvSpPr>
+          <p:cNvPr id="12" name="Rectángulo: esquinas redondeadas 11">
+            <a:extLst>
+              <a:ext uri="{FF2B5EF4-FFF2-40B4-BE49-F238E27FC236}">
+                <a16:creationId xmlns:a16="http://schemas.microsoft.com/office/drawing/2014/main" id="{DCD620E7-081C-67DD-D0B0-1E167FCB92B0}"/>
+              </a:ext>
+            </a:extLst>
+          </p:cNvPr>
+          <p:cNvSpPr/>
+          <p:nvPr/>
+        </p:nvSpPr>
+        <p:spPr>
+          <a:xfrm>
+            <a:off x="5030964" y="5410320"/>
+            <a:ext cx="3221214" cy="617946"/>
+          </a:xfrm>
+          <a:prstGeom prst="roundRect">
+            <a:avLst/>
+          </a:prstGeom>
+          <a:effectLst>
+            <a:innerShdw blurRad="63500" dist="50800" dir="18900000">
+              <a:prstClr val="black">
+                <a:alpha val="50000"/>
+              </a:prstClr>
+            </a:innerShdw>
+          </a:effectLst>
+        </p:spPr>
+        <p:style>
+          <a:lnRef idx="2">
+            <a:schemeClr val="accent4">
+              <a:shade val="15000"/>
+            </a:schemeClr>
+          </a:lnRef>
+          <a:fillRef idx="1">
+            <a:schemeClr val="accent4"/>
+          </a:fillRef>
+          <a:effectRef idx="0">
+            <a:schemeClr val="accent4"/>
+          </a:effectRef>
+          <a:fontRef idx="minor">
+            <a:schemeClr val="lt1"/>
+          </a:fontRef>
+        </p:style>
+        <p:txBody>
+          <a:bodyPr rtlCol="0" anchor="ctr"/>
+          <a:lstStyle/>
+          <a:p>
+            <a:pPr algn="ctr"/>
+            <a:r>
+              <a:rPr lang="es-ES" sz="3200" dirty="0">
+                <a:latin typeface="ADLaM Display" panose="020F0502020204030204" pitchFamily="2" charset="0"/>
+                <a:ea typeface="ADLaM Display" panose="020F0502020204030204" pitchFamily="2" charset="0"/>
+                <a:cs typeface="ADLaM Display" panose="020F0502020204030204" pitchFamily="2" charset="0"/>
+              </a:rPr>
+              <a:t>GENERACIONS</a:t>
+            </a:r>
+            <a:r>
+              <a:rPr lang="es-ES" sz="3200" dirty="0"/>
+              <a:t> </a:t>
+            </a:r>
+            <a:endParaRPr lang="ca-ES" sz="3200" dirty="0"/>
+          </a:p>
+        </p:txBody>
+      </p:sp>
+    </p:spTree>
+    <p:extLst>
+      <p:ext uri="{BB962C8B-B14F-4D97-AF65-F5344CB8AC3E}">
+        <p14:creationId xmlns:p14="http://schemas.microsoft.com/office/powerpoint/2010/main" val="3639008992"/>
+      </p:ext>
+    </p:extLst>
+  </p:cSld>
+  <p:clrMapOvr>
+    <a:masterClrMapping/>
+  </p:clrMapOvr>
+</p:sld>
+</file>
+
+<file path=ppt/slides/slide21.xml><?xml version="1.0" encoding="utf-8"?>
+<p:sld xmlns:a="http://schemas.openxmlformats.org/drawingml/2006/main" xmlns:r="http://schemas.openxmlformats.org/officeDocument/2006/relationships" xmlns:p="http://schemas.openxmlformats.org/presentationml/2006/main">
+  <p:cSld>
+    <p:spTree>
+      <p:nvGrpSpPr>
+        <p:cNvPr id="1" name="">
+          <a:extLst>
+            <a:ext uri="{FF2B5EF4-FFF2-40B4-BE49-F238E27FC236}">
+              <a16:creationId xmlns:a16="http://schemas.microsoft.com/office/drawing/2014/main" id="{516FBEF5-FE59-A5B3-E373-6A801095E948}"/>
+            </a:ext>
+          </a:extLst>
+        </p:cNvPr>
+        <p:cNvGrpSpPr/>
+        <p:nvPr/>
+      </p:nvGrpSpPr>
+      <p:grpSpPr>
+        <a:xfrm>
+          <a:off x="0" y="0"/>
+          <a:ext cx="0" cy="0"/>
+          <a:chOff x="0" y="0"/>
+          <a:chExt cx="0" cy="0"/>
+        </a:xfrm>
+      </p:grpSpPr>
+      <p:sp>
+        <p:nvSpPr>
+          <p:cNvPr id="2" name="Título 1">
+            <a:extLst>
+              <a:ext uri="{FF2B5EF4-FFF2-40B4-BE49-F238E27FC236}">
+                <a16:creationId xmlns:a16="http://schemas.microsoft.com/office/drawing/2014/main" id="{1D905280-2619-FB7C-8ACE-9676D76666A4}"/>
+              </a:ext>
+            </a:extLst>
+          </p:cNvPr>
+          <p:cNvSpPr>
+            <a:spLocks noGrp="1"/>
+          </p:cNvSpPr>
+          <p:nvPr>
+            <p:ph type="ctrTitle"/>
+          </p:nvPr>
+        </p:nvSpPr>
+        <p:spPr>
+          <a:xfrm>
+            <a:off x="2587552" y="224400"/>
+            <a:ext cx="7016895" cy="781458"/>
+          </a:xfrm>
+        </p:spPr>
+        <p:txBody>
+          <a:bodyPr>
+            <a:noAutofit/>
+          </a:bodyPr>
+          <a:lstStyle/>
+          <a:p>
+            <a:r>
+              <a:rPr lang="es-ES" sz="4800" dirty="0">
+                <a:latin typeface="Aharoni" panose="02010803020104030203" pitchFamily="2" charset="-79"/>
+                <a:cs typeface="Aharoni" panose="02010803020104030203" pitchFamily="2" charset="-79"/>
+              </a:rPr>
+              <a:t>LOGARÍTMICA</a:t>
+            </a:r>
+            <a:endParaRPr lang="ca-ES" sz="4800" dirty="0">
+              <a:latin typeface="Aharoni" panose="02010803020104030203" pitchFamily="2" charset="-79"/>
+              <a:cs typeface="Aharoni" panose="02010803020104030203" pitchFamily="2" charset="-79"/>
+            </a:endParaRPr>
+          </a:p>
+        </p:txBody>
+      </p:sp>
+      <p:sp>
+        <p:nvSpPr>
+          <p:cNvPr id="10" name="Rectángulo: esquinas redondeadas 9">
+            <a:extLst>
+              <a:ext uri="{FF2B5EF4-FFF2-40B4-BE49-F238E27FC236}">
+                <a16:creationId xmlns:a16="http://schemas.microsoft.com/office/drawing/2014/main" id="{EC9FA64A-4470-7D72-2388-94208234D63E}"/>
+              </a:ext>
+            </a:extLst>
+          </p:cNvPr>
+          <p:cNvSpPr/>
+          <p:nvPr/>
+        </p:nvSpPr>
+        <p:spPr>
+          <a:xfrm>
+            <a:off x="573233" y="3329650"/>
+            <a:ext cx="2173429" cy="781476"/>
+          </a:xfrm>
+          <a:prstGeom prst="roundRect">
+            <a:avLst/>
+          </a:prstGeom>
+          <a:effectLst>
+            <a:innerShdw blurRad="63500" dist="50800" dir="18900000">
+              <a:prstClr val="black">
+                <a:alpha val="50000"/>
+              </a:prstClr>
+            </a:innerShdw>
+          </a:effectLst>
+        </p:spPr>
+        <p:style>
+          <a:lnRef idx="2">
+            <a:schemeClr val="accent4">
+              <a:shade val="15000"/>
+            </a:schemeClr>
+          </a:lnRef>
+          <a:fillRef idx="1">
+            <a:schemeClr val="accent4"/>
+          </a:fillRef>
+          <a:effectRef idx="0">
+            <a:schemeClr val="accent4"/>
+          </a:effectRef>
+          <a:fontRef idx="minor">
+            <a:schemeClr val="lt1"/>
+          </a:fontRef>
+        </p:style>
+        <p:txBody>
+          <a:bodyPr rtlCol="0" anchor="ctr"/>
+          <a:lstStyle/>
+          <a:p>
+            <a:pPr algn="ctr"/>
+            <a:r>
+              <a:rPr lang="es-ES" sz="3600" dirty="0">
+                <a:latin typeface="ADLaM Display" panose="020F0502020204030204" pitchFamily="2" charset="0"/>
+                <a:ea typeface="ADLaM Display" panose="020F0502020204030204" pitchFamily="2" charset="0"/>
+                <a:cs typeface="ADLaM Display" panose="020F0502020204030204" pitchFamily="2" charset="0"/>
+              </a:rPr>
+              <a:t>FITNESS</a:t>
+            </a:r>
+            <a:r>
+              <a:rPr lang="es-ES" sz="3600" dirty="0"/>
+              <a:t> </a:t>
+            </a:r>
+            <a:endParaRPr lang="ca-ES" sz="3600" dirty="0"/>
+          </a:p>
+        </p:txBody>
+      </p:sp>
+      <p:sp>
+        <p:nvSpPr>
+          <p:cNvPr id="19" name="Rectángulo: esquinas redondeadas 18">
+            <a:extLst>
+              <a:ext uri="{FF2B5EF4-FFF2-40B4-BE49-F238E27FC236}">
+                <a16:creationId xmlns:a16="http://schemas.microsoft.com/office/drawing/2014/main" id="{F409D9CE-314C-B5C4-34F3-DABB5712A2BC}"/>
+              </a:ext>
+            </a:extLst>
+          </p:cNvPr>
+          <p:cNvSpPr/>
+          <p:nvPr/>
+        </p:nvSpPr>
+        <p:spPr>
+          <a:xfrm>
+            <a:off x="5324475" y="5699220"/>
+            <a:ext cx="3624696" cy="781476"/>
+          </a:xfrm>
+          <a:prstGeom prst="roundRect">
+            <a:avLst/>
+          </a:prstGeom>
+          <a:effectLst>
+            <a:innerShdw blurRad="63500" dist="50800" dir="18900000">
+              <a:prstClr val="black">
+                <a:alpha val="50000"/>
+              </a:prstClr>
+            </a:innerShdw>
+          </a:effectLst>
+        </p:spPr>
+        <p:style>
+          <a:lnRef idx="2">
+            <a:schemeClr val="accent4">
+              <a:shade val="15000"/>
+            </a:schemeClr>
+          </a:lnRef>
+          <a:fillRef idx="1">
+            <a:schemeClr val="accent4"/>
+          </a:fillRef>
+          <a:effectRef idx="0">
+            <a:schemeClr val="accent4"/>
+          </a:effectRef>
+          <a:fontRef idx="minor">
+            <a:schemeClr val="lt1"/>
+          </a:fontRef>
+        </p:style>
+        <p:txBody>
+          <a:bodyPr rtlCol="0" anchor="ctr"/>
+          <a:lstStyle/>
+          <a:p>
+            <a:pPr algn="ctr"/>
+            <a:r>
+              <a:rPr lang="es-ES" sz="3600" dirty="0">
+                <a:latin typeface="ADLaM Display" panose="020F0502020204030204" pitchFamily="2" charset="0"/>
+                <a:ea typeface="ADLaM Display" panose="020F0502020204030204" pitchFamily="2" charset="0"/>
+                <a:cs typeface="ADLaM Display" panose="020F0502020204030204" pitchFamily="2" charset="0"/>
+              </a:rPr>
+              <a:t>GENERACIONS</a:t>
+            </a:r>
+            <a:r>
+              <a:rPr lang="es-ES" sz="3600" dirty="0"/>
+              <a:t> </a:t>
+            </a:r>
+            <a:endParaRPr lang="ca-ES" sz="3600" dirty="0"/>
+          </a:p>
+        </p:txBody>
+      </p:sp>
+      <p:cxnSp>
+        <p:nvCxnSpPr>
+          <p:cNvPr id="9" name="Conector recto de flecha 8">
+            <a:extLst>
+              <a:ext uri="{FF2B5EF4-FFF2-40B4-BE49-F238E27FC236}">
+                <a16:creationId xmlns:a16="http://schemas.microsoft.com/office/drawing/2014/main" id="{BEC3D2D4-5874-B272-34D4-2DBA0A0920E4}"/>
+              </a:ext>
+            </a:extLst>
+          </p:cNvPr>
+          <p:cNvCxnSpPr>
+            <a:cxnSpLocks/>
+          </p:cNvCxnSpPr>
+          <p:nvPr/>
+        </p:nvCxnSpPr>
+        <p:spPr>
+          <a:xfrm flipH="1" flipV="1">
+            <a:off x="3013363" y="2286000"/>
+            <a:ext cx="20781" cy="2937605"/>
+          </a:xfrm>
+          <a:prstGeom prst="straightConnector1">
+            <a:avLst/>
+          </a:prstGeom>
+          <a:ln w="76200">
+            <a:tailEnd type="triangle"/>
+          </a:ln>
+        </p:spPr>
+        <p:style>
+          <a:lnRef idx="2">
+            <a:schemeClr val="accent1"/>
+          </a:lnRef>
+          <a:fillRef idx="0">
+            <a:schemeClr val="accent1"/>
+          </a:fillRef>
+          <a:effectRef idx="1">
+            <a:schemeClr val="accent1"/>
+          </a:effectRef>
+          <a:fontRef idx="minor">
+            <a:schemeClr val="tx1"/>
+          </a:fontRef>
+        </p:style>
+      </p:cxnSp>
+      <p:cxnSp>
+        <p:nvCxnSpPr>
+          <p:cNvPr id="13" name="Conector recto de flecha 12">
+            <a:extLst>
+              <a:ext uri="{FF2B5EF4-FFF2-40B4-BE49-F238E27FC236}">
+                <a16:creationId xmlns:a16="http://schemas.microsoft.com/office/drawing/2014/main" id="{A128D403-865B-A7F2-0480-B75A656FEF69}"/>
+              </a:ext>
+            </a:extLst>
+          </p:cNvPr>
+          <p:cNvCxnSpPr>
+            <a:cxnSpLocks/>
+          </p:cNvCxnSpPr>
+          <p:nvPr/>
+        </p:nvCxnSpPr>
+        <p:spPr>
+          <a:xfrm>
+            <a:off x="3013363" y="5223605"/>
+            <a:ext cx="7481455" cy="0"/>
+          </a:xfrm>
+          <a:prstGeom prst="straightConnector1">
+            <a:avLst/>
+          </a:prstGeom>
+          <a:ln w="76200">
+            <a:tailEnd type="triangle"/>
+          </a:ln>
+        </p:spPr>
+        <p:style>
+          <a:lnRef idx="2">
+            <a:schemeClr val="accent1"/>
+          </a:lnRef>
+          <a:fillRef idx="0">
+            <a:schemeClr val="accent1"/>
+          </a:fillRef>
+          <a:effectRef idx="1">
+            <a:schemeClr val="accent1"/>
+          </a:effectRef>
+          <a:fontRef idx="minor">
+            <a:schemeClr val="tx1"/>
+          </a:fontRef>
+        </p:style>
+      </p:cxnSp>
+      <p:sp>
+        <p:nvSpPr>
+          <p:cNvPr id="18" name="CuadroTexto 17">
+            <a:extLst>
+              <a:ext uri="{FF2B5EF4-FFF2-40B4-BE49-F238E27FC236}">
+                <a16:creationId xmlns:a16="http://schemas.microsoft.com/office/drawing/2014/main" id="{319CE59E-F6C6-902F-5935-FD74E2F03380}"/>
+              </a:ext>
+            </a:extLst>
+          </p:cNvPr>
+          <p:cNvSpPr txBox="1"/>
+          <p:nvPr/>
+        </p:nvSpPr>
+        <p:spPr>
+          <a:xfrm>
+            <a:off x="10494818" y="4869662"/>
+            <a:ext cx="548548" cy="707886"/>
+          </a:xfrm>
+          <a:prstGeom prst="rect">
+            <a:avLst/>
+          </a:prstGeom>
+          <a:noFill/>
+        </p:spPr>
+        <p:txBody>
+          <a:bodyPr wrap="none" rtlCol="0">
+            <a:spAutoFit/>
+          </a:bodyPr>
+          <a:lstStyle/>
+          <a:p>
+            <a:r>
+              <a:rPr lang="es-ES" sz="4000" b="1" dirty="0">
+                <a:latin typeface="Aharoni" panose="02010803020104030203" pitchFamily="2" charset="-79"/>
+                <a:cs typeface="Aharoni" panose="02010803020104030203" pitchFamily="2" charset="-79"/>
+              </a:rPr>
+              <a:t>X</a:t>
+            </a:r>
+            <a:endParaRPr lang="ca-ES" sz="4000" b="1" dirty="0">
+              <a:latin typeface="Aharoni" panose="02010803020104030203" pitchFamily="2" charset="-79"/>
+              <a:cs typeface="Aharoni" panose="02010803020104030203" pitchFamily="2" charset="-79"/>
+            </a:endParaRPr>
+          </a:p>
+        </p:txBody>
+      </p:sp>
+      <p:sp>
+        <p:nvSpPr>
+          <p:cNvPr id="20" name="CuadroTexto 19">
+            <a:extLst>
+              <a:ext uri="{FF2B5EF4-FFF2-40B4-BE49-F238E27FC236}">
+                <a16:creationId xmlns:a16="http://schemas.microsoft.com/office/drawing/2014/main" id="{137C9FAD-3A59-F682-C885-0F82829EE304}"/>
+              </a:ext>
+            </a:extLst>
+          </p:cNvPr>
+          <p:cNvSpPr txBox="1"/>
+          <p:nvPr/>
+        </p:nvSpPr>
+        <p:spPr>
+          <a:xfrm>
+            <a:off x="2759870" y="1634394"/>
+            <a:ext cx="513282" cy="707886"/>
+          </a:xfrm>
+          <a:prstGeom prst="rect">
+            <a:avLst/>
+          </a:prstGeom>
+          <a:noFill/>
+        </p:spPr>
+        <p:txBody>
+          <a:bodyPr wrap="none" rtlCol="0">
+            <a:spAutoFit/>
+          </a:bodyPr>
+          <a:lstStyle/>
+          <a:p>
+            <a:r>
+              <a:rPr lang="es-ES" sz="4000" b="1" dirty="0">
+                <a:latin typeface="Aharoni" panose="02010803020104030203" pitchFamily="2" charset="-79"/>
+                <a:cs typeface="Aharoni" panose="02010803020104030203" pitchFamily="2" charset="-79"/>
+              </a:rPr>
+              <a:t>Y</a:t>
+            </a:r>
+            <a:endParaRPr lang="ca-ES" sz="4000" b="1" dirty="0">
+              <a:latin typeface="Aharoni" panose="02010803020104030203" pitchFamily="2" charset="-79"/>
+              <a:cs typeface="Aharoni" panose="02010803020104030203" pitchFamily="2" charset="-79"/>
+            </a:endParaRPr>
+          </a:p>
+        </p:txBody>
+      </p:sp>
+      <p:sp>
+        <p:nvSpPr>
+          <p:cNvPr id="3" name="Forma libre: forma 2">
+            <a:extLst>
+              <a:ext uri="{FF2B5EF4-FFF2-40B4-BE49-F238E27FC236}">
+                <a16:creationId xmlns:a16="http://schemas.microsoft.com/office/drawing/2014/main" id="{C5383C0E-4FDA-39AA-6163-5D6FE4C35ACB}"/>
+              </a:ext>
+            </a:extLst>
+          </p:cNvPr>
+          <p:cNvSpPr/>
+          <p:nvPr/>
+        </p:nvSpPr>
+        <p:spPr>
+          <a:xfrm>
+            <a:off x="3075709" y="2244436"/>
+            <a:ext cx="7315200" cy="2909455"/>
+          </a:xfrm>
+          <a:custGeom>
+            <a:avLst/>
+            <a:gdLst>
+              <a:gd name="connsiteX0" fmla="*/ 0 w 7315200"/>
+              <a:gd name="connsiteY0" fmla="*/ 2909455 h 2909455"/>
+              <a:gd name="connsiteX1" fmla="*/ 1787236 w 7315200"/>
+              <a:gd name="connsiteY1" fmla="*/ 415637 h 2909455"/>
+              <a:gd name="connsiteX2" fmla="*/ 7315200 w 7315200"/>
+              <a:gd name="connsiteY2" fmla="*/ 0 h 2909455"/>
+            </a:gdLst>
+            <a:ahLst/>
+            <a:cxnLst>
+              <a:cxn ang="0">
+                <a:pos x="connsiteX0" y="connsiteY0"/>
+              </a:cxn>
+              <a:cxn ang="0">
+                <a:pos x="connsiteX1" y="connsiteY1"/>
+              </a:cxn>
+              <a:cxn ang="0">
+                <a:pos x="connsiteX2" y="connsiteY2"/>
+              </a:cxn>
+            </a:cxnLst>
+            <a:rect l="l" t="t" r="r" b="b"/>
+            <a:pathLst>
+              <a:path w="7315200" h="2909455">
+                <a:moveTo>
+                  <a:pt x="0" y="2909455"/>
+                </a:moveTo>
+                <a:cubicBezTo>
+                  <a:pt x="284018" y="1905000"/>
+                  <a:pt x="568036" y="900546"/>
+                  <a:pt x="1787236" y="415637"/>
+                </a:cubicBezTo>
+                <a:cubicBezTo>
+                  <a:pt x="3006436" y="-69272"/>
+                  <a:pt x="6269182" y="76200"/>
+                  <a:pt x="7315200" y="0"/>
+                </a:cubicBezTo>
+              </a:path>
+            </a:pathLst>
+          </a:custGeom>
+          <a:noFill/>
+          <a:ln w="76200">
+            <a:solidFill>
+              <a:schemeClr val="accent3">
+                <a:lumMod val="60000"/>
+                <a:lumOff val="40000"/>
+              </a:schemeClr>
+            </a:solidFill>
+            <a:prstDash val="sysDash"/>
+          </a:ln>
+        </p:spPr>
+        <p:style>
+          <a:lnRef idx="2">
+            <a:schemeClr val="accent1">
+              <a:shade val="15000"/>
+            </a:schemeClr>
+          </a:lnRef>
+          <a:fillRef idx="1">
+            <a:schemeClr val="accent1"/>
+          </a:fillRef>
+          <a:effectRef idx="0">
+            <a:schemeClr val="accent1"/>
+          </a:effectRef>
+          <a:fontRef idx="minor">
+            <a:schemeClr val="lt1"/>
+          </a:fontRef>
+        </p:style>
+        <p:txBody>
+          <a:bodyPr rtlCol="0" anchor="ctr"/>
+          <a:lstStyle/>
+          <a:p>
+            <a:pPr algn="ctr"/>
+            <a:endParaRPr lang="ca-ES"/>
+          </a:p>
+        </p:txBody>
+      </p:sp>
+    </p:spTree>
+    <p:extLst>
+      <p:ext uri="{BB962C8B-B14F-4D97-AF65-F5344CB8AC3E}">
+        <p14:creationId xmlns:p14="http://schemas.microsoft.com/office/powerpoint/2010/main" val="2047937860"/>
+      </p:ext>
+    </p:extLst>
+  </p:cSld>
+  <p:clrMapOvr>
+    <a:masterClrMapping/>
+  </p:clrMapOvr>
+</p:sld>
+</file>
+
+<file path=ppt/slides/slide22.xml><?xml version="1.0" encoding="utf-8"?>
+<p:sld xmlns:a="http://schemas.openxmlformats.org/drawingml/2006/main" xmlns:r="http://schemas.openxmlformats.org/officeDocument/2006/relationships" xmlns:p="http://schemas.openxmlformats.org/presentationml/2006/main">
+  <p:cSld>
+    <p:spTree>
+      <p:nvGrpSpPr>
+        <p:cNvPr id="1" name="">
+          <a:extLst>
+            <a:ext uri="{FF2B5EF4-FFF2-40B4-BE49-F238E27FC236}">
+              <a16:creationId xmlns:a16="http://schemas.microsoft.com/office/drawing/2014/main" id="{B064E207-00AA-E8AD-77BA-983A3077A695}"/>
+            </a:ext>
+          </a:extLst>
+        </p:cNvPr>
+        <p:cNvGrpSpPr/>
+        <p:nvPr/>
+      </p:nvGrpSpPr>
+      <p:grpSpPr>
+        <a:xfrm>
+          <a:off x="0" y="0"/>
+          <a:ext cx="0" cy="0"/>
+          <a:chOff x="0" y="0"/>
+          <a:chExt cx="0" cy="0"/>
+        </a:xfrm>
+      </p:grpSpPr>
+      <p:sp>
+        <p:nvSpPr>
+          <p:cNvPr id="2" name="Título 1">
+            <a:extLst>
+              <a:ext uri="{FF2B5EF4-FFF2-40B4-BE49-F238E27FC236}">
+                <a16:creationId xmlns:a16="http://schemas.microsoft.com/office/drawing/2014/main" id="{F8BBCCDB-3D3E-797E-C5B3-BD6D7E332584}"/>
+              </a:ext>
+            </a:extLst>
+          </p:cNvPr>
+          <p:cNvSpPr>
+            <a:spLocks noGrp="1"/>
+          </p:cNvSpPr>
+          <p:nvPr>
+            <p:ph type="ctrTitle"/>
+          </p:nvPr>
+        </p:nvSpPr>
+        <p:spPr>
+          <a:xfrm>
+            <a:off x="1111955" y="407433"/>
+            <a:ext cx="9968089" cy="1093990"/>
+          </a:xfrm>
+        </p:spPr>
+        <p:txBody>
+          <a:bodyPr>
+            <a:noAutofit/>
+          </a:bodyPr>
+          <a:lstStyle/>
+          <a:p>
+            <a:r>
+              <a:rPr lang="es-ES" sz="5400" dirty="0">
+                <a:latin typeface="Aharoni" panose="02010803020104030203" pitchFamily="2" charset="-79"/>
+                <a:cs typeface="Aharoni" panose="02010803020104030203" pitchFamily="2" charset="-79"/>
+              </a:rPr>
+              <a:t>ANÀLISI DE LES DADES</a:t>
+            </a:r>
+            <a:endParaRPr lang="ca-ES" sz="5400" dirty="0">
+              <a:latin typeface="Aharoni" panose="02010803020104030203" pitchFamily="2" charset="-79"/>
+              <a:cs typeface="Aharoni" panose="02010803020104030203" pitchFamily="2" charset="-79"/>
+            </a:endParaRPr>
+          </a:p>
+        </p:txBody>
+      </p:sp>
+      <p:sp>
+        <p:nvSpPr>
+          <p:cNvPr id="11" name="Rectángulo: esquinas redondeadas 10">
+            <a:extLst>
+              <a:ext uri="{FF2B5EF4-FFF2-40B4-BE49-F238E27FC236}">
+                <a16:creationId xmlns:a16="http://schemas.microsoft.com/office/drawing/2014/main" id="{4B060AC5-3FE1-306C-B375-E46940C28DEF}"/>
+              </a:ext>
+            </a:extLst>
+          </p:cNvPr>
+          <p:cNvSpPr/>
+          <p:nvPr/>
+        </p:nvSpPr>
+        <p:spPr>
+          <a:xfrm>
+            <a:off x="156099" y="3429000"/>
+            <a:ext cx="1911712" cy="610172"/>
+          </a:xfrm>
+          <a:prstGeom prst="roundRect">
+            <a:avLst/>
+          </a:prstGeom>
+          <a:effectLst>
+            <a:innerShdw blurRad="63500" dist="50800" dir="18900000">
+              <a:prstClr val="black">
+                <a:alpha val="50000"/>
+              </a:prstClr>
+            </a:innerShdw>
+          </a:effectLst>
+        </p:spPr>
+        <p:style>
+          <a:lnRef idx="2">
+            <a:schemeClr val="accent4">
+              <a:shade val="15000"/>
+            </a:schemeClr>
+          </a:lnRef>
+          <a:fillRef idx="1">
+            <a:schemeClr val="accent4"/>
+          </a:fillRef>
+          <a:effectRef idx="0">
+            <a:schemeClr val="accent4"/>
+          </a:effectRef>
+          <a:fontRef idx="minor">
+            <a:schemeClr val="lt1"/>
+          </a:fontRef>
+        </p:style>
+        <p:txBody>
+          <a:bodyPr rtlCol="0" anchor="ctr"/>
+          <a:lstStyle/>
+          <a:p>
+            <a:pPr algn="ctr"/>
+            <a:r>
+              <a:rPr lang="es-ES" sz="3200" dirty="0">
+                <a:latin typeface="ADLaM Display" panose="020F0502020204030204" pitchFamily="2" charset="0"/>
+                <a:ea typeface="ADLaM Display" panose="020F0502020204030204" pitchFamily="2" charset="0"/>
+                <a:cs typeface="ADLaM Display" panose="020F0502020204030204" pitchFamily="2" charset="0"/>
+              </a:rPr>
+              <a:t>FITNESS</a:t>
+            </a:r>
+            <a:r>
+              <a:rPr lang="es-ES" sz="3200" dirty="0"/>
+              <a:t> </a:t>
+            </a:r>
+            <a:endParaRPr lang="ca-ES" sz="3200" dirty="0"/>
+          </a:p>
+        </p:txBody>
+      </p:sp>
+      <p:sp>
+        <p:nvSpPr>
+          <p:cNvPr id="12" name="Rectángulo: esquinas redondeadas 11">
+            <a:extLst>
+              <a:ext uri="{FF2B5EF4-FFF2-40B4-BE49-F238E27FC236}">
+                <a16:creationId xmlns:a16="http://schemas.microsoft.com/office/drawing/2014/main" id="{CC006F83-48A5-5254-EC9A-C5CC4CF89A51}"/>
+              </a:ext>
+            </a:extLst>
+          </p:cNvPr>
+          <p:cNvSpPr/>
+          <p:nvPr/>
+        </p:nvSpPr>
+        <p:spPr>
+          <a:xfrm>
+            <a:off x="5121275" y="6141594"/>
+            <a:ext cx="3221214" cy="617946"/>
+          </a:xfrm>
+          <a:prstGeom prst="roundRect">
+            <a:avLst/>
+          </a:prstGeom>
+          <a:effectLst>
+            <a:innerShdw blurRad="63500" dist="50800" dir="18900000">
+              <a:prstClr val="black">
+                <a:alpha val="50000"/>
+              </a:prstClr>
+            </a:innerShdw>
+          </a:effectLst>
+        </p:spPr>
+        <p:style>
+          <a:lnRef idx="2">
+            <a:schemeClr val="accent4">
+              <a:shade val="15000"/>
+            </a:schemeClr>
+          </a:lnRef>
+          <a:fillRef idx="1">
+            <a:schemeClr val="accent4"/>
+          </a:fillRef>
+          <a:effectRef idx="0">
+            <a:schemeClr val="accent4"/>
+          </a:effectRef>
+          <a:fontRef idx="minor">
+            <a:schemeClr val="lt1"/>
+          </a:fontRef>
+        </p:style>
+        <p:txBody>
+          <a:bodyPr rtlCol="0" anchor="ctr"/>
+          <a:lstStyle/>
+          <a:p>
+            <a:pPr algn="ctr"/>
+            <a:r>
+              <a:rPr lang="es-ES" sz="3200" dirty="0">
+                <a:latin typeface="ADLaM Display" panose="020F0502020204030204" pitchFamily="2" charset="0"/>
+                <a:ea typeface="ADLaM Display" panose="020F0502020204030204" pitchFamily="2" charset="0"/>
+                <a:cs typeface="ADLaM Display" panose="020F0502020204030204" pitchFamily="2" charset="0"/>
+              </a:rPr>
+              <a:t>GENERACIONS</a:t>
+            </a:r>
+            <a:r>
+              <a:rPr lang="es-ES" sz="3200" dirty="0"/>
+              <a:t> </a:t>
+            </a:r>
+            <a:endParaRPr lang="ca-ES" sz="3200" dirty="0"/>
+          </a:p>
+        </p:txBody>
+      </p:sp>
+      <p:pic>
+        <p:nvPicPr>
+          <p:cNvPr id="4" name="Imagen 3" descr="Interfaz de usuario gráfica, Aplicación&#10;&#10;Descripción generada automáticamente">
+            <a:extLst>
+              <a:ext uri="{FF2B5EF4-FFF2-40B4-BE49-F238E27FC236}">
+                <a16:creationId xmlns:a16="http://schemas.microsoft.com/office/drawing/2014/main" id="{D80E5429-B8D9-C3CB-6A12-544950855C12}"/>
+              </a:ext>
+            </a:extLst>
+          </p:cNvPr>
+          <p:cNvPicPr>
+            <a:picLocks noChangeAspect="1"/>
+          </p:cNvPicPr>
+          <p:nvPr/>
+        </p:nvPicPr>
+        <p:blipFill>
+          <a:blip r:embed="rId3">
+            <a:extLst>
+              <a:ext uri="{28A0092B-C50C-407E-A947-70E740481C1C}">
+                <a14:useLocalDpi xmlns:a14="http://schemas.microsoft.com/office/drawing/2010/main" val="0"/>
+              </a:ext>
+            </a:extLst>
+          </a:blip>
+          <a:srcRect l="3349" t="6474" b="11775"/>
+          <a:stretch/>
+        </p:blipFill>
+        <p:spPr>
+          <a:xfrm>
+            <a:off x="2067811" y="1597598"/>
+            <a:ext cx="8258947" cy="4447821"/>
+          </a:xfrm>
+          <a:prstGeom prst="rect">
+            <a:avLst/>
+          </a:prstGeom>
+        </p:spPr>
+      </p:pic>
+      <p:sp>
+        <p:nvSpPr>
+          <p:cNvPr id="5" name="Cerrar llave 4">
+            <a:extLst>
+              <a:ext uri="{FF2B5EF4-FFF2-40B4-BE49-F238E27FC236}">
+                <a16:creationId xmlns:a16="http://schemas.microsoft.com/office/drawing/2014/main" id="{998C5897-A261-B135-5AF8-5E54CC7E756F}"/>
+              </a:ext>
+            </a:extLst>
+          </p:cNvPr>
+          <p:cNvSpPr/>
+          <p:nvPr/>
+        </p:nvSpPr>
+        <p:spPr>
+          <a:xfrm>
+            <a:off x="10326758" y="1794933"/>
+            <a:ext cx="454131" cy="1828800"/>
+          </a:xfrm>
+          <a:prstGeom prst="rightBrace">
+            <a:avLst/>
+          </a:prstGeom>
+          <a:ln w="38100">
+            <a:solidFill>
+              <a:schemeClr val="accent5">
+                <a:lumMod val="60000"/>
+                <a:lumOff val="40000"/>
+              </a:schemeClr>
+            </a:solidFill>
+          </a:ln>
+        </p:spPr>
+        <p:style>
+          <a:lnRef idx="2">
+            <a:schemeClr val="accent1"/>
+          </a:lnRef>
+          <a:fillRef idx="0">
+            <a:schemeClr val="accent1"/>
+          </a:fillRef>
+          <a:effectRef idx="1">
+            <a:schemeClr val="accent1"/>
+          </a:effectRef>
+          <a:fontRef idx="minor">
+            <a:schemeClr val="tx1"/>
+          </a:fontRef>
+        </p:style>
+        <p:txBody>
+          <a:bodyPr rtlCol="0" anchor="ctr"/>
+          <a:lstStyle/>
+          <a:p>
+            <a:pPr algn="ctr"/>
+            <a:endParaRPr lang="ca-ES"/>
+          </a:p>
+        </p:txBody>
+      </p:sp>
+      <p:sp>
+        <p:nvSpPr>
+          <p:cNvPr id="6" name="CuadroTexto 5">
+            <a:extLst>
+              <a:ext uri="{FF2B5EF4-FFF2-40B4-BE49-F238E27FC236}">
+                <a16:creationId xmlns:a16="http://schemas.microsoft.com/office/drawing/2014/main" id="{D3FC5297-1DD6-6B3E-662F-A13E8EC7539A}"/>
+              </a:ext>
+            </a:extLst>
+          </p:cNvPr>
+          <p:cNvSpPr txBox="1"/>
+          <p:nvPr/>
+        </p:nvSpPr>
+        <p:spPr>
+          <a:xfrm>
+            <a:off x="10780889" y="2524667"/>
+            <a:ext cx="702436" cy="369332"/>
+          </a:xfrm>
+          <a:prstGeom prst="rect">
+            <a:avLst/>
+          </a:prstGeom>
+          <a:noFill/>
+        </p:spPr>
+        <p:txBody>
+          <a:bodyPr wrap="none" rtlCol="0">
+            <a:spAutoFit/>
+          </a:bodyPr>
+          <a:lstStyle/>
+          <a:p>
+            <a:r>
+              <a:rPr lang="es-ES" dirty="0">
+                <a:solidFill>
+                  <a:srgbClr val="FF0000"/>
+                </a:solidFill>
+                <a:latin typeface="ADLaM Display" panose="02010000000000000000" pitchFamily="2" charset="0"/>
+                <a:ea typeface="ADLaM Display" panose="02010000000000000000" pitchFamily="2" charset="0"/>
+                <a:cs typeface="ADLaM Display" panose="02010000000000000000" pitchFamily="2" charset="0"/>
+              </a:rPr>
+              <a:t>4/85</a:t>
+            </a:r>
+            <a:endParaRPr lang="ca-ES" dirty="0">
+              <a:solidFill>
+                <a:srgbClr val="FF0000"/>
+              </a:solidFill>
+              <a:latin typeface="ADLaM Display" panose="02010000000000000000" pitchFamily="2" charset="0"/>
+              <a:ea typeface="ADLaM Display" panose="02010000000000000000" pitchFamily="2" charset="0"/>
+              <a:cs typeface="ADLaM Display" panose="02010000000000000000" pitchFamily="2" charset="0"/>
+            </a:endParaRPr>
+          </a:p>
+        </p:txBody>
+      </p:sp>
+    </p:spTree>
+    <p:extLst>
+      <p:ext uri="{BB962C8B-B14F-4D97-AF65-F5344CB8AC3E}">
+        <p14:creationId xmlns:p14="http://schemas.microsoft.com/office/powerpoint/2010/main" val="3371429689"/>
+      </p:ext>
+    </p:extLst>
+  </p:cSld>
+  <p:clrMapOvr>
+    <a:masterClrMapping/>
+  </p:clrMapOvr>
+</p:sld>
+</file>
+
+<file path=ppt/slides/slide23.xml><?xml version="1.0" encoding="utf-8"?>
+<p:sld xmlns:a="http://schemas.openxmlformats.org/drawingml/2006/main" xmlns:r="http://schemas.openxmlformats.org/officeDocument/2006/relationships" xmlns:p="http://schemas.openxmlformats.org/presentationml/2006/main">
+  <p:cSld>
+    <p:spTree>
+      <p:nvGrpSpPr>
+        <p:cNvPr id="1" name="">
+          <a:extLst>
+            <a:ext uri="{FF2B5EF4-FFF2-40B4-BE49-F238E27FC236}">
+              <a16:creationId xmlns:a16="http://schemas.microsoft.com/office/drawing/2014/main" id="{E8D31B57-FAD5-6AFD-F3CE-6DF1FA64E575}"/>
+            </a:ext>
+          </a:extLst>
+        </p:cNvPr>
+        <p:cNvGrpSpPr/>
+        <p:nvPr/>
+      </p:nvGrpSpPr>
+      <p:grpSpPr>
+        <a:xfrm>
+          <a:off x="0" y="0"/>
+          <a:ext cx="0" cy="0"/>
+          <a:chOff x="0" y="0"/>
+          <a:chExt cx="0" cy="0"/>
+        </a:xfrm>
+      </p:grpSpPr>
+      <p:sp>
+        <p:nvSpPr>
+          <p:cNvPr id="2" name="Título 1">
+            <a:extLst>
+              <a:ext uri="{FF2B5EF4-FFF2-40B4-BE49-F238E27FC236}">
+                <a16:creationId xmlns:a16="http://schemas.microsoft.com/office/drawing/2014/main" id="{D230A49C-4D50-91EE-F316-7E14776CF65A}"/>
+              </a:ext>
+            </a:extLst>
+          </p:cNvPr>
+          <p:cNvSpPr>
+            <a:spLocks noGrp="1"/>
+          </p:cNvSpPr>
+          <p:nvPr>
+            <p:ph type="ctrTitle"/>
+          </p:nvPr>
+        </p:nvSpPr>
+        <p:spPr>
+          <a:xfrm>
+            <a:off x="1111955" y="407433"/>
+            <a:ext cx="9968089" cy="1093990"/>
+          </a:xfrm>
+        </p:spPr>
+        <p:txBody>
+          <a:bodyPr>
+            <a:noAutofit/>
+          </a:bodyPr>
+          <a:lstStyle/>
+          <a:p>
+            <a:r>
+              <a:rPr lang="es-ES" sz="5400" dirty="0">
+                <a:latin typeface="Aharoni" panose="02010803020104030203" pitchFamily="2" charset="-79"/>
+                <a:cs typeface="Aharoni" panose="02010803020104030203" pitchFamily="2" charset="-79"/>
+              </a:rPr>
+              <a:t>ANÀLISI DE LES DADES</a:t>
+            </a:r>
+            <a:endParaRPr lang="ca-ES" sz="5400" dirty="0">
+              <a:latin typeface="Aharoni" panose="02010803020104030203" pitchFamily="2" charset="-79"/>
+              <a:cs typeface="Aharoni" panose="02010803020104030203" pitchFamily="2" charset="-79"/>
+            </a:endParaRPr>
+          </a:p>
+        </p:txBody>
+      </p:sp>
+      <p:sp>
+        <p:nvSpPr>
+          <p:cNvPr id="11" name="Rectángulo: esquinas redondeadas 10">
+            <a:extLst>
+              <a:ext uri="{FF2B5EF4-FFF2-40B4-BE49-F238E27FC236}">
+                <a16:creationId xmlns:a16="http://schemas.microsoft.com/office/drawing/2014/main" id="{46B996B8-4E90-E1EA-DDF1-DAA4FCC38356}"/>
+              </a:ext>
+            </a:extLst>
+          </p:cNvPr>
+          <p:cNvSpPr/>
+          <p:nvPr/>
+        </p:nvSpPr>
+        <p:spPr>
+          <a:xfrm>
+            <a:off x="156099" y="3429000"/>
+            <a:ext cx="1911712" cy="610172"/>
+          </a:xfrm>
+          <a:prstGeom prst="roundRect">
+            <a:avLst/>
+          </a:prstGeom>
+          <a:effectLst>
+            <a:innerShdw blurRad="63500" dist="50800" dir="18900000">
+              <a:prstClr val="black">
+                <a:alpha val="50000"/>
+              </a:prstClr>
+            </a:innerShdw>
+          </a:effectLst>
+        </p:spPr>
+        <p:style>
+          <a:lnRef idx="2">
+            <a:schemeClr val="accent4">
+              <a:shade val="15000"/>
+            </a:schemeClr>
+          </a:lnRef>
+          <a:fillRef idx="1">
+            <a:schemeClr val="accent4"/>
+          </a:fillRef>
+          <a:effectRef idx="0">
+            <a:schemeClr val="accent4"/>
+          </a:effectRef>
+          <a:fontRef idx="minor">
+            <a:schemeClr val="lt1"/>
+          </a:fontRef>
+        </p:style>
+        <p:txBody>
+          <a:bodyPr rtlCol="0" anchor="ctr"/>
+          <a:lstStyle/>
+          <a:p>
+            <a:pPr algn="ctr"/>
+            <a:r>
+              <a:rPr lang="es-ES" sz="3200" dirty="0">
+                <a:latin typeface="ADLaM Display" panose="020F0502020204030204" pitchFamily="2" charset="0"/>
+                <a:ea typeface="ADLaM Display" panose="020F0502020204030204" pitchFamily="2" charset="0"/>
+                <a:cs typeface="ADLaM Display" panose="020F0502020204030204" pitchFamily="2" charset="0"/>
+              </a:rPr>
+              <a:t>FITNESS</a:t>
+            </a:r>
+            <a:r>
+              <a:rPr lang="es-ES" sz="3200" dirty="0"/>
+              <a:t> </a:t>
+            </a:r>
+            <a:endParaRPr lang="ca-ES" sz="3200" dirty="0"/>
+          </a:p>
+        </p:txBody>
+      </p:sp>
+      <p:sp>
+        <p:nvSpPr>
+          <p:cNvPr id="12" name="Rectángulo: esquinas redondeadas 11">
+            <a:extLst>
+              <a:ext uri="{FF2B5EF4-FFF2-40B4-BE49-F238E27FC236}">
+                <a16:creationId xmlns:a16="http://schemas.microsoft.com/office/drawing/2014/main" id="{F4E18C6A-662B-5816-53C2-37C65C55C23A}"/>
+              </a:ext>
+            </a:extLst>
+          </p:cNvPr>
+          <p:cNvSpPr/>
+          <p:nvPr/>
+        </p:nvSpPr>
+        <p:spPr>
+          <a:xfrm>
+            <a:off x="5121275" y="6141594"/>
+            <a:ext cx="3221214" cy="617946"/>
+          </a:xfrm>
+          <a:prstGeom prst="roundRect">
+            <a:avLst/>
+          </a:prstGeom>
+          <a:effectLst>
+            <a:innerShdw blurRad="63500" dist="50800" dir="18900000">
+              <a:prstClr val="black">
+                <a:alpha val="50000"/>
+              </a:prstClr>
+            </a:innerShdw>
+          </a:effectLst>
+        </p:spPr>
+        <p:style>
+          <a:lnRef idx="2">
+            <a:schemeClr val="accent4">
+              <a:shade val="15000"/>
+            </a:schemeClr>
+          </a:lnRef>
+          <a:fillRef idx="1">
+            <a:schemeClr val="accent4"/>
+          </a:fillRef>
+          <a:effectRef idx="0">
+            <a:schemeClr val="accent4"/>
+          </a:effectRef>
+          <a:fontRef idx="minor">
+            <a:schemeClr val="lt1"/>
+          </a:fontRef>
+        </p:style>
+        <p:txBody>
+          <a:bodyPr rtlCol="0" anchor="ctr"/>
+          <a:lstStyle/>
+          <a:p>
+            <a:pPr algn="ctr"/>
+            <a:r>
+              <a:rPr lang="es-ES" sz="3200" dirty="0">
+                <a:latin typeface="ADLaM Display" panose="020F0502020204030204" pitchFamily="2" charset="0"/>
+                <a:ea typeface="ADLaM Display" panose="020F0502020204030204" pitchFamily="2" charset="0"/>
+                <a:cs typeface="ADLaM Display" panose="020F0502020204030204" pitchFamily="2" charset="0"/>
+              </a:rPr>
+              <a:t>GENERACIONS</a:t>
+            </a:r>
+            <a:r>
+              <a:rPr lang="es-ES" sz="3200" dirty="0"/>
+              <a:t> </a:t>
+            </a:r>
+            <a:endParaRPr lang="ca-ES" sz="3200" dirty="0"/>
+          </a:p>
+        </p:txBody>
+      </p:sp>
+      <p:pic>
+        <p:nvPicPr>
+          <p:cNvPr id="4" name="Imagen 3" descr="Interfaz de usuario gráfica, Aplicación&#10;&#10;Descripción generada automáticamente">
+            <a:extLst>
+              <a:ext uri="{FF2B5EF4-FFF2-40B4-BE49-F238E27FC236}">
+                <a16:creationId xmlns:a16="http://schemas.microsoft.com/office/drawing/2014/main" id="{2FCF7D48-25AE-D184-0801-3A03F1079D82}"/>
+              </a:ext>
+            </a:extLst>
+          </p:cNvPr>
+          <p:cNvPicPr>
+            <a:picLocks noChangeAspect="1"/>
+          </p:cNvPicPr>
+          <p:nvPr/>
+        </p:nvPicPr>
+        <p:blipFill>
+          <a:blip r:embed="rId3">
+            <a:extLst>
+              <a:ext uri="{28A0092B-C50C-407E-A947-70E740481C1C}">
+                <a14:useLocalDpi xmlns:a14="http://schemas.microsoft.com/office/drawing/2010/main" val="0"/>
+              </a:ext>
+            </a:extLst>
+          </a:blip>
+          <a:srcRect l="3349" t="6474" b="11775"/>
+          <a:stretch/>
+        </p:blipFill>
+        <p:spPr>
+          <a:xfrm>
+            <a:off x="2067811" y="1597598"/>
+            <a:ext cx="8258947" cy="4447821"/>
+          </a:xfrm>
+          <a:prstGeom prst="rect">
+            <a:avLst/>
+          </a:prstGeom>
+        </p:spPr>
+      </p:pic>
+      <p:sp>
+        <p:nvSpPr>
+          <p:cNvPr id="5" name="Cerrar llave 4">
+            <a:extLst>
+              <a:ext uri="{FF2B5EF4-FFF2-40B4-BE49-F238E27FC236}">
+                <a16:creationId xmlns:a16="http://schemas.microsoft.com/office/drawing/2014/main" id="{46C3B490-5C4E-474F-3914-4FE6A4CD14DE}"/>
+              </a:ext>
+            </a:extLst>
+          </p:cNvPr>
+          <p:cNvSpPr/>
+          <p:nvPr/>
+        </p:nvSpPr>
+        <p:spPr>
+          <a:xfrm>
+            <a:off x="10326758" y="1794933"/>
+            <a:ext cx="454131" cy="1828800"/>
+          </a:xfrm>
+          <a:prstGeom prst="rightBrace">
+            <a:avLst/>
+          </a:prstGeom>
+          <a:ln w="38100">
+            <a:solidFill>
+              <a:schemeClr val="accent5">
+                <a:lumMod val="60000"/>
+                <a:lumOff val="40000"/>
+              </a:schemeClr>
+            </a:solidFill>
+          </a:ln>
+        </p:spPr>
+        <p:style>
+          <a:lnRef idx="2">
+            <a:schemeClr val="accent1"/>
+          </a:lnRef>
+          <a:fillRef idx="0">
+            <a:schemeClr val="accent1"/>
+          </a:fillRef>
+          <a:effectRef idx="1">
+            <a:schemeClr val="accent1"/>
+          </a:effectRef>
+          <a:fontRef idx="minor">
+            <a:schemeClr val="tx1"/>
+          </a:fontRef>
+        </p:style>
+        <p:txBody>
+          <a:bodyPr rtlCol="0" anchor="ctr"/>
+          <a:lstStyle/>
+          <a:p>
+            <a:pPr algn="ctr"/>
+            <a:endParaRPr lang="ca-ES"/>
+          </a:p>
+        </p:txBody>
+      </p:sp>
+      <p:sp>
+        <p:nvSpPr>
+          <p:cNvPr id="6" name="CuadroTexto 5">
+            <a:extLst>
+              <a:ext uri="{FF2B5EF4-FFF2-40B4-BE49-F238E27FC236}">
+                <a16:creationId xmlns:a16="http://schemas.microsoft.com/office/drawing/2014/main" id="{9B3DD4C2-7D60-78B0-A8A4-AD599BC4BD49}"/>
+              </a:ext>
+            </a:extLst>
+          </p:cNvPr>
+          <p:cNvSpPr txBox="1"/>
+          <p:nvPr/>
+        </p:nvSpPr>
+        <p:spPr>
+          <a:xfrm>
+            <a:off x="10780889" y="2524667"/>
+            <a:ext cx="702436" cy="369332"/>
+          </a:xfrm>
+          <a:prstGeom prst="rect">
+            <a:avLst/>
+          </a:prstGeom>
+          <a:noFill/>
+        </p:spPr>
+        <p:txBody>
+          <a:bodyPr wrap="none" rtlCol="0">
+            <a:spAutoFit/>
+          </a:bodyPr>
+          <a:lstStyle/>
+          <a:p>
+            <a:r>
+              <a:rPr lang="es-ES" dirty="0">
+                <a:solidFill>
+                  <a:srgbClr val="FF0000"/>
+                </a:solidFill>
+                <a:latin typeface="ADLaM Display" panose="02010000000000000000" pitchFamily="2" charset="0"/>
+                <a:ea typeface="ADLaM Display" panose="02010000000000000000" pitchFamily="2" charset="0"/>
+                <a:cs typeface="ADLaM Display" panose="02010000000000000000" pitchFamily="2" charset="0"/>
+              </a:rPr>
+              <a:t>4/85</a:t>
+            </a:r>
+            <a:endParaRPr lang="ca-ES" dirty="0">
+              <a:solidFill>
+                <a:srgbClr val="FF0000"/>
+              </a:solidFill>
+              <a:latin typeface="ADLaM Display" panose="02010000000000000000" pitchFamily="2" charset="0"/>
+              <a:ea typeface="ADLaM Display" panose="02010000000000000000" pitchFamily="2" charset="0"/>
+              <a:cs typeface="ADLaM Display" panose="02010000000000000000" pitchFamily="2" charset="0"/>
+            </a:endParaRPr>
+          </a:p>
+        </p:txBody>
+      </p:sp>
+      <p:sp>
+        <p:nvSpPr>
+          <p:cNvPr id="3" name="Signo de multiplicación 2">
+            <a:extLst>
+              <a:ext uri="{FF2B5EF4-FFF2-40B4-BE49-F238E27FC236}">
+                <a16:creationId xmlns:a16="http://schemas.microsoft.com/office/drawing/2014/main" id="{63040821-93EC-892B-4B0E-32B5A19016B9}"/>
+              </a:ext>
+            </a:extLst>
+          </p:cNvPr>
+          <p:cNvSpPr/>
+          <p:nvPr/>
+        </p:nvSpPr>
+        <p:spPr>
+          <a:xfrm>
+            <a:off x="0" y="869722"/>
+            <a:ext cx="12792257" cy="5903572"/>
+          </a:xfrm>
+          <a:prstGeom prst="mathMultiply">
+            <a:avLst/>
+          </a:prstGeom>
+          <a:solidFill>
+            <a:srgbClr val="C00000"/>
+          </a:solidFill>
+          <a:ln w="76200">
+            <a:noFill/>
+          </a:ln>
+          <a:effectLst>
+            <a:outerShdw blurRad="44450" dist="27940" dir="5400000" algn="ctr">
+              <a:srgbClr val="000000">
+                <a:alpha val="32000"/>
+              </a:srgbClr>
+            </a:outerShdw>
+          </a:effectLst>
+          <a:scene3d>
+            <a:camera prst="orthographicFront">
+              <a:rot lat="0" lon="0" rev="0"/>
+            </a:camera>
+            <a:lightRig rig="balanced" dir="t">
+              <a:rot lat="0" lon="0" rev="8700000"/>
+            </a:lightRig>
+          </a:scene3d>
+          <a:sp3d>
+            <a:bevelT w="190500" h="38100"/>
+          </a:sp3d>
+        </p:spPr>
+        <p:style>
+          <a:lnRef idx="2">
+            <a:schemeClr val="accent1">
+              <a:shade val="15000"/>
+            </a:schemeClr>
+          </a:lnRef>
+          <a:fillRef idx="1">
+            <a:schemeClr val="accent1"/>
+          </a:fillRef>
+          <a:effectRef idx="0">
+            <a:schemeClr val="accent1"/>
+          </a:effectRef>
+          <a:fontRef idx="minor">
+            <a:schemeClr val="lt1"/>
+          </a:fontRef>
+        </p:style>
+        <p:txBody>
+          <a:bodyPr rtlCol="0" anchor="ctr"/>
+          <a:lstStyle/>
+          <a:p>
+            <a:pPr algn="ctr"/>
+            <a:endParaRPr lang="ca-ES"/>
+          </a:p>
+        </p:txBody>
+      </p:sp>
+    </p:spTree>
+    <p:extLst>
+      <p:ext uri="{BB962C8B-B14F-4D97-AF65-F5344CB8AC3E}">
+        <p14:creationId xmlns:p14="http://schemas.microsoft.com/office/powerpoint/2010/main" val="2843738646"/>
+      </p:ext>
+    </p:extLst>
+  </p:cSld>
+  <p:clrMapOvr>
+    <a:masterClrMapping/>
+  </p:clrMapOvr>
+</p:sld>
+</file>
+
+<file path=ppt/slides/slide24.xml><?xml version="1.0" encoding="utf-8"?>
+<p:sld xmlns:a="http://schemas.openxmlformats.org/drawingml/2006/main" xmlns:r="http://schemas.openxmlformats.org/officeDocument/2006/relationships" xmlns:p="http://schemas.openxmlformats.org/presentationml/2006/main">
+  <p:cSld>
+    <p:spTree>
+      <p:nvGrpSpPr>
+        <p:cNvPr id="1" name="">
+          <a:extLst>
+            <a:ext uri="{FF2B5EF4-FFF2-40B4-BE49-F238E27FC236}">
+              <a16:creationId xmlns:a16="http://schemas.microsoft.com/office/drawing/2014/main" id="{91EFA27F-1F9F-0173-D067-1980F00CB9D3}"/>
+            </a:ext>
+          </a:extLst>
+        </p:cNvPr>
+        <p:cNvGrpSpPr/>
+        <p:nvPr/>
+      </p:nvGrpSpPr>
+      <p:grpSpPr>
+        <a:xfrm>
+          <a:off x="0" y="0"/>
+          <a:ext cx="0" cy="0"/>
+          <a:chOff x="0" y="0"/>
+          <a:chExt cx="0" cy="0"/>
+        </a:xfrm>
+      </p:grpSpPr>
+      <p:sp>
+        <p:nvSpPr>
+          <p:cNvPr id="2" name="Título 1">
+            <a:extLst>
+              <a:ext uri="{FF2B5EF4-FFF2-40B4-BE49-F238E27FC236}">
+                <a16:creationId xmlns:a16="http://schemas.microsoft.com/office/drawing/2014/main" id="{5572B058-58E0-C0FF-A3C3-7CBCC58018A7}"/>
+              </a:ext>
+            </a:extLst>
+          </p:cNvPr>
+          <p:cNvSpPr>
+            <a:spLocks noGrp="1"/>
+          </p:cNvSpPr>
+          <p:nvPr>
+            <p:ph type="ctrTitle"/>
+          </p:nvPr>
+        </p:nvSpPr>
+        <p:spPr>
+          <a:xfrm>
+            <a:off x="1111955" y="0"/>
+            <a:ext cx="9968089" cy="1093990"/>
+          </a:xfrm>
+        </p:spPr>
+        <p:txBody>
+          <a:bodyPr>
+            <a:noAutofit/>
+          </a:bodyPr>
+          <a:lstStyle/>
+          <a:p>
+            <a:r>
+              <a:rPr lang="es-ES" sz="5400" dirty="0">
+                <a:latin typeface="Aharoni" panose="02010803020104030203" pitchFamily="2" charset="-79"/>
+                <a:cs typeface="Aharoni" panose="02010803020104030203" pitchFamily="2" charset="-79"/>
+              </a:rPr>
+              <a:t>ANÀLISI DE LES DADES</a:t>
+            </a:r>
+            <a:endParaRPr lang="ca-ES" sz="5400" dirty="0">
+              <a:latin typeface="Aharoni" panose="02010803020104030203" pitchFamily="2" charset="-79"/>
+              <a:cs typeface="Aharoni" panose="02010803020104030203" pitchFamily="2" charset="-79"/>
+            </a:endParaRPr>
+          </a:p>
+        </p:txBody>
+      </p:sp>
+      <p:pic>
+        <p:nvPicPr>
+          <p:cNvPr id="7" name="Imagen 6" descr="Interfaz de usuario gráfica, Aplicación, Correo electrónico&#10;&#10;Descripción generada automáticamente">
+            <a:extLst>
+              <a:ext uri="{FF2B5EF4-FFF2-40B4-BE49-F238E27FC236}">
+                <a16:creationId xmlns:a16="http://schemas.microsoft.com/office/drawing/2014/main" id="{00A74243-2BAA-CD6D-5FCA-CC93BEB12633}"/>
+              </a:ext>
+            </a:extLst>
+          </p:cNvPr>
+          <p:cNvPicPr>
+            <a:picLocks noChangeAspect="1"/>
+          </p:cNvPicPr>
+          <p:nvPr/>
+        </p:nvPicPr>
+        <p:blipFill>
+          <a:blip r:embed="rId3">
+            <a:extLst>
+              <a:ext uri="{28A0092B-C50C-407E-A947-70E740481C1C}">
+                <a14:useLocalDpi xmlns:a14="http://schemas.microsoft.com/office/drawing/2010/main" val="0"/>
+              </a:ext>
+            </a:extLst>
+          </a:blip>
+          <a:srcRect l="5337" b="12846"/>
+          <a:stretch/>
+        </p:blipFill>
+        <p:spPr>
+          <a:xfrm>
+            <a:off x="1627673" y="2627419"/>
+            <a:ext cx="6296484" cy="2099873"/>
+          </a:xfrm>
+          <a:prstGeom prst="rect">
+            <a:avLst/>
+          </a:prstGeom>
+        </p:spPr>
+      </p:pic>
+      <p:sp>
+        <p:nvSpPr>
+          <p:cNvPr id="11" name="Rectángulo: esquinas redondeadas 10">
+            <a:extLst>
+              <a:ext uri="{FF2B5EF4-FFF2-40B4-BE49-F238E27FC236}">
+                <a16:creationId xmlns:a16="http://schemas.microsoft.com/office/drawing/2014/main" id="{6BC67649-D102-58AF-4216-C337487FC905}"/>
+              </a:ext>
+            </a:extLst>
+          </p:cNvPr>
+          <p:cNvSpPr/>
+          <p:nvPr/>
+        </p:nvSpPr>
+        <p:spPr>
+          <a:xfrm>
+            <a:off x="178676" y="3263831"/>
+            <a:ext cx="1255012" cy="510822"/>
+          </a:xfrm>
+          <a:prstGeom prst="roundRect">
+            <a:avLst/>
+          </a:prstGeom>
+          <a:effectLst>
+            <a:innerShdw blurRad="63500" dist="50800" dir="18900000">
+              <a:prstClr val="black">
+                <a:alpha val="50000"/>
+              </a:prstClr>
+            </a:innerShdw>
+          </a:effectLst>
+        </p:spPr>
+        <p:style>
+          <a:lnRef idx="2">
+            <a:schemeClr val="accent4">
+              <a:shade val="15000"/>
+            </a:schemeClr>
+          </a:lnRef>
+          <a:fillRef idx="1">
+            <a:schemeClr val="accent4"/>
+          </a:fillRef>
+          <a:effectRef idx="0">
+            <a:schemeClr val="accent4"/>
+          </a:effectRef>
+          <a:fontRef idx="minor">
+            <a:schemeClr val="lt1"/>
+          </a:fontRef>
+        </p:style>
+        <p:txBody>
+          <a:bodyPr rtlCol="0" anchor="ctr"/>
+          <a:lstStyle/>
+          <a:p>
+            <a:pPr algn="ctr"/>
+            <a:r>
+              <a:rPr lang="es-ES" sz="2000" dirty="0">
+                <a:latin typeface="ADLaM Display" panose="020F0502020204030204" pitchFamily="2" charset="0"/>
+                <a:ea typeface="ADLaM Display" panose="020F0502020204030204" pitchFamily="2" charset="0"/>
+                <a:cs typeface="ADLaM Display" panose="020F0502020204030204" pitchFamily="2" charset="0"/>
+              </a:rPr>
+              <a:t>FITNESS</a:t>
+            </a:r>
+            <a:r>
+              <a:rPr lang="es-ES" sz="2000" dirty="0"/>
+              <a:t> </a:t>
+            </a:r>
+            <a:endParaRPr lang="ca-ES" sz="2000" dirty="0"/>
+          </a:p>
+        </p:txBody>
+      </p:sp>
+      <p:sp>
+        <p:nvSpPr>
+          <p:cNvPr id="12" name="Rectángulo: esquinas redondeadas 11">
+            <a:extLst>
+              <a:ext uri="{FF2B5EF4-FFF2-40B4-BE49-F238E27FC236}">
+                <a16:creationId xmlns:a16="http://schemas.microsoft.com/office/drawing/2014/main" id="{491FCAC2-81E1-0F85-ECCF-637A5EEA1055}"/>
+              </a:ext>
+            </a:extLst>
+          </p:cNvPr>
+          <p:cNvSpPr/>
+          <p:nvPr/>
+        </p:nvSpPr>
+        <p:spPr>
+          <a:xfrm>
+            <a:off x="3746686" y="4794764"/>
+            <a:ext cx="2058458" cy="529033"/>
+          </a:xfrm>
+          <a:prstGeom prst="roundRect">
+            <a:avLst/>
+          </a:prstGeom>
+          <a:effectLst>
+            <a:innerShdw blurRad="63500" dist="50800" dir="18900000">
+              <a:prstClr val="black">
+                <a:alpha val="50000"/>
+              </a:prstClr>
+            </a:innerShdw>
+          </a:effectLst>
+        </p:spPr>
+        <p:style>
+          <a:lnRef idx="2">
+            <a:schemeClr val="accent4">
+              <a:shade val="15000"/>
+            </a:schemeClr>
+          </a:lnRef>
+          <a:fillRef idx="1">
+            <a:schemeClr val="accent4"/>
+          </a:fillRef>
+          <a:effectRef idx="0">
+            <a:schemeClr val="accent4"/>
+          </a:effectRef>
+          <a:fontRef idx="minor">
+            <a:schemeClr val="lt1"/>
+          </a:fontRef>
+        </p:style>
+        <p:txBody>
+          <a:bodyPr rtlCol="0" anchor="ctr"/>
+          <a:lstStyle/>
+          <a:p>
+            <a:pPr algn="ctr"/>
+            <a:r>
+              <a:rPr lang="es-ES" sz="2000" dirty="0">
+                <a:latin typeface="ADLaM Display" panose="020F0502020204030204" pitchFamily="2" charset="0"/>
+                <a:ea typeface="ADLaM Display" panose="020F0502020204030204" pitchFamily="2" charset="0"/>
+                <a:cs typeface="ADLaM Display" panose="020F0502020204030204" pitchFamily="2" charset="0"/>
+              </a:rPr>
+              <a:t>GENERACIONS</a:t>
+            </a:r>
+            <a:r>
+              <a:rPr lang="es-ES" sz="2000" dirty="0"/>
+              <a:t> </a:t>
+            </a:r>
+            <a:endParaRPr lang="ca-ES" sz="2000" dirty="0"/>
+          </a:p>
+        </p:txBody>
+      </p:sp>
+      <p:sp>
+        <p:nvSpPr>
+          <p:cNvPr id="3" name="Flecha: a la derecha 2">
+            <a:extLst>
+              <a:ext uri="{FF2B5EF4-FFF2-40B4-BE49-F238E27FC236}">
+                <a16:creationId xmlns:a16="http://schemas.microsoft.com/office/drawing/2014/main" id="{92B067EF-DD0E-DB27-E73E-C17E03090649}"/>
+              </a:ext>
+            </a:extLst>
+          </p:cNvPr>
+          <p:cNvSpPr/>
+          <p:nvPr/>
+        </p:nvSpPr>
+        <p:spPr>
+          <a:xfrm>
+            <a:off x="8432800" y="3429000"/>
+            <a:ext cx="1286933" cy="646289"/>
+          </a:xfrm>
+          <a:prstGeom prst="rightArrow">
+            <a:avLst/>
+          </a:prstGeom>
+        </p:spPr>
+        <p:style>
+          <a:lnRef idx="2">
+            <a:schemeClr val="accent1">
+              <a:shade val="15000"/>
+            </a:schemeClr>
+          </a:lnRef>
+          <a:fillRef idx="1">
+            <a:schemeClr val="accent1"/>
+          </a:fillRef>
+          <a:effectRef idx="0">
+            <a:schemeClr val="accent1"/>
+          </a:effectRef>
+          <a:fontRef idx="minor">
+            <a:schemeClr val="lt1"/>
+          </a:fontRef>
+        </p:style>
+        <p:txBody>
+          <a:bodyPr rtlCol="0" anchor="ctr"/>
+          <a:lstStyle/>
+          <a:p>
+            <a:pPr algn="ctr"/>
+            <a:endParaRPr lang="ca-ES"/>
+          </a:p>
+        </p:txBody>
+      </p:sp>
+      <p:pic>
+        <p:nvPicPr>
+          <p:cNvPr id="6" name="Picture 2" descr="Signo de interrogación rojo 3d - Descargar PNG/SVG transparente">
+            <a:extLst>
+              <a:ext uri="{FF2B5EF4-FFF2-40B4-BE49-F238E27FC236}">
+                <a16:creationId xmlns:a16="http://schemas.microsoft.com/office/drawing/2014/main" id="{E74A8ADA-093A-9BAD-AE0E-8639D63B3A77}"/>
+              </a:ext>
+            </a:extLst>
+          </p:cNvPr>
+          <p:cNvPicPr>
+            <a:picLocks noChangeAspect="1" noChangeArrowheads="1"/>
+          </p:cNvPicPr>
+          <p:nvPr/>
+        </p:nvPicPr>
+        <p:blipFill>
+          <a:blip r:embed="rId4">
+            <a:extLst>
+              <a:ext uri="{28A0092B-C50C-407E-A947-70E740481C1C}">
+                <a14:useLocalDpi xmlns:a14="http://schemas.microsoft.com/office/drawing/2010/main" val="0"/>
+              </a:ext>
+            </a:extLst>
+          </a:blip>
+          <a:srcRect/>
+          <a:stretch>
+            <a:fillRect/>
+          </a:stretch>
+        </p:blipFill>
+        <p:spPr bwMode="auto">
+          <a:xfrm>
+            <a:off x="9945510" y="2916936"/>
+            <a:ext cx="1715433" cy="1715433"/>
+          </a:xfrm>
+          <a:prstGeom prst="rect">
+            <a:avLst/>
+          </a:prstGeom>
+          <a:noFill/>
+          <a:extLst>
+            <a:ext uri="{909E8E84-426E-40DD-AFC4-6F175D3DCCD1}">
+              <a14:hiddenFill xmlns:a14="http://schemas.microsoft.com/office/drawing/2010/main">
+                <a:solidFill>
+                  <a:srgbClr val="FFFFFF"/>
+                </a:solidFill>
+              </a14:hiddenFill>
+            </a:ext>
+          </a:extLst>
+        </p:spPr>
+      </p:pic>
+    </p:spTree>
+    <p:extLst>
+      <p:ext uri="{BB962C8B-B14F-4D97-AF65-F5344CB8AC3E}">
+        <p14:creationId xmlns:p14="http://schemas.microsoft.com/office/powerpoint/2010/main" val="2553643816"/>
+      </p:ext>
+    </p:extLst>
+  </p:cSld>
+  <p:clrMapOvr>
+    <a:masterClrMapping/>
+  </p:clrMapOvr>
+</p:sld>
+</file>
+
+<file path=ppt/slides/slide25.xml><?xml version="1.0" encoding="utf-8"?>
+<p:sld xmlns:a="http://schemas.openxmlformats.org/drawingml/2006/main" xmlns:r="http://schemas.openxmlformats.org/officeDocument/2006/relationships" xmlns:p="http://schemas.openxmlformats.org/presentationml/2006/main">
+  <p:cSld>
+    <p:spTree>
+      <p:nvGrpSpPr>
+        <p:cNvPr id="1" name="">
+          <a:extLst>
+            <a:ext uri="{FF2B5EF4-FFF2-40B4-BE49-F238E27FC236}">
+              <a16:creationId xmlns:a16="http://schemas.microsoft.com/office/drawing/2014/main" id="{CCC0BAF2-72C0-5F93-8D64-790F7800BC44}"/>
+            </a:ext>
+          </a:extLst>
+        </p:cNvPr>
+        <p:cNvGrpSpPr/>
+        <p:nvPr/>
+      </p:nvGrpSpPr>
+      <p:grpSpPr>
+        <a:xfrm>
+          <a:off x="0" y="0"/>
+          <a:ext cx="0" cy="0"/>
+          <a:chOff x="0" y="0"/>
+          <a:chExt cx="0" cy="0"/>
+        </a:xfrm>
+      </p:grpSpPr>
+      <p:sp>
+        <p:nvSpPr>
+          <p:cNvPr id="2" name="Título 1">
+            <a:extLst>
+              <a:ext uri="{FF2B5EF4-FFF2-40B4-BE49-F238E27FC236}">
+                <a16:creationId xmlns:a16="http://schemas.microsoft.com/office/drawing/2014/main" id="{B41B8DFE-533B-A9E1-82F5-605FC7D02581}"/>
+              </a:ext>
+            </a:extLst>
+          </p:cNvPr>
+          <p:cNvSpPr>
+            <a:spLocks noGrp="1"/>
+          </p:cNvSpPr>
+          <p:nvPr>
+            <p:ph type="ctrTitle"/>
+          </p:nvPr>
+        </p:nvSpPr>
+        <p:spPr>
+          <a:xfrm>
+            <a:off x="1111955" y="0"/>
+            <a:ext cx="9968089" cy="1093990"/>
+          </a:xfrm>
+        </p:spPr>
+        <p:txBody>
+          <a:bodyPr>
+            <a:noAutofit/>
+          </a:bodyPr>
+          <a:lstStyle/>
+          <a:p>
+            <a:r>
+              <a:rPr lang="es-ES" sz="5400" dirty="0">
+                <a:latin typeface="Aharoni" panose="02010803020104030203" pitchFamily="2" charset="-79"/>
+                <a:cs typeface="Aharoni" panose="02010803020104030203" pitchFamily="2" charset="-79"/>
+              </a:rPr>
+              <a:t>ANÀLISI DE LES DADES</a:t>
+            </a:r>
+            <a:endParaRPr lang="ca-ES" sz="5400" dirty="0">
+              <a:latin typeface="Aharoni" panose="02010803020104030203" pitchFamily="2" charset="-79"/>
+              <a:cs typeface="Aharoni" panose="02010803020104030203" pitchFamily="2" charset="-79"/>
+            </a:endParaRPr>
+          </a:p>
+        </p:txBody>
+      </p:sp>
+      <p:pic>
+        <p:nvPicPr>
+          <p:cNvPr id="7" name="Imagen 6" descr="Interfaz de usuario gráfica, Aplicación, Correo electrónico&#10;&#10;Descripción generada automáticamente">
+            <a:extLst>
+              <a:ext uri="{FF2B5EF4-FFF2-40B4-BE49-F238E27FC236}">
+                <a16:creationId xmlns:a16="http://schemas.microsoft.com/office/drawing/2014/main" id="{671BD7D9-B75F-F3EA-0B85-CB7B86F2064A}"/>
+              </a:ext>
+            </a:extLst>
+          </p:cNvPr>
+          <p:cNvPicPr>
+            <a:picLocks noChangeAspect="1"/>
+          </p:cNvPicPr>
+          <p:nvPr/>
+        </p:nvPicPr>
+        <p:blipFill>
+          <a:blip r:embed="rId3">
+            <a:extLst>
+              <a:ext uri="{28A0092B-C50C-407E-A947-70E740481C1C}">
+                <a14:useLocalDpi xmlns:a14="http://schemas.microsoft.com/office/drawing/2010/main" val="0"/>
+              </a:ext>
+            </a:extLst>
+          </a:blip>
+          <a:srcRect l="5337" b="12846"/>
+          <a:stretch/>
+        </p:blipFill>
+        <p:spPr>
+          <a:xfrm>
+            <a:off x="1627673" y="2627419"/>
+            <a:ext cx="6296484" cy="2099873"/>
+          </a:xfrm>
+          <a:prstGeom prst="rect">
+            <a:avLst/>
+          </a:prstGeom>
+        </p:spPr>
+      </p:pic>
+      <p:sp>
+        <p:nvSpPr>
+          <p:cNvPr id="11" name="Rectángulo: esquinas redondeadas 10">
+            <a:extLst>
+              <a:ext uri="{FF2B5EF4-FFF2-40B4-BE49-F238E27FC236}">
+                <a16:creationId xmlns:a16="http://schemas.microsoft.com/office/drawing/2014/main" id="{CA996814-0BE6-876A-9185-12682D11143D}"/>
+              </a:ext>
+            </a:extLst>
+          </p:cNvPr>
+          <p:cNvSpPr/>
+          <p:nvPr/>
+        </p:nvSpPr>
+        <p:spPr>
+          <a:xfrm>
+            <a:off x="178676" y="3263831"/>
+            <a:ext cx="1255012" cy="510822"/>
+          </a:xfrm>
+          <a:prstGeom prst="roundRect">
+            <a:avLst/>
+          </a:prstGeom>
+          <a:effectLst>
+            <a:innerShdw blurRad="63500" dist="50800" dir="18900000">
+              <a:prstClr val="black">
+                <a:alpha val="50000"/>
+              </a:prstClr>
+            </a:innerShdw>
+          </a:effectLst>
+        </p:spPr>
+        <p:style>
+          <a:lnRef idx="2">
+            <a:schemeClr val="accent4">
+              <a:shade val="15000"/>
+            </a:schemeClr>
+          </a:lnRef>
+          <a:fillRef idx="1">
+            <a:schemeClr val="accent4"/>
+          </a:fillRef>
+          <a:effectRef idx="0">
+            <a:schemeClr val="accent4"/>
+          </a:effectRef>
+          <a:fontRef idx="minor">
+            <a:schemeClr val="lt1"/>
+          </a:fontRef>
+        </p:style>
+        <p:txBody>
+          <a:bodyPr rtlCol="0" anchor="ctr"/>
+          <a:lstStyle/>
+          <a:p>
+            <a:pPr algn="ctr"/>
+            <a:r>
+              <a:rPr lang="es-ES" sz="2000" dirty="0">
+                <a:latin typeface="ADLaM Display" panose="020F0502020204030204" pitchFamily="2" charset="0"/>
+                <a:ea typeface="ADLaM Display" panose="020F0502020204030204" pitchFamily="2" charset="0"/>
+                <a:cs typeface="ADLaM Display" panose="020F0502020204030204" pitchFamily="2" charset="0"/>
+              </a:rPr>
+              <a:t>FITNESS</a:t>
+            </a:r>
+            <a:r>
+              <a:rPr lang="es-ES" sz="2000" dirty="0"/>
+              <a:t> </a:t>
+            </a:r>
+            <a:endParaRPr lang="ca-ES" sz="2000" dirty="0"/>
+          </a:p>
+        </p:txBody>
+      </p:sp>
+      <p:sp>
+        <p:nvSpPr>
+          <p:cNvPr id="12" name="Rectángulo: esquinas redondeadas 11">
+            <a:extLst>
+              <a:ext uri="{FF2B5EF4-FFF2-40B4-BE49-F238E27FC236}">
+                <a16:creationId xmlns:a16="http://schemas.microsoft.com/office/drawing/2014/main" id="{1BEDC06C-E3B6-4B70-7737-61CA1729B79B}"/>
+              </a:ext>
+            </a:extLst>
+          </p:cNvPr>
+          <p:cNvSpPr/>
+          <p:nvPr/>
+        </p:nvSpPr>
+        <p:spPr>
+          <a:xfrm>
+            <a:off x="3746686" y="4794764"/>
+            <a:ext cx="2058458" cy="529033"/>
+          </a:xfrm>
+          <a:prstGeom prst="roundRect">
+            <a:avLst/>
+          </a:prstGeom>
+          <a:effectLst>
+            <a:innerShdw blurRad="63500" dist="50800" dir="18900000">
+              <a:prstClr val="black">
+                <a:alpha val="50000"/>
+              </a:prstClr>
+            </a:innerShdw>
+          </a:effectLst>
+        </p:spPr>
+        <p:style>
+          <a:lnRef idx="2">
+            <a:schemeClr val="accent4">
+              <a:shade val="15000"/>
+            </a:schemeClr>
+          </a:lnRef>
+          <a:fillRef idx="1">
+            <a:schemeClr val="accent4"/>
+          </a:fillRef>
+          <a:effectRef idx="0">
+            <a:schemeClr val="accent4"/>
+          </a:effectRef>
+          <a:fontRef idx="minor">
+            <a:schemeClr val="lt1"/>
+          </a:fontRef>
+        </p:style>
+        <p:txBody>
+          <a:bodyPr rtlCol="0" anchor="ctr"/>
+          <a:lstStyle/>
+          <a:p>
+            <a:pPr algn="ctr"/>
+            <a:r>
+              <a:rPr lang="es-ES" sz="2000" dirty="0">
+                <a:latin typeface="ADLaM Display" panose="020F0502020204030204" pitchFamily="2" charset="0"/>
+                <a:ea typeface="ADLaM Display" panose="020F0502020204030204" pitchFamily="2" charset="0"/>
+                <a:cs typeface="ADLaM Display" panose="020F0502020204030204" pitchFamily="2" charset="0"/>
+              </a:rPr>
+              <a:t>GENERACIONS</a:t>
+            </a:r>
+            <a:r>
+              <a:rPr lang="es-ES" sz="2000" dirty="0"/>
+              <a:t> </a:t>
+            </a:r>
+            <a:endParaRPr lang="ca-ES" sz="2000" dirty="0"/>
+          </a:p>
+        </p:txBody>
+      </p:sp>
+      <p:sp>
+        <p:nvSpPr>
+          <p:cNvPr id="3" name="Flecha: a la derecha 2">
+            <a:extLst>
+              <a:ext uri="{FF2B5EF4-FFF2-40B4-BE49-F238E27FC236}">
+                <a16:creationId xmlns:a16="http://schemas.microsoft.com/office/drawing/2014/main" id="{E1E0E21A-884C-24E2-4778-6AC8DA906ED3}"/>
+              </a:ext>
+            </a:extLst>
+          </p:cNvPr>
+          <p:cNvSpPr/>
+          <p:nvPr/>
+        </p:nvSpPr>
+        <p:spPr>
+          <a:xfrm>
+            <a:off x="8432800" y="3429000"/>
+            <a:ext cx="1286933" cy="646289"/>
+          </a:xfrm>
+          <a:prstGeom prst="rightArrow">
+            <a:avLst/>
+          </a:prstGeom>
+        </p:spPr>
+        <p:style>
+          <a:lnRef idx="2">
+            <a:schemeClr val="accent1">
+              <a:shade val="15000"/>
+            </a:schemeClr>
+          </a:lnRef>
+          <a:fillRef idx="1">
+            <a:schemeClr val="accent1"/>
+          </a:fillRef>
+          <a:effectRef idx="0">
+            <a:schemeClr val="accent1"/>
+          </a:effectRef>
+          <a:fontRef idx="minor">
+            <a:schemeClr val="lt1"/>
+          </a:fontRef>
+        </p:style>
+        <p:txBody>
+          <a:bodyPr rtlCol="0" anchor="ctr"/>
+          <a:lstStyle/>
+          <a:p>
+            <a:pPr algn="ctr"/>
+            <a:endParaRPr lang="ca-ES"/>
+          </a:p>
+        </p:txBody>
+      </p:sp>
+      <p:sp>
+        <p:nvSpPr>
+          <p:cNvPr id="4" name="CuadroTexto 3">
+            <a:extLst>
+              <a:ext uri="{FF2B5EF4-FFF2-40B4-BE49-F238E27FC236}">
+                <a16:creationId xmlns:a16="http://schemas.microsoft.com/office/drawing/2014/main" id="{3AC6D4CB-D833-A660-C18B-EA6EE685DE14}"/>
+              </a:ext>
+            </a:extLst>
+          </p:cNvPr>
+          <p:cNvSpPr txBox="1"/>
+          <p:nvPr/>
+        </p:nvSpPr>
+        <p:spPr>
+          <a:xfrm>
+            <a:off x="10245309" y="3174488"/>
+            <a:ext cx="1173403" cy="1200329"/>
+          </a:xfrm>
+          <a:prstGeom prst="rect">
+            <a:avLst/>
+          </a:prstGeom>
+          <a:noFill/>
+        </p:spPr>
+        <p:txBody>
+          <a:bodyPr wrap="square" rtlCol="0">
+            <a:spAutoFit/>
+          </a:bodyPr>
+          <a:lstStyle/>
+          <a:p>
+            <a:r>
+              <a:rPr lang="ca-ES" sz="7200" dirty="0">
+                <a:solidFill>
+                  <a:srgbClr val="FF0000"/>
+                </a:solidFill>
+                <a:latin typeface="ADLaM Display" panose="02010000000000000000" pitchFamily="2" charset="0"/>
+                <a:ea typeface="ADLaM Display" panose="02010000000000000000" pitchFamily="2" charset="0"/>
+                <a:cs typeface="ADLaM Display" panose="02010000000000000000" pitchFamily="2" charset="0"/>
+              </a:rPr>
+              <a:t>R² </a:t>
+            </a:r>
+          </a:p>
+        </p:txBody>
+      </p:sp>
+      <p:sp>
+        <p:nvSpPr>
+          <p:cNvPr id="5" name="CuadroTexto 4">
+            <a:extLst>
+              <a:ext uri="{FF2B5EF4-FFF2-40B4-BE49-F238E27FC236}">
+                <a16:creationId xmlns:a16="http://schemas.microsoft.com/office/drawing/2014/main" id="{682D3247-4B88-2958-4AD9-4D80D59A6C05}"/>
+              </a:ext>
+            </a:extLst>
+          </p:cNvPr>
+          <p:cNvSpPr txBox="1"/>
+          <p:nvPr/>
+        </p:nvSpPr>
+        <p:spPr>
+          <a:xfrm>
+            <a:off x="10361768" y="4076090"/>
+            <a:ext cx="718276" cy="338554"/>
+          </a:xfrm>
+          <a:prstGeom prst="rect">
+            <a:avLst/>
+          </a:prstGeom>
+          <a:noFill/>
+        </p:spPr>
+        <p:txBody>
+          <a:bodyPr wrap="square" rtlCol="0">
+            <a:spAutoFit/>
+          </a:bodyPr>
+          <a:lstStyle/>
+          <a:p>
+            <a:r>
+              <a:rPr lang="ca-ES" sz="1600" dirty="0">
+                <a:solidFill>
+                  <a:srgbClr val="FF0000"/>
+                </a:solidFill>
+                <a:latin typeface="ADLaM Display" panose="02010000000000000000" pitchFamily="2" charset="0"/>
+                <a:ea typeface="ADLaM Display" panose="02010000000000000000" pitchFamily="2" charset="0"/>
+                <a:cs typeface="ADLaM Display" panose="02010000000000000000" pitchFamily="2" charset="0"/>
+              </a:rPr>
+              <a:t>0 </a:t>
+            </a:r>
+            <a:r>
+              <a:rPr lang="ca-ES" sz="1600" dirty="0">
+                <a:solidFill>
+                  <a:srgbClr val="FF0000"/>
+                </a:solidFill>
+                <a:latin typeface="ADLaM Display" panose="02010000000000000000" pitchFamily="2" charset="0"/>
+                <a:ea typeface="ADLaM Display" panose="02010000000000000000" pitchFamily="2" charset="0"/>
+                <a:cs typeface="ADLaM Display" panose="02010000000000000000" pitchFamily="2" charset="0"/>
+                <a:sym typeface="Wingdings" panose="05000000000000000000" pitchFamily="2" charset="2"/>
+              </a:rPr>
+              <a:t> 1</a:t>
+            </a:r>
+            <a:r>
+              <a:rPr lang="ca-ES" sz="1600" dirty="0">
+                <a:solidFill>
+                  <a:srgbClr val="FF0000"/>
+                </a:solidFill>
+                <a:latin typeface="ADLaM Display" panose="02010000000000000000" pitchFamily="2" charset="0"/>
+                <a:ea typeface="ADLaM Display" panose="02010000000000000000" pitchFamily="2" charset="0"/>
+                <a:cs typeface="ADLaM Display" panose="02010000000000000000" pitchFamily="2" charset="0"/>
+              </a:rPr>
+              <a:t> </a:t>
+            </a:r>
+          </a:p>
+        </p:txBody>
+      </p:sp>
+    </p:spTree>
+    <p:extLst>
+      <p:ext uri="{BB962C8B-B14F-4D97-AF65-F5344CB8AC3E}">
+        <p14:creationId xmlns:p14="http://schemas.microsoft.com/office/powerpoint/2010/main" val="3582770812"/>
+      </p:ext>
+    </p:extLst>
+  </p:cSld>
+  <p:clrMapOvr>
+    <a:masterClrMapping/>
+  </p:clrMapOvr>
+</p:sld>
+</file>
+
+<file path=ppt/slides/slide26.xml><?xml version="1.0" encoding="utf-8"?>
+<p:sld xmlns:a="http://schemas.openxmlformats.org/drawingml/2006/main" xmlns:r="http://schemas.openxmlformats.org/officeDocument/2006/relationships" xmlns:p="http://schemas.openxmlformats.org/presentationml/2006/main">
+  <p:cSld>
+    <p:spTree>
+      <p:nvGrpSpPr>
+        <p:cNvPr id="1" name="">
+          <a:extLst>
+            <a:ext uri="{FF2B5EF4-FFF2-40B4-BE49-F238E27FC236}">
+              <a16:creationId xmlns:a16="http://schemas.microsoft.com/office/drawing/2014/main" id="{20DA1104-866B-8342-3B11-FB2DB2C503C0}"/>
+            </a:ext>
+          </a:extLst>
+        </p:cNvPr>
+        <p:cNvGrpSpPr/>
+        <p:nvPr/>
+      </p:nvGrpSpPr>
+      <p:grpSpPr>
+        <a:xfrm>
+          <a:off x="0" y="0"/>
+          <a:ext cx="0" cy="0"/>
+          <a:chOff x="0" y="0"/>
+          <a:chExt cx="0" cy="0"/>
+        </a:xfrm>
+      </p:grpSpPr>
+      <p:sp>
+        <p:nvSpPr>
+          <p:cNvPr id="2" name="Título 1">
+            <a:extLst>
+              <a:ext uri="{FF2B5EF4-FFF2-40B4-BE49-F238E27FC236}">
+                <a16:creationId xmlns:a16="http://schemas.microsoft.com/office/drawing/2014/main" id="{55980F49-5375-AA9B-07E7-9EAAC1CEA848}"/>
+              </a:ext>
+            </a:extLst>
+          </p:cNvPr>
+          <p:cNvSpPr>
+            <a:spLocks noGrp="1"/>
+          </p:cNvSpPr>
+          <p:nvPr>
+            <p:ph type="ctrTitle"/>
+          </p:nvPr>
+        </p:nvSpPr>
+        <p:spPr>
+          <a:xfrm>
+            <a:off x="1111955" y="407433"/>
+            <a:ext cx="9968089" cy="1093990"/>
+          </a:xfrm>
+        </p:spPr>
+        <p:txBody>
+          <a:bodyPr>
+            <a:noAutofit/>
+          </a:bodyPr>
+          <a:lstStyle/>
+          <a:p>
+            <a:r>
+              <a:rPr lang="es-ES" sz="5400" dirty="0">
+                <a:latin typeface="Aharoni" panose="02010803020104030203" pitchFamily="2" charset="-79"/>
+                <a:cs typeface="Aharoni" panose="02010803020104030203" pitchFamily="2" charset="-79"/>
+              </a:rPr>
+              <a:t>ANÀLISI DE LES DADES</a:t>
+            </a:r>
+            <a:endParaRPr lang="ca-ES" sz="5400" dirty="0">
+              <a:latin typeface="Aharoni" panose="02010803020104030203" pitchFamily="2" charset="-79"/>
+              <a:cs typeface="Aharoni" panose="02010803020104030203" pitchFamily="2" charset="-79"/>
+            </a:endParaRPr>
+          </a:p>
+        </p:txBody>
+      </p:sp>
+      <p:sp>
+        <p:nvSpPr>
+          <p:cNvPr id="8" name="CuadroTexto 7">
+            <a:extLst>
+              <a:ext uri="{FF2B5EF4-FFF2-40B4-BE49-F238E27FC236}">
+                <a16:creationId xmlns:a16="http://schemas.microsoft.com/office/drawing/2014/main" id="{63C43961-53BB-B027-EE3D-D70E0BBF6655}"/>
+              </a:ext>
+            </a:extLst>
+          </p:cNvPr>
+          <p:cNvSpPr txBox="1"/>
+          <p:nvPr/>
+        </p:nvSpPr>
+        <p:spPr>
+          <a:xfrm>
+            <a:off x="337081" y="3172037"/>
+            <a:ext cx="4776786" cy="1446550"/>
+          </a:xfrm>
+          <a:prstGeom prst="rect">
+            <a:avLst/>
+          </a:prstGeom>
+          <a:noFill/>
+        </p:spPr>
+        <p:txBody>
+          <a:bodyPr wrap="square" rtlCol="0">
+            <a:spAutoFit/>
+          </a:bodyPr>
+          <a:lstStyle/>
+          <a:p>
+            <a:pPr algn="ctr"/>
+            <a:r>
+              <a:rPr lang="es-ES" sz="4400" dirty="0">
+                <a:latin typeface="ADLaM Display" panose="02010000000000000000" pitchFamily="2" charset="0"/>
+                <a:ea typeface="ADLaM Display" panose="02010000000000000000" pitchFamily="2" charset="0"/>
+                <a:cs typeface="ADLaM Display" panose="02010000000000000000" pitchFamily="2" charset="0"/>
+              </a:rPr>
+              <a:t>85</a:t>
+            </a:r>
+          </a:p>
+          <a:p>
+            <a:pPr algn="ctr"/>
+            <a:r>
+              <a:rPr lang="es-ES" sz="4400" dirty="0">
+                <a:latin typeface="ADLaM Display" panose="02010000000000000000" pitchFamily="2" charset="0"/>
+                <a:ea typeface="ADLaM Display" panose="02010000000000000000" pitchFamily="2" charset="0"/>
+                <a:cs typeface="ADLaM Display" panose="02010000000000000000" pitchFamily="2" charset="0"/>
+              </a:rPr>
+              <a:t>GRÀFICS ÚTILS</a:t>
+            </a:r>
+          </a:p>
+        </p:txBody>
+      </p:sp>
+      <p:sp>
+        <p:nvSpPr>
+          <p:cNvPr id="9" name="Flecha: a la izquierda y derecha 8">
+            <a:extLst>
+              <a:ext uri="{FF2B5EF4-FFF2-40B4-BE49-F238E27FC236}">
+                <a16:creationId xmlns:a16="http://schemas.microsoft.com/office/drawing/2014/main" id="{D3C096D9-27D4-7B57-E3E0-7DEC569AF131}"/>
+              </a:ext>
+            </a:extLst>
+          </p:cNvPr>
+          <p:cNvSpPr/>
+          <p:nvPr/>
+        </p:nvSpPr>
+        <p:spPr>
+          <a:xfrm>
+            <a:off x="5113867" y="3429000"/>
+            <a:ext cx="2404532" cy="770467"/>
+          </a:xfrm>
+          <a:prstGeom prst="leftRightArrow">
+            <a:avLst/>
+          </a:prstGeom>
+        </p:spPr>
+        <p:style>
+          <a:lnRef idx="2">
+            <a:schemeClr val="accent1">
+              <a:shade val="15000"/>
+            </a:schemeClr>
+          </a:lnRef>
+          <a:fillRef idx="1">
+            <a:schemeClr val="accent1"/>
+          </a:fillRef>
+          <a:effectRef idx="0">
+            <a:schemeClr val="accent1"/>
+          </a:effectRef>
+          <a:fontRef idx="minor">
+            <a:schemeClr val="lt1"/>
+          </a:fontRef>
+        </p:style>
+        <p:txBody>
+          <a:bodyPr rtlCol="0" anchor="ctr"/>
+          <a:lstStyle/>
+          <a:p>
+            <a:pPr algn="ctr"/>
+            <a:endParaRPr lang="ca-ES"/>
+          </a:p>
+        </p:txBody>
+      </p:sp>
+      <p:sp>
+        <p:nvSpPr>
+          <p:cNvPr id="10" name="CuadroTexto 9">
+            <a:extLst>
+              <a:ext uri="{FF2B5EF4-FFF2-40B4-BE49-F238E27FC236}">
+                <a16:creationId xmlns:a16="http://schemas.microsoft.com/office/drawing/2014/main" id="{24BB2677-5817-1BE6-358F-52690D0DE12D}"/>
+              </a:ext>
+            </a:extLst>
+          </p:cNvPr>
+          <p:cNvSpPr txBox="1"/>
+          <p:nvPr/>
+        </p:nvSpPr>
+        <p:spPr>
+          <a:xfrm>
+            <a:off x="7720685" y="3183804"/>
+            <a:ext cx="4339935" cy="1200329"/>
+          </a:xfrm>
+          <a:prstGeom prst="rect">
+            <a:avLst/>
+          </a:prstGeom>
+          <a:noFill/>
+        </p:spPr>
+        <p:txBody>
+          <a:bodyPr wrap="square" rtlCol="0">
+            <a:spAutoFit/>
+          </a:bodyPr>
+          <a:lstStyle/>
+          <a:p>
+            <a:r>
+              <a:rPr lang="ca-ES" sz="7200" dirty="0">
+                <a:solidFill>
+                  <a:srgbClr val="FF0000"/>
+                </a:solidFill>
+                <a:latin typeface="ADLaM Display" panose="02010000000000000000" pitchFamily="2" charset="0"/>
+                <a:ea typeface="ADLaM Display" panose="02010000000000000000" pitchFamily="2" charset="0"/>
+                <a:cs typeface="ADLaM Display" panose="02010000000000000000" pitchFamily="2" charset="0"/>
+              </a:rPr>
+              <a:t>R² = 0,73 </a:t>
+            </a:r>
+          </a:p>
+        </p:txBody>
+      </p:sp>
+      <p:sp>
+        <p:nvSpPr>
+          <p:cNvPr id="13" name="CuadroTexto 12">
+            <a:extLst>
+              <a:ext uri="{FF2B5EF4-FFF2-40B4-BE49-F238E27FC236}">
+                <a16:creationId xmlns:a16="http://schemas.microsoft.com/office/drawing/2014/main" id="{5D2778E1-8A30-6008-BD86-BCF9DF2E6C26}"/>
+              </a:ext>
+            </a:extLst>
+          </p:cNvPr>
+          <p:cNvSpPr txBox="1"/>
+          <p:nvPr/>
+        </p:nvSpPr>
+        <p:spPr>
+          <a:xfrm>
+            <a:off x="5795445" y="4014801"/>
+            <a:ext cx="1041375" cy="369332"/>
+          </a:xfrm>
+          <a:prstGeom prst="rect">
+            <a:avLst/>
+          </a:prstGeom>
+          <a:noFill/>
+        </p:spPr>
+        <p:txBody>
+          <a:bodyPr wrap="none" rtlCol="0">
+            <a:spAutoFit/>
+          </a:bodyPr>
+          <a:lstStyle/>
+          <a:p>
+            <a:r>
+              <a:rPr lang="es-ES" dirty="0"/>
+              <a:t>MITJANA</a:t>
+            </a:r>
+            <a:endParaRPr lang="ca-ES" dirty="0"/>
+          </a:p>
+        </p:txBody>
+      </p:sp>
+    </p:spTree>
+    <p:extLst>
+      <p:ext uri="{BB962C8B-B14F-4D97-AF65-F5344CB8AC3E}">
+        <p14:creationId xmlns:p14="http://schemas.microsoft.com/office/powerpoint/2010/main" val="2241943728"/>
+      </p:ext>
+    </p:extLst>
+  </p:cSld>
+  <p:clrMapOvr>
+    <a:masterClrMapping/>
+  </p:clrMapOvr>
+</p:sld>
+</file>
+
+<file path=ppt/slides/slide27.xml><?xml version="1.0" encoding="utf-8"?>
+<p:sld xmlns:a="http://schemas.openxmlformats.org/drawingml/2006/main" xmlns:r="http://schemas.openxmlformats.org/officeDocument/2006/relationships" xmlns:p="http://schemas.openxmlformats.org/presentationml/2006/main">
+  <p:cSld>
+    <p:spTree>
+      <p:nvGrpSpPr>
+        <p:cNvPr id="1" name="">
+          <a:extLst>
+            <a:ext uri="{FF2B5EF4-FFF2-40B4-BE49-F238E27FC236}">
+              <a16:creationId xmlns:a16="http://schemas.microsoft.com/office/drawing/2014/main" id="{EA717A81-A8B9-8C37-6792-C2F64D14E0D6}"/>
+            </a:ext>
+          </a:extLst>
+        </p:cNvPr>
+        <p:cNvGrpSpPr/>
+        <p:nvPr/>
+      </p:nvGrpSpPr>
+      <p:grpSpPr>
+        <a:xfrm>
+          <a:off x="0" y="0"/>
+          <a:ext cx="0" cy="0"/>
+          <a:chOff x="0" y="0"/>
+          <a:chExt cx="0" cy="0"/>
+        </a:xfrm>
+      </p:grpSpPr>
+      <p:sp>
+        <p:nvSpPr>
+          <p:cNvPr id="2" name="Título 1">
+            <a:extLst>
+              <a:ext uri="{FF2B5EF4-FFF2-40B4-BE49-F238E27FC236}">
+                <a16:creationId xmlns:a16="http://schemas.microsoft.com/office/drawing/2014/main" id="{183AA335-E439-EF63-BB75-9B70201F84F9}"/>
+              </a:ext>
+            </a:extLst>
+          </p:cNvPr>
+          <p:cNvSpPr>
+            <a:spLocks noGrp="1"/>
+          </p:cNvSpPr>
+          <p:nvPr>
+            <p:ph type="ctrTitle"/>
+          </p:nvPr>
+        </p:nvSpPr>
+        <p:spPr>
+          <a:xfrm>
+            <a:off x="1111955" y="407433"/>
+            <a:ext cx="9968089" cy="1093990"/>
+          </a:xfrm>
+        </p:spPr>
+        <p:txBody>
+          <a:bodyPr>
+            <a:noAutofit/>
+          </a:bodyPr>
+          <a:lstStyle/>
+          <a:p>
+            <a:r>
+              <a:rPr lang="es-ES" sz="5400" dirty="0">
+                <a:latin typeface="Aharoni" panose="02010803020104030203" pitchFamily="2" charset="-79"/>
+                <a:cs typeface="Aharoni" panose="02010803020104030203" pitchFamily="2" charset="-79"/>
+              </a:rPr>
+              <a:t>ANÀLISI DE LES DADES</a:t>
+            </a:r>
+            <a:endParaRPr lang="ca-ES" sz="5400" dirty="0">
+              <a:latin typeface="Aharoni" panose="02010803020104030203" pitchFamily="2" charset="-79"/>
+              <a:cs typeface="Aharoni" panose="02010803020104030203" pitchFamily="2" charset="-79"/>
+            </a:endParaRPr>
+          </a:p>
+        </p:txBody>
+      </p:sp>
+      <p:sp>
+        <p:nvSpPr>
+          <p:cNvPr id="11" name="Rectángulo: esquinas redondeadas 10">
+            <a:extLst>
+              <a:ext uri="{FF2B5EF4-FFF2-40B4-BE49-F238E27FC236}">
+                <a16:creationId xmlns:a16="http://schemas.microsoft.com/office/drawing/2014/main" id="{BBAA7C8D-EC05-8F52-A88A-6E532D63EA6F}"/>
+              </a:ext>
+            </a:extLst>
+          </p:cNvPr>
+          <p:cNvSpPr/>
+          <p:nvPr/>
+        </p:nvSpPr>
+        <p:spPr>
+          <a:xfrm>
+            <a:off x="156099" y="3429000"/>
+            <a:ext cx="1911712" cy="610172"/>
+          </a:xfrm>
+          <a:prstGeom prst="roundRect">
+            <a:avLst/>
+          </a:prstGeom>
+          <a:effectLst>
+            <a:innerShdw blurRad="63500" dist="50800" dir="18900000">
+              <a:prstClr val="black">
+                <a:alpha val="50000"/>
+              </a:prstClr>
+            </a:innerShdw>
+          </a:effectLst>
+        </p:spPr>
+        <p:style>
+          <a:lnRef idx="2">
+            <a:schemeClr val="accent4">
+              <a:shade val="15000"/>
+            </a:schemeClr>
+          </a:lnRef>
+          <a:fillRef idx="1">
+            <a:schemeClr val="accent4"/>
+          </a:fillRef>
+          <a:effectRef idx="0">
+            <a:schemeClr val="accent4"/>
+          </a:effectRef>
+          <a:fontRef idx="minor">
+            <a:schemeClr val="lt1"/>
+          </a:fontRef>
+        </p:style>
+        <p:txBody>
+          <a:bodyPr rtlCol="0" anchor="ctr"/>
+          <a:lstStyle/>
+          <a:p>
+            <a:pPr algn="ctr"/>
+            <a:r>
+              <a:rPr lang="es-ES" sz="3200" dirty="0">
+                <a:latin typeface="ADLaM Display" panose="020F0502020204030204" pitchFamily="2" charset="0"/>
+                <a:ea typeface="ADLaM Display" panose="020F0502020204030204" pitchFamily="2" charset="0"/>
+                <a:cs typeface="ADLaM Display" panose="020F0502020204030204" pitchFamily="2" charset="0"/>
+              </a:rPr>
+              <a:t>FITNESS</a:t>
+            </a:r>
+            <a:r>
+              <a:rPr lang="es-ES" sz="3200" dirty="0"/>
+              <a:t> </a:t>
+            </a:r>
+            <a:endParaRPr lang="ca-ES" sz="3200" dirty="0"/>
+          </a:p>
+        </p:txBody>
+      </p:sp>
+      <p:sp>
+        <p:nvSpPr>
+          <p:cNvPr id="12" name="Rectángulo: esquinas redondeadas 11">
+            <a:extLst>
+              <a:ext uri="{FF2B5EF4-FFF2-40B4-BE49-F238E27FC236}">
+                <a16:creationId xmlns:a16="http://schemas.microsoft.com/office/drawing/2014/main" id="{6AEE2242-732A-E949-8A03-EA0114E9868E}"/>
+              </a:ext>
+            </a:extLst>
+          </p:cNvPr>
+          <p:cNvSpPr/>
+          <p:nvPr/>
+        </p:nvSpPr>
+        <p:spPr>
+          <a:xfrm>
+            <a:off x="5121275" y="6141594"/>
+            <a:ext cx="3221214" cy="617946"/>
+          </a:xfrm>
+          <a:prstGeom prst="roundRect">
+            <a:avLst/>
+          </a:prstGeom>
+          <a:effectLst>
+            <a:innerShdw blurRad="63500" dist="50800" dir="18900000">
+              <a:prstClr val="black">
+                <a:alpha val="50000"/>
+              </a:prstClr>
+            </a:innerShdw>
+          </a:effectLst>
+        </p:spPr>
+        <p:style>
+          <a:lnRef idx="2">
+            <a:schemeClr val="accent4">
+              <a:shade val="15000"/>
+            </a:schemeClr>
+          </a:lnRef>
+          <a:fillRef idx="1">
+            <a:schemeClr val="accent4"/>
+          </a:fillRef>
+          <a:effectRef idx="0">
+            <a:schemeClr val="accent4"/>
+          </a:effectRef>
+          <a:fontRef idx="minor">
+            <a:schemeClr val="lt1"/>
+          </a:fontRef>
+        </p:style>
+        <p:txBody>
+          <a:bodyPr rtlCol="0" anchor="ctr"/>
+          <a:lstStyle/>
+          <a:p>
+            <a:pPr algn="ctr"/>
+            <a:r>
+              <a:rPr lang="es-ES" sz="3200" dirty="0">
+                <a:latin typeface="ADLaM Display" panose="020F0502020204030204" pitchFamily="2" charset="0"/>
+                <a:ea typeface="ADLaM Display" panose="020F0502020204030204" pitchFamily="2" charset="0"/>
+                <a:cs typeface="ADLaM Display" panose="020F0502020204030204" pitchFamily="2" charset="0"/>
+              </a:rPr>
+              <a:t>GENERACIONS</a:t>
+            </a:r>
+            <a:r>
+              <a:rPr lang="es-ES" sz="3200" dirty="0"/>
+              <a:t> </a:t>
+            </a:r>
+            <a:endParaRPr lang="ca-ES" sz="3200" dirty="0"/>
+          </a:p>
+        </p:txBody>
+      </p:sp>
+      <p:pic>
+        <p:nvPicPr>
+          <p:cNvPr id="7" name="Imagen 6">
+            <a:extLst>
+              <a:ext uri="{FF2B5EF4-FFF2-40B4-BE49-F238E27FC236}">
+                <a16:creationId xmlns:a16="http://schemas.microsoft.com/office/drawing/2014/main" id="{DE2543C9-26EC-EE09-F524-08B346BBAB56}"/>
+              </a:ext>
+            </a:extLst>
+          </p:cNvPr>
+          <p:cNvPicPr>
+            <a:picLocks noChangeAspect="1"/>
+          </p:cNvPicPr>
+          <p:nvPr/>
+        </p:nvPicPr>
+        <p:blipFill>
+          <a:blip r:embed="rId3"/>
+          <a:stretch>
+            <a:fillRect/>
+          </a:stretch>
+        </p:blipFill>
+        <p:spPr>
+          <a:xfrm>
+            <a:off x="2305661" y="2043309"/>
+            <a:ext cx="9425740" cy="3991726"/>
+          </a:xfrm>
+          <a:prstGeom prst="rect">
+            <a:avLst/>
+          </a:prstGeom>
+        </p:spPr>
+      </p:pic>
+      <p:sp>
+        <p:nvSpPr>
+          <p:cNvPr id="3" name="CuadroTexto 2">
+            <a:extLst>
+              <a:ext uri="{FF2B5EF4-FFF2-40B4-BE49-F238E27FC236}">
+                <a16:creationId xmlns:a16="http://schemas.microsoft.com/office/drawing/2014/main" id="{42F7D90E-5380-5A08-2AEA-73B27BEAC78E}"/>
+              </a:ext>
+            </a:extLst>
+          </p:cNvPr>
+          <p:cNvSpPr txBox="1"/>
+          <p:nvPr/>
+        </p:nvSpPr>
+        <p:spPr>
+          <a:xfrm>
+            <a:off x="9463364" y="4459639"/>
+            <a:ext cx="2268037" cy="584775"/>
+          </a:xfrm>
+          <a:prstGeom prst="rect">
+            <a:avLst/>
+          </a:prstGeom>
+          <a:noFill/>
+        </p:spPr>
+        <p:txBody>
+          <a:bodyPr wrap="square" rtlCol="0">
+            <a:spAutoFit/>
+          </a:bodyPr>
+          <a:lstStyle/>
+          <a:p>
+            <a:r>
+              <a:rPr lang="ca-ES" sz="3200" dirty="0">
+                <a:solidFill>
+                  <a:srgbClr val="FF0000"/>
+                </a:solidFill>
+                <a:latin typeface="ADLaM Display" panose="02010000000000000000" pitchFamily="2" charset="0"/>
+                <a:ea typeface="ADLaM Display" panose="02010000000000000000" pitchFamily="2" charset="0"/>
+                <a:cs typeface="ADLaM Display" panose="02010000000000000000" pitchFamily="2" charset="0"/>
+              </a:rPr>
+              <a:t>R² = 0,73 </a:t>
+            </a:r>
+          </a:p>
+        </p:txBody>
+      </p:sp>
+    </p:spTree>
+    <p:extLst>
+      <p:ext uri="{BB962C8B-B14F-4D97-AF65-F5344CB8AC3E}">
+        <p14:creationId xmlns:p14="http://schemas.microsoft.com/office/powerpoint/2010/main" val="3823403681"/>
+      </p:ext>
+    </p:extLst>
+  </p:cSld>
+  <p:clrMapOvr>
+    <a:masterClrMapping/>
+  </p:clrMapOvr>
+</p:sld>
+</file>
+
+<file path=ppt/slides/slide28.xml><?xml version="1.0" encoding="utf-8"?>
+<p:sld xmlns:a="http://schemas.openxmlformats.org/drawingml/2006/main" xmlns:r="http://schemas.openxmlformats.org/officeDocument/2006/relationships" xmlns:p="http://schemas.openxmlformats.org/presentationml/2006/main">
+  <p:cSld>
+    <p:spTree>
+      <p:nvGrpSpPr>
+        <p:cNvPr id="1" name="">
+          <a:extLst>
+            <a:ext uri="{FF2B5EF4-FFF2-40B4-BE49-F238E27FC236}">
+              <a16:creationId xmlns:a16="http://schemas.microsoft.com/office/drawing/2014/main" id="{A59D87F3-59D0-5A09-EFF7-FB18D9C0320D}"/>
+            </a:ext>
+          </a:extLst>
+        </p:cNvPr>
+        <p:cNvGrpSpPr/>
+        <p:nvPr/>
+      </p:nvGrpSpPr>
+      <p:grpSpPr>
+        <a:xfrm>
+          <a:off x="0" y="0"/>
+          <a:ext cx="0" cy="0"/>
+          <a:chOff x="0" y="0"/>
+          <a:chExt cx="0" cy="0"/>
+        </a:xfrm>
+      </p:grpSpPr>
+      <p:sp>
+        <p:nvSpPr>
+          <p:cNvPr id="2" name="Título 1">
+            <a:extLst>
+              <a:ext uri="{FF2B5EF4-FFF2-40B4-BE49-F238E27FC236}">
+                <a16:creationId xmlns:a16="http://schemas.microsoft.com/office/drawing/2014/main" id="{6C4C80D8-74E4-4A6B-FF92-F2608E7598FC}"/>
+              </a:ext>
+            </a:extLst>
+          </p:cNvPr>
+          <p:cNvSpPr>
+            <a:spLocks noGrp="1"/>
+          </p:cNvSpPr>
+          <p:nvPr>
+            <p:ph type="ctrTitle"/>
+          </p:nvPr>
+        </p:nvSpPr>
+        <p:spPr>
+          <a:xfrm>
+            <a:off x="282866" y="2803470"/>
+            <a:ext cx="3790372" cy="1505526"/>
+          </a:xfrm>
+        </p:spPr>
+        <p:txBody>
+          <a:bodyPr>
+            <a:noAutofit/>
+          </a:bodyPr>
+          <a:lstStyle/>
+          <a:p>
+            <a:r>
+              <a:rPr lang="es-ES" sz="4800" dirty="0">
+                <a:latin typeface="Aharoni" panose="02010803020104030203" pitchFamily="2" charset="-79"/>
+                <a:cs typeface="Aharoni" panose="02010803020104030203" pitchFamily="2" charset="-79"/>
+              </a:rPr>
+              <a:t>LA NOSTRA HIPÒTESI</a:t>
+            </a:r>
+            <a:endParaRPr lang="ca-ES" sz="4800" dirty="0">
+              <a:latin typeface="Aharoni" panose="02010803020104030203" pitchFamily="2" charset="-79"/>
+              <a:cs typeface="Aharoni" panose="02010803020104030203" pitchFamily="2" charset="-79"/>
+            </a:endParaRPr>
+          </a:p>
+        </p:txBody>
+      </p:sp>
+      <p:sp>
+        <p:nvSpPr>
+          <p:cNvPr id="3" name="Flecha: a la derecha 2">
+            <a:extLst>
+              <a:ext uri="{FF2B5EF4-FFF2-40B4-BE49-F238E27FC236}">
+                <a16:creationId xmlns:a16="http://schemas.microsoft.com/office/drawing/2014/main" id="{2D982021-EB8D-9C4D-6389-D0358749A331}"/>
+              </a:ext>
+            </a:extLst>
+          </p:cNvPr>
+          <p:cNvSpPr/>
+          <p:nvPr/>
+        </p:nvSpPr>
+        <p:spPr>
+          <a:xfrm>
+            <a:off x="4405745" y="2424312"/>
+            <a:ext cx="2701637" cy="2009375"/>
+          </a:xfrm>
+          <a:custGeom>
+            <a:avLst/>
+            <a:gdLst>
+              <a:gd name="connsiteX0" fmla="*/ 0 w 2701637"/>
+              <a:gd name="connsiteY0" fmla="*/ 502344 h 2009375"/>
+              <a:gd name="connsiteX1" fmla="*/ 582620 w 2701637"/>
+              <a:gd name="connsiteY1" fmla="*/ 502344 h 2009375"/>
+              <a:gd name="connsiteX2" fmla="*/ 1131300 w 2701637"/>
+              <a:gd name="connsiteY2" fmla="*/ 502344 h 2009375"/>
+              <a:gd name="connsiteX3" fmla="*/ 1696950 w 2701637"/>
+              <a:gd name="connsiteY3" fmla="*/ 502344 h 2009375"/>
+              <a:gd name="connsiteX4" fmla="*/ 1696950 w 2701637"/>
+              <a:gd name="connsiteY4" fmla="*/ 0 h 2009375"/>
+              <a:gd name="connsiteX5" fmla="*/ 2041893 w 2701637"/>
+              <a:gd name="connsiteY5" fmla="*/ 344943 h 2009375"/>
+              <a:gd name="connsiteX6" fmla="*/ 2376788 w 2701637"/>
+              <a:gd name="connsiteY6" fmla="*/ 679839 h 2009375"/>
+              <a:gd name="connsiteX7" fmla="*/ 2701637 w 2701637"/>
+              <a:gd name="connsiteY7" fmla="*/ 1004688 h 2009375"/>
+              <a:gd name="connsiteX8" fmla="*/ 2346648 w 2701637"/>
+              <a:gd name="connsiteY8" fmla="*/ 1359677 h 2009375"/>
+              <a:gd name="connsiteX9" fmla="*/ 2011752 w 2701637"/>
+              <a:gd name="connsiteY9" fmla="*/ 1694573 h 2009375"/>
+              <a:gd name="connsiteX10" fmla="*/ 1696950 w 2701637"/>
+              <a:gd name="connsiteY10" fmla="*/ 2009375 h 2009375"/>
+              <a:gd name="connsiteX11" fmla="*/ 1696950 w 2701637"/>
+              <a:gd name="connsiteY11" fmla="*/ 1507031 h 2009375"/>
+              <a:gd name="connsiteX12" fmla="*/ 1114331 w 2701637"/>
+              <a:gd name="connsiteY12" fmla="*/ 1507031 h 2009375"/>
+              <a:gd name="connsiteX13" fmla="*/ 514742 w 2701637"/>
+              <a:gd name="connsiteY13" fmla="*/ 1507031 h 2009375"/>
+              <a:gd name="connsiteX14" fmla="*/ 0 w 2701637"/>
+              <a:gd name="connsiteY14" fmla="*/ 1507031 h 2009375"/>
+              <a:gd name="connsiteX15" fmla="*/ 0 w 2701637"/>
+              <a:gd name="connsiteY15" fmla="*/ 1004688 h 2009375"/>
+              <a:gd name="connsiteX16" fmla="*/ 0 w 2701637"/>
+              <a:gd name="connsiteY16" fmla="*/ 502344 h 2009375"/>
+            </a:gdLst>
+            <a:ahLst/>
+            <a:cxnLst>
+              <a:cxn ang="0">
+                <a:pos x="connsiteX0" y="connsiteY0"/>
+              </a:cxn>
+              <a:cxn ang="0">
+                <a:pos x="connsiteX1" y="connsiteY1"/>
+              </a:cxn>
+              <a:cxn ang="0">
+                <a:pos x="connsiteX2" y="connsiteY2"/>
+              </a:cxn>
+              <a:cxn ang="0">
+                <a:pos x="connsiteX3" y="connsiteY3"/>
+              </a:cxn>
+              <a:cxn ang="0">
+                <a:pos x="connsiteX4" y="connsiteY4"/>
+              </a:cxn>
+              <a:cxn ang="0">
+                <a:pos x="connsiteX5" y="connsiteY5"/>
+              </a:cxn>
+              <a:cxn ang="0">
+                <a:pos x="connsiteX6" y="connsiteY6"/>
+              </a:cxn>
+              <a:cxn ang="0">
+                <a:pos x="connsiteX7" y="connsiteY7"/>
+              </a:cxn>
+              <a:cxn ang="0">
+                <a:pos x="connsiteX8" y="connsiteY8"/>
+              </a:cxn>
+              <a:cxn ang="0">
+                <a:pos x="connsiteX9" y="connsiteY9"/>
+              </a:cxn>
+              <a:cxn ang="0">
+                <a:pos x="connsiteX10" y="connsiteY10"/>
+              </a:cxn>
+              <a:cxn ang="0">
+                <a:pos x="connsiteX11" y="connsiteY11"/>
+              </a:cxn>
+              <a:cxn ang="0">
+                <a:pos x="connsiteX12" y="connsiteY12"/>
+              </a:cxn>
+              <a:cxn ang="0">
+                <a:pos x="connsiteX13" y="connsiteY13"/>
+              </a:cxn>
+              <a:cxn ang="0">
+                <a:pos x="connsiteX14" y="connsiteY14"/>
+              </a:cxn>
+              <a:cxn ang="0">
+                <a:pos x="connsiteX15" y="connsiteY15"/>
+              </a:cxn>
+              <a:cxn ang="0">
+                <a:pos x="connsiteX16" y="connsiteY16"/>
+              </a:cxn>
+            </a:cxnLst>
+            <a:rect l="l" t="t" r="r" b="b"/>
+            <a:pathLst>
+              <a:path w="2701637" h="2009375" fill="none" extrusionOk="0">
+                <a:moveTo>
+                  <a:pt x="0" y="502344"/>
+                </a:moveTo>
+                <a:cubicBezTo>
+                  <a:pt x="125272" y="501688"/>
+                  <a:pt x="300498" y="536806"/>
+                  <a:pt x="582620" y="502344"/>
+                </a:cubicBezTo>
+                <a:cubicBezTo>
+                  <a:pt x="864742" y="467882"/>
+                  <a:pt x="951025" y="509106"/>
+                  <a:pt x="1131300" y="502344"/>
+                </a:cubicBezTo>
+                <a:cubicBezTo>
+                  <a:pt x="1311575" y="495582"/>
+                  <a:pt x="1556201" y="524949"/>
+                  <a:pt x="1696950" y="502344"/>
+                </a:cubicBezTo>
+                <a:cubicBezTo>
+                  <a:pt x="1675802" y="285357"/>
+                  <a:pt x="1755376" y="137767"/>
+                  <a:pt x="1696950" y="0"/>
+                </a:cubicBezTo>
+                <a:cubicBezTo>
+                  <a:pt x="1838708" y="98185"/>
+                  <a:pt x="1894260" y="279693"/>
+                  <a:pt x="2041893" y="344943"/>
+                </a:cubicBezTo>
+                <a:cubicBezTo>
+                  <a:pt x="2189526" y="410193"/>
+                  <a:pt x="2246768" y="587878"/>
+                  <a:pt x="2376788" y="679839"/>
+                </a:cubicBezTo>
+                <a:cubicBezTo>
+                  <a:pt x="2506808" y="771800"/>
+                  <a:pt x="2587874" y="956709"/>
+                  <a:pt x="2701637" y="1004688"/>
+                </a:cubicBezTo>
+                <a:cubicBezTo>
+                  <a:pt x="2578442" y="1180720"/>
+                  <a:pt x="2497474" y="1177143"/>
+                  <a:pt x="2346648" y="1359677"/>
+                </a:cubicBezTo>
+                <a:cubicBezTo>
+                  <a:pt x="2195822" y="1542211"/>
+                  <a:pt x="2161395" y="1538309"/>
+                  <a:pt x="2011752" y="1694573"/>
+                </a:cubicBezTo>
+                <a:cubicBezTo>
+                  <a:pt x="1862109" y="1850837"/>
+                  <a:pt x="1772244" y="1908234"/>
+                  <a:pt x="1696950" y="2009375"/>
+                </a:cubicBezTo>
+                <a:cubicBezTo>
+                  <a:pt x="1664251" y="1899397"/>
+                  <a:pt x="1747411" y="1726135"/>
+                  <a:pt x="1696950" y="1507031"/>
+                </a:cubicBezTo>
+                <a:cubicBezTo>
+                  <a:pt x="1473671" y="1555206"/>
+                  <a:pt x="1404131" y="1487846"/>
+                  <a:pt x="1114331" y="1507031"/>
+                </a:cubicBezTo>
+                <a:cubicBezTo>
+                  <a:pt x="824531" y="1526216"/>
+                  <a:pt x="727141" y="1474831"/>
+                  <a:pt x="514742" y="1507031"/>
+                </a:cubicBezTo>
+                <a:cubicBezTo>
+                  <a:pt x="302343" y="1539231"/>
+                  <a:pt x="123531" y="1491886"/>
+                  <a:pt x="0" y="1507031"/>
+                </a:cubicBezTo>
+                <a:cubicBezTo>
+                  <a:pt x="-31413" y="1334243"/>
+                  <a:pt x="56535" y="1162410"/>
+                  <a:pt x="0" y="1004688"/>
+                </a:cubicBezTo>
+                <a:cubicBezTo>
+                  <a:pt x="-56535" y="846966"/>
+                  <a:pt x="32159" y="721355"/>
+                  <a:pt x="0" y="502344"/>
+                </a:cubicBezTo>
+                <a:close/>
+              </a:path>
+              <a:path w="2701637" h="2009375" stroke="0" extrusionOk="0">
+                <a:moveTo>
+                  <a:pt x="0" y="502344"/>
+                </a:moveTo>
+                <a:cubicBezTo>
+                  <a:pt x="159567" y="499043"/>
+                  <a:pt x="348698" y="572934"/>
+                  <a:pt x="599589" y="502344"/>
+                </a:cubicBezTo>
+                <a:cubicBezTo>
+                  <a:pt x="850480" y="431754"/>
+                  <a:pt x="902264" y="539347"/>
+                  <a:pt x="1165239" y="502344"/>
+                </a:cubicBezTo>
+                <a:cubicBezTo>
+                  <a:pt x="1428214" y="465341"/>
+                  <a:pt x="1585727" y="539357"/>
+                  <a:pt x="1696950" y="502344"/>
+                </a:cubicBezTo>
+                <a:cubicBezTo>
+                  <a:pt x="1637538" y="321518"/>
+                  <a:pt x="1700712" y="192346"/>
+                  <a:pt x="1696950" y="0"/>
+                </a:cubicBezTo>
+                <a:cubicBezTo>
+                  <a:pt x="1882128" y="161926"/>
+                  <a:pt x="1918659" y="241539"/>
+                  <a:pt x="2051939" y="354990"/>
+                </a:cubicBezTo>
+                <a:cubicBezTo>
+                  <a:pt x="2185219" y="468441"/>
+                  <a:pt x="2243452" y="598816"/>
+                  <a:pt x="2386835" y="689886"/>
+                </a:cubicBezTo>
+                <a:cubicBezTo>
+                  <a:pt x="2530218" y="780956"/>
+                  <a:pt x="2620220" y="932116"/>
+                  <a:pt x="2701637" y="1004688"/>
+                </a:cubicBezTo>
+                <a:cubicBezTo>
+                  <a:pt x="2614774" y="1097337"/>
+                  <a:pt x="2432675" y="1216224"/>
+                  <a:pt x="2396882" y="1309443"/>
+                </a:cubicBezTo>
+                <a:cubicBezTo>
+                  <a:pt x="2361089" y="1402662"/>
+                  <a:pt x="2092225" y="1570419"/>
+                  <a:pt x="2041893" y="1664432"/>
+                </a:cubicBezTo>
+                <a:cubicBezTo>
+                  <a:pt x="1991561" y="1758445"/>
+                  <a:pt x="1799339" y="1828399"/>
+                  <a:pt x="1696950" y="2009375"/>
+                </a:cubicBezTo>
+                <a:cubicBezTo>
+                  <a:pt x="1676239" y="1785882"/>
+                  <a:pt x="1741037" y="1719429"/>
+                  <a:pt x="1696950" y="1507031"/>
+                </a:cubicBezTo>
+                <a:cubicBezTo>
+                  <a:pt x="1524470" y="1541337"/>
+                  <a:pt x="1364689" y="1502377"/>
+                  <a:pt x="1182209" y="1507031"/>
+                </a:cubicBezTo>
+                <a:cubicBezTo>
+                  <a:pt x="999729" y="1511685"/>
+                  <a:pt x="763812" y="1461227"/>
+                  <a:pt x="616558" y="1507031"/>
+                </a:cubicBezTo>
+                <a:cubicBezTo>
+                  <a:pt x="469304" y="1552835"/>
+                  <a:pt x="198461" y="1455225"/>
+                  <a:pt x="0" y="1507031"/>
+                </a:cubicBezTo>
+                <a:cubicBezTo>
+                  <a:pt x="-34180" y="1292809"/>
+                  <a:pt x="57804" y="1209289"/>
+                  <a:pt x="0" y="1004688"/>
+                </a:cubicBezTo>
+                <a:cubicBezTo>
+                  <a:pt x="-57804" y="800087"/>
+                  <a:pt x="21919" y="742995"/>
+                  <a:pt x="0" y="502344"/>
+                </a:cubicBezTo>
+                <a:close/>
+              </a:path>
+            </a:pathLst>
+          </a:custGeom>
+          <a:ln w="76200">
+            <a:extLst>
+              <a:ext uri="{C807C97D-BFC1-408E-A445-0C87EB9F89A2}">
+                <ask:lineSketchStyleProps xmlns:ask="http://schemas.microsoft.com/office/drawing/2018/sketchyshapes" sd="3810893639">
+                  <a:prstGeom prst="rightArrow">
+                    <a:avLst/>
+                  </a:prstGeom>
+                  <ask:type>
+                    <ask:lineSketchScribble/>
+                  </ask:type>
+                </ask:lineSketchStyleProps>
+              </a:ext>
+            </a:extLst>
+          </a:ln>
+          <a:scene3d>
+            <a:camera prst="perspectiveContrastingRightFacing"/>
+            <a:lightRig rig="threePt" dir="t"/>
+          </a:scene3d>
+        </p:spPr>
+        <p:style>
+          <a:lnRef idx="2">
+            <a:schemeClr val="accent1">
+              <a:shade val="15000"/>
+            </a:schemeClr>
+          </a:lnRef>
+          <a:fillRef idx="1">
+            <a:schemeClr val="accent1"/>
+          </a:fillRef>
+          <a:effectRef idx="0">
+            <a:schemeClr val="accent1"/>
+          </a:effectRef>
+          <a:fontRef idx="minor">
+            <a:schemeClr val="lt1"/>
+          </a:fontRef>
+        </p:style>
+        <p:txBody>
+          <a:bodyPr rtlCol="0" anchor="ctr"/>
+          <a:lstStyle/>
+          <a:p>
+            <a:pPr algn="ctr"/>
+            <a:endParaRPr lang="ca-ES"/>
+          </a:p>
+        </p:txBody>
+      </p:sp>
+      <p:pic>
+        <p:nvPicPr>
+          <p:cNvPr id="5" name="Imagen 4">
+            <a:extLst>
+              <a:ext uri="{FF2B5EF4-FFF2-40B4-BE49-F238E27FC236}">
+                <a16:creationId xmlns:a16="http://schemas.microsoft.com/office/drawing/2014/main" id="{1A34E9D8-C9AA-3C43-A66F-CF22954FEF2D}"/>
+              </a:ext>
+            </a:extLst>
+          </p:cNvPr>
+          <p:cNvPicPr>
+            <a:picLocks noChangeAspect="1"/>
+          </p:cNvPicPr>
+          <p:nvPr/>
+        </p:nvPicPr>
+        <p:blipFill>
+          <a:blip r:embed="rId3"/>
+          <a:stretch>
+            <a:fillRect/>
+          </a:stretch>
+        </p:blipFill>
+        <p:spPr>
+          <a:xfrm>
+            <a:off x="6582038" y="1555308"/>
+            <a:ext cx="5856129" cy="3275310"/>
+          </a:xfrm>
+          <a:prstGeom prst="rect">
+            <a:avLst/>
+          </a:prstGeom>
+          <a:ln w="228600" cap="sq" cmpd="thickThin">
+            <a:solidFill>
+              <a:srgbClr val="000000"/>
+            </a:solidFill>
+            <a:prstDash val="solid"/>
+            <a:miter lim="800000"/>
+          </a:ln>
+          <a:effectLst>
+            <a:innerShdw blurRad="76200">
+              <a:srgbClr val="000000"/>
+            </a:innerShdw>
+          </a:effectLst>
+          <a:scene3d>
+            <a:camera prst="isometricLeftDown"/>
+            <a:lightRig rig="threePt" dir="t"/>
+          </a:scene3d>
+        </p:spPr>
+      </p:pic>
+    </p:spTree>
+    <p:extLst>
+      <p:ext uri="{BB962C8B-B14F-4D97-AF65-F5344CB8AC3E}">
+        <p14:creationId xmlns:p14="http://schemas.microsoft.com/office/powerpoint/2010/main" val="2139653203"/>
+      </p:ext>
+    </p:extLst>
+  </p:cSld>
+  <p:clrMapOvr>
+    <a:masterClrMapping/>
+  </p:clrMapOvr>
+</p:sld>
+</file>
+
+<file path=ppt/slides/slide29.xml><?xml version="1.0" encoding="utf-8"?>
+<p:sld xmlns:a="http://schemas.openxmlformats.org/drawingml/2006/main" xmlns:r="http://schemas.openxmlformats.org/officeDocument/2006/relationships" xmlns:p="http://schemas.openxmlformats.org/presentationml/2006/main">
+  <p:cSld>
+    <p:spTree>
+      <p:nvGrpSpPr>
+        <p:cNvPr id="1" name="">
+          <a:extLst>
+            <a:ext uri="{FF2B5EF4-FFF2-40B4-BE49-F238E27FC236}">
+              <a16:creationId xmlns:a16="http://schemas.microsoft.com/office/drawing/2014/main" id="{5813B7F0-11BC-3DB0-033A-EE5690FA89E0}"/>
+            </a:ext>
+          </a:extLst>
+        </p:cNvPr>
+        <p:cNvGrpSpPr/>
+        <p:nvPr/>
+      </p:nvGrpSpPr>
+      <p:grpSpPr>
+        <a:xfrm>
+          <a:off x="0" y="0"/>
+          <a:ext cx="0" cy="0"/>
+          <a:chOff x="0" y="0"/>
+          <a:chExt cx="0" cy="0"/>
+        </a:xfrm>
+      </p:grpSpPr>
+      <p:sp>
+        <p:nvSpPr>
+          <p:cNvPr id="2" name="Título 1">
+            <a:extLst>
+              <a:ext uri="{FF2B5EF4-FFF2-40B4-BE49-F238E27FC236}">
+                <a16:creationId xmlns:a16="http://schemas.microsoft.com/office/drawing/2014/main" id="{F0AB5958-85FD-73BC-9E32-B00E637A3A6E}"/>
+              </a:ext>
+            </a:extLst>
+          </p:cNvPr>
+          <p:cNvSpPr>
+            <a:spLocks noGrp="1"/>
+          </p:cNvSpPr>
+          <p:nvPr>
+            <p:ph type="ctrTitle"/>
+          </p:nvPr>
+        </p:nvSpPr>
+        <p:spPr>
+          <a:xfrm>
+            <a:off x="282866" y="2803470"/>
+            <a:ext cx="3790372" cy="1505526"/>
+          </a:xfrm>
+        </p:spPr>
+        <p:txBody>
+          <a:bodyPr>
+            <a:noAutofit/>
+          </a:bodyPr>
+          <a:lstStyle/>
+          <a:p>
+            <a:r>
+              <a:rPr lang="es-ES" sz="4800" dirty="0">
+                <a:latin typeface="Aharoni" panose="02010803020104030203" pitchFamily="2" charset="-79"/>
+                <a:cs typeface="Aharoni" panose="02010803020104030203" pitchFamily="2" charset="-79"/>
+              </a:rPr>
+              <a:t>LA NOSTRA HIPÒTESI</a:t>
+            </a:r>
+            <a:endParaRPr lang="ca-ES" sz="4800" dirty="0">
+              <a:latin typeface="Aharoni" panose="02010803020104030203" pitchFamily="2" charset="-79"/>
+              <a:cs typeface="Aharoni" panose="02010803020104030203" pitchFamily="2" charset="-79"/>
+            </a:endParaRPr>
+          </a:p>
+        </p:txBody>
+      </p:sp>
+      <p:sp>
+        <p:nvSpPr>
+          <p:cNvPr id="3" name="Flecha: a la derecha 2">
+            <a:extLst>
+              <a:ext uri="{FF2B5EF4-FFF2-40B4-BE49-F238E27FC236}">
+                <a16:creationId xmlns:a16="http://schemas.microsoft.com/office/drawing/2014/main" id="{872450D4-322B-1F71-59E5-26D91C93D51C}"/>
+              </a:ext>
+            </a:extLst>
+          </p:cNvPr>
+          <p:cNvSpPr/>
+          <p:nvPr/>
+        </p:nvSpPr>
+        <p:spPr>
+          <a:xfrm>
+            <a:off x="4405745" y="2424312"/>
+            <a:ext cx="2701637" cy="2009375"/>
+          </a:xfrm>
+          <a:custGeom>
+            <a:avLst/>
+            <a:gdLst>
+              <a:gd name="connsiteX0" fmla="*/ 0 w 2701637"/>
+              <a:gd name="connsiteY0" fmla="*/ 502344 h 2009375"/>
+              <a:gd name="connsiteX1" fmla="*/ 582620 w 2701637"/>
+              <a:gd name="connsiteY1" fmla="*/ 502344 h 2009375"/>
+              <a:gd name="connsiteX2" fmla="*/ 1131300 w 2701637"/>
+              <a:gd name="connsiteY2" fmla="*/ 502344 h 2009375"/>
+              <a:gd name="connsiteX3" fmla="*/ 1696950 w 2701637"/>
+              <a:gd name="connsiteY3" fmla="*/ 502344 h 2009375"/>
+              <a:gd name="connsiteX4" fmla="*/ 1696950 w 2701637"/>
+              <a:gd name="connsiteY4" fmla="*/ 0 h 2009375"/>
+              <a:gd name="connsiteX5" fmla="*/ 2041893 w 2701637"/>
+              <a:gd name="connsiteY5" fmla="*/ 344943 h 2009375"/>
+              <a:gd name="connsiteX6" fmla="*/ 2376788 w 2701637"/>
+              <a:gd name="connsiteY6" fmla="*/ 679839 h 2009375"/>
+              <a:gd name="connsiteX7" fmla="*/ 2701637 w 2701637"/>
+              <a:gd name="connsiteY7" fmla="*/ 1004688 h 2009375"/>
+              <a:gd name="connsiteX8" fmla="*/ 2346648 w 2701637"/>
+              <a:gd name="connsiteY8" fmla="*/ 1359677 h 2009375"/>
+              <a:gd name="connsiteX9" fmla="*/ 2011752 w 2701637"/>
+              <a:gd name="connsiteY9" fmla="*/ 1694573 h 2009375"/>
+              <a:gd name="connsiteX10" fmla="*/ 1696950 w 2701637"/>
+              <a:gd name="connsiteY10" fmla="*/ 2009375 h 2009375"/>
+              <a:gd name="connsiteX11" fmla="*/ 1696950 w 2701637"/>
+              <a:gd name="connsiteY11" fmla="*/ 1507031 h 2009375"/>
+              <a:gd name="connsiteX12" fmla="*/ 1114331 w 2701637"/>
+              <a:gd name="connsiteY12" fmla="*/ 1507031 h 2009375"/>
+              <a:gd name="connsiteX13" fmla="*/ 514742 w 2701637"/>
+              <a:gd name="connsiteY13" fmla="*/ 1507031 h 2009375"/>
+              <a:gd name="connsiteX14" fmla="*/ 0 w 2701637"/>
+              <a:gd name="connsiteY14" fmla="*/ 1507031 h 2009375"/>
+              <a:gd name="connsiteX15" fmla="*/ 0 w 2701637"/>
+              <a:gd name="connsiteY15" fmla="*/ 1004688 h 2009375"/>
+              <a:gd name="connsiteX16" fmla="*/ 0 w 2701637"/>
+              <a:gd name="connsiteY16" fmla="*/ 502344 h 2009375"/>
+            </a:gdLst>
+            <a:ahLst/>
+            <a:cxnLst>
+              <a:cxn ang="0">
+                <a:pos x="connsiteX0" y="connsiteY0"/>
+              </a:cxn>
+              <a:cxn ang="0">
+                <a:pos x="connsiteX1" y="connsiteY1"/>
+              </a:cxn>
+              <a:cxn ang="0">
+                <a:pos x="connsiteX2" y="connsiteY2"/>
+              </a:cxn>
+              <a:cxn ang="0">
+                <a:pos x="connsiteX3" y="connsiteY3"/>
+              </a:cxn>
+              <a:cxn ang="0">
+                <a:pos x="connsiteX4" y="connsiteY4"/>
+              </a:cxn>
+              <a:cxn ang="0">
+                <a:pos x="connsiteX5" y="connsiteY5"/>
+              </a:cxn>
+              <a:cxn ang="0">
+                <a:pos x="connsiteX6" y="connsiteY6"/>
+              </a:cxn>
+              <a:cxn ang="0">
+                <a:pos x="connsiteX7" y="connsiteY7"/>
+              </a:cxn>
+              <a:cxn ang="0">
+                <a:pos x="connsiteX8" y="connsiteY8"/>
+              </a:cxn>
+              <a:cxn ang="0">
+                <a:pos x="connsiteX9" y="connsiteY9"/>
+              </a:cxn>
+              <a:cxn ang="0">
+                <a:pos x="connsiteX10" y="connsiteY10"/>
+              </a:cxn>
+              <a:cxn ang="0">
+                <a:pos x="connsiteX11" y="connsiteY11"/>
+              </a:cxn>
+              <a:cxn ang="0">
+                <a:pos x="connsiteX12" y="connsiteY12"/>
+              </a:cxn>
+              <a:cxn ang="0">
+                <a:pos x="connsiteX13" y="connsiteY13"/>
+              </a:cxn>
+              <a:cxn ang="0">
+                <a:pos x="connsiteX14" y="connsiteY14"/>
+              </a:cxn>
+              <a:cxn ang="0">
+                <a:pos x="connsiteX15" y="connsiteY15"/>
+              </a:cxn>
+              <a:cxn ang="0">
+                <a:pos x="connsiteX16" y="connsiteY16"/>
+              </a:cxn>
+            </a:cxnLst>
+            <a:rect l="l" t="t" r="r" b="b"/>
+            <a:pathLst>
+              <a:path w="2701637" h="2009375" fill="none" extrusionOk="0">
+                <a:moveTo>
+                  <a:pt x="0" y="502344"/>
+                </a:moveTo>
+                <a:cubicBezTo>
+                  <a:pt x="125272" y="501688"/>
+                  <a:pt x="300498" y="536806"/>
+                  <a:pt x="582620" y="502344"/>
+                </a:cubicBezTo>
+                <a:cubicBezTo>
+                  <a:pt x="864742" y="467882"/>
+                  <a:pt x="951025" y="509106"/>
+                  <a:pt x="1131300" y="502344"/>
+                </a:cubicBezTo>
+                <a:cubicBezTo>
+                  <a:pt x="1311575" y="495582"/>
+                  <a:pt x="1556201" y="524949"/>
+                  <a:pt x="1696950" y="502344"/>
+                </a:cubicBezTo>
+                <a:cubicBezTo>
+                  <a:pt x="1675802" y="285357"/>
+                  <a:pt x="1755376" y="137767"/>
+                  <a:pt x="1696950" y="0"/>
+                </a:cubicBezTo>
+                <a:cubicBezTo>
+                  <a:pt x="1838708" y="98185"/>
+                  <a:pt x="1894260" y="279693"/>
+                  <a:pt x="2041893" y="344943"/>
+                </a:cubicBezTo>
+                <a:cubicBezTo>
+                  <a:pt x="2189526" y="410193"/>
+                  <a:pt x="2246768" y="587878"/>
+                  <a:pt x="2376788" y="679839"/>
+                </a:cubicBezTo>
+                <a:cubicBezTo>
+                  <a:pt x="2506808" y="771800"/>
+                  <a:pt x="2587874" y="956709"/>
+                  <a:pt x="2701637" y="1004688"/>
+                </a:cubicBezTo>
+                <a:cubicBezTo>
+                  <a:pt x="2578442" y="1180720"/>
+                  <a:pt x="2497474" y="1177143"/>
+                  <a:pt x="2346648" y="1359677"/>
+                </a:cubicBezTo>
+                <a:cubicBezTo>
+                  <a:pt x="2195822" y="1542211"/>
+                  <a:pt x="2161395" y="1538309"/>
+                  <a:pt x="2011752" y="1694573"/>
+                </a:cubicBezTo>
+                <a:cubicBezTo>
+                  <a:pt x="1862109" y="1850837"/>
+                  <a:pt x="1772244" y="1908234"/>
+                  <a:pt x="1696950" y="2009375"/>
+                </a:cubicBezTo>
+                <a:cubicBezTo>
+                  <a:pt x="1664251" y="1899397"/>
+                  <a:pt x="1747411" y="1726135"/>
+                  <a:pt x="1696950" y="1507031"/>
+                </a:cubicBezTo>
+                <a:cubicBezTo>
+                  <a:pt x="1473671" y="1555206"/>
+                  <a:pt x="1404131" y="1487846"/>
+                  <a:pt x="1114331" y="1507031"/>
+                </a:cubicBezTo>
+                <a:cubicBezTo>
+                  <a:pt x="824531" y="1526216"/>
+                  <a:pt x="727141" y="1474831"/>
+                  <a:pt x="514742" y="1507031"/>
+                </a:cubicBezTo>
+                <a:cubicBezTo>
+                  <a:pt x="302343" y="1539231"/>
+                  <a:pt x="123531" y="1491886"/>
+                  <a:pt x="0" y="1507031"/>
+                </a:cubicBezTo>
+                <a:cubicBezTo>
+                  <a:pt x="-31413" y="1334243"/>
+                  <a:pt x="56535" y="1162410"/>
+                  <a:pt x="0" y="1004688"/>
+                </a:cubicBezTo>
+                <a:cubicBezTo>
+                  <a:pt x="-56535" y="846966"/>
+                  <a:pt x="32159" y="721355"/>
+                  <a:pt x="0" y="502344"/>
+                </a:cubicBezTo>
+                <a:close/>
+              </a:path>
+              <a:path w="2701637" h="2009375" stroke="0" extrusionOk="0">
+                <a:moveTo>
+                  <a:pt x="0" y="502344"/>
+                </a:moveTo>
+                <a:cubicBezTo>
+                  <a:pt x="159567" y="499043"/>
+                  <a:pt x="348698" y="572934"/>
+                  <a:pt x="599589" y="502344"/>
+                </a:cubicBezTo>
+                <a:cubicBezTo>
+                  <a:pt x="850480" y="431754"/>
+                  <a:pt x="902264" y="539347"/>
+                  <a:pt x="1165239" y="502344"/>
+                </a:cubicBezTo>
+                <a:cubicBezTo>
+                  <a:pt x="1428214" y="465341"/>
+                  <a:pt x="1585727" y="539357"/>
+                  <a:pt x="1696950" y="502344"/>
+                </a:cubicBezTo>
+                <a:cubicBezTo>
+                  <a:pt x="1637538" y="321518"/>
+                  <a:pt x="1700712" y="192346"/>
+                  <a:pt x="1696950" y="0"/>
+                </a:cubicBezTo>
+                <a:cubicBezTo>
+                  <a:pt x="1882128" y="161926"/>
+                  <a:pt x="1918659" y="241539"/>
+                  <a:pt x="2051939" y="354990"/>
+                </a:cubicBezTo>
+                <a:cubicBezTo>
+                  <a:pt x="2185219" y="468441"/>
+                  <a:pt x="2243452" y="598816"/>
+                  <a:pt x="2386835" y="689886"/>
+                </a:cubicBezTo>
+                <a:cubicBezTo>
+                  <a:pt x="2530218" y="780956"/>
+                  <a:pt x="2620220" y="932116"/>
+                  <a:pt x="2701637" y="1004688"/>
+                </a:cubicBezTo>
+                <a:cubicBezTo>
+                  <a:pt x="2614774" y="1097337"/>
+                  <a:pt x="2432675" y="1216224"/>
+                  <a:pt x="2396882" y="1309443"/>
+                </a:cubicBezTo>
+                <a:cubicBezTo>
+                  <a:pt x="2361089" y="1402662"/>
+                  <a:pt x="2092225" y="1570419"/>
+                  <a:pt x="2041893" y="1664432"/>
+                </a:cubicBezTo>
+                <a:cubicBezTo>
+                  <a:pt x="1991561" y="1758445"/>
+                  <a:pt x="1799339" y="1828399"/>
+                  <a:pt x="1696950" y="2009375"/>
+                </a:cubicBezTo>
+                <a:cubicBezTo>
+                  <a:pt x="1676239" y="1785882"/>
+                  <a:pt x="1741037" y="1719429"/>
+                  <a:pt x="1696950" y="1507031"/>
+                </a:cubicBezTo>
+                <a:cubicBezTo>
+                  <a:pt x="1524470" y="1541337"/>
+                  <a:pt x="1364689" y="1502377"/>
+                  <a:pt x="1182209" y="1507031"/>
+                </a:cubicBezTo>
+                <a:cubicBezTo>
+                  <a:pt x="999729" y="1511685"/>
+                  <a:pt x="763812" y="1461227"/>
+                  <a:pt x="616558" y="1507031"/>
+                </a:cubicBezTo>
+                <a:cubicBezTo>
+                  <a:pt x="469304" y="1552835"/>
+                  <a:pt x="198461" y="1455225"/>
+                  <a:pt x="0" y="1507031"/>
+                </a:cubicBezTo>
+                <a:cubicBezTo>
+                  <a:pt x="-34180" y="1292809"/>
+                  <a:pt x="57804" y="1209289"/>
+                  <a:pt x="0" y="1004688"/>
+                </a:cubicBezTo>
+                <a:cubicBezTo>
+                  <a:pt x="-57804" y="800087"/>
+                  <a:pt x="21919" y="742995"/>
+                  <a:pt x="0" y="502344"/>
+                </a:cubicBezTo>
+                <a:close/>
+              </a:path>
+            </a:pathLst>
+          </a:custGeom>
+          <a:ln w="76200">
+            <a:extLst>
+              <a:ext uri="{C807C97D-BFC1-408E-A445-0C87EB9F89A2}">
+                <ask:lineSketchStyleProps xmlns:ask="http://schemas.microsoft.com/office/drawing/2018/sketchyshapes" sd="3810893639">
+                  <a:prstGeom prst="rightArrow">
+                    <a:avLst/>
+                  </a:prstGeom>
+                  <ask:type>
+                    <ask:lineSketchScribble/>
+                  </ask:type>
+                </ask:lineSketchStyleProps>
+              </a:ext>
+            </a:extLst>
+          </a:ln>
+          <a:scene3d>
+            <a:camera prst="perspectiveContrastingRightFacing"/>
+            <a:lightRig rig="threePt" dir="t"/>
+          </a:scene3d>
+        </p:spPr>
+        <p:style>
+          <a:lnRef idx="2">
+            <a:schemeClr val="accent1">
+              <a:shade val="15000"/>
+            </a:schemeClr>
+          </a:lnRef>
+          <a:fillRef idx="1">
+            <a:schemeClr val="accent1"/>
+          </a:fillRef>
+          <a:effectRef idx="0">
+            <a:schemeClr val="accent1"/>
+          </a:effectRef>
+          <a:fontRef idx="minor">
+            <a:schemeClr val="lt1"/>
+          </a:fontRef>
+        </p:style>
+        <p:txBody>
+          <a:bodyPr rtlCol="0" anchor="ctr"/>
+          <a:lstStyle/>
+          <a:p>
+            <a:pPr algn="ctr"/>
+            <a:endParaRPr lang="ca-ES"/>
+          </a:p>
+        </p:txBody>
+      </p:sp>
+      <p:pic>
+        <p:nvPicPr>
+          <p:cNvPr id="5" name="Imagen 4">
+            <a:extLst>
+              <a:ext uri="{FF2B5EF4-FFF2-40B4-BE49-F238E27FC236}">
+                <a16:creationId xmlns:a16="http://schemas.microsoft.com/office/drawing/2014/main" id="{2115E5F9-831C-04A2-6130-4F277AFCE0A3}"/>
+              </a:ext>
+            </a:extLst>
+          </p:cNvPr>
+          <p:cNvPicPr>
+            <a:picLocks noChangeAspect="1"/>
+          </p:cNvPicPr>
+          <p:nvPr/>
+        </p:nvPicPr>
+        <p:blipFill>
+          <a:blip r:embed="rId3"/>
+          <a:stretch>
+            <a:fillRect/>
+          </a:stretch>
+        </p:blipFill>
+        <p:spPr>
+          <a:xfrm>
+            <a:off x="6582038" y="1555308"/>
+            <a:ext cx="5856129" cy="3275310"/>
+          </a:xfrm>
+          <a:prstGeom prst="rect">
+            <a:avLst/>
+          </a:prstGeom>
+          <a:ln w="228600" cap="sq" cmpd="thickThin">
+            <a:solidFill>
+              <a:srgbClr val="000000"/>
+            </a:solidFill>
+            <a:prstDash val="solid"/>
+            <a:miter lim="800000"/>
+          </a:ln>
+          <a:effectLst>
+            <a:innerShdw blurRad="76200">
+              <a:srgbClr val="000000"/>
+            </a:innerShdw>
+          </a:effectLst>
+          <a:scene3d>
+            <a:camera prst="isometricLeftDown"/>
+            <a:lightRig rig="threePt" dir="t"/>
+          </a:scene3d>
+        </p:spPr>
+      </p:pic>
+      <p:pic>
+        <p:nvPicPr>
+          <p:cNvPr id="6" name="Imagen 5" descr="Un dibujo de una persona&#10;&#10;Descripción generada automáticamente con confianza baja">
+            <a:extLst>
+              <a:ext uri="{FF2B5EF4-FFF2-40B4-BE49-F238E27FC236}">
+                <a16:creationId xmlns:a16="http://schemas.microsoft.com/office/drawing/2014/main" id="{70FD46BC-BBE0-1435-D123-BE2CD3481EF9}"/>
+              </a:ext>
+            </a:extLst>
+          </p:cNvPr>
+          <p:cNvPicPr>
+            <a:picLocks noChangeAspect="1"/>
+          </p:cNvPicPr>
+          <p:nvPr/>
+        </p:nvPicPr>
+        <p:blipFill>
+          <a:blip r:embed="rId4">
+            <a:extLst>
+              <a:ext uri="{28A0092B-C50C-407E-A947-70E740481C1C}">
+                <a14:useLocalDpi xmlns:a14="http://schemas.microsoft.com/office/drawing/2010/main" val="0"/>
+              </a:ext>
+            </a:extLst>
+          </a:blip>
+          <a:stretch>
+            <a:fillRect/>
+          </a:stretch>
+        </p:blipFill>
+        <p:spPr>
+          <a:xfrm>
+            <a:off x="2107412" y="-353805"/>
+            <a:ext cx="7402690" cy="7402690"/>
+          </a:xfrm>
+          <a:prstGeom prst="rect">
+            <a:avLst/>
+          </a:prstGeom>
+        </p:spPr>
+      </p:pic>
+    </p:spTree>
+    <p:extLst>
+      <p:ext uri="{BB962C8B-B14F-4D97-AF65-F5344CB8AC3E}">
+        <p14:creationId xmlns:p14="http://schemas.microsoft.com/office/powerpoint/2010/main" val="820946556"/>
       </p:ext>
     </p:extLst>
   </p:cSld>
@@ -10256,6 +16336,1459 @@
     <p:extLst>
       <p:ext uri="{BB962C8B-B14F-4D97-AF65-F5344CB8AC3E}">
         <p14:creationId xmlns:p14="http://schemas.microsoft.com/office/powerpoint/2010/main" val="839647521"/>
+      </p:ext>
+    </p:extLst>
+  </p:cSld>
+  <p:clrMapOvr>
+    <a:masterClrMapping/>
+  </p:clrMapOvr>
+</p:sld>
+</file>
+
+<file path=ppt/slides/slide30.xml><?xml version="1.0" encoding="utf-8"?>
+<p:sld xmlns:a="http://schemas.openxmlformats.org/drawingml/2006/main" xmlns:r="http://schemas.openxmlformats.org/officeDocument/2006/relationships" xmlns:p="http://schemas.openxmlformats.org/presentationml/2006/main">
+  <p:cSld>
+    <p:spTree>
+      <p:nvGrpSpPr>
+        <p:cNvPr id="1" name="">
+          <a:extLst>
+            <a:ext uri="{FF2B5EF4-FFF2-40B4-BE49-F238E27FC236}">
+              <a16:creationId xmlns:a16="http://schemas.microsoft.com/office/drawing/2014/main" id="{70050D81-0E7D-A911-ED11-88AC33DEB3D4}"/>
+            </a:ext>
+          </a:extLst>
+        </p:cNvPr>
+        <p:cNvGrpSpPr/>
+        <p:nvPr/>
+      </p:nvGrpSpPr>
+      <p:grpSpPr>
+        <a:xfrm>
+          <a:off x="0" y="0"/>
+          <a:ext cx="0" cy="0"/>
+          <a:chOff x="0" y="0"/>
+          <a:chExt cx="0" cy="0"/>
+        </a:xfrm>
+      </p:grpSpPr>
+      <p:sp>
+        <p:nvSpPr>
+          <p:cNvPr id="2" name="Título 1">
+            <a:extLst>
+              <a:ext uri="{FF2B5EF4-FFF2-40B4-BE49-F238E27FC236}">
+                <a16:creationId xmlns:a16="http://schemas.microsoft.com/office/drawing/2014/main" id="{D0E8ECD2-4544-C404-5857-7CA100020CFD}"/>
+              </a:ext>
+            </a:extLst>
+          </p:cNvPr>
+          <p:cNvSpPr>
+            <a:spLocks noGrp="1"/>
+          </p:cNvSpPr>
+          <p:nvPr>
+            <p:ph type="ctrTitle"/>
+          </p:nvPr>
+        </p:nvSpPr>
+        <p:spPr>
+          <a:xfrm>
+            <a:off x="282866" y="2803470"/>
+            <a:ext cx="3790372" cy="1505526"/>
+          </a:xfrm>
+        </p:spPr>
+        <p:txBody>
+          <a:bodyPr>
+            <a:noAutofit/>
+          </a:bodyPr>
+          <a:lstStyle/>
+          <a:p>
+            <a:r>
+              <a:rPr lang="es-ES" sz="4800" dirty="0">
+                <a:latin typeface="Aharoni" panose="02010803020104030203" pitchFamily="2" charset="-79"/>
+                <a:cs typeface="Aharoni" panose="02010803020104030203" pitchFamily="2" charset="-79"/>
+              </a:rPr>
+              <a:t>LA NOSTRA HIPÒTESI</a:t>
+            </a:r>
+            <a:endParaRPr lang="ca-ES" sz="4800" dirty="0">
+              <a:latin typeface="Aharoni" panose="02010803020104030203" pitchFamily="2" charset="-79"/>
+              <a:cs typeface="Aharoni" panose="02010803020104030203" pitchFamily="2" charset="-79"/>
+            </a:endParaRPr>
+          </a:p>
+        </p:txBody>
+      </p:sp>
+      <p:sp>
+        <p:nvSpPr>
+          <p:cNvPr id="3" name="Flecha: a la derecha 2">
+            <a:extLst>
+              <a:ext uri="{FF2B5EF4-FFF2-40B4-BE49-F238E27FC236}">
+                <a16:creationId xmlns:a16="http://schemas.microsoft.com/office/drawing/2014/main" id="{5FF0B2C8-0F26-661C-C4D6-C931E8426936}"/>
+              </a:ext>
+            </a:extLst>
+          </p:cNvPr>
+          <p:cNvSpPr/>
+          <p:nvPr/>
+        </p:nvSpPr>
+        <p:spPr>
+          <a:xfrm>
+            <a:off x="4405745" y="2424312"/>
+            <a:ext cx="2701637" cy="2009375"/>
+          </a:xfrm>
+          <a:custGeom>
+            <a:avLst/>
+            <a:gdLst>
+              <a:gd name="connsiteX0" fmla="*/ 0 w 2701637"/>
+              <a:gd name="connsiteY0" fmla="*/ 502344 h 2009375"/>
+              <a:gd name="connsiteX1" fmla="*/ 582620 w 2701637"/>
+              <a:gd name="connsiteY1" fmla="*/ 502344 h 2009375"/>
+              <a:gd name="connsiteX2" fmla="*/ 1131300 w 2701637"/>
+              <a:gd name="connsiteY2" fmla="*/ 502344 h 2009375"/>
+              <a:gd name="connsiteX3" fmla="*/ 1696950 w 2701637"/>
+              <a:gd name="connsiteY3" fmla="*/ 502344 h 2009375"/>
+              <a:gd name="connsiteX4" fmla="*/ 1696950 w 2701637"/>
+              <a:gd name="connsiteY4" fmla="*/ 0 h 2009375"/>
+              <a:gd name="connsiteX5" fmla="*/ 2041893 w 2701637"/>
+              <a:gd name="connsiteY5" fmla="*/ 344943 h 2009375"/>
+              <a:gd name="connsiteX6" fmla="*/ 2376788 w 2701637"/>
+              <a:gd name="connsiteY6" fmla="*/ 679839 h 2009375"/>
+              <a:gd name="connsiteX7" fmla="*/ 2701637 w 2701637"/>
+              <a:gd name="connsiteY7" fmla="*/ 1004688 h 2009375"/>
+              <a:gd name="connsiteX8" fmla="*/ 2346648 w 2701637"/>
+              <a:gd name="connsiteY8" fmla="*/ 1359677 h 2009375"/>
+              <a:gd name="connsiteX9" fmla="*/ 2011752 w 2701637"/>
+              <a:gd name="connsiteY9" fmla="*/ 1694573 h 2009375"/>
+              <a:gd name="connsiteX10" fmla="*/ 1696950 w 2701637"/>
+              <a:gd name="connsiteY10" fmla="*/ 2009375 h 2009375"/>
+              <a:gd name="connsiteX11" fmla="*/ 1696950 w 2701637"/>
+              <a:gd name="connsiteY11" fmla="*/ 1507031 h 2009375"/>
+              <a:gd name="connsiteX12" fmla="*/ 1114331 w 2701637"/>
+              <a:gd name="connsiteY12" fmla="*/ 1507031 h 2009375"/>
+              <a:gd name="connsiteX13" fmla="*/ 514742 w 2701637"/>
+              <a:gd name="connsiteY13" fmla="*/ 1507031 h 2009375"/>
+              <a:gd name="connsiteX14" fmla="*/ 0 w 2701637"/>
+              <a:gd name="connsiteY14" fmla="*/ 1507031 h 2009375"/>
+              <a:gd name="connsiteX15" fmla="*/ 0 w 2701637"/>
+              <a:gd name="connsiteY15" fmla="*/ 1004688 h 2009375"/>
+              <a:gd name="connsiteX16" fmla="*/ 0 w 2701637"/>
+              <a:gd name="connsiteY16" fmla="*/ 502344 h 2009375"/>
+            </a:gdLst>
+            <a:ahLst/>
+            <a:cxnLst>
+              <a:cxn ang="0">
+                <a:pos x="connsiteX0" y="connsiteY0"/>
+              </a:cxn>
+              <a:cxn ang="0">
+                <a:pos x="connsiteX1" y="connsiteY1"/>
+              </a:cxn>
+              <a:cxn ang="0">
+                <a:pos x="connsiteX2" y="connsiteY2"/>
+              </a:cxn>
+              <a:cxn ang="0">
+                <a:pos x="connsiteX3" y="connsiteY3"/>
+              </a:cxn>
+              <a:cxn ang="0">
+                <a:pos x="connsiteX4" y="connsiteY4"/>
+              </a:cxn>
+              <a:cxn ang="0">
+                <a:pos x="connsiteX5" y="connsiteY5"/>
+              </a:cxn>
+              <a:cxn ang="0">
+                <a:pos x="connsiteX6" y="connsiteY6"/>
+              </a:cxn>
+              <a:cxn ang="0">
+                <a:pos x="connsiteX7" y="connsiteY7"/>
+              </a:cxn>
+              <a:cxn ang="0">
+                <a:pos x="connsiteX8" y="connsiteY8"/>
+              </a:cxn>
+              <a:cxn ang="0">
+                <a:pos x="connsiteX9" y="connsiteY9"/>
+              </a:cxn>
+              <a:cxn ang="0">
+                <a:pos x="connsiteX10" y="connsiteY10"/>
+              </a:cxn>
+              <a:cxn ang="0">
+                <a:pos x="connsiteX11" y="connsiteY11"/>
+              </a:cxn>
+              <a:cxn ang="0">
+                <a:pos x="connsiteX12" y="connsiteY12"/>
+              </a:cxn>
+              <a:cxn ang="0">
+                <a:pos x="connsiteX13" y="connsiteY13"/>
+              </a:cxn>
+              <a:cxn ang="0">
+                <a:pos x="connsiteX14" y="connsiteY14"/>
+              </a:cxn>
+              <a:cxn ang="0">
+                <a:pos x="connsiteX15" y="connsiteY15"/>
+              </a:cxn>
+              <a:cxn ang="0">
+                <a:pos x="connsiteX16" y="connsiteY16"/>
+              </a:cxn>
+            </a:cxnLst>
+            <a:rect l="l" t="t" r="r" b="b"/>
+            <a:pathLst>
+              <a:path w="2701637" h="2009375" fill="none" extrusionOk="0">
+                <a:moveTo>
+                  <a:pt x="0" y="502344"/>
+                </a:moveTo>
+                <a:cubicBezTo>
+                  <a:pt x="125272" y="501688"/>
+                  <a:pt x="300498" y="536806"/>
+                  <a:pt x="582620" y="502344"/>
+                </a:cubicBezTo>
+                <a:cubicBezTo>
+                  <a:pt x="864742" y="467882"/>
+                  <a:pt x="951025" y="509106"/>
+                  <a:pt x="1131300" y="502344"/>
+                </a:cubicBezTo>
+                <a:cubicBezTo>
+                  <a:pt x="1311575" y="495582"/>
+                  <a:pt x="1556201" y="524949"/>
+                  <a:pt x="1696950" y="502344"/>
+                </a:cubicBezTo>
+                <a:cubicBezTo>
+                  <a:pt x="1675802" y="285357"/>
+                  <a:pt x="1755376" y="137767"/>
+                  <a:pt x="1696950" y="0"/>
+                </a:cubicBezTo>
+                <a:cubicBezTo>
+                  <a:pt x="1838708" y="98185"/>
+                  <a:pt x="1894260" y="279693"/>
+                  <a:pt x="2041893" y="344943"/>
+                </a:cubicBezTo>
+                <a:cubicBezTo>
+                  <a:pt x="2189526" y="410193"/>
+                  <a:pt x="2246768" y="587878"/>
+                  <a:pt x="2376788" y="679839"/>
+                </a:cubicBezTo>
+                <a:cubicBezTo>
+                  <a:pt x="2506808" y="771800"/>
+                  <a:pt x="2587874" y="956709"/>
+                  <a:pt x="2701637" y="1004688"/>
+                </a:cubicBezTo>
+                <a:cubicBezTo>
+                  <a:pt x="2578442" y="1180720"/>
+                  <a:pt x="2497474" y="1177143"/>
+                  <a:pt x="2346648" y="1359677"/>
+                </a:cubicBezTo>
+                <a:cubicBezTo>
+                  <a:pt x="2195822" y="1542211"/>
+                  <a:pt x="2161395" y="1538309"/>
+                  <a:pt x="2011752" y="1694573"/>
+                </a:cubicBezTo>
+                <a:cubicBezTo>
+                  <a:pt x="1862109" y="1850837"/>
+                  <a:pt x="1772244" y="1908234"/>
+                  <a:pt x="1696950" y="2009375"/>
+                </a:cubicBezTo>
+                <a:cubicBezTo>
+                  <a:pt x="1664251" y="1899397"/>
+                  <a:pt x="1747411" y="1726135"/>
+                  <a:pt x="1696950" y="1507031"/>
+                </a:cubicBezTo>
+                <a:cubicBezTo>
+                  <a:pt x="1473671" y="1555206"/>
+                  <a:pt x="1404131" y="1487846"/>
+                  <a:pt x="1114331" y="1507031"/>
+                </a:cubicBezTo>
+                <a:cubicBezTo>
+                  <a:pt x="824531" y="1526216"/>
+                  <a:pt x="727141" y="1474831"/>
+                  <a:pt x="514742" y="1507031"/>
+                </a:cubicBezTo>
+                <a:cubicBezTo>
+                  <a:pt x="302343" y="1539231"/>
+                  <a:pt x="123531" y="1491886"/>
+                  <a:pt x="0" y="1507031"/>
+                </a:cubicBezTo>
+                <a:cubicBezTo>
+                  <a:pt x="-31413" y="1334243"/>
+                  <a:pt x="56535" y="1162410"/>
+                  <a:pt x="0" y="1004688"/>
+                </a:cubicBezTo>
+                <a:cubicBezTo>
+                  <a:pt x="-56535" y="846966"/>
+                  <a:pt x="32159" y="721355"/>
+                  <a:pt x="0" y="502344"/>
+                </a:cubicBezTo>
+                <a:close/>
+              </a:path>
+              <a:path w="2701637" h="2009375" stroke="0" extrusionOk="0">
+                <a:moveTo>
+                  <a:pt x="0" y="502344"/>
+                </a:moveTo>
+                <a:cubicBezTo>
+                  <a:pt x="159567" y="499043"/>
+                  <a:pt x="348698" y="572934"/>
+                  <a:pt x="599589" y="502344"/>
+                </a:cubicBezTo>
+                <a:cubicBezTo>
+                  <a:pt x="850480" y="431754"/>
+                  <a:pt x="902264" y="539347"/>
+                  <a:pt x="1165239" y="502344"/>
+                </a:cubicBezTo>
+                <a:cubicBezTo>
+                  <a:pt x="1428214" y="465341"/>
+                  <a:pt x="1585727" y="539357"/>
+                  <a:pt x="1696950" y="502344"/>
+                </a:cubicBezTo>
+                <a:cubicBezTo>
+                  <a:pt x="1637538" y="321518"/>
+                  <a:pt x="1700712" y="192346"/>
+                  <a:pt x="1696950" y="0"/>
+                </a:cubicBezTo>
+                <a:cubicBezTo>
+                  <a:pt x="1882128" y="161926"/>
+                  <a:pt x="1918659" y="241539"/>
+                  <a:pt x="2051939" y="354990"/>
+                </a:cubicBezTo>
+                <a:cubicBezTo>
+                  <a:pt x="2185219" y="468441"/>
+                  <a:pt x="2243452" y="598816"/>
+                  <a:pt x="2386835" y="689886"/>
+                </a:cubicBezTo>
+                <a:cubicBezTo>
+                  <a:pt x="2530218" y="780956"/>
+                  <a:pt x="2620220" y="932116"/>
+                  <a:pt x="2701637" y="1004688"/>
+                </a:cubicBezTo>
+                <a:cubicBezTo>
+                  <a:pt x="2614774" y="1097337"/>
+                  <a:pt x="2432675" y="1216224"/>
+                  <a:pt x="2396882" y="1309443"/>
+                </a:cubicBezTo>
+                <a:cubicBezTo>
+                  <a:pt x="2361089" y="1402662"/>
+                  <a:pt x="2092225" y="1570419"/>
+                  <a:pt x="2041893" y="1664432"/>
+                </a:cubicBezTo>
+                <a:cubicBezTo>
+                  <a:pt x="1991561" y="1758445"/>
+                  <a:pt x="1799339" y="1828399"/>
+                  <a:pt x="1696950" y="2009375"/>
+                </a:cubicBezTo>
+                <a:cubicBezTo>
+                  <a:pt x="1676239" y="1785882"/>
+                  <a:pt x="1741037" y="1719429"/>
+                  <a:pt x="1696950" y="1507031"/>
+                </a:cubicBezTo>
+                <a:cubicBezTo>
+                  <a:pt x="1524470" y="1541337"/>
+                  <a:pt x="1364689" y="1502377"/>
+                  <a:pt x="1182209" y="1507031"/>
+                </a:cubicBezTo>
+                <a:cubicBezTo>
+                  <a:pt x="999729" y="1511685"/>
+                  <a:pt x="763812" y="1461227"/>
+                  <a:pt x="616558" y="1507031"/>
+                </a:cubicBezTo>
+                <a:cubicBezTo>
+                  <a:pt x="469304" y="1552835"/>
+                  <a:pt x="198461" y="1455225"/>
+                  <a:pt x="0" y="1507031"/>
+                </a:cubicBezTo>
+                <a:cubicBezTo>
+                  <a:pt x="-34180" y="1292809"/>
+                  <a:pt x="57804" y="1209289"/>
+                  <a:pt x="0" y="1004688"/>
+                </a:cubicBezTo>
+                <a:cubicBezTo>
+                  <a:pt x="-57804" y="800087"/>
+                  <a:pt x="21919" y="742995"/>
+                  <a:pt x="0" y="502344"/>
+                </a:cubicBezTo>
+                <a:close/>
+              </a:path>
+            </a:pathLst>
+          </a:custGeom>
+          <a:ln w="76200">
+            <a:extLst>
+              <a:ext uri="{C807C97D-BFC1-408E-A445-0C87EB9F89A2}">
+                <ask:lineSketchStyleProps xmlns:ask="http://schemas.microsoft.com/office/drawing/2018/sketchyshapes" sd="3810893639">
+                  <a:prstGeom prst="rightArrow">
+                    <a:avLst/>
+                  </a:prstGeom>
+                  <ask:type>
+                    <ask:lineSketchScribble/>
+                  </ask:type>
+                </ask:lineSketchStyleProps>
+              </a:ext>
+            </a:extLst>
+          </a:ln>
+          <a:scene3d>
+            <a:camera prst="perspectiveContrastingRightFacing"/>
+            <a:lightRig rig="threePt" dir="t"/>
+          </a:scene3d>
+        </p:spPr>
+        <p:style>
+          <a:lnRef idx="2">
+            <a:schemeClr val="accent1">
+              <a:shade val="15000"/>
+            </a:schemeClr>
+          </a:lnRef>
+          <a:fillRef idx="1">
+            <a:schemeClr val="accent1"/>
+          </a:fillRef>
+          <a:effectRef idx="0">
+            <a:schemeClr val="accent1"/>
+          </a:effectRef>
+          <a:fontRef idx="minor">
+            <a:schemeClr val="lt1"/>
+          </a:fontRef>
+        </p:style>
+        <p:txBody>
+          <a:bodyPr rtlCol="0" anchor="ctr"/>
+          <a:lstStyle/>
+          <a:p>
+            <a:pPr algn="ctr"/>
+            <a:endParaRPr lang="ca-ES"/>
+          </a:p>
+        </p:txBody>
+      </p:sp>
+      <p:pic>
+        <p:nvPicPr>
+          <p:cNvPr id="5" name="Imagen 4">
+            <a:extLst>
+              <a:ext uri="{FF2B5EF4-FFF2-40B4-BE49-F238E27FC236}">
+                <a16:creationId xmlns:a16="http://schemas.microsoft.com/office/drawing/2014/main" id="{8807B94A-A501-A346-5A51-E4AA2A8195CB}"/>
+              </a:ext>
+            </a:extLst>
+          </p:cNvPr>
+          <p:cNvPicPr>
+            <a:picLocks noChangeAspect="1"/>
+          </p:cNvPicPr>
+          <p:nvPr/>
+        </p:nvPicPr>
+        <p:blipFill>
+          <a:blip r:embed="rId3"/>
+          <a:stretch>
+            <a:fillRect/>
+          </a:stretch>
+        </p:blipFill>
+        <p:spPr>
+          <a:xfrm>
+            <a:off x="6582038" y="1555308"/>
+            <a:ext cx="5856129" cy="3275310"/>
+          </a:xfrm>
+          <a:prstGeom prst="rect">
+            <a:avLst/>
+          </a:prstGeom>
+          <a:ln w="228600" cap="sq" cmpd="thickThin">
+            <a:solidFill>
+              <a:srgbClr val="000000"/>
+            </a:solidFill>
+            <a:prstDash val="solid"/>
+            <a:miter lim="800000"/>
+          </a:ln>
+          <a:effectLst>
+            <a:innerShdw blurRad="76200">
+              <a:srgbClr val="000000"/>
+            </a:innerShdw>
+          </a:effectLst>
+          <a:scene3d>
+            <a:camera prst="isometricLeftDown"/>
+            <a:lightRig rig="threePt" dir="t"/>
+          </a:scene3d>
+        </p:spPr>
+      </p:pic>
+      <p:pic>
+        <p:nvPicPr>
+          <p:cNvPr id="6" name="Imagen 5" descr="Un dibujo de una persona&#10;&#10;Descripción generada automáticamente con confianza baja">
+            <a:extLst>
+              <a:ext uri="{FF2B5EF4-FFF2-40B4-BE49-F238E27FC236}">
+                <a16:creationId xmlns:a16="http://schemas.microsoft.com/office/drawing/2014/main" id="{7E5F73BA-198B-4CAC-B574-682F02B28F02}"/>
+              </a:ext>
+            </a:extLst>
+          </p:cNvPr>
+          <p:cNvPicPr>
+            <a:picLocks noChangeAspect="1"/>
+          </p:cNvPicPr>
+          <p:nvPr/>
+        </p:nvPicPr>
+        <p:blipFill>
+          <a:blip r:embed="rId4">
+            <a:extLst>
+              <a:ext uri="{28A0092B-C50C-407E-A947-70E740481C1C}">
+                <a14:useLocalDpi xmlns:a14="http://schemas.microsoft.com/office/drawing/2010/main" val="0"/>
+              </a:ext>
+            </a:extLst>
+          </a:blip>
+          <a:stretch>
+            <a:fillRect/>
+          </a:stretch>
+        </p:blipFill>
+        <p:spPr>
+          <a:xfrm>
+            <a:off x="775323" y="-353805"/>
+            <a:ext cx="7402690" cy="7402690"/>
+          </a:xfrm>
+          <a:prstGeom prst="rect">
+            <a:avLst/>
+          </a:prstGeom>
+        </p:spPr>
+      </p:pic>
+      <p:pic>
+        <p:nvPicPr>
+          <p:cNvPr id="4" name="Imagen 3" descr="Un dibujo de una persona&#10;&#10;Descripción generada automáticamente con confianza baja">
+            <a:extLst>
+              <a:ext uri="{FF2B5EF4-FFF2-40B4-BE49-F238E27FC236}">
+                <a16:creationId xmlns:a16="http://schemas.microsoft.com/office/drawing/2014/main" id="{6A825854-D0ED-5532-C422-427E51AF1F6A}"/>
+              </a:ext>
+            </a:extLst>
+          </p:cNvPr>
+          <p:cNvPicPr>
+            <a:picLocks noChangeAspect="1"/>
+          </p:cNvPicPr>
+          <p:nvPr/>
+        </p:nvPicPr>
+        <p:blipFill>
+          <a:blip r:embed="rId4">
+            <a:extLst>
+              <a:ext uri="{28A0092B-C50C-407E-A947-70E740481C1C}">
+                <a14:useLocalDpi xmlns:a14="http://schemas.microsoft.com/office/drawing/2010/main" val="0"/>
+              </a:ext>
+            </a:extLst>
+          </a:blip>
+          <a:stretch>
+            <a:fillRect/>
+          </a:stretch>
+        </p:blipFill>
+        <p:spPr>
+          <a:xfrm>
+            <a:off x="3342427" y="-145112"/>
+            <a:ext cx="7402690" cy="7402690"/>
+          </a:xfrm>
+          <a:prstGeom prst="rect">
+            <a:avLst/>
+          </a:prstGeom>
+        </p:spPr>
+      </p:pic>
+    </p:spTree>
+    <p:extLst>
+      <p:ext uri="{BB962C8B-B14F-4D97-AF65-F5344CB8AC3E}">
+        <p14:creationId xmlns:p14="http://schemas.microsoft.com/office/powerpoint/2010/main" val="1161561249"/>
+      </p:ext>
+    </p:extLst>
+  </p:cSld>
+  <p:clrMapOvr>
+    <a:masterClrMapping/>
+  </p:clrMapOvr>
+</p:sld>
+</file>
+
+<file path=ppt/slides/slide31.xml><?xml version="1.0" encoding="utf-8"?>
+<p:sld xmlns:a="http://schemas.openxmlformats.org/drawingml/2006/main" xmlns:r="http://schemas.openxmlformats.org/officeDocument/2006/relationships" xmlns:p="http://schemas.openxmlformats.org/presentationml/2006/main">
+  <p:cSld>
+    <p:spTree>
+      <p:nvGrpSpPr>
+        <p:cNvPr id="1" name="">
+          <a:extLst>
+            <a:ext uri="{FF2B5EF4-FFF2-40B4-BE49-F238E27FC236}">
+              <a16:creationId xmlns:a16="http://schemas.microsoft.com/office/drawing/2014/main" id="{A0F0560F-03A0-F6DC-690F-EE703815263B}"/>
+            </a:ext>
+          </a:extLst>
+        </p:cNvPr>
+        <p:cNvGrpSpPr/>
+        <p:nvPr/>
+      </p:nvGrpSpPr>
+      <p:grpSpPr>
+        <a:xfrm>
+          <a:off x="0" y="0"/>
+          <a:ext cx="0" cy="0"/>
+          <a:chOff x="0" y="0"/>
+          <a:chExt cx="0" cy="0"/>
+        </a:xfrm>
+      </p:grpSpPr>
+      <p:sp>
+        <p:nvSpPr>
+          <p:cNvPr id="2" name="Título 1">
+            <a:extLst>
+              <a:ext uri="{FF2B5EF4-FFF2-40B4-BE49-F238E27FC236}">
+                <a16:creationId xmlns:a16="http://schemas.microsoft.com/office/drawing/2014/main" id="{9CEAC344-7FC0-9258-36ED-CB86A83CBB61}"/>
+              </a:ext>
+            </a:extLst>
+          </p:cNvPr>
+          <p:cNvSpPr>
+            <a:spLocks noGrp="1"/>
+          </p:cNvSpPr>
+          <p:nvPr>
+            <p:ph type="ctrTitle"/>
+          </p:nvPr>
+        </p:nvSpPr>
+        <p:spPr>
+          <a:xfrm>
+            <a:off x="282866" y="2803470"/>
+            <a:ext cx="4243978" cy="1505526"/>
+          </a:xfrm>
+        </p:spPr>
+        <p:txBody>
+          <a:bodyPr>
+            <a:noAutofit/>
+          </a:bodyPr>
+          <a:lstStyle/>
+          <a:p>
+            <a:r>
+              <a:rPr lang="es-ES" sz="4800" dirty="0">
+                <a:latin typeface="Aharoni" panose="02010803020104030203" pitchFamily="2" charset="-79"/>
+                <a:cs typeface="Aharoni" panose="02010803020104030203" pitchFamily="2" charset="-79"/>
+              </a:rPr>
+              <a:t>PERQUÈ LOGARÍTMIC?</a:t>
+            </a:r>
+            <a:endParaRPr lang="ca-ES" sz="4800" dirty="0">
+              <a:latin typeface="Aharoni" panose="02010803020104030203" pitchFamily="2" charset="-79"/>
+              <a:cs typeface="Aharoni" panose="02010803020104030203" pitchFamily="2" charset="-79"/>
+            </a:endParaRPr>
+          </a:p>
+        </p:txBody>
+      </p:sp>
+      <p:sp>
+        <p:nvSpPr>
+          <p:cNvPr id="3" name="Flecha: a la derecha 2">
+            <a:extLst>
+              <a:ext uri="{FF2B5EF4-FFF2-40B4-BE49-F238E27FC236}">
+                <a16:creationId xmlns:a16="http://schemas.microsoft.com/office/drawing/2014/main" id="{B7DBF559-AE00-0E49-B571-AE3F928C5292}"/>
+              </a:ext>
+            </a:extLst>
+          </p:cNvPr>
+          <p:cNvSpPr/>
+          <p:nvPr/>
+        </p:nvSpPr>
+        <p:spPr>
+          <a:xfrm>
+            <a:off x="4526844" y="2424312"/>
+            <a:ext cx="2701637" cy="2009375"/>
+          </a:xfrm>
+          <a:custGeom>
+            <a:avLst/>
+            <a:gdLst>
+              <a:gd name="connsiteX0" fmla="*/ 0 w 2701637"/>
+              <a:gd name="connsiteY0" fmla="*/ 502344 h 2009375"/>
+              <a:gd name="connsiteX1" fmla="*/ 582620 w 2701637"/>
+              <a:gd name="connsiteY1" fmla="*/ 502344 h 2009375"/>
+              <a:gd name="connsiteX2" fmla="*/ 1131300 w 2701637"/>
+              <a:gd name="connsiteY2" fmla="*/ 502344 h 2009375"/>
+              <a:gd name="connsiteX3" fmla="*/ 1696950 w 2701637"/>
+              <a:gd name="connsiteY3" fmla="*/ 502344 h 2009375"/>
+              <a:gd name="connsiteX4" fmla="*/ 1696950 w 2701637"/>
+              <a:gd name="connsiteY4" fmla="*/ 0 h 2009375"/>
+              <a:gd name="connsiteX5" fmla="*/ 2041893 w 2701637"/>
+              <a:gd name="connsiteY5" fmla="*/ 344943 h 2009375"/>
+              <a:gd name="connsiteX6" fmla="*/ 2376788 w 2701637"/>
+              <a:gd name="connsiteY6" fmla="*/ 679839 h 2009375"/>
+              <a:gd name="connsiteX7" fmla="*/ 2701637 w 2701637"/>
+              <a:gd name="connsiteY7" fmla="*/ 1004688 h 2009375"/>
+              <a:gd name="connsiteX8" fmla="*/ 2346648 w 2701637"/>
+              <a:gd name="connsiteY8" fmla="*/ 1359677 h 2009375"/>
+              <a:gd name="connsiteX9" fmla="*/ 2011752 w 2701637"/>
+              <a:gd name="connsiteY9" fmla="*/ 1694573 h 2009375"/>
+              <a:gd name="connsiteX10" fmla="*/ 1696950 w 2701637"/>
+              <a:gd name="connsiteY10" fmla="*/ 2009375 h 2009375"/>
+              <a:gd name="connsiteX11" fmla="*/ 1696950 w 2701637"/>
+              <a:gd name="connsiteY11" fmla="*/ 1507031 h 2009375"/>
+              <a:gd name="connsiteX12" fmla="*/ 1114331 w 2701637"/>
+              <a:gd name="connsiteY12" fmla="*/ 1507031 h 2009375"/>
+              <a:gd name="connsiteX13" fmla="*/ 514742 w 2701637"/>
+              <a:gd name="connsiteY13" fmla="*/ 1507031 h 2009375"/>
+              <a:gd name="connsiteX14" fmla="*/ 0 w 2701637"/>
+              <a:gd name="connsiteY14" fmla="*/ 1507031 h 2009375"/>
+              <a:gd name="connsiteX15" fmla="*/ 0 w 2701637"/>
+              <a:gd name="connsiteY15" fmla="*/ 1004688 h 2009375"/>
+              <a:gd name="connsiteX16" fmla="*/ 0 w 2701637"/>
+              <a:gd name="connsiteY16" fmla="*/ 502344 h 2009375"/>
+            </a:gdLst>
+            <a:ahLst/>
+            <a:cxnLst>
+              <a:cxn ang="0">
+                <a:pos x="connsiteX0" y="connsiteY0"/>
+              </a:cxn>
+              <a:cxn ang="0">
+                <a:pos x="connsiteX1" y="connsiteY1"/>
+              </a:cxn>
+              <a:cxn ang="0">
+                <a:pos x="connsiteX2" y="connsiteY2"/>
+              </a:cxn>
+              <a:cxn ang="0">
+                <a:pos x="connsiteX3" y="connsiteY3"/>
+              </a:cxn>
+              <a:cxn ang="0">
+                <a:pos x="connsiteX4" y="connsiteY4"/>
+              </a:cxn>
+              <a:cxn ang="0">
+                <a:pos x="connsiteX5" y="connsiteY5"/>
+              </a:cxn>
+              <a:cxn ang="0">
+                <a:pos x="connsiteX6" y="connsiteY6"/>
+              </a:cxn>
+              <a:cxn ang="0">
+                <a:pos x="connsiteX7" y="connsiteY7"/>
+              </a:cxn>
+              <a:cxn ang="0">
+                <a:pos x="connsiteX8" y="connsiteY8"/>
+              </a:cxn>
+              <a:cxn ang="0">
+                <a:pos x="connsiteX9" y="connsiteY9"/>
+              </a:cxn>
+              <a:cxn ang="0">
+                <a:pos x="connsiteX10" y="connsiteY10"/>
+              </a:cxn>
+              <a:cxn ang="0">
+                <a:pos x="connsiteX11" y="connsiteY11"/>
+              </a:cxn>
+              <a:cxn ang="0">
+                <a:pos x="connsiteX12" y="connsiteY12"/>
+              </a:cxn>
+              <a:cxn ang="0">
+                <a:pos x="connsiteX13" y="connsiteY13"/>
+              </a:cxn>
+              <a:cxn ang="0">
+                <a:pos x="connsiteX14" y="connsiteY14"/>
+              </a:cxn>
+              <a:cxn ang="0">
+                <a:pos x="connsiteX15" y="connsiteY15"/>
+              </a:cxn>
+              <a:cxn ang="0">
+                <a:pos x="connsiteX16" y="connsiteY16"/>
+              </a:cxn>
+            </a:cxnLst>
+            <a:rect l="l" t="t" r="r" b="b"/>
+            <a:pathLst>
+              <a:path w="2701637" h="2009375" fill="none" extrusionOk="0">
+                <a:moveTo>
+                  <a:pt x="0" y="502344"/>
+                </a:moveTo>
+                <a:cubicBezTo>
+                  <a:pt x="125272" y="501688"/>
+                  <a:pt x="300498" y="536806"/>
+                  <a:pt x="582620" y="502344"/>
+                </a:cubicBezTo>
+                <a:cubicBezTo>
+                  <a:pt x="864742" y="467882"/>
+                  <a:pt x="951025" y="509106"/>
+                  <a:pt x="1131300" y="502344"/>
+                </a:cubicBezTo>
+                <a:cubicBezTo>
+                  <a:pt x="1311575" y="495582"/>
+                  <a:pt x="1556201" y="524949"/>
+                  <a:pt x="1696950" y="502344"/>
+                </a:cubicBezTo>
+                <a:cubicBezTo>
+                  <a:pt x="1675802" y="285357"/>
+                  <a:pt x="1755376" y="137767"/>
+                  <a:pt x="1696950" y="0"/>
+                </a:cubicBezTo>
+                <a:cubicBezTo>
+                  <a:pt x="1838708" y="98185"/>
+                  <a:pt x="1894260" y="279693"/>
+                  <a:pt x="2041893" y="344943"/>
+                </a:cubicBezTo>
+                <a:cubicBezTo>
+                  <a:pt x="2189526" y="410193"/>
+                  <a:pt x="2246768" y="587878"/>
+                  <a:pt x="2376788" y="679839"/>
+                </a:cubicBezTo>
+                <a:cubicBezTo>
+                  <a:pt x="2506808" y="771800"/>
+                  <a:pt x="2587874" y="956709"/>
+                  <a:pt x="2701637" y="1004688"/>
+                </a:cubicBezTo>
+                <a:cubicBezTo>
+                  <a:pt x="2578442" y="1180720"/>
+                  <a:pt x="2497474" y="1177143"/>
+                  <a:pt x="2346648" y="1359677"/>
+                </a:cubicBezTo>
+                <a:cubicBezTo>
+                  <a:pt x="2195822" y="1542211"/>
+                  <a:pt x="2161395" y="1538309"/>
+                  <a:pt x="2011752" y="1694573"/>
+                </a:cubicBezTo>
+                <a:cubicBezTo>
+                  <a:pt x="1862109" y="1850837"/>
+                  <a:pt x="1772244" y="1908234"/>
+                  <a:pt x="1696950" y="2009375"/>
+                </a:cubicBezTo>
+                <a:cubicBezTo>
+                  <a:pt x="1664251" y="1899397"/>
+                  <a:pt x="1747411" y="1726135"/>
+                  <a:pt x="1696950" y="1507031"/>
+                </a:cubicBezTo>
+                <a:cubicBezTo>
+                  <a:pt x="1473671" y="1555206"/>
+                  <a:pt x="1404131" y="1487846"/>
+                  <a:pt x="1114331" y="1507031"/>
+                </a:cubicBezTo>
+                <a:cubicBezTo>
+                  <a:pt x="824531" y="1526216"/>
+                  <a:pt x="727141" y="1474831"/>
+                  <a:pt x="514742" y="1507031"/>
+                </a:cubicBezTo>
+                <a:cubicBezTo>
+                  <a:pt x="302343" y="1539231"/>
+                  <a:pt x="123531" y="1491886"/>
+                  <a:pt x="0" y="1507031"/>
+                </a:cubicBezTo>
+                <a:cubicBezTo>
+                  <a:pt x="-31413" y="1334243"/>
+                  <a:pt x="56535" y="1162410"/>
+                  <a:pt x="0" y="1004688"/>
+                </a:cubicBezTo>
+                <a:cubicBezTo>
+                  <a:pt x="-56535" y="846966"/>
+                  <a:pt x="32159" y="721355"/>
+                  <a:pt x="0" y="502344"/>
+                </a:cubicBezTo>
+                <a:close/>
+              </a:path>
+              <a:path w="2701637" h="2009375" stroke="0" extrusionOk="0">
+                <a:moveTo>
+                  <a:pt x="0" y="502344"/>
+                </a:moveTo>
+                <a:cubicBezTo>
+                  <a:pt x="159567" y="499043"/>
+                  <a:pt x="348698" y="572934"/>
+                  <a:pt x="599589" y="502344"/>
+                </a:cubicBezTo>
+                <a:cubicBezTo>
+                  <a:pt x="850480" y="431754"/>
+                  <a:pt x="902264" y="539347"/>
+                  <a:pt x="1165239" y="502344"/>
+                </a:cubicBezTo>
+                <a:cubicBezTo>
+                  <a:pt x="1428214" y="465341"/>
+                  <a:pt x="1585727" y="539357"/>
+                  <a:pt x="1696950" y="502344"/>
+                </a:cubicBezTo>
+                <a:cubicBezTo>
+                  <a:pt x="1637538" y="321518"/>
+                  <a:pt x="1700712" y="192346"/>
+                  <a:pt x="1696950" y="0"/>
+                </a:cubicBezTo>
+                <a:cubicBezTo>
+                  <a:pt x="1882128" y="161926"/>
+                  <a:pt x="1918659" y="241539"/>
+                  <a:pt x="2051939" y="354990"/>
+                </a:cubicBezTo>
+                <a:cubicBezTo>
+                  <a:pt x="2185219" y="468441"/>
+                  <a:pt x="2243452" y="598816"/>
+                  <a:pt x="2386835" y="689886"/>
+                </a:cubicBezTo>
+                <a:cubicBezTo>
+                  <a:pt x="2530218" y="780956"/>
+                  <a:pt x="2620220" y="932116"/>
+                  <a:pt x="2701637" y="1004688"/>
+                </a:cubicBezTo>
+                <a:cubicBezTo>
+                  <a:pt x="2614774" y="1097337"/>
+                  <a:pt x="2432675" y="1216224"/>
+                  <a:pt x="2396882" y="1309443"/>
+                </a:cubicBezTo>
+                <a:cubicBezTo>
+                  <a:pt x="2361089" y="1402662"/>
+                  <a:pt x="2092225" y="1570419"/>
+                  <a:pt x="2041893" y="1664432"/>
+                </a:cubicBezTo>
+                <a:cubicBezTo>
+                  <a:pt x="1991561" y="1758445"/>
+                  <a:pt x="1799339" y="1828399"/>
+                  <a:pt x="1696950" y="2009375"/>
+                </a:cubicBezTo>
+                <a:cubicBezTo>
+                  <a:pt x="1676239" y="1785882"/>
+                  <a:pt x="1741037" y="1719429"/>
+                  <a:pt x="1696950" y="1507031"/>
+                </a:cubicBezTo>
+                <a:cubicBezTo>
+                  <a:pt x="1524470" y="1541337"/>
+                  <a:pt x="1364689" y="1502377"/>
+                  <a:pt x="1182209" y="1507031"/>
+                </a:cubicBezTo>
+                <a:cubicBezTo>
+                  <a:pt x="999729" y="1511685"/>
+                  <a:pt x="763812" y="1461227"/>
+                  <a:pt x="616558" y="1507031"/>
+                </a:cubicBezTo>
+                <a:cubicBezTo>
+                  <a:pt x="469304" y="1552835"/>
+                  <a:pt x="198461" y="1455225"/>
+                  <a:pt x="0" y="1507031"/>
+                </a:cubicBezTo>
+                <a:cubicBezTo>
+                  <a:pt x="-34180" y="1292809"/>
+                  <a:pt x="57804" y="1209289"/>
+                  <a:pt x="0" y="1004688"/>
+                </a:cubicBezTo>
+                <a:cubicBezTo>
+                  <a:pt x="-57804" y="800087"/>
+                  <a:pt x="21919" y="742995"/>
+                  <a:pt x="0" y="502344"/>
+                </a:cubicBezTo>
+                <a:close/>
+              </a:path>
+            </a:pathLst>
+          </a:custGeom>
+          <a:ln w="76200">
+            <a:extLst>
+              <a:ext uri="{C807C97D-BFC1-408E-A445-0C87EB9F89A2}">
+                <ask:lineSketchStyleProps xmlns:ask="http://schemas.microsoft.com/office/drawing/2018/sketchyshapes" sd="3810893639">
+                  <a:prstGeom prst="rightArrow">
+                    <a:avLst/>
+                  </a:prstGeom>
+                  <ask:type>
+                    <ask:lineSketchScribble/>
+                  </ask:type>
+                </ask:lineSketchStyleProps>
+              </a:ext>
+            </a:extLst>
+          </a:ln>
+          <a:scene3d>
+            <a:camera prst="perspectiveContrastingRightFacing"/>
+            <a:lightRig rig="threePt" dir="t"/>
+          </a:scene3d>
+        </p:spPr>
+        <p:style>
+          <a:lnRef idx="2">
+            <a:schemeClr val="accent1">
+              <a:shade val="15000"/>
+            </a:schemeClr>
+          </a:lnRef>
+          <a:fillRef idx="1">
+            <a:schemeClr val="accent1"/>
+          </a:fillRef>
+          <a:effectRef idx="0">
+            <a:schemeClr val="accent1"/>
+          </a:effectRef>
+          <a:fontRef idx="minor">
+            <a:schemeClr val="lt1"/>
+          </a:fontRef>
+        </p:style>
+        <p:txBody>
+          <a:bodyPr rtlCol="0" anchor="ctr"/>
+          <a:lstStyle/>
+          <a:p>
+            <a:pPr algn="ctr"/>
+            <a:endParaRPr lang="ca-ES"/>
+          </a:p>
+        </p:txBody>
+      </p:sp>
+      <p:pic>
+        <p:nvPicPr>
+          <p:cNvPr id="5" name="Imagen 4">
+            <a:extLst>
+              <a:ext uri="{FF2B5EF4-FFF2-40B4-BE49-F238E27FC236}">
+                <a16:creationId xmlns:a16="http://schemas.microsoft.com/office/drawing/2014/main" id="{C0912D38-0147-53CB-CC47-6D6EE480D98D}"/>
+              </a:ext>
+            </a:extLst>
+          </p:cNvPr>
+          <p:cNvPicPr>
+            <a:picLocks noChangeAspect="1"/>
+          </p:cNvPicPr>
+          <p:nvPr/>
+        </p:nvPicPr>
+        <p:blipFill>
+          <a:blip r:embed="rId3"/>
+          <a:stretch>
+            <a:fillRect/>
+          </a:stretch>
+        </p:blipFill>
+        <p:spPr>
+          <a:xfrm>
+            <a:off x="6582038" y="1555308"/>
+            <a:ext cx="5856129" cy="3275310"/>
+          </a:xfrm>
+          <a:prstGeom prst="rect">
+            <a:avLst/>
+          </a:prstGeom>
+          <a:ln w="228600" cap="sq" cmpd="thickThin">
+            <a:solidFill>
+              <a:srgbClr val="000000"/>
+            </a:solidFill>
+            <a:prstDash val="solid"/>
+            <a:miter lim="800000"/>
+          </a:ln>
+          <a:effectLst>
+            <a:innerShdw blurRad="76200">
+              <a:srgbClr val="000000"/>
+            </a:innerShdw>
+          </a:effectLst>
+          <a:scene3d>
+            <a:camera prst="isometricLeftDown"/>
+            <a:lightRig rig="threePt" dir="t"/>
+          </a:scene3d>
+        </p:spPr>
+      </p:pic>
+      <p:pic>
+        <p:nvPicPr>
+          <p:cNvPr id="4" name="Picture 2" descr="Signo de interrogación rojo 3d - Descargar PNG/SVG transparente">
+            <a:extLst>
+              <a:ext uri="{FF2B5EF4-FFF2-40B4-BE49-F238E27FC236}">
+                <a16:creationId xmlns:a16="http://schemas.microsoft.com/office/drawing/2014/main" id="{6DBEA4DD-3DFC-9961-E21E-92986D366B03}"/>
+              </a:ext>
+            </a:extLst>
+          </p:cNvPr>
+          <p:cNvPicPr>
+            <a:picLocks noChangeAspect="1" noChangeArrowheads="1"/>
+          </p:cNvPicPr>
+          <p:nvPr/>
+        </p:nvPicPr>
+        <p:blipFill>
+          <a:blip r:embed="rId4">
+            <a:extLst>
+              <a:ext uri="{28A0092B-C50C-407E-A947-70E740481C1C}">
+                <a14:useLocalDpi xmlns:a14="http://schemas.microsoft.com/office/drawing/2010/main" val="0"/>
+              </a:ext>
+            </a:extLst>
+          </a:blip>
+          <a:srcRect/>
+          <a:stretch>
+            <a:fillRect/>
+          </a:stretch>
+        </p:blipFill>
+        <p:spPr bwMode="auto">
+          <a:xfrm>
+            <a:off x="5150556" y="2956278"/>
+            <a:ext cx="945444" cy="945444"/>
+          </a:xfrm>
+          <a:prstGeom prst="rect">
+            <a:avLst/>
+          </a:prstGeom>
+          <a:noFill/>
+          <a:scene3d>
+            <a:camera prst="perspectiveHeroicExtremeRightFacing"/>
+            <a:lightRig rig="threePt" dir="t"/>
+          </a:scene3d>
+          <a:extLst>
+            <a:ext uri="{909E8E84-426E-40DD-AFC4-6F175D3DCCD1}">
+              <a14:hiddenFill xmlns:a14="http://schemas.microsoft.com/office/drawing/2010/main">
+                <a:solidFill>
+                  <a:srgbClr val="FFFFFF"/>
+                </a:solidFill>
+              </a14:hiddenFill>
+            </a:ext>
+          </a:extLst>
+        </p:spPr>
+      </p:pic>
+    </p:spTree>
+    <p:extLst>
+      <p:ext uri="{BB962C8B-B14F-4D97-AF65-F5344CB8AC3E}">
+        <p14:creationId xmlns:p14="http://schemas.microsoft.com/office/powerpoint/2010/main" val="1530828141"/>
+      </p:ext>
+    </p:extLst>
+  </p:cSld>
+  <p:clrMapOvr>
+    <a:masterClrMapping/>
+  </p:clrMapOvr>
+</p:sld>
+</file>
+
+<file path=ppt/slides/slide32.xml><?xml version="1.0" encoding="utf-8"?>
+<p:sld xmlns:a="http://schemas.openxmlformats.org/drawingml/2006/main" xmlns:r="http://schemas.openxmlformats.org/officeDocument/2006/relationships" xmlns:p="http://schemas.openxmlformats.org/presentationml/2006/main">
+  <p:cSld>
+    <p:spTree>
+      <p:nvGrpSpPr>
+        <p:cNvPr id="1" name="">
+          <a:extLst>
+            <a:ext uri="{FF2B5EF4-FFF2-40B4-BE49-F238E27FC236}">
+              <a16:creationId xmlns:a16="http://schemas.microsoft.com/office/drawing/2014/main" id="{15DA6BE6-626B-BF5D-F406-97A32E36B384}"/>
+            </a:ext>
+          </a:extLst>
+        </p:cNvPr>
+        <p:cNvGrpSpPr/>
+        <p:nvPr/>
+      </p:nvGrpSpPr>
+      <p:grpSpPr>
+        <a:xfrm>
+          <a:off x="0" y="0"/>
+          <a:ext cx="0" cy="0"/>
+          <a:chOff x="0" y="0"/>
+          <a:chExt cx="0" cy="0"/>
+        </a:xfrm>
+      </p:grpSpPr>
+      <p:pic>
+        <p:nvPicPr>
+          <p:cNvPr id="7" name="Imagen 6" descr="Interfaz de usuario gráfica, Aplicación, Correo electrónico&#10;&#10;Descripción generada automáticamente">
+            <a:extLst>
+              <a:ext uri="{FF2B5EF4-FFF2-40B4-BE49-F238E27FC236}">
+                <a16:creationId xmlns:a16="http://schemas.microsoft.com/office/drawing/2014/main" id="{2B4B0AAF-D091-95A3-1C62-8E5B428AAC6B}"/>
+              </a:ext>
+            </a:extLst>
+          </p:cNvPr>
+          <p:cNvPicPr>
+            <a:picLocks noChangeAspect="1"/>
+          </p:cNvPicPr>
+          <p:nvPr/>
+        </p:nvPicPr>
+        <p:blipFill>
+          <a:blip r:embed="rId3">
+            <a:extLst>
+              <a:ext uri="{28A0092B-C50C-407E-A947-70E740481C1C}">
+                <a14:useLocalDpi xmlns:a14="http://schemas.microsoft.com/office/drawing/2010/main" val="0"/>
+              </a:ext>
+            </a:extLst>
+          </a:blip>
+          <a:srcRect l="5337" b="12846"/>
+          <a:stretch/>
+        </p:blipFill>
+        <p:spPr>
+          <a:xfrm>
+            <a:off x="1571228" y="1118223"/>
+            <a:ext cx="10354271" cy="3453142"/>
+          </a:xfrm>
+          <a:prstGeom prst="rect">
+            <a:avLst/>
+          </a:prstGeom>
+        </p:spPr>
+      </p:pic>
+      <p:sp>
+        <p:nvSpPr>
+          <p:cNvPr id="11" name="Rectángulo: esquinas redondeadas 10">
+            <a:extLst>
+              <a:ext uri="{FF2B5EF4-FFF2-40B4-BE49-F238E27FC236}">
+                <a16:creationId xmlns:a16="http://schemas.microsoft.com/office/drawing/2014/main" id="{AA263835-2A83-2F28-3242-4C389F952841}"/>
+              </a:ext>
+            </a:extLst>
+          </p:cNvPr>
+          <p:cNvSpPr/>
+          <p:nvPr/>
+        </p:nvSpPr>
+        <p:spPr>
+          <a:xfrm>
+            <a:off x="99654" y="2367838"/>
+            <a:ext cx="1277590" cy="476956"/>
+          </a:xfrm>
+          <a:prstGeom prst="roundRect">
+            <a:avLst/>
+          </a:prstGeom>
+          <a:effectLst>
+            <a:innerShdw blurRad="63500" dist="50800" dir="18900000">
+              <a:prstClr val="black">
+                <a:alpha val="50000"/>
+              </a:prstClr>
+            </a:innerShdw>
+          </a:effectLst>
+        </p:spPr>
+        <p:style>
+          <a:lnRef idx="2">
+            <a:schemeClr val="accent4">
+              <a:shade val="15000"/>
+            </a:schemeClr>
+          </a:lnRef>
+          <a:fillRef idx="1">
+            <a:schemeClr val="accent4"/>
+          </a:fillRef>
+          <a:effectRef idx="0">
+            <a:schemeClr val="accent4"/>
+          </a:effectRef>
+          <a:fontRef idx="minor">
+            <a:schemeClr val="lt1"/>
+          </a:fontRef>
+        </p:style>
+        <p:txBody>
+          <a:bodyPr rtlCol="0" anchor="ctr"/>
+          <a:lstStyle/>
+          <a:p>
+            <a:pPr algn="ctr"/>
+            <a:r>
+              <a:rPr lang="es-ES" sz="2000" dirty="0">
+                <a:latin typeface="ADLaM Display" panose="020F0502020204030204" pitchFamily="2" charset="0"/>
+                <a:ea typeface="ADLaM Display" panose="020F0502020204030204" pitchFamily="2" charset="0"/>
+                <a:cs typeface="ADLaM Display" panose="020F0502020204030204" pitchFamily="2" charset="0"/>
+              </a:rPr>
+              <a:t>FITNESS</a:t>
+            </a:r>
+            <a:r>
+              <a:rPr lang="es-ES" sz="2000" dirty="0"/>
+              <a:t> </a:t>
+            </a:r>
+            <a:endParaRPr lang="ca-ES" sz="2000" dirty="0"/>
+          </a:p>
+        </p:txBody>
+      </p:sp>
+      <p:sp>
+        <p:nvSpPr>
+          <p:cNvPr id="12" name="Rectángulo: esquinas redondeadas 11">
+            <a:extLst>
+              <a:ext uri="{FF2B5EF4-FFF2-40B4-BE49-F238E27FC236}">
+                <a16:creationId xmlns:a16="http://schemas.microsoft.com/office/drawing/2014/main" id="{A7A497E4-EE5B-BD6C-B5AE-B5FCF6B3ECDC}"/>
+              </a:ext>
+            </a:extLst>
+          </p:cNvPr>
+          <p:cNvSpPr/>
+          <p:nvPr/>
+        </p:nvSpPr>
+        <p:spPr>
+          <a:xfrm>
+            <a:off x="5736068" y="4699113"/>
+            <a:ext cx="2024592" cy="426036"/>
+          </a:xfrm>
+          <a:prstGeom prst="roundRect">
+            <a:avLst/>
+          </a:prstGeom>
+          <a:effectLst>
+            <a:innerShdw blurRad="63500" dist="50800" dir="18900000">
+              <a:prstClr val="black">
+                <a:alpha val="50000"/>
+              </a:prstClr>
+            </a:innerShdw>
+          </a:effectLst>
+        </p:spPr>
+        <p:style>
+          <a:lnRef idx="2">
+            <a:schemeClr val="accent4">
+              <a:shade val="15000"/>
+            </a:schemeClr>
+          </a:lnRef>
+          <a:fillRef idx="1">
+            <a:schemeClr val="accent4"/>
+          </a:fillRef>
+          <a:effectRef idx="0">
+            <a:schemeClr val="accent4"/>
+          </a:effectRef>
+          <a:fontRef idx="minor">
+            <a:schemeClr val="lt1"/>
+          </a:fontRef>
+        </p:style>
+        <p:txBody>
+          <a:bodyPr rtlCol="0" anchor="ctr"/>
+          <a:lstStyle/>
+          <a:p>
+            <a:pPr algn="ctr"/>
+            <a:r>
+              <a:rPr lang="es-ES" dirty="0">
+                <a:latin typeface="ADLaM Display" panose="020F0502020204030204" pitchFamily="2" charset="0"/>
+                <a:ea typeface="ADLaM Display" panose="020F0502020204030204" pitchFamily="2" charset="0"/>
+                <a:cs typeface="ADLaM Display" panose="020F0502020204030204" pitchFamily="2" charset="0"/>
+              </a:rPr>
+              <a:t>GENERACIONS</a:t>
+            </a:r>
+            <a:r>
+              <a:rPr lang="es-ES" dirty="0"/>
+              <a:t> </a:t>
+            </a:r>
+            <a:endParaRPr lang="ca-ES" dirty="0"/>
+          </a:p>
+        </p:txBody>
+      </p:sp>
+      <p:sp>
+        <p:nvSpPr>
+          <p:cNvPr id="5" name="Título 1">
+            <a:extLst>
+              <a:ext uri="{FF2B5EF4-FFF2-40B4-BE49-F238E27FC236}">
+                <a16:creationId xmlns:a16="http://schemas.microsoft.com/office/drawing/2014/main" id="{9CEAC344-7FC0-9258-36ED-CB86A83CBB61}"/>
+              </a:ext>
+            </a:extLst>
+          </p:cNvPr>
+          <p:cNvSpPr>
+            <a:spLocks noGrp="1"/>
+          </p:cNvSpPr>
+          <p:nvPr/>
+        </p:nvSpPr>
+        <p:spPr>
+          <a:xfrm>
+            <a:off x="2720783" y="181393"/>
+            <a:ext cx="6750433" cy="752763"/>
+          </a:xfrm>
+          <a:prstGeom prst="rect">
+            <a:avLst/>
+          </a:prstGeom>
+        </p:spPr>
+        <p:txBody>
+          <a:bodyPr vert="horz" lIns="91440" tIns="45720" rIns="91440" bIns="45720" rtlCol="0" anchor="b">
+            <a:noAutofit/>
+          </a:bodyPr>
+          <a:lstStyle>
+            <a:lvl1pPr algn="ctr" defTabSz="914400" rtl="0" eaLnBrk="1" latinLnBrk="0" hangingPunct="1">
+              <a:lnSpc>
+                <a:spcPct val="90000"/>
+              </a:lnSpc>
+              <a:spcBef>
+                <a:spcPct val="0"/>
+              </a:spcBef>
+              <a:buNone/>
+              <a:defRPr sz="6000" kern="1200">
+                <a:solidFill>
+                  <a:schemeClr val="tx1"/>
+                </a:solidFill>
+                <a:latin typeface="+mj-lt"/>
+                <a:ea typeface="+mj-ea"/>
+                <a:cs typeface="+mj-cs"/>
+              </a:defRPr>
+            </a:lvl1pPr>
+          </a:lstStyle>
+          <a:p>
+            <a:r>
+              <a:rPr lang="es-ES" sz="4800" dirty="0">
+                <a:latin typeface="Aharoni" panose="02010803020104030203" pitchFamily="2" charset="-79"/>
+                <a:cs typeface="Aharoni" panose="02010803020104030203" pitchFamily="2" charset="-79"/>
+              </a:rPr>
+              <a:t>PERQUÈ LOGARÍTMIC?</a:t>
+            </a:r>
+            <a:endParaRPr lang="ca-ES" sz="4800" dirty="0">
+              <a:latin typeface="Aharoni" panose="02010803020104030203" pitchFamily="2" charset="-79"/>
+              <a:cs typeface="Aharoni" panose="02010803020104030203" pitchFamily="2" charset="-79"/>
+            </a:endParaRPr>
+          </a:p>
+        </p:txBody>
+      </p:sp>
+      <p:cxnSp>
+        <p:nvCxnSpPr>
+          <p:cNvPr id="8" name="Conector recto de flecha 7">
+            <a:extLst>
+              <a:ext uri="{FF2B5EF4-FFF2-40B4-BE49-F238E27FC236}">
+                <a16:creationId xmlns:a16="http://schemas.microsoft.com/office/drawing/2014/main" id="{892842A5-3EDB-44CF-0970-DEC4FE2E2C9B}"/>
+              </a:ext>
+            </a:extLst>
+          </p:cNvPr>
+          <p:cNvCxnSpPr>
+            <a:cxnSpLocks/>
+            <a:stCxn id="15" idx="0"/>
+          </p:cNvCxnSpPr>
+          <p:nvPr/>
+        </p:nvCxnSpPr>
+        <p:spPr>
+          <a:xfrm flipH="1" flipV="1">
+            <a:off x="3273778" y="3316111"/>
+            <a:ext cx="939602" cy="2077156"/>
+          </a:xfrm>
+          <a:prstGeom prst="straightConnector1">
+            <a:avLst/>
+          </a:prstGeom>
+          <a:ln w="76200">
+            <a:tailEnd type="triangle"/>
+          </a:ln>
+        </p:spPr>
+        <p:style>
+          <a:lnRef idx="2">
+            <a:schemeClr val="accent1"/>
+          </a:lnRef>
+          <a:fillRef idx="0">
+            <a:schemeClr val="accent1"/>
+          </a:fillRef>
+          <a:effectRef idx="1">
+            <a:schemeClr val="accent1"/>
+          </a:effectRef>
+          <a:fontRef idx="minor">
+            <a:schemeClr val="tx1"/>
+          </a:fontRef>
+        </p:style>
+      </p:cxnSp>
+      <p:cxnSp>
+        <p:nvCxnSpPr>
+          <p:cNvPr id="10" name="Conector recto de flecha 9">
+            <a:extLst>
+              <a:ext uri="{FF2B5EF4-FFF2-40B4-BE49-F238E27FC236}">
+                <a16:creationId xmlns:a16="http://schemas.microsoft.com/office/drawing/2014/main" id="{9F1C2999-1680-29F3-EFDA-6CAF49EAE90D}"/>
+              </a:ext>
+            </a:extLst>
+          </p:cNvPr>
+          <p:cNvCxnSpPr>
+            <a:cxnSpLocks/>
+            <a:stCxn id="16" idx="0"/>
+          </p:cNvCxnSpPr>
+          <p:nvPr/>
+        </p:nvCxnSpPr>
+        <p:spPr>
+          <a:xfrm flipH="1" flipV="1">
+            <a:off x="9206089" y="2606316"/>
+            <a:ext cx="795868" cy="2852977"/>
+          </a:xfrm>
+          <a:prstGeom prst="straightConnector1">
+            <a:avLst/>
+          </a:prstGeom>
+          <a:ln w="76200">
+            <a:tailEnd type="triangle"/>
+          </a:ln>
+        </p:spPr>
+        <p:style>
+          <a:lnRef idx="2">
+            <a:schemeClr val="accent1"/>
+          </a:lnRef>
+          <a:fillRef idx="0">
+            <a:schemeClr val="accent1"/>
+          </a:fillRef>
+          <a:effectRef idx="1">
+            <a:schemeClr val="accent1"/>
+          </a:effectRef>
+          <a:fontRef idx="minor">
+            <a:schemeClr val="tx1"/>
+          </a:fontRef>
+        </p:style>
+      </p:cxnSp>
+      <p:sp>
+        <p:nvSpPr>
+          <p:cNvPr id="15" name="CuadroTexto 14">
+            <a:extLst>
+              <a:ext uri="{FF2B5EF4-FFF2-40B4-BE49-F238E27FC236}">
+                <a16:creationId xmlns:a16="http://schemas.microsoft.com/office/drawing/2014/main" id="{A5983DE1-FCD6-DDD7-5E72-24574EF97854}"/>
+              </a:ext>
+            </a:extLst>
+          </p:cNvPr>
+          <p:cNvSpPr txBox="1"/>
+          <p:nvPr/>
+        </p:nvSpPr>
+        <p:spPr>
+          <a:xfrm>
+            <a:off x="2610358" y="5393267"/>
+            <a:ext cx="3206044" cy="830997"/>
+          </a:xfrm>
+          <a:prstGeom prst="rect">
+            <a:avLst/>
+          </a:prstGeom>
+          <a:noFill/>
+        </p:spPr>
+        <p:txBody>
+          <a:bodyPr wrap="square">
+            <a:spAutoFit/>
+          </a:bodyPr>
+          <a:lstStyle/>
+          <a:p>
+            <a:r>
+              <a:rPr lang="ca-ES" sz="2400" dirty="0">
+                <a:latin typeface="ADLaM Display" panose="02010000000000000000" pitchFamily="2" charset="0"/>
+                <a:ea typeface="ADLaM Display" panose="02010000000000000000" pitchFamily="2" charset="0"/>
+                <a:cs typeface="ADLaM Display" panose="02010000000000000000" pitchFamily="2" charset="0"/>
+              </a:rPr>
+              <a:t>Moltes possibilitats de millora</a:t>
+            </a:r>
+          </a:p>
+        </p:txBody>
+      </p:sp>
+      <p:sp>
+        <p:nvSpPr>
+          <p:cNvPr id="16" name="CuadroTexto 15">
+            <a:extLst>
+              <a:ext uri="{FF2B5EF4-FFF2-40B4-BE49-F238E27FC236}">
+                <a16:creationId xmlns:a16="http://schemas.microsoft.com/office/drawing/2014/main" id="{37B8DAAC-9BC1-2738-2020-6353E2ACD203}"/>
+              </a:ext>
+            </a:extLst>
+          </p:cNvPr>
+          <p:cNvSpPr txBox="1"/>
+          <p:nvPr/>
+        </p:nvSpPr>
+        <p:spPr>
+          <a:xfrm>
+            <a:off x="8398935" y="5459293"/>
+            <a:ext cx="3206044" cy="1200329"/>
+          </a:xfrm>
+          <a:prstGeom prst="rect">
+            <a:avLst/>
+          </a:prstGeom>
+          <a:noFill/>
+        </p:spPr>
+        <p:txBody>
+          <a:bodyPr wrap="square">
+            <a:spAutoFit/>
+          </a:bodyPr>
+          <a:lstStyle/>
+          <a:p>
+            <a:r>
+              <a:rPr lang="ca-ES" sz="2400" dirty="0">
+                <a:latin typeface="ADLaM Display" panose="02010000000000000000" pitchFamily="2" charset="0"/>
+                <a:ea typeface="ADLaM Display" panose="02010000000000000000" pitchFamily="2" charset="0"/>
+                <a:cs typeface="ADLaM Display" panose="02010000000000000000" pitchFamily="2" charset="0"/>
+              </a:rPr>
+              <a:t>Canvis més subtils  poden portar a una millora</a:t>
+            </a:r>
+          </a:p>
+        </p:txBody>
+      </p:sp>
+    </p:spTree>
+    <p:extLst>
+      <p:ext uri="{BB962C8B-B14F-4D97-AF65-F5344CB8AC3E}">
+        <p14:creationId xmlns:p14="http://schemas.microsoft.com/office/powerpoint/2010/main" val="1552760861"/>
       </p:ext>
     </p:extLst>
   </p:cSld>
